--- a/diapos/CPP_aprem.pptx
+++ b/diapos/CPP_aprem.pptx
@@ -16,25 +16,25 @@
     <p:sldId id="308" r:id="rId7"/>
     <p:sldId id="309" r:id="rId8"/>
     <p:sldId id="310" r:id="rId9"/>
-    <p:sldId id="311" r:id="rId10"/>
-    <p:sldId id="312" r:id="rId11"/>
+    <p:sldId id="312" r:id="rId10"/>
+    <p:sldId id="311" r:id="rId11"/>
     <p:sldId id="313" r:id="rId12"/>
-    <p:sldId id="283" r:id="rId13"/>
-    <p:sldId id="315" r:id="rId14"/>
-    <p:sldId id="316" r:id="rId15"/>
-    <p:sldId id="326" r:id="rId16"/>
-    <p:sldId id="319" r:id="rId17"/>
-    <p:sldId id="317" r:id="rId18"/>
-    <p:sldId id="327" r:id="rId19"/>
-    <p:sldId id="318" r:id="rId20"/>
-    <p:sldId id="328" r:id="rId21"/>
-    <p:sldId id="281" r:id="rId22"/>
-    <p:sldId id="320" r:id="rId23"/>
-    <p:sldId id="321" r:id="rId24"/>
-    <p:sldId id="322" r:id="rId25"/>
-    <p:sldId id="323" r:id="rId26"/>
-    <p:sldId id="324" r:id="rId27"/>
-    <p:sldId id="285" r:id="rId28"/>
+    <p:sldId id="329" r:id="rId13"/>
+    <p:sldId id="283" r:id="rId14"/>
+    <p:sldId id="315" r:id="rId15"/>
+    <p:sldId id="316" r:id="rId16"/>
+    <p:sldId id="326" r:id="rId17"/>
+    <p:sldId id="319" r:id="rId18"/>
+    <p:sldId id="317" r:id="rId19"/>
+    <p:sldId id="327" r:id="rId20"/>
+    <p:sldId id="330" r:id="rId21"/>
+    <p:sldId id="318" r:id="rId22"/>
+    <p:sldId id="328" r:id="rId23"/>
+    <p:sldId id="320" r:id="rId24"/>
+    <p:sldId id="321" r:id="rId25"/>
+    <p:sldId id="322" r:id="rId26"/>
+    <p:sldId id="323" r:id="rId27"/>
+    <p:sldId id="324" r:id="rId28"/>
     <p:sldId id="277" r:id="rId29"/>
     <p:sldId id="270" r:id="rId30"/>
   </p:sldIdLst>
@@ -4901,17 +4901,6 @@
           <a:bodyPr/>
           <a:lstStyle/>
           <a:p>
-            <a:r>
-              <a:rPr lang="fr-FR" dirty="0" smtClean="0"/>
-              <a:t>8 warnings</a:t>
-            </a:r>
-            <a:r>
-              <a:rPr lang="fr-FR" baseline="0" dirty="0" smtClean="0"/>
-              <a:t> ne W4</a:t>
-            </a:r>
-            <a:endParaRPr lang="fr-FR" dirty="0" smtClean="0"/>
-          </a:p>
-          <a:p>
             <a:endParaRPr lang="fr-FR" dirty="0"/>
           </a:p>
         </p:txBody>
@@ -4934,7 +4923,7 @@
             <a:pPr rtl="0"/>
             <a:fld id="{C6B3AB32-59DF-41F1-9618-EDFBF5049629}" type="slidenum">
               <a:rPr lang="fr-FR" noProof="0" smtClean="0"/>
-              <a:t>17</a:t>
+              <a:t>18</a:t>
             </a:fld>
             <a:endParaRPr lang="fr-FR" noProof="0" dirty="0"/>
           </a:p>
@@ -4943,7 +4932,7 @@
     </p:spTree>
     <p:extLst>
       <p:ext uri="{BB962C8B-B14F-4D97-AF65-F5344CB8AC3E}">
-        <p14:creationId xmlns:p14="http://schemas.microsoft.com/office/powerpoint/2010/main" val="1329540682"/>
+        <p14:creationId xmlns:p14="http://schemas.microsoft.com/office/powerpoint/2010/main" val="392940843"/>
       </p:ext>
     </p:extLst>
   </p:cSld>
@@ -4972,7 +4961,7 @@
       </p:grpSpPr>
       <p:sp>
         <p:nvSpPr>
-          <p:cNvPr id="2" name="Espace réservé de l’image des diapositives 1"/>
+          <p:cNvPr id="2" name="Espace réservé de l'image des diapositives 1"/>
           <p:cNvSpPr>
             <a:spLocks noGrp="1" noRot="1" noChangeAspect="1"/>
           </p:cNvSpPr>
@@ -4980,16 +4969,11 @@
             <p:ph type="sldImg"/>
           </p:nvPr>
         </p:nvSpPr>
-        <p:spPr>
-          <a:xfrm>
-            <a:off x="960438" y="1143000"/>
-            <a:ext cx="4937125" cy="3086100"/>
-          </a:xfrm>
-        </p:spPr>
-      </p:sp>
-      <p:sp>
-        <p:nvSpPr>
-          <p:cNvPr id="3" name="Espace réservé des commentaires 2"/>
+        <p:spPr/>
+      </p:sp>
+      <p:sp>
+        <p:nvSpPr>
+          <p:cNvPr id="3" name="Espace réservé des notes 2"/>
           <p:cNvSpPr>
             <a:spLocks noGrp="1"/>
           </p:cNvSpPr>
@@ -4999,10 +4983,20 @@
         </p:nvSpPr>
         <p:spPr/>
         <p:txBody>
-          <a:bodyPr rtlCol="0"/>
+          <a:bodyPr/>
           <a:lstStyle/>
           <a:p>
-            <a:pPr rtl="0"/>
+            <a:r>
+              <a:rPr lang="fr-FR" dirty="0" smtClean="0"/>
+              <a:t>8 warnings</a:t>
+            </a:r>
+            <a:r>
+              <a:rPr lang="fr-FR" baseline="0" dirty="0" smtClean="0"/>
+              <a:t> ne W4</a:t>
+            </a:r>
+            <a:endParaRPr lang="fr-FR" dirty="0" smtClean="0"/>
+          </a:p>
+          <a:p>
             <a:endParaRPr lang="fr-FR" dirty="0"/>
           </a:p>
         </p:txBody>
@@ -5014,27 +5008,27 @@
             <a:spLocks noGrp="1"/>
           </p:cNvSpPr>
           <p:nvPr>
-            <p:ph type="sldNum" sz="quarter" idx="5"/>
+            <p:ph type="sldNum" sz="quarter" idx="10"/>
           </p:nvPr>
         </p:nvSpPr>
         <p:spPr/>
         <p:txBody>
-          <a:bodyPr rtlCol="0"/>
+          <a:bodyPr/>
           <a:lstStyle/>
           <a:p>
             <a:pPr rtl="0"/>
             <a:fld id="{C6B3AB32-59DF-41F1-9618-EDFBF5049629}" type="slidenum">
-              <a:rPr lang="fr-FR" smtClean="0"/>
-              <a:t>18</a:t>
+              <a:rPr lang="fr-FR" noProof="0" smtClean="0"/>
+              <a:t>19</a:t>
             </a:fld>
-            <a:endParaRPr lang="fr-FR"/>
+            <a:endParaRPr lang="fr-FR" noProof="0" dirty="0"/>
           </a:p>
         </p:txBody>
       </p:sp>
     </p:spTree>
     <p:extLst>
       <p:ext uri="{BB962C8B-B14F-4D97-AF65-F5344CB8AC3E}">
-        <p14:creationId xmlns:p14="http://schemas.microsoft.com/office/powerpoint/2010/main" val="3130159449"/>
+        <p14:creationId xmlns:p14="http://schemas.microsoft.com/office/powerpoint/2010/main" val="1329540682"/>
       </p:ext>
     </p:extLst>
   </p:cSld>
@@ -5116,7 +5110,7 @@
             <a:pPr rtl="0"/>
             <a:fld id="{C6B3AB32-59DF-41F1-9618-EDFBF5049629}" type="slidenum">
               <a:rPr lang="fr-FR" smtClean="0"/>
-              <a:t>19</a:t>
+              <a:t>20</a:t>
             </a:fld>
             <a:endParaRPr lang="fr-FR"/>
           </a:p>
@@ -5154,97 +5148,6 @@
       </p:grpSpPr>
       <p:sp>
         <p:nvSpPr>
-          <p:cNvPr id="2" name="Espace réservé de l’image des diapositives 1"/>
-          <p:cNvSpPr>
-            <a:spLocks noGrp="1" noRot="1" noChangeAspect="1"/>
-          </p:cNvSpPr>
-          <p:nvPr>
-            <p:ph type="sldImg"/>
-          </p:nvPr>
-        </p:nvSpPr>
-        <p:spPr>
-          <a:xfrm>
-            <a:off x="960438" y="1143000"/>
-            <a:ext cx="4937125" cy="3086100"/>
-          </a:xfrm>
-        </p:spPr>
-      </p:sp>
-      <p:sp>
-        <p:nvSpPr>
-          <p:cNvPr id="3" name="Espace réservé des commentaires 2"/>
-          <p:cNvSpPr>
-            <a:spLocks noGrp="1"/>
-          </p:cNvSpPr>
-          <p:nvPr>
-            <p:ph type="body" idx="1"/>
-          </p:nvPr>
-        </p:nvSpPr>
-        <p:spPr/>
-        <p:txBody>
-          <a:bodyPr rtlCol="0"/>
-          <a:lstStyle/>
-          <a:p>
-            <a:pPr rtl="0"/>
-            <a:endParaRPr lang="fr-FR"/>
-          </a:p>
-        </p:txBody>
-      </p:sp>
-      <p:sp>
-        <p:nvSpPr>
-          <p:cNvPr id="4" name="Espace réservé du numéro de diapositive 3"/>
-          <p:cNvSpPr>
-            <a:spLocks noGrp="1"/>
-          </p:cNvSpPr>
-          <p:nvPr>
-            <p:ph type="sldNum" sz="quarter" idx="5"/>
-          </p:nvPr>
-        </p:nvSpPr>
-        <p:spPr/>
-        <p:txBody>
-          <a:bodyPr rtlCol="0"/>
-          <a:lstStyle/>
-          <a:p>
-            <a:pPr rtl="0"/>
-            <a:fld id="{C6B3AB32-59DF-41F1-9618-EDFBF5049629}" type="slidenum">
-              <a:rPr lang="fr-FR" smtClean="0"/>
-              <a:t>24</a:t>
-            </a:fld>
-            <a:endParaRPr lang="fr-FR"/>
-          </a:p>
-        </p:txBody>
-      </p:sp>
-    </p:spTree>
-    <p:extLst>
-      <p:ext uri="{BB962C8B-B14F-4D97-AF65-F5344CB8AC3E}">
-        <p14:creationId xmlns:p14="http://schemas.microsoft.com/office/powerpoint/2010/main" val="1335678831"/>
-      </p:ext>
-    </p:extLst>
-  </p:cSld>
-  <p:clrMapOvr>
-    <a:masterClrMapping/>
-  </p:clrMapOvr>
-</p:notes>
-</file>
-
-<file path=ppt/notesSlides/notesSlide14.xml><?xml version="1.0" encoding="utf-8"?>
-<p:notes xmlns:a="http://schemas.openxmlformats.org/drawingml/2006/main" xmlns:r="http://schemas.openxmlformats.org/officeDocument/2006/relationships" xmlns:p="http://schemas.openxmlformats.org/presentationml/2006/main">
-  <p:cSld>
-    <p:spTree>
-      <p:nvGrpSpPr>
-        <p:cNvPr id="1" name=""/>
-        <p:cNvGrpSpPr/>
-        <p:nvPr/>
-      </p:nvGrpSpPr>
-      <p:grpSpPr>
-        <a:xfrm>
-          <a:off x="0" y="0"/>
-          <a:ext cx="0" cy="0"/>
-          <a:chOff x="0" y="0"/>
-          <a:chExt cx="0" cy="0"/>
-        </a:xfrm>
-      </p:grpSpPr>
-      <p:sp>
-        <p:nvSpPr>
           <p:cNvPr id="2" name="Espace réservé de l'image des diapositives 1"/>
           <p:cNvSpPr>
             <a:spLocks noGrp="1" noRot="1" noChangeAspect="1"/>
@@ -5311,7 +5214,7 @@
 </p:notes>
 </file>
 
-<file path=ppt/notesSlides/notesSlide15.xml><?xml version="1.0" encoding="utf-8"?>
+<file path=ppt/notesSlides/notesSlide14.xml><?xml version="1.0" encoding="utf-8"?>
 <p:notes xmlns:a="http://schemas.openxmlformats.org/drawingml/2006/main" xmlns:r="http://schemas.openxmlformats.org/officeDocument/2006/relationships" xmlns:p="http://schemas.openxmlformats.org/presentationml/2006/main">
   <p:cSld>
     <p:spTree>
@@ -5538,12 +5441,24 @@
           <a:lstStyle/>
           <a:p>
             <a:r>
-              <a:rPr lang="fr-FR" dirty="0" err="1" smtClean="0"/>
-              <a:t>Qt</a:t>
+              <a:rPr lang="fr-FR" dirty="0" smtClean="0"/>
+              <a:t>Notez</a:t>
             </a:r>
             <a:r>
               <a:rPr lang="fr-FR" baseline="0" dirty="0" smtClean="0"/>
-              <a:t> génère automatiquement un fichier source correspondant à l’entête.</a:t>
+              <a:t> l’utilisation de /</a:t>
+            </a:r>
+            <a:r>
+              <a:rPr lang="fr-FR" baseline="0" dirty="0" err="1" smtClean="0"/>
+              <a:t>Yc</a:t>
+            </a:r>
+            <a:r>
+              <a:rPr lang="fr-FR" baseline="0" dirty="0" smtClean="0"/>
+              <a:t> et /</a:t>
+            </a:r>
+            <a:r>
+              <a:rPr lang="fr-FR" baseline="0" dirty="0" err="1" smtClean="0"/>
+              <a:t>Yu</a:t>
             </a:r>
             <a:endParaRPr lang="fr-FR" dirty="0"/>
           </a:p>
@@ -5567,7 +5482,7 @@
             <a:pPr rtl="0"/>
             <a:fld id="{C6B3AB32-59DF-41F1-9618-EDFBF5049629}" type="slidenum">
               <a:rPr lang="fr-FR" noProof="0" smtClean="0"/>
-              <a:t>6</a:t>
+              <a:t>5</a:t>
             </a:fld>
             <a:endParaRPr lang="fr-FR" noProof="0" dirty="0"/>
           </a:p>
@@ -5576,7 +5491,7 @@
     </p:spTree>
     <p:extLst>
       <p:ext uri="{BB962C8B-B14F-4D97-AF65-F5344CB8AC3E}">
-        <p14:creationId xmlns:p14="http://schemas.microsoft.com/office/powerpoint/2010/main" val="3396221493"/>
+        <p14:creationId xmlns:p14="http://schemas.microsoft.com/office/powerpoint/2010/main" val="2838804018"/>
       </p:ext>
     </p:extLst>
   </p:cSld>
@@ -5731,7 +5646,7 @@
             <a:pPr rtl="0"/>
             <a:fld id="{C6B3AB32-59DF-41F1-9618-EDFBF5049629}" type="slidenum">
               <a:rPr lang="fr-FR" noProof="0" smtClean="0"/>
-              <a:t>7</a:t>
+              <a:t>6</a:t>
             </a:fld>
             <a:endParaRPr lang="fr-FR" noProof="0" dirty="0"/>
           </a:p>
@@ -5795,84 +5710,13 @@
           <a:lstStyle/>
           <a:p>
             <a:r>
-              <a:rPr lang="nl-NL" sz="936" kern="1200" dirty="0" smtClean="0">
-                <a:solidFill>
-                  <a:schemeClr val="tx1"/>
-                </a:solidFill>
-                <a:latin typeface="+mn-lt"/>
-                <a:ea typeface="+mn-ea"/>
-                <a:cs typeface="+mn-cs"/>
-              </a:rPr>
-              <a:t>1&gt;      146 ms  Link                                       1 appels</a:t>
-            </a:r>
-          </a:p>
-          <a:p>
-            <a:r>
-              <a:rPr lang="fr-FR" sz="936" kern="1200" dirty="0" smtClean="0">
-                <a:solidFill>
-                  <a:schemeClr val="tx1"/>
-                </a:solidFill>
-                <a:latin typeface="+mn-lt"/>
-                <a:ea typeface="+mn-ea"/>
-                <a:cs typeface="+mn-cs"/>
-              </a:rPr>
-              <a:t>1&gt;     1008 ms  CL                                         2 appels</a:t>
-            </a:r>
-          </a:p>
-          <a:p>
-            <a:endParaRPr lang="fr-FR" sz="936" kern="1200" dirty="0" smtClean="0">
-              <a:solidFill>
-                <a:schemeClr val="tx1"/>
-              </a:solidFill>
-              <a:latin typeface="+mn-lt"/>
-              <a:ea typeface="+mn-ea"/>
-              <a:cs typeface="+mn-cs"/>
-            </a:endParaRPr>
-          </a:p>
-          <a:p>
-            <a:r>
-              <a:rPr lang="nl-NL" sz="936" kern="1200" dirty="0" smtClean="0">
-                <a:solidFill>
-                  <a:schemeClr val="tx1"/>
-                </a:solidFill>
-                <a:latin typeface="+mn-lt"/>
-                <a:ea typeface="+mn-ea"/>
-                <a:cs typeface="+mn-cs"/>
-              </a:rPr>
-              <a:t>1&gt;      312 ms  Link                                       1 appels</a:t>
-            </a:r>
-          </a:p>
-          <a:p>
-            <a:pPr marL="0" marR="0" lvl="0" indent="0" algn="l" defTabSz="713232" rtl="0" eaLnBrk="1" fontAlgn="auto" latinLnBrk="0" hangingPunct="1">
-              <a:lnSpc>
-                <a:spcPct val="100000"/>
-              </a:lnSpc>
-              <a:spcBef>
-                <a:spcPts val="0"/>
-              </a:spcBef>
-              <a:spcAft>
-                <a:spcPts val="0"/>
-              </a:spcAft>
-              <a:buClrTx/>
-              <a:buSzTx/>
-              <a:buFontTx/>
-              <a:buNone/>
-              <a:tabLst/>
-              <a:defRPr/>
-            </a:pPr>
-            <a:r>
-              <a:rPr lang="fr-FR" sz="936" kern="1200" dirty="0" smtClean="0">
-                <a:solidFill>
-                  <a:schemeClr val="tx1"/>
-                </a:solidFill>
-                <a:latin typeface="+mn-lt"/>
-                <a:ea typeface="+mn-ea"/>
-                <a:cs typeface="+mn-cs"/>
-              </a:rPr>
-              <a:t>1&gt;      207 ms  CL                                         2 appels</a:t>
-            </a:r>
-          </a:p>
-          <a:p>
+              <a:rPr lang="fr-FR" dirty="0" err="1" smtClean="0"/>
+              <a:t>Qt</a:t>
+            </a:r>
+            <a:r>
+              <a:rPr lang="fr-FR" baseline="0" dirty="0" smtClean="0"/>
+              <a:t> génère automatiquement un fichier source correspondant à l’entête.</a:t>
+            </a:r>
             <a:endParaRPr lang="fr-FR" dirty="0"/>
           </a:p>
         </p:txBody>
@@ -5895,7 +5739,7 @@
             <a:pPr rtl="0"/>
             <a:fld id="{C6B3AB32-59DF-41F1-9618-EDFBF5049629}" type="slidenum">
               <a:rPr lang="fr-FR" noProof="0" smtClean="0"/>
-              <a:t>8</a:t>
+              <a:t>7</a:t>
             </a:fld>
             <a:endParaRPr lang="fr-FR" noProof="0" dirty="0"/>
           </a:p>
@@ -5904,7 +5748,7 @@
     </p:spTree>
     <p:extLst>
       <p:ext uri="{BB962C8B-B14F-4D97-AF65-F5344CB8AC3E}">
-        <p14:creationId xmlns:p14="http://schemas.microsoft.com/office/powerpoint/2010/main" val="2317056104"/>
+        <p14:creationId xmlns:p14="http://schemas.microsoft.com/office/powerpoint/2010/main" val="3396221493"/>
       </p:ext>
     </p:extLst>
   </p:cSld>
@@ -5933,7 +5777,7 @@
       </p:grpSpPr>
       <p:sp>
         <p:nvSpPr>
-          <p:cNvPr id="2" name="Espace réservé de l’image des diapositives 1"/>
+          <p:cNvPr id="2" name="Espace réservé de l'image des diapositives 1"/>
           <p:cNvSpPr>
             <a:spLocks noGrp="1" noRot="1" noChangeAspect="1"/>
           </p:cNvSpPr>
@@ -5941,16 +5785,11 @@
             <p:ph type="sldImg"/>
           </p:nvPr>
         </p:nvSpPr>
-        <p:spPr>
-          <a:xfrm>
-            <a:off x="960438" y="1143000"/>
-            <a:ext cx="4937125" cy="3086100"/>
-          </a:xfrm>
-        </p:spPr>
-      </p:sp>
-      <p:sp>
-        <p:nvSpPr>
-          <p:cNvPr id="3" name="Espace réservé des commentaires 2"/>
+        <p:spPr/>
+      </p:sp>
+      <p:sp>
+        <p:nvSpPr>
+          <p:cNvPr id="3" name="Espace réservé des notes 2"/>
           <p:cNvSpPr>
             <a:spLocks noGrp="1"/>
           </p:cNvSpPr>
@@ -5960,11 +5799,89 @@
         </p:nvSpPr>
         <p:spPr/>
         <p:txBody>
-          <a:bodyPr rtlCol="0"/>
+          <a:bodyPr/>
           <a:lstStyle/>
           <a:p>
-            <a:pPr rtl="0"/>
-            <a:endParaRPr lang="fr-FR"/>
+            <a:r>
+              <a:rPr lang="nl-NL" sz="936" kern="1200" dirty="0" smtClean="0">
+                <a:solidFill>
+                  <a:schemeClr val="tx1"/>
+                </a:solidFill>
+                <a:latin typeface="+mn-lt"/>
+                <a:ea typeface="+mn-ea"/>
+                <a:cs typeface="+mn-cs"/>
+              </a:rPr>
+              <a:t>1&gt;      146 ms  Link                                       1 appels</a:t>
+            </a:r>
+          </a:p>
+          <a:p>
+            <a:r>
+              <a:rPr lang="fr-FR" sz="936" kern="1200" dirty="0" smtClean="0">
+                <a:solidFill>
+                  <a:schemeClr val="tx1"/>
+                </a:solidFill>
+                <a:latin typeface="+mn-lt"/>
+                <a:ea typeface="+mn-ea"/>
+                <a:cs typeface="+mn-cs"/>
+              </a:rPr>
+              <a:t>1&gt;     1008 ms  CL                                         2 appels</a:t>
+            </a:r>
+          </a:p>
+          <a:p>
+            <a:endParaRPr lang="fr-FR" sz="936" kern="1200" dirty="0" smtClean="0">
+              <a:solidFill>
+                <a:schemeClr val="tx1"/>
+              </a:solidFill>
+              <a:latin typeface="+mn-lt"/>
+              <a:ea typeface="+mn-ea"/>
+              <a:cs typeface="+mn-cs"/>
+            </a:endParaRPr>
+          </a:p>
+          <a:p>
+            <a:r>
+              <a:rPr lang="nl-NL" sz="936" kern="1200" dirty="0" smtClean="0">
+                <a:solidFill>
+                  <a:schemeClr val="tx1"/>
+                </a:solidFill>
+                <a:latin typeface="+mn-lt"/>
+                <a:ea typeface="+mn-ea"/>
+                <a:cs typeface="+mn-cs"/>
+              </a:rPr>
+              <a:t>1&gt;      312 ms  Link                                       1 appels</a:t>
+            </a:r>
+          </a:p>
+          <a:p>
+            <a:pPr marL="0" marR="0" lvl="0" indent="0" algn="l" defTabSz="713232" rtl="0" eaLnBrk="1" fontAlgn="auto" latinLnBrk="0" hangingPunct="1">
+              <a:lnSpc>
+                <a:spcPct val="100000"/>
+              </a:lnSpc>
+              <a:spcBef>
+                <a:spcPts val="0"/>
+              </a:spcBef>
+              <a:spcAft>
+                <a:spcPts val="0"/>
+              </a:spcAft>
+              <a:buClrTx/>
+              <a:buSzTx/>
+              <a:buFontTx/>
+              <a:buNone/>
+              <a:tabLst/>
+              <a:defRPr/>
+            </a:pPr>
+            <a:r>
+              <a:rPr lang="fr-FR" sz="936" kern="1200" dirty="0" smtClean="0">
+                <a:solidFill>
+                  <a:schemeClr val="tx1"/>
+                </a:solidFill>
+                <a:latin typeface="+mn-lt"/>
+                <a:ea typeface="+mn-ea"/>
+                <a:cs typeface="+mn-cs"/>
+              </a:rPr>
+              <a:t>1&gt;      207 ms  CL                                         2 appels</a:t>
+            </a:r>
+          </a:p>
+          <a:p>
+            <a:endParaRPr lang="fr-FR" dirty="0"/>
           </a:p>
         </p:txBody>
       </p:sp>
@@ -5975,27 +5892,27 @@
             <a:spLocks noGrp="1"/>
           </p:cNvSpPr>
           <p:nvPr>
-            <p:ph type="sldNum" sz="quarter" idx="5"/>
+            <p:ph type="sldNum" sz="quarter" idx="10"/>
           </p:nvPr>
         </p:nvSpPr>
         <p:spPr/>
         <p:txBody>
-          <a:bodyPr rtlCol="0"/>
+          <a:bodyPr/>
           <a:lstStyle/>
           <a:p>
             <a:pPr rtl="0"/>
             <a:fld id="{C6B3AB32-59DF-41F1-9618-EDFBF5049629}" type="slidenum">
-              <a:rPr lang="fr-FR" smtClean="0"/>
-              <a:t>9</a:t>
+              <a:rPr lang="fr-FR" noProof="0" smtClean="0"/>
+              <a:t>8</a:t>
             </a:fld>
-            <a:endParaRPr lang="fr-FR"/>
+            <a:endParaRPr lang="fr-FR" noProof="0" dirty="0"/>
           </a:p>
         </p:txBody>
       </p:sp>
     </p:spTree>
     <p:extLst>
       <p:ext uri="{BB962C8B-B14F-4D97-AF65-F5344CB8AC3E}">
-        <p14:creationId xmlns:p14="http://schemas.microsoft.com/office/powerpoint/2010/main" val="2932722485"/>
+        <p14:creationId xmlns:p14="http://schemas.microsoft.com/office/powerpoint/2010/main" val="2317056104"/>
       </p:ext>
     </p:extLst>
   </p:cSld>
@@ -6024,7 +5941,7 @@
       </p:grpSpPr>
       <p:sp>
         <p:nvSpPr>
-          <p:cNvPr id="2" name="Espace réservé de l'image des diapositives 1"/>
+          <p:cNvPr id="2" name="Espace réservé de l’image des diapositives 1"/>
           <p:cNvSpPr>
             <a:spLocks noGrp="1" noRot="1" noChangeAspect="1"/>
           </p:cNvSpPr>
@@ -6032,99 +5949,61 @@
             <p:ph type="sldImg"/>
           </p:nvPr>
         </p:nvSpPr>
+        <p:spPr>
+          <a:xfrm>
+            <a:off x="960438" y="1143000"/>
+            <a:ext cx="4937125" cy="3086100"/>
+          </a:xfrm>
+        </p:spPr>
+      </p:sp>
+      <p:sp>
+        <p:nvSpPr>
+          <p:cNvPr id="3" name="Espace réservé des commentaires 2"/>
+          <p:cNvSpPr>
+            <a:spLocks noGrp="1"/>
+          </p:cNvSpPr>
+          <p:nvPr>
+            <p:ph type="body" idx="1"/>
+          </p:nvPr>
+        </p:nvSpPr>
         <p:spPr/>
-      </p:sp>
-      <p:sp>
-        <p:nvSpPr>
-          <p:cNvPr id="3" name="Espace réservé des notes 2"/>
+        <p:txBody>
+          <a:bodyPr rtlCol="0"/>
+          <a:lstStyle/>
+          <a:p>
+            <a:pPr rtl="0"/>
+            <a:endParaRPr lang="fr-FR"/>
+          </a:p>
+        </p:txBody>
+      </p:sp>
+      <p:sp>
+        <p:nvSpPr>
+          <p:cNvPr id="4" name="Espace réservé du numéro de diapositive 3"/>
           <p:cNvSpPr>
             <a:spLocks noGrp="1"/>
           </p:cNvSpPr>
           <p:nvPr>
-            <p:ph type="body" idx="1"/>
+            <p:ph type="sldNum" sz="quarter" idx="5"/>
           </p:nvPr>
         </p:nvSpPr>
         <p:spPr/>
         <p:txBody>
-          <a:bodyPr/>
-          <a:lstStyle/>
-          <a:p>
-            <a:r>
-              <a:rPr lang="fr-FR" dirty="0" smtClean="0"/>
-              <a:t>1 seconde en </a:t>
-            </a:r>
-            <a:r>
-              <a:rPr lang="fr-FR" dirty="0" err="1" smtClean="0"/>
-              <a:t>debug</a:t>
-            </a:r>
-            <a:endParaRPr lang="fr-FR" dirty="0" smtClean="0"/>
-          </a:p>
-          <a:p>
-            <a:r>
-              <a:rPr lang="fr-FR" dirty="0" smtClean="0"/>
-              <a:t>505 ms en release sans vectorisation</a:t>
-            </a:r>
-            <a:r>
-              <a:rPr lang="fr-FR" baseline="0" dirty="0" smtClean="0"/>
-              <a:t> = x2</a:t>
-            </a:r>
-            <a:endParaRPr lang="fr-FR" dirty="0" smtClean="0"/>
-          </a:p>
-          <a:p>
-            <a:r>
-              <a:rPr lang="fr-FR" dirty="0" smtClean="0"/>
-              <a:t>18</a:t>
-            </a:r>
-            <a:r>
-              <a:rPr lang="fr-FR" baseline="0" dirty="0" smtClean="0"/>
-              <a:t> ms en release = x55</a:t>
-            </a:r>
-          </a:p>
-          <a:p>
-            <a:r>
-              <a:rPr lang="fr-FR" dirty="0" smtClean="0"/>
-              <a:t>/</a:t>
-            </a:r>
-            <a:r>
-              <a:rPr lang="fr-FR" dirty="0" err="1" smtClean="0"/>
-              <a:t>Ox</a:t>
-            </a:r>
-            <a:r>
-              <a:rPr lang="fr-FR" dirty="0" smtClean="0"/>
-              <a:t> est un sous ensemble de /O2</a:t>
-            </a:r>
-            <a:endParaRPr lang="fr-FR" dirty="0"/>
-          </a:p>
-        </p:txBody>
-      </p:sp>
-      <p:sp>
-        <p:nvSpPr>
-          <p:cNvPr id="4" name="Espace réservé du numéro de diapositive 3"/>
-          <p:cNvSpPr>
-            <a:spLocks noGrp="1"/>
-          </p:cNvSpPr>
-          <p:nvPr>
-            <p:ph type="sldNum" sz="quarter" idx="10"/>
-          </p:nvPr>
-        </p:nvSpPr>
-        <p:spPr/>
-        <p:txBody>
-          <a:bodyPr/>
+          <a:bodyPr rtlCol="0"/>
           <a:lstStyle/>
           <a:p>
             <a:pPr rtl="0"/>
             <a:fld id="{C6B3AB32-59DF-41F1-9618-EDFBF5049629}" type="slidenum">
-              <a:rPr lang="fr-FR" noProof="0" smtClean="0"/>
-              <a:t>12</a:t>
+              <a:rPr lang="fr-FR" smtClean="0"/>
+              <a:t>10</a:t>
             </a:fld>
-            <a:endParaRPr lang="fr-FR" noProof="0" dirty="0"/>
+            <a:endParaRPr lang="fr-FR"/>
           </a:p>
         </p:txBody>
       </p:sp>
     </p:spTree>
     <p:extLst>
       <p:ext uri="{BB962C8B-B14F-4D97-AF65-F5344CB8AC3E}">
-        <p14:creationId xmlns:p14="http://schemas.microsoft.com/office/powerpoint/2010/main" val="337509285"/>
+        <p14:creationId xmlns:p14="http://schemas.microsoft.com/office/powerpoint/2010/main" val="2932722485"/>
       </p:ext>
     </p:extLst>
   </p:cSld>
@@ -6180,95 +6059,48 @@
           <a:p>
             <a:r>
               <a:rPr lang="fr-FR" dirty="0" smtClean="0"/>
-              <a:t>Pas de symboles</a:t>
-            </a:r>
-            <a:r>
-              <a:rPr lang="fr-FR" baseline="0" dirty="0" smtClean="0"/>
-              <a:t> : 17 ko</a:t>
-            </a:r>
-            <a:endParaRPr lang="fr-FR" dirty="0" smtClean="0"/>
-          </a:p>
-          <a:p>
-            <a:r>
-              <a:rPr lang="fr-FR" dirty="0" smtClean="0"/>
-              <a:t>/Zi = 46 ko + 156 ko de pdb</a:t>
-            </a:r>
-          </a:p>
-          <a:p>
-            <a:r>
-              <a:rPr lang="fr-FR" dirty="0" smtClean="0"/>
-              <a:t>/ZI = 55ko + 156 ko (pdb) + 139 ko (</a:t>
-            </a:r>
-            <a:r>
-              <a:rPr lang="fr-FR" dirty="0" err="1" smtClean="0"/>
-              <a:t>idb</a:t>
-            </a:r>
-            <a:r>
-              <a:rPr lang="fr-FR" dirty="0" smtClean="0"/>
-              <a:t>)</a:t>
-            </a:r>
-          </a:p>
-          <a:p>
-            <a:r>
-              <a:rPr lang="fr-FR" dirty="0" smtClean="0"/>
-              <a:t>/Z7 = 148 ko</a:t>
-            </a:r>
-          </a:p>
-          <a:p>
-            <a:endParaRPr lang="fr-FR" dirty="0" smtClean="0"/>
-          </a:p>
-          <a:p>
-            <a:r>
-              <a:rPr lang="fr-FR" dirty="0" smtClean="0"/>
-              <a:t>IDB = </a:t>
-            </a:r>
-            <a:r>
-              <a:rPr lang="fr-FR" dirty="0" err="1" smtClean="0"/>
-              <a:t>Intermediate</a:t>
-            </a:r>
-            <a:r>
-              <a:rPr lang="fr-FR" dirty="0" smtClean="0"/>
-              <a:t> </a:t>
+              <a:t>1 seconde en </a:t>
             </a:r>
             <a:r>
               <a:rPr lang="fr-FR" dirty="0" err="1" smtClean="0"/>
               <a:t>debug</a:t>
             </a:r>
+            <a:endParaRPr lang="fr-FR" dirty="0" smtClean="0"/>
+          </a:p>
+          <a:p>
             <a:r>
               <a:rPr lang="fr-FR" dirty="0" smtClean="0"/>
-              <a:t> format créé par l’IDA (The Interactive </a:t>
+              <a:t>505 ms en release sans vectorisation</a:t>
+            </a:r>
+            <a:r>
+              <a:rPr lang="fr-FR" baseline="0" dirty="0" smtClean="0"/>
+              <a:t> = x2</a:t>
+            </a:r>
+            <a:endParaRPr lang="fr-FR" dirty="0" smtClean="0"/>
+          </a:p>
+          <a:p>
+            <a:r>
+              <a:rPr lang="fr-FR" dirty="0" smtClean="0"/>
+              <a:t>18</a:t>
+            </a:r>
+            <a:r>
+              <a:rPr lang="fr-FR" baseline="0" dirty="0" smtClean="0"/>
+              <a:t> ms en release = x55</a:t>
+            </a:r>
+          </a:p>
+          <a:p>
+            <a:r>
+              <a:rPr lang="fr-FR" dirty="0" smtClean="0"/>
+              <a:t>/</a:t>
             </a:r>
             <a:r>
               <a:rPr lang="fr-FR" dirty="0" err="1" smtClean="0"/>
-              <a:t>Disassembler</a:t>
+              <a:t>Ox</a:t>
             </a:r>
             <a:r>
               <a:rPr lang="fr-FR" dirty="0" smtClean="0"/>
-              <a:t>), capable de « </a:t>
-            </a:r>
-            <a:r>
-              <a:rPr lang="fr-FR" dirty="0" err="1" smtClean="0"/>
-              <a:t>désasembler</a:t>
-            </a:r>
-            <a:r>
-              <a:rPr lang="fr-FR" dirty="0" smtClean="0"/>
-              <a:t> »</a:t>
-            </a:r>
-            <a:r>
-              <a:rPr lang="fr-FR" baseline="0" dirty="0" smtClean="0"/>
-              <a:t> un </a:t>
-            </a:r>
-            <a:r>
-              <a:rPr lang="fr-FR" baseline="0" dirty="0" err="1" smtClean="0"/>
-              <a:t>exe</a:t>
-            </a:r>
-            <a:r>
-              <a:rPr lang="fr-FR" baseline="0" dirty="0" smtClean="0"/>
-              <a:t>.</a:t>
-            </a:r>
-            <a:endParaRPr lang="fr-FR" dirty="0" smtClean="0"/>
-          </a:p>
-          <a:p>
+              <a:t> est un sous ensemble de /O2</a:t>
+            </a:r>
             <a:endParaRPr lang="fr-FR" dirty="0"/>
           </a:p>
         </p:txBody>
@@ -6291,7 +6123,7 @@
             <a:pPr rtl="0"/>
             <a:fld id="{C6B3AB32-59DF-41F1-9618-EDFBF5049629}" type="slidenum">
               <a:rPr lang="fr-FR" noProof="0" smtClean="0"/>
-              <a:t>15</a:t>
+              <a:t>13</a:t>
             </a:fld>
             <a:endParaRPr lang="fr-FR" noProof="0" dirty="0"/>
           </a:p>
@@ -6300,7 +6132,7 @@
     </p:spTree>
     <p:extLst>
       <p:ext uri="{BB962C8B-B14F-4D97-AF65-F5344CB8AC3E}">
-        <p14:creationId xmlns:p14="http://schemas.microsoft.com/office/powerpoint/2010/main" val="1877530364"/>
+        <p14:creationId xmlns:p14="http://schemas.microsoft.com/office/powerpoint/2010/main" val="337509285"/>
       </p:ext>
     </p:extLst>
   </p:cSld>
@@ -6354,6 +6186,97 @@
           <a:bodyPr/>
           <a:lstStyle/>
           <a:p>
+            <a:r>
+              <a:rPr lang="fr-FR" dirty="0" smtClean="0"/>
+              <a:t>Pas de symboles</a:t>
+            </a:r>
+            <a:r>
+              <a:rPr lang="fr-FR" baseline="0" dirty="0" smtClean="0"/>
+              <a:t> : 17 ko</a:t>
+            </a:r>
+            <a:endParaRPr lang="fr-FR" dirty="0" smtClean="0"/>
+          </a:p>
+          <a:p>
+            <a:r>
+              <a:rPr lang="fr-FR" dirty="0" smtClean="0"/>
+              <a:t>/Zi = 46 ko + 156 ko de pdb</a:t>
+            </a:r>
+          </a:p>
+          <a:p>
+            <a:r>
+              <a:rPr lang="fr-FR" dirty="0" smtClean="0"/>
+              <a:t>/ZI = 55ko + 156 ko (pdb) + 139 ko (</a:t>
+            </a:r>
+            <a:r>
+              <a:rPr lang="fr-FR" dirty="0" err="1" smtClean="0"/>
+              <a:t>idb</a:t>
+            </a:r>
+            <a:r>
+              <a:rPr lang="fr-FR" dirty="0" smtClean="0"/>
+              <a:t>)</a:t>
+            </a:r>
+          </a:p>
+          <a:p>
+            <a:r>
+              <a:rPr lang="fr-FR" dirty="0" smtClean="0"/>
+              <a:t>/Z7 = 148 ko</a:t>
+            </a:r>
+          </a:p>
+          <a:p>
+            <a:endParaRPr lang="fr-FR" dirty="0" smtClean="0"/>
+          </a:p>
+          <a:p>
+            <a:r>
+              <a:rPr lang="fr-FR" dirty="0" smtClean="0"/>
+              <a:t>IDB = </a:t>
+            </a:r>
+            <a:r>
+              <a:rPr lang="fr-FR" dirty="0" err="1" smtClean="0"/>
+              <a:t>Intermediate</a:t>
+            </a:r>
+            <a:r>
+              <a:rPr lang="fr-FR" dirty="0" smtClean="0"/>
+              <a:t> </a:t>
+            </a:r>
+            <a:r>
+              <a:rPr lang="fr-FR" dirty="0" err="1" smtClean="0"/>
+              <a:t>debug</a:t>
+            </a:r>
+            <a:r>
+              <a:rPr lang="fr-FR" dirty="0" smtClean="0"/>
+              <a:t> format créé par l’IDA (The Interactive </a:t>
+            </a:r>
+            <a:r>
+              <a:rPr lang="fr-FR" dirty="0" err="1" smtClean="0"/>
+              <a:t>Disassembler</a:t>
+            </a:r>
+            <a:r>
+              <a:rPr lang="fr-FR" dirty="0" smtClean="0"/>
+              <a:t>), capable de « </a:t>
+            </a:r>
+            <a:r>
+              <a:rPr lang="fr-FR" dirty="0" err="1" smtClean="0"/>
+              <a:t>désasembler</a:t>
+            </a:r>
+            <a:r>
+              <a:rPr lang="fr-FR" dirty="0" smtClean="0"/>
+              <a:t> »</a:t>
+            </a:r>
+            <a:r>
+              <a:rPr lang="fr-FR" baseline="0" dirty="0" smtClean="0"/>
+              <a:t> un </a:t>
+            </a:r>
+            <a:r>
+              <a:rPr lang="fr-FR" baseline="0" dirty="0" err="1" smtClean="0"/>
+              <a:t>exe</a:t>
+            </a:r>
+            <a:r>
+              <a:rPr lang="fr-FR" baseline="0" dirty="0" smtClean="0"/>
+              <a:t>.</a:t>
+            </a:r>
+            <a:endParaRPr lang="fr-FR" dirty="0" smtClean="0"/>
+          </a:p>
+          <a:p>
             <a:endParaRPr lang="fr-FR" dirty="0"/>
           </a:p>
         </p:txBody>
@@ -6385,7 +6308,7 @@
     </p:spTree>
     <p:extLst>
       <p:ext uri="{BB962C8B-B14F-4D97-AF65-F5344CB8AC3E}">
-        <p14:creationId xmlns:p14="http://schemas.microsoft.com/office/powerpoint/2010/main" val="392940843"/>
+        <p14:creationId xmlns:p14="http://schemas.microsoft.com/office/powerpoint/2010/main" val="1877530364"/>
       </p:ext>
     </p:extLst>
   </p:cSld>
@@ -11335,30 +11258,135 @@
       </p:grpSpPr>
       <p:sp>
         <p:nvSpPr>
-          <p:cNvPr id="5" name="Titre 4"/>
+          <p:cNvPr id="2" name="Titre 1">
+            <a:extLst>
+              <a:ext uri="{FF2B5EF4-FFF2-40B4-BE49-F238E27FC236}">
+                <a16:creationId xmlns:a16="http://schemas.microsoft.com/office/drawing/2014/main" id="{C02C5318-1A1E-49D0-B2E2-A4B0FA9E8A40}"/>
+              </a:ext>
+            </a:extLst>
+          </p:cNvPr>
           <p:cNvSpPr>
             <a:spLocks noGrp="1"/>
           </p:cNvSpPr>
           <p:nvPr>
-            <p:ph type="title"/>
-          </p:nvPr>
-        </p:nvSpPr>
-        <p:spPr/>
-        <p:txBody>
-          <a:bodyPr/>
+            <p:ph type="ctrTitle"/>
+          </p:nvPr>
+        </p:nvSpPr>
+        <p:spPr>
+          <a:xfrm>
+            <a:off x="330791" y="4545068"/>
+            <a:ext cx="8245162" cy="671433"/>
+          </a:xfrm>
+        </p:spPr>
+        <p:txBody>
+          <a:bodyPr rtlCol="0">
+            <a:noAutofit/>
+          </a:bodyPr>
           <a:lstStyle/>
           <a:p>
-            <a:r>
-              <a:rPr lang="fr-FR" dirty="0" smtClean="0"/>
-              <a:t>Catégories</a:t>
-            </a:r>
-            <a:endParaRPr lang="fr-FR" dirty="0"/>
-          </a:p>
-        </p:txBody>
-      </p:sp>
-      <p:sp>
-        <p:nvSpPr>
-          <p:cNvPr id="4" name="Espace réservé du numéro de diapositive 3"/>
+            <a:pPr algn="r" rtl="0"/>
+            <a:r>
+              <a:rPr lang="fr-FR" sz="3150" dirty="0" smtClean="0">
+                <a:solidFill>
+                  <a:schemeClr val="bg1"/>
+                </a:solidFill>
+              </a:rPr>
+              <a:t>Options de compilation</a:t>
+            </a:r>
+            <a:endParaRPr lang="fr-FR" sz="3150" dirty="0">
+              <a:solidFill>
+                <a:schemeClr val="bg1"/>
+              </a:solidFill>
+            </a:endParaRPr>
+          </a:p>
+        </p:txBody>
+      </p:sp>
+      <p:sp>
+        <p:nvSpPr>
+          <p:cNvPr id="6" name="ZoneTexte 5"/>
+          <p:cNvSpPr txBox="1"/>
+          <p:nvPr/>
+        </p:nvSpPr>
+        <p:spPr>
+          <a:xfrm>
+            <a:off x="330791" y="588580"/>
+            <a:ext cx="3757733" cy="3631763"/>
+          </a:xfrm>
+          <a:prstGeom prst="rect">
+            <a:avLst/>
+          </a:prstGeom>
+          <a:noFill/>
+        </p:spPr>
+        <p:txBody>
+          <a:bodyPr wrap="square" rtlCol="0">
+            <a:spAutoFit/>
+          </a:bodyPr>
+          <a:lstStyle/>
+          <a:p>
+            <a:r>
+              <a:rPr lang="fr-FR" sz="11500" b="1" spc="50" dirty="0" smtClean="0">
+                <a:ln w="9525" cmpd="sng">
+                  <a:solidFill>
+                    <a:schemeClr val="accent1"/>
+                  </a:solidFill>
+                  <a:prstDash val="solid"/>
+                </a:ln>
+                <a:solidFill>
+                  <a:srgbClr val="70AD47">
+                    <a:tint val="1000"/>
+                  </a:srgbClr>
+                </a:solidFill>
+                <a:effectLst>
+                  <a:glow rad="38100">
+                    <a:schemeClr val="accent1">
+                      <a:alpha val="40000"/>
+                    </a:schemeClr>
+                  </a:glow>
+                </a:effectLst>
+              </a:rPr>
+              <a:t>04</a:t>
+            </a:r>
+            <a:endParaRPr lang="fr-FR" sz="11500" b="1" spc="50" dirty="0" smtClean="0">
+              <a:ln w="9525" cmpd="sng">
+                <a:solidFill>
+                  <a:schemeClr val="accent1"/>
+                </a:solidFill>
+                <a:prstDash val="solid"/>
+              </a:ln>
+              <a:solidFill>
+                <a:srgbClr val="70AD47">
+                  <a:tint val="1000"/>
+                </a:srgbClr>
+              </a:solidFill>
+              <a:effectLst>
+                <a:glow rad="38100">
+                  <a:schemeClr val="accent1">
+                    <a:alpha val="40000"/>
+                  </a:schemeClr>
+                </a:glow>
+              </a:effectLst>
+            </a:endParaRPr>
+          </a:p>
+          <a:p>
+            <a:endParaRPr lang="fr-FR" sz="11500" dirty="0">
+              <a:ln w="0"/>
+              <a:solidFill>
+                <a:schemeClr val="accent1"/>
+              </a:solidFill>
+              <a:effectLst>
+                <a:outerShdw blurRad="38100" dist="25400" dir="5400000" algn="ctr" rotWithShape="0">
+                  <a:srgbClr val="6E747A">
+                    <a:alpha val="43000"/>
+                  </a:srgbClr>
+                </a:outerShdw>
+              </a:effectLst>
+            </a:endParaRPr>
+          </a:p>
+        </p:txBody>
+      </p:sp>
+      <p:sp>
+        <p:nvSpPr>
+          <p:cNvPr id="3" name="Espace réservé du numéro de diapositive 2"/>
           <p:cNvSpPr>
             <a:spLocks noGrp="1"/>
           </p:cNvSpPr>
@@ -11377,323 +11405,27 @@
               <a:pPr rtl="0"/>
               <a:t>10</a:t>
             </a:fld>
-            <a:endParaRPr lang="fr-FR" noProof="0" dirty="0"/>
-          </a:p>
-        </p:txBody>
-      </p:sp>
-      <p:sp>
-        <p:nvSpPr>
-          <p:cNvPr id="6" name="Espace réservé du texte 5"/>
-          <p:cNvSpPr>
-            <a:spLocks noGrp="1"/>
-          </p:cNvSpPr>
-          <p:nvPr>
-            <p:ph type="body" idx="1"/>
-          </p:nvPr>
-        </p:nvSpPr>
-        <p:spPr/>
-        <p:txBody>
-          <a:bodyPr/>
-          <a:lstStyle/>
-          <a:p>
-            <a:r>
-              <a:rPr lang="fr-FR" dirty="0" smtClean="0"/>
-              <a:t>Warnings/styles</a:t>
-            </a:r>
-            <a:endParaRPr lang="fr-FR" dirty="0"/>
-          </a:p>
-        </p:txBody>
-      </p:sp>
-      <p:sp>
-        <p:nvSpPr>
-          <p:cNvPr id="7" name="Espace réservé du contenu 6"/>
-          <p:cNvSpPr>
-            <a:spLocks noGrp="1"/>
-          </p:cNvSpPr>
-          <p:nvPr>
-            <p:ph sz="half" idx="2"/>
-          </p:nvPr>
-        </p:nvSpPr>
-        <p:spPr>
-          <a:xfrm>
-            <a:off x="435894" y="2438375"/>
-            <a:ext cx="2699190" cy="2445833"/>
-          </a:xfrm>
-        </p:spPr>
-        <p:txBody>
-          <a:bodyPr/>
-          <a:lstStyle/>
-          <a:p>
-            <a:r>
-              <a:rPr lang="fr-FR" dirty="0" smtClean="0"/>
-              <a:t>-Wall</a:t>
-            </a:r>
-          </a:p>
-          <a:p>
-            <a:r>
-              <a:rPr lang="fr-FR" dirty="0" smtClean="0"/>
-              <a:t>-</a:t>
-            </a:r>
-            <a:r>
-              <a:rPr lang="fr-FR" dirty="0" err="1" smtClean="0"/>
-              <a:t>Werror</a:t>
-            </a:r>
-            <a:endParaRPr lang="fr-FR" dirty="0" smtClean="0"/>
-          </a:p>
-          <a:p>
-            <a:r>
-              <a:rPr lang="fr-FR" b="1" dirty="0"/>
-              <a:t>-</a:t>
-            </a:r>
-            <a:r>
-              <a:rPr lang="fr-FR" b="1" dirty="0" err="1"/>
-              <a:t>funsigned</a:t>
-            </a:r>
-            <a:r>
-              <a:rPr lang="fr-FR" b="1" dirty="0"/>
-              <a:t>-char</a:t>
-            </a:r>
-            <a:br>
-              <a:rPr lang="fr-FR" b="1" dirty="0"/>
-            </a:br>
-            <a:r>
-              <a:rPr lang="fr-FR" b="1" dirty="0"/>
-              <a:t>permet de </a:t>
-            </a:r>
-            <a:r>
-              <a:rPr lang="fr-FR" b="1" dirty="0" err="1"/>
-              <a:t>caster</a:t>
-            </a:r>
-            <a:r>
-              <a:rPr lang="fr-FR" b="1" dirty="0"/>
-              <a:t> un </a:t>
-            </a:r>
-            <a:r>
-              <a:rPr lang="fr-FR" b="1" dirty="0" err="1"/>
-              <a:t>int</a:t>
-            </a:r>
-            <a:r>
-              <a:rPr lang="fr-FR" b="1" dirty="0"/>
-              <a:t> négatif dans un </a:t>
-            </a:r>
-            <a:r>
-              <a:rPr lang="fr-FR" b="1" dirty="0" smtClean="0"/>
-              <a:t>char</a:t>
-            </a:r>
-          </a:p>
-          <a:p>
-            <a:r>
-              <a:rPr lang="fr-FR" b="1" dirty="0" smtClean="0"/>
-              <a:t>-</a:t>
-            </a:r>
-            <a:r>
-              <a:rPr lang="fr-FR" b="1" dirty="0" err="1" smtClean="0"/>
-              <a:t>std</a:t>
-            </a:r>
-            <a:r>
-              <a:rPr lang="fr-FR" b="1" dirty="0" smtClean="0"/>
-              <a:t>=C++[11,14,17]</a:t>
-            </a:r>
-            <a:endParaRPr lang="fr-FR" b="1" dirty="0"/>
-          </a:p>
-          <a:p>
-            <a:endParaRPr lang="fr-FR" dirty="0"/>
-          </a:p>
-        </p:txBody>
-      </p:sp>
-      <p:sp>
-        <p:nvSpPr>
-          <p:cNvPr id="8" name="Espace réservé du texte 7"/>
-          <p:cNvSpPr>
-            <a:spLocks noGrp="1"/>
-          </p:cNvSpPr>
-          <p:nvPr>
-            <p:ph type="body" idx="13"/>
-          </p:nvPr>
-        </p:nvSpPr>
-        <p:spPr/>
-        <p:txBody>
-          <a:bodyPr/>
-          <a:lstStyle/>
-          <a:p>
-            <a:r>
-              <a:rPr lang="fr-FR" dirty="0" smtClean="0"/>
-              <a:t>Optimisation</a:t>
-            </a:r>
-            <a:endParaRPr lang="fr-FR" dirty="0"/>
-          </a:p>
-        </p:txBody>
-      </p:sp>
-      <p:sp>
-        <p:nvSpPr>
-          <p:cNvPr id="9" name="Espace réservé du texte 8"/>
-          <p:cNvSpPr>
-            <a:spLocks noGrp="1"/>
-          </p:cNvSpPr>
-          <p:nvPr>
-            <p:ph type="body" idx="14"/>
-          </p:nvPr>
-        </p:nvSpPr>
-        <p:spPr/>
-        <p:txBody>
-          <a:bodyPr/>
-          <a:lstStyle/>
-          <a:p>
-            <a:r>
-              <a:rPr lang="fr-FR" dirty="0" err="1" smtClean="0"/>
-              <a:t>Debug</a:t>
-            </a:r>
-            <a:endParaRPr lang="fr-FR" dirty="0"/>
-          </a:p>
-        </p:txBody>
-      </p:sp>
-      <p:sp>
-        <p:nvSpPr>
-          <p:cNvPr id="10" name="Espace réservé du contenu 9"/>
-          <p:cNvSpPr>
-            <a:spLocks noGrp="1"/>
-          </p:cNvSpPr>
-          <p:nvPr>
-            <p:ph sz="half" idx="15"/>
-          </p:nvPr>
-        </p:nvSpPr>
-        <p:spPr>
-          <a:xfrm>
-            <a:off x="3495085" y="2774632"/>
-            <a:ext cx="2699190" cy="2445833"/>
-          </a:xfrm>
-        </p:spPr>
-        <p:txBody>
-          <a:bodyPr/>
-          <a:lstStyle/>
-          <a:p>
-            <a:r>
-              <a:rPr lang="fr-FR" dirty="0" smtClean="0"/>
-              <a:t>-O[0, 1, 2, 3]</a:t>
-            </a:r>
-          </a:p>
-          <a:p>
-            <a:r>
-              <a:rPr lang="fr-FR" dirty="0" smtClean="0"/>
-              <a:t>-</a:t>
-            </a:r>
-            <a:r>
-              <a:rPr lang="fr-FR" dirty="0" err="1" smtClean="0"/>
-              <a:t>ffast</a:t>
-            </a:r>
-            <a:r>
-              <a:rPr lang="fr-FR" dirty="0" smtClean="0"/>
-              <a:t>-math</a:t>
-            </a:r>
-          </a:p>
-          <a:p>
-            <a:r>
-              <a:rPr lang="fr-FR" dirty="0"/>
-              <a:t>-</a:t>
-            </a:r>
-            <a:r>
-              <a:rPr lang="fr-FR" dirty="0" err="1"/>
-              <a:t>march</a:t>
-            </a:r>
-            <a:r>
-              <a:rPr lang="fr-FR" dirty="0"/>
-              <a:t>=</a:t>
-            </a:r>
-            <a:r>
-              <a:rPr lang="fr-FR" dirty="0" err="1"/>
-              <a:t>name</a:t>
-            </a:r>
-            <a:endParaRPr lang="fr-FR" dirty="0"/>
-          </a:p>
-        </p:txBody>
-      </p:sp>
-      <p:sp>
-        <p:nvSpPr>
-          <p:cNvPr id="11" name="Espace réservé du contenu 10"/>
-          <p:cNvSpPr>
-            <a:spLocks noGrp="1"/>
-          </p:cNvSpPr>
-          <p:nvPr>
-            <p:ph sz="half" idx="16"/>
-          </p:nvPr>
-        </p:nvSpPr>
-        <p:spPr/>
-        <p:txBody>
-          <a:bodyPr/>
-          <a:lstStyle/>
-          <a:p>
-            <a:r>
-              <a:rPr lang="fr-FR" dirty="0" smtClean="0"/>
-              <a:t>-DMYMACRO</a:t>
-            </a:r>
-          </a:p>
-          <a:p>
-            <a:r>
-              <a:rPr lang="fr-FR" dirty="0"/>
-              <a:t>/</a:t>
-            </a:r>
-            <a:r>
-              <a:rPr lang="fr-FR" dirty="0" smtClean="0"/>
-              <a:t>Z7</a:t>
-            </a:r>
-          </a:p>
-          <a:p>
-            <a:r>
-              <a:rPr lang="fr-FR" dirty="0" smtClean="0"/>
-              <a:t>/ZI</a:t>
-            </a:r>
-          </a:p>
-          <a:p>
-            <a:r>
-              <a:rPr lang="fr-FR" dirty="0" smtClean="0"/>
-              <a:t>/Zi</a:t>
-            </a:r>
-          </a:p>
-          <a:p>
-            <a:endParaRPr lang="fr-FR" dirty="0"/>
-          </a:p>
-        </p:txBody>
-      </p:sp>
-      <p:sp>
-        <p:nvSpPr>
-          <p:cNvPr id="16" name="ZoneTexte 15"/>
-          <p:cNvSpPr txBox="1"/>
-          <p:nvPr/>
-        </p:nvSpPr>
-        <p:spPr>
-          <a:xfrm>
-            <a:off x="6288769" y="4614084"/>
-            <a:ext cx="2214261" cy="369332"/>
-          </a:xfrm>
-          <a:prstGeom prst="rect">
-            <a:avLst/>
-          </a:prstGeom>
-          <a:noFill/>
-        </p:spPr>
-        <p:txBody>
-          <a:bodyPr wrap="none" rtlCol="0">
-            <a:spAutoFit/>
-          </a:bodyPr>
-          <a:lstStyle/>
-          <a:p>
-            <a:r>
-              <a:rPr lang="fr-FR" dirty="0" smtClean="0"/>
-              <a:t>Et bien plus encore…</a:t>
-            </a:r>
-            <a:endParaRPr lang="fr-FR" dirty="0"/>
+            <a:endParaRPr lang="fr-FR" noProof="0"/>
           </a:p>
         </p:txBody>
       </p:sp>
     </p:spTree>
     <p:extLst>
       <p:ext uri="{BB962C8B-B14F-4D97-AF65-F5344CB8AC3E}">
-        <p14:creationId xmlns:p14="http://schemas.microsoft.com/office/powerpoint/2010/main" val="1001813144"/>
+        <p14:creationId xmlns:p14="http://schemas.microsoft.com/office/powerpoint/2010/main" val="1309852808"/>
       </p:ext>
     </p:extLst>
   </p:cSld>
   <p:clrMapOvr>
     <a:masterClrMapping/>
   </p:clrMapOvr>
+  <p:timing>
+    <p:tnLst>
+      <p:par>
+        <p:cTn id="1" dur="indefinite" restart="never" nodeType="tmRoot"/>
+      </p:par>
+    </p:tnLst>
+  </p:timing>
 </p:sld>
 </file>
 
@@ -11716,7 +11448,7 @@
       </p:grpSpPr>
       <p:sp>
         <p:nvSpPr>
-          <p:cNvPr id="2" name="Titre 1"/>
+          <p:cNvPr id="5" name="Titre 4"/>
           <p:cNvSpPr>
             <a:spLocks noGrp="1"/>
           </p:cNvSpPr>
@@ -11731,7 +11463,7 @@
           <a:p>
             <a:r>
               <a:rPr lang="fr-FR" dirty="0" smtClean="0"/>
-              <a:t>Options d’Optimisation</a:t>
+              <a:t>Catégories</a:t>
             </a:r>
             <a:endParaRPr lang="fr-FR" dirty="0"/>
           </a:p>
@@ -11739,7 +11471,7 @@
       </p:sp>
       <p:sp>
         <p:nvSpPr>
-          <p:cNvPr id="3" name="Espace réservé du numéro de diapositive 2"/>
+          <p:cNvPr id="4" name="Espace réservé du numéro de diapositive 3"/>
           <p:cNvSpPr>
             <a:spLocks noGrp="1"/>
           </p:cNvSpPr>
@@ -11752,38 +11484,134 @@
           <a:bodyPr/>
           <a:lstStyle/>
           <a:p>
+            <a:pPr rtl="0"/>
             <a:fld id="{D57F1E4F-1CFF-5643-939E-217C01CDF565}" type="slidenum">
-              <a:rPr lang="fr-FR" smtClean="0"/>
-              <a:pPr/>
+              <a:rPr lang="fr-FR" noProof="0" smtClean="0"/>
+              <a:pPr rtl="0"/>
               <a:t>11</a:t>
             </a:fld>
+            <a:endParaRPr lang="fr-FR" noProof="0" dirty="0"/>
+          </a:p>
+        </p:txBody>
+      </p:sp>
+      <p:sp>
+        <p:nvSpPr>
+          <p:cNvPr id="6" name="Espace réservé du texte 5"/>
+          <p:cNvSpPr>
+            <a:spLocks noGrp="1"/>
+          </p:cNvSpPr>
+          <p:nvPr>
+            <p:ph type="body" idx="1"/>
+          </p:nvPr>
+        </p:nvSpPr>
+        <p:spPr/>
+        <p:txBody>
+          <a:bodyPr/>
+          <a:lstStyle/>
+          <a:p>
+            <a:r>
+              <a:rPr lang="fr-FR" dirty="0" smtClean="0"/>
+              <a:t>Warnings/styles</a:t>
+            </a:r>
             <a:endParaRPr lang="fr-FR" dirty="0"/>
           </a:p>
         </p:txBody>
       </p:sp>
       <p:sp>
         <p:nvSpPr>
-          <p:cNvPr id="11" name="Espace réservé du texte 10"/>
+          <p:cNvPr id="7" name="Espace réservé du contenu 6"/>
           <p:cNvSpPr>
             <a:spLocks noGrp="1"/>
           </p:cNvSpPr>
           <p:nvPr>
-            <p:ph type="body" idx="1"/>
+            <p:ph sz="half" idx="2"/>
           </p:nvPr>
         </p:nvSpPr>
         <p:spPr>
           <a:xfrm>
-            <a:off x="665414" y="1508274"/>
-            <a:ext cx="3815306" cy="446671"/>
+            <a:off x="435894" y="2438375"/>
+            <a:ext cx="2699190" cy="2445833"/>
           </a:xfrm>
         </p:spPr>
         <p:txBody>
+          <a:bodyPr>
+            <a:normAutofit/>
+          </a:bodyPr>
+          <a:lstStyle/>
+          <a:p>
+            <a:r>
+              <a:rPr lang="fr-FR" sz="1800" dirty="0"/>
+              <a:t>/</a:t>
+            </a:r>
+            <a:r>
+              <a:rPr lang="fr-FR" sz="1800" dirty="0" smtClean="0"/>
+              <a:t>W[0, 1, 2, 3, 4]</a:t>
+            </a:r>
+          </a:p>
+          <a:p>
+            <a:r>
+              <a:rPr lang="fr-FR" sz="1800" dirty="0" smtClean="0"/>
+              <a:t>-</a:t>
+            </a:r>
+            <a:r>
+              <a:rPr lang="fr-FR" sz="1800" dirty="0"/>
+              <a:t>Wall</a:t>
+            </a:r>
+          </a:p>
+          <a:p>
+            <a:r>
+              <a:rPr lang="fr-FR" sz="1800" dirty="0"/>
+              <a:t>-</a:t>
+            </a:r>
+            <a:r>
+              <a:rPr lang="fr-FR" sz="1800" dirty="0" err="1"/>
+              <a:t>Werror</a:t>
+            </a:r>
+            <a:endParaRPr lang="fr-FR" sz="1800" dirty="0"/>
+          </a:p>
+          <a:p>
+            <a:r>
+              <a:rPr lang="fr-FR" sz="1800" dirty="0" smtClean="0"/>
+              <a:t>-</a:t>
+            </a:r>
+            <a:r>
+              <a:rPr lang="fr-FR" sz="1800" dirty="0" err="1"/>
+              <a:t>std</a:t>
+            </a:r>
+            <a:r>
+              <a:rPr lang="fr-FR" sz="1800" dirty="0"/>
+              <a:t>=C++[11,14,17]</a:t>
+            </a:r>
+            <a:endParaRPr lang="fr-FR" sz="1800" dirty="0"/>
+          </a:p>
+          <a:p>
+            <a:endParaRPr lang="fr-FR" sz="1800" dirty="0"/>
+          </a:p>
+        </p:txBody>
+      </p:sp>
+      <p:sp>
+        <p:nvSpPr>
+          <p:cNvPr id="8" name="Espace réservé du texte 7"/>
+          <p:cNvSpPr>
+            <a:spLocks noGrp="1"/>
+          </p:cNvSpPr>
+          <p:nvPr>
+            <p:ph type="body" idx="13"/>
+          </p:nvPr>
+        </p:nvSpPr>
+        <p:spPr>
+          <a:xfrm>
+            <a:off x="3307861" y="1666816"/>
+            <a:ext cx="2469671" cy="446671"/>
+          </a:xfrm>
+        </p:spPr>
+        <p:txBody>
           <a:bodyPr/>
           <a:lstStyle/>
           <a:p>
             <a:r>
               <a:rPr lang="fr-FR" dirty="0" smtClean="0"/>
-              <a:t>GCC</a:t>
+              <a:t>Optimisation</a:t>
             </a:r>
             <a:endParaRPr lang="fr-FR" dirty="0"/>
           </a:p>
@@ -11791,372 +11619,178 @@
       </p:sp>
       <p:sp>
         <p:nvSpPr>
-          <p:cNvPr id="12" name="Espace réservé du contenu 11"/>
+          <p:cNvPr id="9" name="Espace réservé du texte 8"/>
           <p:cNvSpPr>
             <a:spLocks noGrp="1"/>
           </p:cNvSpPr>
           <p:nvPr>
-            <p:ph sz="half" idx="2"/>
+            <p:ph type="body" idx="14"/>
+          </p:nvPr>
+        </p:nvSpPr>
+        <p:spPr/>
+        <p:txBody>
+          <a:bodyPr/>
+          <a:lstStyle/>
+          <a:p>
+            <a:r>
+              <a:rPr lang="fr-FR" dirty="0" err="1" smtClean="0"/>
+              <a:t>Debug</a:t>
+            </a:r>
+            <a:endParaRPr lang="fr-FR" dirty="0"/>
+          </a:p>
+        </p:txBody>
+      </p:sp>
+      <p:sp>
+        <p:nvSpPr>
+          <p:cNvPr id="10" name="Espace réservé du contenu 9"/>
+          <p:cNvSpPr>
+            <a:spLocks noGrp="1"/>
+          </p:cNvSpPr>
+          <p:nvPr>
+            <p:ph sz="half" idx="15"/>
           </p:nvPr>
         </p:nvSpPr>
         <p:spPr>
           <a:xfrm>
-            <a:off x="435895" y="2045271"/>
-            <a:ext cx="4044825" cy="2815327"/>
+            <a:off x="3589579" y="2454957"/>
+            <a:ext cx="2699190" cy="2445833"/>
           </a:xfrm>
         </p:spPr>
         <p:txBody>
+          <a:bodyPr/>
+          <a:lstStyle/>
+          <a:p>
+            <a:r>
+              <a:rPr lang="fr-FR" sz="1800" dirty="0" smtClean="0"/>
+              <a:t>-O[0, 1, 2, 3]</a:t>
+            </a:r>
+          </a:p>
+          <a:p>
+            <a:r>
+              <a:rPr lang="fr-FR" sz="1800" dirty="0" smtClean="0"/>
+              <a:t>-</a:t>
+            </a:r>
+            <a:r>
+              <a:rPr lang="fr-FR" sz="1800" dirty="0" err="1" smtClean="0"/>
+              <a:t>ffast</a:t>
+            </a:r>
+            <a:r>
+              <a:rPr lang="fr-FR" sz="1800" dirty="0" smtClean="0"/>
+              <a:t>-math</a:t>
+            </a:r>
+          </a:p>
+          <a:p>
+            <a:r>
+              <a:rPr lang="fr-FR" sz="1800" dirty="0"/>
+              <a:t>-</a:t>
+            </a:r>
+            <a:r>
+              <a:rPr lang="fr-FR" sz="1800" dirty="0" err="1"/>
+              <a:t>march</a:t>
+            </a:r>
+            <a:r>
+              <a:rPr lang="fr-FR" sz="1800" dirty="0"/>
+              <a:t>=</a:t>
+            </a:r>
+            <a:r>
+              <a:rPr lang="fr-FR" sz="1800" dirty="0" err="1"/>
+              <a:t>name</a:t>
+            </a:r>
+            <a:endParaRPr lang="fr-FR" sz="1800" dirty="0"/>
+          </a:p>
+        </p:txBody>
+      </p:sp>
+      <p:sp>
+        <p:nvSpPr>
+          <p:cNvPr id="11" name="Espace réservé du contenu 10"/>
+          <p:cNvSpPr>
+            <a:spLocks noGrp="1"/>
+          </p:cNvSpPr>
+          <p:nvPr>
+            <p:ph sz="half" idx="16"/>
+          </p:nvPr>
+        </p:nvSpPr>
+        <p:spPr>
+          <a:xfrm>
+            <a:off x="6230753" y="2454957"/>
+            <a:ext cx="2699190" cy="2445833"/>
+          </a:xfrm>
+        </p:spPr>
+        <p:txBody>
           <a:bodyPr>
-            <a:normAutofit fontScale="92500" lnSpcReduction="10000"/>
+            <a:normAutofit/>
           </a:bodyPr>
           <a:lstStyle/>
           <a:p>
             <a:r>
-              <a:rPr lang="fr-FR" dirty="0" smtClean="0"/>
-              <a:t>-O0</a:t>
-            </a:r>
-          </a:p>
-          <a:p>
-            <a:r>
-              <a:rPr lang="fr-FR" dirty="0" smtClean="0"/>
-              <a:t>-O1</a:t>
-            </a:r>
-          </a:p>
-          <a:p>
-            <a:r>
-              <a:rPr lang="fr-FR" dirty="0" smtClean="0"/>
-              <a:t>-O2</a:t>
-            </a:r>
-          </a:p>
-          <a:p>
-            <a:r>
-              <a:rPr lang="fr-FR" dirty="0" smtClean="0"/>
-              <a:t>-O3</a:t>
-            </a:r>
-          </a:p>
-          <a:p>
-            <a:r>
-              <a:rPr lang="fr-FR" dirty="0" smtClean="0"/>
+              <a:rPr lang="fr-FR" sz="1800" dirty="0" smtClean="0"/>
               <a:t>-</a:t>
             </a:r>
             <a:r>
-              <a:rPr lang="fr-FR" dirty="0" err="1" smtClean="0"/>
-              <a:t>fast</a:t>
-            </a:r>
-            <a:r>
-              <a:rPr lang="fr-FR" dirty="0" smtClean="0"/>
-              <a:t>-math</a:t>
-            </a:r>
-            <a:endParaRPr lang="fr-FR" dirty="0"/>
-          </a:p>
-          <a:p>
-            <a:r>
-              <a:rPr lang="fr-FR" dirty="0" smtClean="0"/>
-              <a:t>-</a:t>
-            </a:r>
-            <a:r>
-              <a:rPr lang="fr-FR" dirty="0" err="1" smtClean="0"/>
-              <a:t>march</a:t>
-            </a:r>
-            <a:r>
-              <a:rPr lang="fr-FR" dirty="0" smtClean="0"/>
-              <a:t>=native</a:t>
-            </a:r>
-          </a:p>
-          <a:p>
-            <a:r>
-              <a:rPr lang="fr-FR" dirty="0" smtClean="0"/>
-              <a:t>OpenMP : -</a:t>
-            </a:r>
-            <a:r>
-              <a:rPr lang="fr-FR" dirty="0" err="1" smtClean="0"/>
-              <a:t>fopenmp</a:t>
-            </a:r>
-            <a:endParaRPr lang="fr-FR" dirty="0" smtClean="0"/>
-          </a:p>
-          <a:p>
-            <a:r>
-              <a:rPr lang="fr-FR" dirty="0" smtClean="0"/>
-              <a:t>Vectorisation :</a:t>
-            </a:r>
-          </a:p>
-          <a:p>
-            <a:pPr lvl="1"/>
-            <a:r>
-              <a:rPr lang="fr-FR" spc="-1" dirty="0">
-                <a:solidFill>
-                  <a:srgbClr val="0A3071"/>
-                </a:solidFill>
-                <a:latin typeface="Arial Narrow"/>
-              </a:rPr>
-              <a:t>-</a:t>
-            </a:r>
-            <a:r>
-              <a:rPr lang="fr-FR" spc="-1" dirty="0" err="1" smtClean="0">
-                <a:solidFill>
-                  <a:srgbClr val="0A3071"/>
-                </a:solidFill>
-                <a:latin typeface="Arial Narrow"/>
-              </a:rPr>
-              <a:t>ftree-vectorize</a:t>
-            </a:r>
-            <a:r>
-              <a:rPr lang="fr-FR" spc="-1" dirty="0" smtClean="0">
-                <a:solidFill>
-                  <a:srgbClr val="0A3071"/>
-                </a:solidFill>
-                <a:latin typeface="Arial Narrow"/>
-              </a:rPr>
-              <a:t> ou –O3 + </a:t>
-            </a:r>
-            <a:r>
-              <a:rPr lang="fr-FR" spc="-1" dirty="0">
-                <a:solidFill>
-                  <a:srgbClr val="0A3071"/>
-                </a:solidFill>
-                <a:latin typeface="Arial Narrow"/>
-              </a:rPr>
-              <a:t>-</a:t>
-            </a:r>
-            <a:r>
-              <a:rPr lang="fr-FR" spc="-1" dirty="0" err="1">
-                <a:solidFill>
-                  <a:srgbClr val="0A3071"/>
-                </a:solidFill>
-                <a:latin typeface="Arial Narrow"/>
-              </a:rPr>
-              <a:t>ffast</a:t>
-            </a:r>
-            <a:r>
-              <a:rPr lang="fr-FR" spc="-1" dirty="0">
-                <a:solidFill>
-                  <a:srgbClr val="0A3071"/>
-                </a:solidFill>
-                <a:latin typeface="Arial Narrow"/>
-              </a:rPr>
-              <a:t>-math </a:t>
-            </a:r>
-            <a:endParaRPr lang="fr-FR" spc="-1" dirty="0" smtClean="0">
-              <a:solidFill>
-                <a:srgbClr val="0A3071"/>
-              </a:solidFill>
-              <a:latin typeface="Arial Narrow"/>
-            </a:endParaRPr>
-          </a:p>
-          <a:p>
-            <a:pPr lvl="1"/>
-            <a:r>
-              <a:rPr lang="fr-FR" spc="-1" dirty="0">
-                <a:solidFill>
-                  <a:srgbClr val="0A3071"/>
-                </a:solidFill>
-                <a:latin typeface="Arial Narrow"/>
-              </a:rPr>
-              <a:t>-</a:t>
-            </a:r>
-            <a:r>
-              <a:rPr lang="fr-FR" spc="-1" dirty="0" smtClean="0">
-                <a:solidFill>
-                  <a:srgbClr val="0A3071"/>
-                </a:solidFill>
-                <a:latin typeface="Arial Narrow"/>
-              </a:rPr>
-              <a:t>m</a:t>
-            </a:r>
-            <a:r>
-              <a:rPr lang="fr-FR" dirty="0" smtClean="0"/>
-              <a:t>[SSE|SSE2|AVX|AVX2|AVX512</a:t>
-            </a:r>
-            <a:r>
-              <a:rPr lang="fr-FR" dirty="0"/>
-              <a:t>]</a:t>
-            </a:r>
-          </a:p>
-          <a:p>
-            <a:pPr lvl="1"/>
-            <a:endParaRPr lang="fr-FR" dirty="0"/>
-          </a:p>
-        </p:txBody>
-      </p:sp>
-      <p:sp>
-        <p:nvSpPr>
-          <p:cNvPr id="13" name="Espace réservé du texte 12"/>
-          <p:cNvSpPr>
-            <a:spLocks noGrp="1"/>
-          </p:cNvSpPr>
-          <p:nvPr>
-            <p:ph type="body" sz="quarter" idx="3"/>
-          </p:nvPr>
+              <a:rPr lang="fr-FR" sz="1800" dirty="0" smtClean="0"/>
+              <a:t>DMYMACRO</a:t>
+            </a:r>
+          </a:p>
+          <a:p>
+            <a:r>
+              <a:rPr lang="fr-FR" sz="1800" dirty="0" smtClean="0"/>
+              <a:t>-g</a:t>
+            </a:r>
+            <a:endParaRPr lang="fr-FR" sz="1800" dirty="0" smtClean="0"/>
+          </a:p>
+          <a:p>
+            <a:r>
+              <a:rPr lang="fr-FR" sz="1800" dirty="0"/>
+              <a:t>/</a:t>
+            </a:r>
+            <a:r>
+              <a:rPr lang="fr-FR" sz="1800" dirty="0" smtClean="0"/>
+              <a:t>Z7</a:t>
+            </a:r>
+          </a:p>
+          <a:p>
+            <a:r>
+              <a:rPr lang="fr-FR" sz="1800" dirty="0" smtClean="0"/>
+              <a:t>/ZI</a:t>
+            </a:r>
+          </a:p>
+          <a:p>
+            <a:r>
+              <a:rPr lang="fr-FR" sz="1800" dirty="0" smtClean="0"/>
+              <a:t>/Zi</a:t>
+            </a:r>
+          </a:p>
+          <a:p>
+            <a:endParaRPr lang="fr-FR" sz="1800" dirty="0"/>
+          </a:p>
+        </p:txBody>
+      </p:sp>
+      <p:sp>
+        <p:nvSpPr>
+          <p:cNvPr id="16" name="ZoneTexte 15"/>
+          <p:cNvSpPr txBox="1"/>
+          <p:nvPr/>
         </p:nvSpPr>
         <p:spPr>
           <a:xfrm>
-            <a:off x="4892801" y="1508274"/>
-            <a:ext cx="3815305" cy="461144"/>
+            <a:off x="6288769" y="4614084"/>
+            <a:ext cx="2214261" cy="369332"/>
           </a:xfrm>
+          <a:prstGeom prst="rect">
+            <a:avLst/>
+          </a:prstGeom>
+          <a:noFill/>
         </p:spPr>
         <p:txBody>
-          <a:bodyPr/>
-          <a:lstStyle/>
-          <a:p>
-            <a:r>
-              <a:rPr lang="fr-FR" dirty="0" smtClean="0"/>
-              <a:t>MSVC</a:t>
-            </a:r>
-            <a:endParaRPr lang="fr-FR" dirty="0"/>
-          </a:p>
-        </p:txBody>
-      </p:sp>
-      <p:sp>
-        <p:nvSpPr>
-          <p:cNvPr id="14" name="Espace réservé du contenu 13"/>
-          <p:cNvSpPr>
-            <a:spLocks noGrp="1"/>
-          </p:cNvSpPr>
-          <p:nvPr>
-            <p:ph sz="quarter" idx="4"/>
-          </p:nvPr>
-        </p:nvSpPr>
-        <p:spPr>
-          <a:xfrm>
-            <a:off x="4663281" y="2045271"/>
-            <a:ext cx="4044825" cy="2815327"/>
-          </a:xfrm>
-        </p:spPr>
-        <p:txBody>
-          <a:bodyPr>
-            <a:normAutofit fontScale="92500" lnSpcReduction="10000"/>
+          <a:bodyPr wrap="none" rtlCol="0">
+            <a:spAutoFit/>
           </a:bodyPr>
           <a:lstStyle/>
           <a:p>
             <a:r>
               <a:rPr lang="fr-FR" dirty="0" smtClean="0"/>
-              <a:t>/</a:t>
-            </a:r>
-            <a:r>
-              <a:rPr lang="fr-FR" dirty="0" err="1" smtClean="0"/>
-              <a:t>Od</a:t>
-            </a:r>
-            <a:endParaRPr lang="fr-FR" dirty="0" smtClean="0"/>
-          </a:p>
-          <a:p>
-            <a:r>
-              <a:rPr lang="fr-FR" dirty="0" smtClean="0"/>
-              <a:t>/O1</a:t>
-            </a:r>
-          </a:p>
-          <a:p>
-            <a:r>
-              <a:rPr lang="fr-FR" dirty="0" smtClean="0"/>
-              <a:t>/O2</a:t>
-            </a:r>
-          </a:p>
-          <a:p>
-            <a:r>
-              <a:rPr lang="fr-FR" dirty="0"/>
-              <a:t>/Os et /</a:t>
-            </a:r>
-            <a:r>
-              <a:rPr lang="fr-FR" dirty="0" err="1"/>
-              <a:t>Ot</a:t>
-            </a:r>
-            <a:r>
-              <a:rPr lang="fr-FR" dirty="0"/>
-              <a:t> pour favoriser la taille ou la vitesse</a:t>
-            </a:r>
-          </a:p>
-          <a:p>
-            <a:r>
-              <a:rPr lang="fr-FR" spc="-1" dirty="0">
-                <a:solidFill>
-                  <a:srgbClr val="0A3071"/>
-                </a:solidFill>
-                <a:latin typeface="Arial Narrow"/>
-              </a:rPr>
-              <a:t>/</a:t>
-            </a:r>
-            <a:r>
-              <a:rPr lang="fr-FR" spc="-1" dirty="0" err="1" smtClean="0">
-                <a:solidFill>
-                  <a:srgbClr val="0A3071"/>
-                </a:solidFill>
-                <a:latin typeface="Arial Narrow"/>
-              </a:rPr>
-              <a:t>fp:fast</a:t>
-            </a:r>
-            <a:endParaRPr lang="fr-FR" dirty="0"/>
-          </a:p>
-          <a:p>
-            <a:r>
-              <a:rPr lang="fr-FR" dirty="0" smtClean="0"/>
-              <a:t>/</a:t>
-            </a:r>
-            <a:r>
-              <a:rPr lang="fr-FR" dirty="0" err="1" smtClean="0"/>
-              <a:t>flavor</a:t>
-            </a:r>
-            <a:endParaRPr lang="fr-FR" dirty="0" smtClean="0"/>
-          </a:p>
-          <a:p>
-            <a:r>
-              <a:rPr lang="fr-FR" dirty="0" smtClean="0"/>
-              <a:t>OpenMP : /</a:t>
-            </a:r>
-            <a:r>
-              <a:rPr lang="fr-FR" dirty="0" err="1" smtClean="0"/>
-              <a:t>openmp</a:t>
-            </a:r>
-            <a:endParaRPr lang="fr-FR" dirty="0" smtClean="0"/>
-          </a:p>
-          <a:p>
-            <a:r>
-              <a:rPr lang="fr-FR" dirty="0" smtClean="0"/>
-              <a:t>Vectorisation :</a:t>
-            </a:r>
-            <a:endParaRPr lang="fr-FR" dirty="0"/>
-          </a:p>
-          <a:p>
-            <a:pPr lvl="1"/>
-            <a:r>
-              <a:rPr lang="fr-FR" spc="-1" dirty="0">
-                <a:solidFill>
-                  <a:srgbClr val="0A3071"/>
-                </a:solidFill>
-                <a:latin typeface="Arial Narrow"/>
-              </a:rPr>
-              <a:t>/</a:t>
-            </a:r>
-            <a:r>
-              <a:rPr lang="fr-FR" spc="-1" dirty="0" err="1">
-                <a:solidFill>
-                  <a:srgbClr val="0A3071"/>
-                </a:solidFill>
-                <a:latin typeface="Arial Narrow"/>
-              </a:rPr>
-              <a:t>fp:fast</a:t>
-            </a:r>
-            <a:endParaRPr lang="fr-FR" dirty="0" smtClean="0"/>
-          </a:p>
-          <a:p>
-            <a:pPr lvl="1"/>
-            <a:r>
-              <a:rPr lang="fr-FR" dirty="0" smtClean="0"/>
-              <a:t>/</a:t>
-            </a:r>
-            <a:r>
-              <a:rPr lang="fr-FR" dirty="0" err="1"/>
-              <a:t>arch</a:t>
-            </a:r>
-            <a:r>
-              <a:rPr lang="fr-FR" dirty="0" smtClean="0"/>
-              <a:t>:[SSE|SSE2|AVX|AVX2|AVX512</a:t>
-            </a:r>
-            <a:r>
-              <a:rPr lang="fr-FR" dirty="0"/>
-              <a:t>]</a:t>
-            </a:r>
-            <a:endParaRPr lang="fr-FR" dirty="0" smtClean="0"/>
-          </a:p>
-          <a:p>
+              <a:t>Et bien plus encore…</a:t>
+            </a:r>
             <a:endParaRPr lang="fr-FR" dirty="0"/>
           </a:p>
         </p:txBody>
@@ -12164,7 +11798,7 @@
     </p:spTree>
     <p:extLst>
       <p:ext uri="{BB962C8B-B14F-4D97-AF65-F5344CB8AC3E}">
-        <p14:creationId xmlns:p14="http://schemas.microsoft.com/office/powerpoint/2010/main" val="3579155091"/>
+        <p14:creationId xmlns:p14="http://schemas.microsoft.com/office/powerpoint/2010/main" val="1001813144"/>
       </p:ext>
     </p:extLst>
   </p:cSld>
@@ -12193,6 +11827,418 @@
       </p:grpSpPr>
       <p:sp>
         <p:nvSpPr>
+          <p:cNvPr id="2" name="Titre 1"/>
+          <p:cNvSpPr>
+            <a:spLocks noGrp="1"/>
+          </p:cNvSpPr>
+          <p:nvPr>
+            <p:ph type="title"/>
+          </p:nvPr>
+        </p:nvSpPr>
+        <p:spPr/>
+        <p:txBody>
+          <a:bodyPr/>
+          <a:lstStyle/>
+          <a:p>
+            <a:r>
+              <a:rPr lang="fr-FR" dirty="0" smtClean="0"/>
+              <a:t>Options d’Optimisation</a:t>
+            </a:r>
+            <a:endParaRPr lang="fr-FR" dirty="0"/>
+          </a:p>
+        </p:txBody>
+      </p:sp>
+      <p:sp>
+        <p:nvSpPr>
+          <p:cNvPr id="3" name="Espace réservé du numéro de diapositive 2"/>
+          <p:cNvSpPr>
+            <a:spLocks noGrp="1"/>
+          </p:cNvSpPr>
+          <p:nvPr>
+            <p:ph type="sldNum" sz="quarter" idx="12"/>
+          </p:nvPr>
+        </p:nvSpPr>
+        <p:spPr/>
+        <p:txBody>
+          <a:bodyPr/>
+          <a:lstStyle/>
+          <a:p>
+            <a:fld id="{D57F1E4F-1CFF-5643-939E-217C01CDF565}" type="slidenum">
+              <a:rPr lang="fr-FR" smtClean="0"/>
+              <a:pPr/>
+              <a:t>12</a:t>
+            </a:fld>
+            <a:endParaRPr lang="fr-FR" dirty="0"/>
+          </a:p>
+        </p:txBody>
+      </p:sp>
+      <p:sp>
+        <p:nvSpPr>
+          <p:cNvPr id="11" name="Espace réservé du texte 10"/>
+          <p:cNvSpPr>
+            <a:spLocks noGrp="1"/>
+          </p:cNvSpPr>
+          <p:nvPr>
+            <p:ph type="body" idx="1"/>
+          </p:nvPr>
+        </p:nvSpPr>
+        <p:spPr>
+          <a:xfrm>
+            <a:off x="665414" y="1508274"/>
+            <a:ext cx="3815306" cy="446671"/>
+          </a:xfrm>
+        </p:spPr>
+        <p:txBody>
+          <a:bodyPr/>
+          <a:lstStyle/>
+          <a:p>
+            <a:r>
+              <a:rPr lang="fr-FR" dirty="0" smtClean="0"/>
+              <a:t>GCC</a:t>
+            </a:r>
+            <a:endParaRPr lang="fr-FR" dirty="0"/>
+          </a:p>
+        </p:txBody>
+      </p:sp>
+      <p:sp>
+        <p:nvSpPr>
+          <p:cNvPr id="12" name="Espace réservé du contenu 11"/>
+          <p:cNvSpPr>
+            <a:spLocks noGrp="1"/>
+          </p:cNvSpPr>
+          <p:nvPr>
+            <p:ph sz="half" idx="2"/>
+          </p:nvPr>
+        </p:nvSpPr>
+        <p:spPr>
+          <a:xfrm>
+            <a:off x="435895" y="2045271"/>
+            <a:ext cx="4044825" cy="3208433"/>
+          </a:xfrm>
+        </p:spPr>
+        <p:txBody>
+          <a:bodyPr>
+            <a:normAutofit fontScale="92500" lnSpcReduction="10000"/>
+          </a:bodyPr>
+          <a:lstStyle/>
+          <a:p>
+            <a:r>
+              <a:rPr lang="fr-FR" sz="1400" dirty="0"/>
+              <a:t>-O0</a:t>
+            </a:r>
+          </a:p>
+          <a:p>
+            <a:r>
+              <a:rPr lang="fr-FR" sz="1400" dirty="0"/>
+              <a:t>-O1</a:t>
+            </a:r>
+          </a:p>
+          <a:p>
+            <a:r>
+              <a:rPr lang="fr-FR" sz="1400" dirty="0"/>
+              <a:t>-O2</a:t>
+            </a:r>
+          </a:p>
+          <a:p>
+            <a:r>
+              <a:rPr lang="fr-FR" sz="1400" dirty="0"/>
+              <a:t>-O3</a:t>
+            </a:r>
+            <a:br>
+              <a:rPr lang="fr-FR" sz="1400" dirty="0"/>
+            </a:br>
+            <a:endParaRPr lang="fr-FR" sz="1400" dirty="0"/>
+          </a:p>
+          <a:p>
+            <a:r>
+              <a:rPr lang="fr-FR" sz="1400" dirty="0"/>
+              <a:t>-</a:t>
+            </a:r>
+            <a:r>
+              <a:rPr lang="fr-FR" sz="1400" dirty="0" err="1"/>
+              <a:t>fast</a:t>
+            </a:r>
+            <a:r>
+              <a:rPr lang="fr-FR" sz="1400" dirty="0"/>
+              <a:t>-math</a:t>
+            </a:r>
+            <a:endParaRPr lang="fr-FR" sz="1400" dirty="0"/>
+          </a:p>
+          <a:p>
+            <a:r>
+              <a:rPr lang="fr-FR" sz="1400" dirty="0"/>
+              <a:t>-</a:t>
+            </a:r>
+            <a:r>
+              <a:rPr lang="fr-FR" sz="1400" dirty="0" err="1"/>
+              <a:t>march</a:t>
+            </a:r>
+            <a:r>
+              <a:rPr lang="fr-FR" sz="1400" dirty="0"/>
+              <a:t>=native</a:t>
+            </a:r>
+          </a:p>
+          <a:p>
+            <a:r>
+              <a:rPr lang="fr-FR" sz="1400" dirty="0"/>
+              <a:t>OpenMP : -</a:t>
+            </a:r>
+            <a:r>
+              <a:rPr lang="fr-FR" sz="1400" dirty="0" err="1"/>
+              <a:t>fopenmp</a:t>
+            </a:r>
+            <a:endParaRPr lang="fr-FR" sz="1400" dirty="0"/>
+          </a:p>
+          <a:p>
+            <a:r>
+              <a:rPr lang="fr-FR" sz="1400" dirty="0"/>
+              <a:t>Vectorisation :</a:t>
+            </a:r>
+          </a:p>
+          <a:p>
+            <a:pPr lvl="1"/>
+            <a:r>
+              <a:rPr lang="fr-FR" sz="1400" dirty="0"/>
+              <a:t>-</a:t>
+            </a:r>
+            <a:r>
+              <a:rPr lang="fr-FR" sz="1400" dirty="0" err="1"/>
+              <a:t>ftree-vectorize</a:t>
+            </a:r>
+            <a:r>
+              <a:rPr lang="fr-FR" sz="1400" dirty="0"/>
+              <a:t> ou –O3 + </a:t>
+            </a:r>
+            <a:r>
+              <a:rPr lang="fr-FR" sz="1400" dirty="0"/>
+              <a:t>-</a:t>
+            </a:r>
+            <a:r>
+              <a:rPr lang="fr-FR" sz="1400" dirty="0" err="1"/>
+              <a:t>ffast</a:t>
+            </a:r>
+            <a:r>
+              <a:rPr lang="fr-FR" sz="1400" dirty="0"/>
+              <a:t>-math </a:t>
+            </a:r>
+            <a:endParaRPr lang="fr-FR" sz="1400" dirty="0"/>
+          </a:p>
+          <a:p>
+            <a:pPr lvl="1"/>
+            <a:r>
+              <a:rPr lang="fr-FR" sz="1400" dirty="0"/>
+              <a:t>-</a:t>
+            </a:r>
+            <a:r>
+              <a:rPr lang="fr-FR" sz="1400" dirty="0"/>
+              <a:t>m[SSE|SSE2|AVX|AVX2|AVX512</a:t>
+            </a:r>
+            <a:r>
+              <a:rPr lang="fr-FR" sz="1400" dirty="0"/>
+              <a:t>]</a:t>
+            </a:r>
+          </a:p>
+          <a:p>
+            <a:pPr lvl="1"/>
+            <a:endParaRPr lang="fr-FR" sz="1000" dirty="0"/>
+          </a:p>
+        </p:txBody>
+      </p:sp>
+      <p:sp>
+        <p:nvSpPr>
+          <p:cNvPr id="13" name="Espace réservé du texte 12"/>
+          <p:cNvSpPr>
+            <a:spLocks noGrp="1"/>
+          </p:cNvSpPr>
+          <p:nvPr>
+            <p:ph type="body" sz="quarter" idx="3"/>
+          </p:nvPr>
+        </p:nvSpPr>
+        <p:spPr>
+          <a:xfrm>
+            <a:off x="4892801" y="1508274"/>
+            <a:ext cx="3815305" cy="461144"/>
+          </a:xfrm>
+        </p:spPr>
+        <p:txBody>
+          <a:bodyPr/>
+          <a:lstStyle/>
+          <a:p>
+            <a:r>
+              <a:rPr lang="fr-FR" dirty="0" smtClean="0"/>
+              <a:t>MSVC</a:t>
+            </a:r>
+            <a:endParaRPr lang="fr-FR" dirty="0"/>
+          </a:p>
+        </p:txBody>
+      </p:sp>
+      <p:sp>
+        <p:nvSpPr>
+          <p:cNvPr id="14" name="Espace réservé du contenu 13"/>
+          <p:cNvSpPr>
+            <a:spLocks noGrp="1"/>
+          </p:cNvSpPr>
+          <p:nvPr>
+            <p:ph sz="quarter" idx="4"/>
+          </p:nvPr>
+        </p:nvSpPr>
+        <p:spPr>
+          <a:xfrm>
+            <a:off x="4663281" y="2045271"/>
+            <a:ext cx="4044825" cy="3208433"/>
+          </a:xfrm>
+        </p:spPr>
+        <p:txBody>
+          <a:bodyPr>
+            <a:noAutofit/>
+          </a:bodyPr>
+          <a:lstStyle/>
+          <a:p>
+            <a:r>
+              <a:rPr lang="fr-FR" sz="1400" dirty="0"/>
+              <a:t>/</a:t>
+            </a:r>
+            <a:r>
+              <a:rPr lang="fr-FR" sz="1400" dirty="0" err="1"/>
+              <a:t>Od</a:t>
+            </a:r>
+            <a:endParaRPr lang="fr-FR" sz="1400" dirty="0"/>
+          </a:p>
+          <a:p>
+            <a:r>
+              <a:rPr lang="fr-FR" sz="1400" dirty="0"/>
+              <a:t>/O1</a:t>
+            </a:r>
+          </a:p>
+          <a:p>
+            <a:r>
+              <a:rPr lang="fr-FR" sz="1400" dirty="0"/>
+              <a:t>/O2</a:t>
+            </a:r>
+          </a:p>
+          <a:p>
+            <a:r>
+              <a:rPr lang="fr-FR" sz="1400" dirty="0"/>
+              <a:t>/Os et /</a:t>
+            </a:r>
+            <a:r>
+              <a:rPr lang="fr-FR" sz="1400" dirty="0" err="1"/>
+              <a:t>Ot</a:t>
+            </a:r>
+            <a:r>
+              <a:rPr lang="fr-FR" sz="1400" dirty="0"/>
+              <a:t> pour favoriser la taille ou la vitesse</a:t>
+            </a:r>
+          </a:p>
+          <a:p>
+            <a:r>
+              <a:rPr lang="fr-FR" sz="1400" dirty="0"/>
+              <a:t>/</a:t>
+            </a:r>
+            <a:r>
+              <a:rPr lang="fr-FR" sz="1400" dirty="0" err="1"/>
+              <a:t>fp:fast</a:t>
+            </a:r>
+            <a:endParaRPr lang="fr-FR" sz="1400" dirty="0"/>
+          </a:p>
+          <a:p>
+            <a:r>
+              <a:rPr lang="fr-FR" sz="1400" dirty="0"/>
+              <a:t>/</a:t>
+            </a:r>
+            <a:r>
+              <a:rPr lang="fr-FR" sz="1400" dirty="0" err="1"/>
+              <a:t>flavor</a:t>
+            </a:r>
+            <a:endParaRPr lang="fr-FR" sz="1400" dirty="0"/>
+          </a:p>
+          <a:p>
+            <a:r>
+              <a:rPr lang="fr-FR" sz="1400" dirty="0"/>
+              <a:t>OpenMP : /</a:t>
+            </a:r>
+            <a:r>
+              <a:rPr lang="fr-FR" sz="1400" dirty="0" err="1"/>
+              <a:t>openmp</a:t>
+            </a:r>
+            <a:endParaRPr lang="fr-FR" sz="1400" dirty="0"/>
+          </a:p>
+          <a:p>
+            <a:r>
+              <a:rPr lang="fr-FR" sz="1400" dirty="0"/>
+              <a:t>Vectorisation :</a:t>
+            </a:r>
+            <a:endParaRPr lang="fr-FR" sz="1400" dirty="0"/>
+          </a:p>
+          <a:p>
+            <a:pPr lvl="1"/>
+            <a:r>
+              <a:rPr lang="fr-FR" sz="1400" dirty="0"/>
+              <a:t>/</a:t>
+            </a:r>
+            <a:r>
+              <a:rPr lang="fr-FR" sz="1400" dirty="0" err="1"/>
+              <a:t>fp:fast</a:t>
+            </a:r>
+            <a:endParaRPr lang="fr-FR" sz="1400" dirty="0"/>
+          </a:p>
+          <a:p>
+            <a:pPr lvl="1"/>
+            <a:r>
+              <a:rPr lang="fr-FR" sz="1400" dirty="0"/>
+              <a:t>/</a:t>
+            </a:r>
+            <a:r>
+              <a:rPr lang="fr-FR" sz="1400" dirty="0" err="1"/>
+              <a:t>arch</a:t>
+            </a:r>
+            <a:r>
+              <a:rPr lang="fr-FR" sz="1400" dirty="0"/>
+              <a:t>:[SSE|SSE2|AVX|AVX2|AVX512</a:t>
+            </a:r>
+            <a:r>
+              <a:rPr lang="fr-FR" sz="1400" dirty="0"/>
+              <a:t>]</a:t>
+            </a:r>
+            <a:endParaRPr lang="fr-FR" sz="1400" dirty="0"/>
+          </a:p>
+          <a:p>
+            <a:endParaRPr lang="fr-FR" sz="1400" dirty="0"/>
+          </a:p>
+        </p:txBody>
+      </p:sp>
+    </p:spTree>
+    <p:extLst>
+      <p:ext uri="{BB962C8B-B14F-4D97-AF65-F5344CB8AC3E}">
+        <p14:creationId xmlns:p14="http://schemas.microsoft.com/office/powerpoint/2010/main" val="3579155091"/>
+      </p:ext>
+    </p:extLst>
+  </p:cSld>
+  <p:clrMapOvr>
+    <a:masterClrMapping/>
+  </p:clrMapOvr>
+</p:sld>
+</file>
+
+<file path=ppt/slides/slide13.xml><?xml version="1.0" encoding="utf-8"?>
+<p:sld xmlns:a="http://schemas.openxmlformats.org/drawingml/2006/main" xmlns:r="http://schemas.openxmlformats.org/officeDocument/2006/relationships" xmlns:p="http://schemas.openxmlformats.org/presentationml/2006/main">
+  <p:cSld>
+    <p:spTree>
+      <p:nvGrpSpPr>
+        <p:cNvPr id="1" name=""/>
+        <p:cNvGrpSpPr/>
+        <p:nvPr/>
+      </p:nvGrpSpPr>
+      <p:grpSpPr>
+        <a:xfrm>
+          <a:off x="0" y="0"/>
+          <a:ext cx="0" cy="0"/>
+          <a:chOff x="0" y="0"/>
+          <a:chExt cx="0" cy="0"/>
+        </a:xfrm>
+      </p:grpSpPr>
+      <p:sp>
+        <p:nvSpPr>
           <p:cNvPr id="8" name="Titre 7"/>
           <p:cNvSpPr>
             <a:spLocks noGrp="1"/>
@@ -12462,7 +12508,7 @@
             <a:fld id="{D57F1E4F-1CFF-5643-939E-217C01CDF565}" type="slidenum">
               <a:rPr lang="fr-FR" sz="1600" smtClean="0"/>
               <a:pPr/>
-              <a:t>12</a:t>
+              <a:t>13</a:t>
             </a:fld>
             <a:endParaRPr lang="fr-FR" sz="1600"/>
           </a:p>
@@ -12960,301 +13006,6 @@
 </p:sld>
 </file>
 
-<file path=ppt/slides/slide13.xml><?xml version="1.0" encoding="utf-8"?>
-<p:sld xmlns:a="http://schemas.openxmlformats.org/drawingml/2006/main" xmlns:r="http://schemas.openxmlformats.org/officeDocument/2006/relationships" xmlns:p="http://schemas.openxmlformats.org/presentationml/2006/main">
-  <p:cSld>
-    <p:spTree>
-      <p:nvGrpSpPr>
-        <p:cNvPr id="1" name=""/>
-        <p:cNvGrpSpPr/>
-        <p:nvPr/>
-      </p:nvGrpSpPr>
-      <p:grpSpPr>
-        <a:xfrm>
-          <a:off x="0" y="0"/>
-          <a:ext cx="0" cy="0"/>
-          <a:chOff x="0" y="0"/>
-          <a:chExt cx="0" cy="0"/>
-        </a:xfrm>
-      </p:grpSpPr>
-      <p:sp>
-        <p:nvSpPr>
-          <p:cNvPr id="2" name="Titre 1"/>
-          <p:cNvSpPr>
-            <a:spLocks noGrp="1"/>
-          </p:cNvSpPr>
-          <p:nvPr>
-            <p:ph type="title"/>
-          </p:nvPr>
-        </p:nvSpPr>
-        <p:spPr/>
-        <p:txBody>
-          <a:bodyPr/>
-          <a:lstStyle/>
-          <a:p>
-            <a:r>
-              <a:rPr lang="fr-FR" dirty="0" smtClean="0"/>
-              <a:t>Note sur les configurations</a:t>
-            </a:r>
-            <a:endParaRPr lang="fr-FR" dirty="0"/>
-          </a:p>
-        </p:txBody>
-      </p:sp>
-      <p:sp>
-        <p:nvSpPr>
-          <p:cNvPr id="3" name="Espace réservé du numéro de diapositive 2"/>
-          <p:cNvSpPr>
-            <a:spLocks noGrp="1"/>
-          </p:cNvSpPr>
-          <p:nvPr>
-            <p:ph type="sldNum" sz="quarter" idx="12"/>
-          </p:nvPr>
-        </p:nvSpPr>
-        <p:spPr/>
-        <p:txBody>
-          <a:bodyPr/>
-          <a:lstStyle/>
-          <a:p>
-            <a:fld id="{D57F1E4F-1CFF-5643-939E-217C01CDF565}" type="slidenum">
-              <a:rPr lang="fr-FR" smtClean="0"/>
-              <a:pPr/>
-              <a:t>13</a:t>
-            </a:fld>
-            <a:endParaRPr lang="fr-FR" dirty="0"/>
-          </a:p>
-        </p:txBody>
-      </p:sp>
-      <p:sp>
-        <p:nvSpPr>
-          <p:cNvPr id="11" name="Espace réservé du texte 10"/>
-          <p:cNvSpPr>
-            <a:spLocks noGrp="1"/>
-          </p:cNvSpPr>
-          <p:nvPr>
-            <p:ph type="body" idx="1"/>
-          </p:nvPr>
-        </p:nvSpPr>
-        <p:spPr>
-          <a:xfrm>
-            <a:off x="861967" y="2323733"/>
-            <a:ext cx="3815306" cy="446671"/>
-          </a:xfrm>
-        </p:spPr>
-        <p:txBody>
-          <a:bodyPr/>
-          <a:lstStyle/>
-          <a:p>
-            <a:r>
-              <a:rPr lang="fr-FR" dirty="0" smtClean="0"/>
-              <a:t>Configuration DEBUG habituelle</a:t>
-            </a:r>
-            <a:endParaRPr lang="fr-FR" dirty="0"/>
-          </a:p>
-        </p:txBody>
-      </p:sp>
-      <p:sp>
-        <p:nvSpPr>
-          <p:cNvPr id="12" name="Espace réservé du contenu 11"/>
-          <p:cNvSpPr>
-            <a:spLocks noGrp="1"/>
-          </p:cNvSpPr>
-          <p:nvPr>
-            <p:ph sz="half" idx="2"/>
-          </p:nvPr>
-        </p:nvSpPr>
-        <p:spPr>
-          <a:xfrm>
-            <a:off x="632448" y="2860731"/>
-            <a:ext cx="4044825" cy="788324"/>
-          </a:xfrm>
-        </p:spPr>
-        <p:txBody>
-          <a:bodyPr>
-            <a:normAutofit/>
-          </a:bodyPr>
-          <a:lstStyle/>
-          <a:p>
-            <a:pPr lvl="1"/>
-            <a:r>
-              <a:rPr lang="fr-FR" dirty="0"/>
-              <a:t>/</a:t>
-            </a:r>
-            <a:r>
-              <a:rPr lang="fr-FR" dirty="0" err="1" smtClean="0"/>
-              <a:t>Od</a:t>
-            </a:r>
-            <a:endParaRPr lang="fr-FR" dirty="0" smtClean="0"/>
-          </a:p>
-          <a:p>
-            <a:pPr lvl="1"/>
-            <a:r>
-              <a:rPr lang="fr-FR" dirty="0" smtClean="0"/>
-              <a:t>/Zi</a:t>
-            </a:r>
-            <a:endParaRPr lang="fr-FR" dirty="0"/>
-          </a:p>
-        </p:txBody>
-      </p:sp>
-      <p:sp>
-        <p:nvSpPr>
-          <p:cNvPr id="13" name="Espace réservé du texte 12"/>
-          <p:cNvSpPr>
-            <a:spLocks noGrp="1"/>
-          </p:cNvSpPr>
-          <p:nvPr>
-            <p:ph type="body" sz="quarter" idx="3"/>
-          </p:nvPr>
-        </p:nvSpPr>
-        <p:spPr>
-          <a:xfrm>
-            <a:off x="5089354" y="2323733"/>
-            <a:ext cx="3815305" cy="461144"/>
-          </a:xfrm>
-        </p:spPr>
-        <p:txBody>
-          <a:bodyPr/>
-          <a:lstStyle/>
-          <a:p>
-            <a:r>
-              <a:rPr lang="fr-FR" dirty="0" smtClean="0"/>
-              <a:t>Configuration RELEASE habituelle</a:t>
-            </a:r>
-            <a:endParaRPr lang="fr-FR" dirty="0"/>
-          </a:p>
-        </p:txBody>
-      </p:sp>
-      <p:sp>
-        <p:nvSpPr>
-          <p:cNvPr id="14" name="Espace réservé du contenu 13"/>
-          <p:cNvSpPr>
-            <a:spLocks noGrp="1"/>
-          </p:cNvSpPr>
-          <p:nvPr>
-            <p:ph sz="quarter" idx="4"/>
-          </p:nvPr>
-        </p:nvSpPr>
-        <p:spPr>
-          <a:xfrm>
-            <a:off x="4859834" y="2860730"/>
-            <a:ext cx="4044825" cy="788325"/>
-          </a:xfrm>
-        </p:spPr>
-        <p:txBody>
-          <a:bodyPr>
-            <a:normAutofit/>
-          </a:bodyPr>
-          <a:lstStyle/>
-          <a:p>
-            <a:r>
-              <a:rPr lang="fr-FR" dirty="0" smtClean="0"/>
-              <a:t>/O2</a:t>
-            </a:r>
-          </a:p>
-          <a:p>
-            <a:r>
-              <a:rPr lang="fr-FR" dirty="0" smtClean="0"/>
-              <a:t>Pas d’info de </a:t>
-            </a:r>
-            <a:r>
-              <a:rPr lang="fr-FR" dirty="0" err="1" smtClean="0"/>
-              <a:t>debug</a:t>
-            </a:r>
-            <a:endParaRPr lang="fr-FR" dirty="0" smtClean="0"/>
-          </a:p>
-          <a:p>
-            <a:endParaRPr lang="fr-FR" dirty="0" smtClean="0"/>
-          </a:p>
-        </p:txBody>
-      </p:sp>
-      <p:sp>
-        <p:nvSpPr>
-          <p:cNvPr id="4" name="ZoneTexte 3"/>
-          <p:cNvSpPr txBox="1"/>
-          <p:nvPr/>
-        </p:nvSpPr>
-        <p:spPr>
-          <a:xfrm>
-            <a:off x="871671" y="1384419"/>
-            <a:ext cx="7836435" cy="646331"/>
-          </a:xfrm>
-          <a:prstGeom prst="rect">
-            <a:avLst/>
-          </a:prstGeom>
-          <a:noFill/>
-        </p:spPr>
-        <p:txBody>
-          <a:bodyPr wrap="square" rtlCol="0">
-            <a:spAutoFit/>
-          </a:bodyPr>
-          <a:lstStyle/>
-          <a:p>
-            <a:r>
-              <a:rPr lang="fr-FR" dirty="0" smtClean="0"/>
-              <a:t>Les configurations release et </a:t>
-            </a:r>
-            <a:r>
-              <a:rPr lang="fr-FR" dirty="0" err="1" smtClean="0"/>
-              <a:t>debug</a:t>
-            </a:r>
-            <a:r>
-              <a:rPr lang="fr-FR" dirty="0" smtClean="0"/>
-              <a:t> de </a:t>
-            </a:r>
-            <a:r>
-              <a:rPr lang="fr-FR" dirty="0" err="1" smtClean="0"/>
-              <a:t>visual</a:t>
-            </a:r>
-            <a:r>
-              <a:rPr lang="fr-FR" dirty="0" smtClean="0"/>
-              <a:t> peuvent sembler obscures. Ces configurations ne diffèrent que par les options de compilation</a:t>
-            </a:r>
-            <a:endParaRPr lang="fr-FR" dirty="0"/>
-          </a:p>
-        </p:txBody>
-      </p:sp>
-      <p:sp>
-        <p:nvSpPr>
-          <p:cNvPr id="9" name="ZoneTexte 8"/>
-          <p:cNvSpPr txBox="1"/>
-          <p:nvPr/>
-        </p:nvSpPr>
-        <p:spPr>
-          <a:xfrm>
-            <a:off x="871671" y="3947508"/>
-            <a:ext cx="7836435" cy="369332"/>
-          </a:xfrm>
-          <a:prstGeom prst="rect">
-            <a:avLst/>
-          </a:prstGeom>
-          <a:noFill/>
-        </p:spPr>
-        <p:txBody>
-          <a:bodyPr wrap="square" rtlCol="0">
-            <a:spAutoFit/>
-          </a:bodyPr>
-          <a:lstStyle/>
-          <a:p>
-            <a:r>
-              <a:rPr lang="fr-FR" dirty="0" smtClean="0"/>
-              <a:t>C’est tout ! Vous pouvez modifier et ajouter des configurations manuellement.</a:t>
-            </a:r>
-            <a:endParaRPr lang="fr-FR" dirty="0"/>
-          </a:p>
-        </p:txBody>
-      </p:sp>
-    </p:spTree>
-    <p:extLst>
-      <p:ext uri="{BB962C8B-B14F-4D97-AF65-F5344CB8AC3E}">
-        <p14:creationId xmlns:p14="http://schemas.microsoft.com/office/powerpoint/2010/main" val="2613639119"/>
-      </p:ext>
-    </p:extLst>
-  </p:cSld>
-  <p:clrMapOvr>
-    <a:masterClrMapping/>
-  </p:clrMapOvr>
-</p:sld>
-</file>
-
 <file path=ppt/slides/slide14.xml><?xml version="1.0" encoding="utf-8"?>
 <p:sld xmlns:a="http://schemas.openxmlformats.org/drawingml/2006/main" xmlns:r="http://schemas.openxmlformats.org/officeDocument/2006/relationships" xmlns:p="http://schemas.openxmlformats.org/presentationml/2006/main">
   <p:cSld>
@@ -13289,11 +13040,7 @@
           <a:p>
             <a:r>
               <a:rPr lang="fr-FR" dirty="0" smtClean="0"/>
-              <a:t>Options de </a:t>
-            </a:r>
-            <a:r>
-              <a:rPr lang="fr-FR" dirty="0" err="1" smtClean="0"/>
-              <a:t>debug</a:t>
+              <a:t>Note sur les configurations</a:t>
             </a:r>
             <a:endParaRPr lang="fr-FR" dirty="0"/>
           </a:p>
@@ -13344,10 +13091,10 @@
           <a:lstStyle/>
           <a:p>
             <a:r>
-              <a:rPr lang="fr-FR" dirty="0" smtClean="0"/>
-              <a:t>GCC</a:t>
-            </a:r>
-            <a:endParaRPr lang="fr-FR" dirty="0"/>
+              <a:rPr lang="fr-FR" sz="1800" dirty="0" smtClean="0"/>
+              <a:t>Configuration DEBUG habituelle</a:t>
+            </a:r>
+            <a:endParaRPr lang="fr-FR" sz="1800" dirty="0"/>
           </a:p>
         </p:txBody>
       </p:sp>
@@ -13363,132 +13110,34 @@
         </p:nvSpPr>
         <p:spPr>
           <a:xfrm>
-            <a:off x="632448" y="2860730"/>
-            <a:ext cx="4044825" cy="2096215"/>
+            <a:off x="632448" y="2860731"/>
+            <a:ext cx="4044825" cy="788324"/>
           </a:xfrm>
         </p:spPr>
         <p:txBody>
           <a:bodyPr>
-            <a:normAutofit lnSpcReduction="10000"/>
+            <a:normAutofit/>
           </a:bodyPr>
           <a:lstStyle/>
           <a:p>
-            <a:r>
-              <a:rPr lang="fr-FR" dirty="0" smtClean="0"/>
-              <a:t>-g[0, 1, 3] 2 par défaut = niveau de détail des informations de </a:t>
-            </a:r>
-            <a:r>
-              <a:rPr lang="fr-FR" dirty="0" err="1" smtClean="0"/>
-              <a:t>debug</a:t>
-            </a:r>
-            <a:r>
-              <a:rPr lang="fr-FR" dirty="0" smtClean="0"/>
-              <a:t>. </a:t>
-            </a:r>
-          </a:p>
-          <a:p>
             <a:pPr lvl="1"/>
             <a:r>
-              <a:rPr lang="fr-FR" dirty="0" smtClean="0"/>
-              <a:t>0 = pas d’info.</a:t>
-            </a:r>
+              <a:rPr lang="fr-FR" sz="1800" dirty="0"/>
+              <a:t>/</a:t>
+            </a:r>
+            <a:r>
+              <a:rPr lang="fr-FR" sz="1800" dirty="0" err="1" smtClean="0"/>
+              <a:t>Od</a:t>
+            </a:r>
+            <a:endParaRPr lang="fr-FR" sz="1800" dirty="0" smtClean="0"/>
           </a:p>
           <a:p>
             <a:pPr lvl="1"/>
             <a:r>
-              <a:rPr lang="fr-FR" dirty="0" smtClean="0"/>
-              <a:t>1 = infos de base (</a:t>
-            </a:r>
-            <a:r>
-              <a:rPr lang="fr-FR" dirty="0" err="1" smtClean="0"/>
-              <a:t>functions</a:t>
-            </a:r>
-            <a:r>
-              <a:rPr lang="fr-FR" dirty="0" smtClean="0"/>
-              <a:t>, lignes, pas de variables locales). Utile par exemple pour des </a:t>
-            </a:r>
-            <a:r>
-              <a:rPr lang="fr-FR" dirty="0" err="1" smtClean="0"/>
-              <a:t>libs</a:t>
-            </a:r>
-            <a:r>
-              <a:rPr lang="fr-FR" dirty="0"/>
-              <a:t>.</a:t>
-            </a:r>
-            <a:endParaRPr lang="fr-FR" dirty="0" smtClean="0"/>
-          </a:p>
-          <a:p>
-            <a:pPr lvl="1"/>
-            <a:r>
-              <a:rPr lang="fr-FR" dirty="0" smtClean="0"/>
-              <a:t>2 = 1 + variables locales</a:t>
-            </a:r>
-          </a:p>
-          <a:p>
-            <a:pPr lvl="1"/>
-            <a:r>
-              <a:rPr lang="fr-FR" dirty="0" smtClean="0"/>
-              <a:t>3 = infos en plus pour le </a:t>
-            </a:r>
-            <a:r>
-              <a:rPr lang="fr-FR" dirty="0" err="1" smtClean="0"/>
-              <a:t>debug</a:t>
-            </a:r>
-            <a:r>
-              <a:rPr lang="fr-FR" dirty="0" smtClean="0"/>
-              <a:t> des macros</a:t>
-            </a:r>
-          </a:p>
-          <a:p>
-            <a:r>
-              <a:rPr lang="fr-FR" dirty="0" smtClean="0"/>
-              <a:t>-g[gdb, </a:t>
-            </a:r>
-            <a:r>
-              <a:rPr lang="fr-FR" dirty="0" err="1" smtClean="0"/>
-              <a:t>dwarf</a:t>
-            </a:r>
-            <a:r>
-              <a:rPr lang="fr-FR" dirty="0" smtClean="0"/>
-              <a:t>, </a:t>
-            </a:r>
-            <a:r>
-              <a:rPr lang="fr-FR" dirty="0" err="1" smtClean="0"/>
-              <a:t>stabs</a:t>
-            </a:r>
-            <a:r>
-              <a:rPr lang="fr-FR" dirty="0" smtClean="0"/>
-              <a:t>, </a:t>
-            </a:r>
-            <a:r>
-              <a:rPr lang="fr-FR" dirty="0" err="1" smtClean="0"/>
-              <a:t>stabs</a:t>
-            </a:r>
-            <a:r>
-              <a:rPr lang="fr-FR" dirty="0" smtClean="0"/>
-              <a:t>+, </a:t>
-            </a:r>
-            <a:r>
-              <a:rPr lang="fr-FR" dirty="0" err="1" smtClean="0"/>
-              <a:t>xcoff</a:t>
-            </a:r>
-            <a:r>
-              <a:rPr lang="fr-FR" dirty="0" smtClean="0"/>
-              <a:t>, </a:t>
-            </a:r>
-            <a:r>
-              <a:rPr lang="fr-FR" dirty="0" err="1" smtClean="0"/>
-              <a:t>vms</a:t>
-            </a:r>
-            <a:r>
-              <a:rPr lang="fr-FR" dirty="0" smtClean="0"/>
-              <a:t>][0, 1, 3]</a:t>
-            </a:r>
-            <a:endParaRPr lang="fr-FR" dirty="0"/>
-          </a:p>
-          <a:p>
-            <a:pPr lvl="1"/>
-            <a:endParaRPr lang="fr-FR" dirty="0"/>
+              <a:rPr lang="fr-FR" sz="1800" dirty="0" smtClean="0"/>
+              <a:t>/Zi</a:t>
+            </a:r>
+            <a:endParaRPr lang="fr-FR" sz="1800" dirty="0"/>
           </a:p>
         </p:txBody>
       </p:sp>
@@ -13513,10 +13162,10 @@
           <a:lstStyle/>
           <a:p>
             <a:r>
-              <a:rPr lang="fr-FR" dirty="0" smtClean="0"/>
-              <a:t>MSVC</a:t>
-            </a:r>
-            <a:endParaRPr lang="fr-FR" dirty="0"/>
+              <a:rPr lang="fr-FR" sz="1800" dirty="0" smtClean="0"/>
+              <a:t>Configuration RELEASE habituelle</a:t>
+            </a:r>
+            <a:endParaRPr lang="fr-FR" sz="1800" dirty="0"/>
           </a:p>
         </p:txBody>
       </p:sp>
@@ -13533,85 +13182,33 @@
         <p:spPr>
           <a:xfrm>
             <a:off x="4859834" y="2860730"/>
-            <a:ext cx="4044825" cy="2392974"/>
+            <a:ext cx="4044825" cy="788325"/>
           </a:xfrm>
         </p:spPr>
         <p:txBody>
           <a:bodyPr>
-            <a:normAutofit/>
+            <a:noAutofit/>
           </a:bodyPr>
           <a:lstStyle/>
           <a:p>
             <a:r>
-              <a:rPr lang="fr-FR" dirty="0" smtClean="0"/>
-              <a:t>(</a:t>
-            </a:r>
-            <a:r>
-              <a:rPr lang="fr-FR" dirty="0"/>
-              <a:t>rien par </a:t>
-            </a:r>
-            <a:r>
-              <a:rPr lang="fr-FR" dirty="0" smtClean="0"/>
-              <a:t>défaut en release IDE)</a:t>
-            </a:r>
-          </a:p>
-          <a:p>
-            <a:r>
-              <a:rPr lang="fr-FR" dirty="0" smtClean="0"/>
-              <a:t>/Z7 = génération des symboles dans les .</a:t>
-            </a:r>
-            <a:r>
-              <a:rPr lang="fr-FR" dirty="0" err="1" smtClean="0"/>
-              <a:t>obj</a:t>
-            </a:r>
-            <a:r>
-              <a:rPr lang="fr-FR" dirty="0" smtClean="0"/>
-              <a:t>. Pas de PDB créé. .</a:t>
-            </a:r>
-            <a:r>
-              <a:rPr lang="fr-FR" dirty="0" err="1" smtClean="0"/>
-              <a:t>obj</a:t>
-            </a:r>
-            <a:r>
-              <a:rPr lang="fr-FR" dirty="0" smtClean="0"/>
-              <a:t> beaucoup plus lourd.</a:t>
-            </a:r>
-          </a:p>
-          <a:p>
-            <a:r>
-              <a:rPr lang="fr-FR" dirty="0" smtClean="0"/>
-              <a:t>/Zi fichier PDB &lt;projet&gt;.pdb avec toutes les infos de </a:t>
-            </a:r>
-            <a:r>
-              <a:rPr lang="fr-FR" dirty="0" err="1" smtClean="0"/>
+              <a:rPr lang="fr-FR" sz="1800" dirty="0" smtClean="0"/>
+              <a:t>/O2</a:t>
+            </a:r>
+          </a:p>
+          <a:p>
+            <a:r>
+              <a:rPr lang="fr-FR" sz="1800" dirty="0" smtClean="0"/>
+              <a:t>Pas d’info de </a:t>
+            </a:r>
+            <a:r>
+              <a:rPr lang="fr-FR" sz="1800" dirty="0" err="1" smtClean="0"/>
               <a:t>debug</a:t>
             </a:r>
-            <a:r>
-              <a:rPr lang="fr-FR" dirty="0" smtClean="0"/>
-              <a:t>. N’affecte pas les optimisations </a:t>
-            </a:r>
-            <a:r>
-              <a:rPr lang="fr-FR" dirty="0"/>
-              <a:t>(défaut en </a:t>
-            </a:r>
-            <a:r>
-              <a:rPr lang="fr-FR" dirty="0" err="1"/>
-              <a:t>debug</a:t>
-            </a:r>
-            <a:r>
-              <a:rPr lang="fr-FR" dirty="0"/>
-              <a:t> IDE)</a:t>
-            </a:r>
-            <a:endParaRPr lang="fr-FR" dirty="0" smtClean="0"/>
-          </a:p>
-          <a:p>
-            <a:r>
-              <a:rPr lang="fr-FR" dirty="0" smtClean="0"/>
-              <a:t>/ZI Idem /Zi + prise en charge de « Modifier et continuer ». Non compatible avec les optimisations et la macro __LINE__</a:t>
-            </a:r>
-          </a:p>
-          <a:p>
-            <a:endParaRPr lang="fr-FR" dirty="0" smtClean="0"/>
+            <a:endParaRPr lang="fr-FR" sz="1800" dirty="0" smtClean="0"/>
+          </a:p>
+          <a:p>
+            <a:endParaRPr lang="fr-FR" sz="1800" dirty="0" smtClean="0"/>
           </a:p>
         </p:txBody>
       </p:sp>
@@ -13624,7 +13221,7 @@
         <p:spPr>
           <a:xfrm>
             <a:off x="871671" y="1384419"/>
-            <a:ext cx="7836435" cy="923330"/>
+            <a:ext cx="7836435" cy="646331"/>
           </a:xfrm>
           <a:prstGeom prst="rect">
             <a:avLst/>
@@ -13639,7 +13236,7 @@
           <a:p>
             <a:r>
               <a:rPr lang="fr-FR" dirty="0" smtClean="0"/>
-              <a:t>Lors du </a:t>
+              <a:t>Les configurations release et </a:t>
             </a:r>
             <a:r>
               <a:rPr lang="fr-FR" dirty="0" err="1" smtClean="0"/>
@@ -13647,39 +13244,70 @@
             </a:r>
             <a:r>
               <a:rPr lang="fr-FR" dirty="0" smtClean="0"/>
-              <a:t>, il est nécessaire d’avoir les noms des symboles utilisés. Ces noms peuvent être stockés dans les .</a:t>
+              <a:t> de </a:t>
             </a:r>
             <a:r>
               <a:rPr lang="fr-FR" dirty="0" err="1" smtClean="0"/>
-              <a:t>obj</a:t>
+              <a:t>visual</a:t>
             </a:r>
             <a:r>
               <a:rPr lang="fr-FR" dirty="0" smtClean="0"/>
-              <a:t> ou les .pdb. Aucun .</a:t>
-            </a:r>
-            <a:r>
-              <a:rPr lang="fr-FR" dirty="0" err="1" smtClean="0"/>
-              <a:t>exe</a:t>
+              <a:t> peuvent sembler obscures. Ces configurations ne diffèrent </a:t>
             </a:r>
             <a:r>
               <a:rPr lang="fr-FR" dirty="0" smtClean="0"/>
-              <a:t> ou .dll peut contenir les symboles de </a:t>
-            </a:r>
-            <a:r>
-              <a:rPr lang="fr-FR" dirty="0" err="1" smtClean="0"/>
-              <a:t>debug</a:t>
-            </a:r>
-            <a:r>
-              <a:rPr lang="fr-FR" dirty="0"/>
-              <a:t>.</a:t>
-            </a:r>
+              <a:t>en fait que </a:t>
+            </a:r>
+            <a:r>
+              <a:rPr lang="fr-FR" dirty="0" smtClean="0"/>
+              <a:t>par les options de </a:t>
+            </a:r>
+            <a:r>
+              <a:rPr lang="fr-FR" dirty="0" smtClean="0"/>
+              <a:t>compilation utilisées.</a:t>
+            </a:r>
+            <a:endParaRPr lang="fr-FR" dirty="0"/>
+          </a:p>
+        </p:txBody>
+      </p:sp>
+      <p:sp>
+        <p:nvSpPr>
+          <p:cNvPr id="9" name="ZoneTexte 8"/>
+          <p:cNvSpPr txBox="1"/>
+          <p:nvPr/>
+        </p:nvSpPr>
+        <p:spPr>
+          <a:xfrm>
+            <a:off x="871671" y="3947508"/>
+            <a:ext cx="7836435" cy="646331"/>
+          </a:xfrm>
+          <a:prstGeom prst="rect">
+            <a:avLst/>
+          </a:prstGeom>
+          <a:noFill/>
+        </p:spPr>
+        <p:txBody>
+          <a:bodyPr wrap="square" rtlCol="0">
+            <a:spAutoFit/>
+          </a:bodyPr>
+          <a:lstStyle/>
+          <a:p>
+            <a:r>
+              <a:rPr lang="fr-FR" dirty="0" smtClean="0"/>
+              <a:t>C’est tout ! Vous pouvez modifier et ajouter des configurations </a:t>
+            </a:r>
+            <a:r>
+              <a:rPr lang="fr-FR" dirty="0" smtClean="0"/>
+              <a:t>manuellement au besoin</a:t>
+            </a:r>
+            <a:endParaRPr lang="fr-FR" dirty="0"/>
           </a:p>
         </p:txBody>
       </p:sp>
     </p:spTree>
     <p:extLst>
       <p:ext uri="{BB962C8B-B14F-4D97-AF65-F5344CB8AC3E}">
-        <p14:creationId xmlns:p14="http://schemas.microsoft.com/office/powerpoint/2010/main" val="1020199890"/>
+        <p14:creationId xmlns:p14="http://schemas.microsoft.com/office/powerpoint/2010/main" val="2613639119"/>
       </p:ext>
     </p:extLst>
   </p:cSld>
@@ -13708,6 +13336,467 @@
       </p:grpSpPr>
       <p:sp>
         <p:nvSpPr>
+          <p:cNvPr id="2" name="Titre 1"/>
+          <p:cNvSpPr>
+            <a:spLocks noGrp="1"/>
+          </p:cNvSpPr>
+          <p:nvPr>
+            <p:ph type="title"/>
+          </p:nvPr>
+        </p:nvSpPr>
+        <p:spPr/>
+        <p:txBody>
+          <a:bodyPr/>
+          <a:lstStyle/>
+          <a:p>
+            <a:r>
+              <a:rPr lang="fr-FR" dirty="0" smtClean="0"/>
+              <a:t>Options de </a:t>
+            </a:r>
+            <a:r>
+              <a:rPr lang="fr-FR" dirty="0" err="1" smtClean="0"/>
+              <a:t>debug</a:t>
+            </a:r>
+            <a:endParaRPr lang="fr-FR" dirty="0"/>
+          </a:p>
+        </p:txBody>
+      </p:sp>
+      <p:sp>
+        <p:nvSpPr>
+          <p:cNvPr id="3" name="Espace réservé du numéro de diapositive 2"/>
+          <p:cNvSpPr>
+            <a:spLocks noGrp="1"/>
+          </p:cNvSpPr>
+          <p:nvPr>
+            <p:ph type="sldNum" sz="quarter" idx="12"/>
+          </p:nvPr>
+        </p:nvSpPr>
+        <p:spPr/>
+        <p:txBody>
+          <a:bodyPr/>
+          <a:lstStyle/>
+          <a:p>
+            <a:fld id="{D57F1E4F-1CFF-5643-939E-217C01CDF565}" type="slidenum">
+              <a:rPr lang="fr-FR" smtClean="0"/>
+              <a:pPr/>
+              <a:t>15</a:t>
+            </a:fld>
+            <a:endParaRPr lang="fr-FR" dirty="0"/>
+          </a:p>
+        </p:txBody>
+      </p:sp>
+      <p:sp>
+        <p:nvSpPr>
+          <p:cNvPr id="11" name="Espace réservé du texte 10"/>
+          <p:cNvSpPr>
+            <a:spLocks noGrp="1"/>
+          </p:cNvSpPr>
+          <p:nvPr>
+            <p:ph type="body" idx="1"/>
+          </p:nvPr>
+        </p:nvSpPr>
+        <p:spPr>
+          <a:xfrm>
+            <a:off x="861967" y="2323733"/>
+            <a:ext cx="3815306" cy="446671"/>
+          </a:xfrm>
+        </p:spPr>
+        <p:txBody>
+          <a:bodyPr/>
+          <a:lstStyle/>
+          <a:p>
+            <a:r>
+              <a:rPr lang="fr-FR" dirty="0" smtClean="0"/>
+              <a:t>GCC</a:t>
+            </a:r>
+            <a:endParaRPr lang="fr-FR" dirty="0"/>
+          </a:p>
+        </p:txBody>
+      </p:sp>
+      <p:sp>
+        <p:nvSpPr>
+          <p:cNvPr id="12" name="Espace réservé du contenu 11"/>
+          <p:cNvSpPr>
+            <a:spLocks noGrp="1"/>
+          </p:cNvSpPr>
+          <p:nvPr>
+            <p:ph sz="half" idx="2"/>
+          </p:nvPr>
+        </p:nvSpPr>
+        <p:spPr>
+          <a:xfrm>
+            <a:off x="632448" y="2860730"/>
+            <a:ext cx="4044825" cy="2096215"/>
+          </a:xfrm>
+        </p:spPr>
+        <p:txBody>
+          <a:bodyPr>
+            <a:normAutofit lnSpcReduction="10000"/>
+          </a:bodyPr>
+          <a:lstStyle/>
+          <a:p>
+            <a:r>
+              <a:rPr lang="fr-FR" dirty="0" smtClean="0"/>
+              <a:t>-g[0, 1, 3] 2 par défaut = niveau de détail des informations de </a:t>
+            </a:r>
+            <a:r>
+              <a:rPr lang="fr-FR" dirty="0" err="1" smtClean="0"/>
+              <a:t>debug</a:t>
+            </a:r>
+            <a:r>
+              <a:rPr lang="fr-FR" dirty="0" smtClean="0"/>
+              <a:t>. </a:t>
+            </a:r>
+          </a:p>
+          <a:p>
+            <a:pPr lvl="1"/>
+            <a:r>
+              <a:rPr lang="fr-FR" dirty="0" smtClean="0"/>
+              <a:t>0 = pas d’info.</a:t>
+            </a:r>
+          </a:p>
+          <a:p>
+            <a:pPr lvl="1"/>
+            <a:r>
+              <a:rPr lang="fr-FR" dirty="0" smtClean="0"/>
+              <a:t>1 = infos de base (</a:t>
+            </a:r>
+            <a:r>
+              <a:rPr lang="fr-FR" dirty="0" err="1" smtClean="0"/>
+              <a:t>functions</a:t>
+            </a:r>
+            <a:r>
+              <a:rPr lang="fr-FR" dirty="0" smtClean="0"/>
+              <a:t>, lignes, pas de variables locales). Utile par exemple pour des </a:t>
+            </a:r>
+            <a:r>
+              <a:rPr lang="fr-FR" dirty="0" err="1" smtClean="0"/>
+              <a:t>libs</a:t>
+            </a:r>
+            <a:r>
+              <a:rPr lang="fr-FR" dirty="0"/>
+              <a:t>.</a:t>
+            </a:r>
+            <a:endParaRPr lang="fr-FR" dirty="0" smtClean="0"/>
+          </a:p>
+          <a:p>
+            <a:pPr lvl="1"/>
+            <a:r>
+              <a:rPr lang="fr-FR" dirty="0" smtClean="0"/>
+              <a:t>2 = 1 + variables locales</a:t>
+            </a:r>
+          </a:p>
+          <a:p>
+            <a:pPr lvl="1"/>
+            <a:r>
+              <a:rPr lang="fr-FR" dirty="0" smtClean="0"/>
+              <a:t>3 = infos en plus pour le </a:t>
+            </a:r>
+            <a:r>
+              <a:rPr lang="fr-FR" dirty="0" err="1" smtClean="0"/>
+              <a:t>debug</a:t>
+            </a:r>
+            <a:r>
+              <a:rPr lang="fr-FR" dirty="0" smtClean="0"/>
+              <a:t> des macros</a:t>
+            </a:r>
+          </a:p>
+          <a:p>
+            <a:r>
+              <a:rPr lang="fr-FR" dirty="0" smtClean="0"/>
+              <a:t>-g[gdb, </a:t>
+            </a:r>
+            <a:r>
+              <a:rPr lang="fr-FR" dirty="0" err="1" smtClean="0"/>
+              <a:t>dwarf</a:t>
+            </a:r>
+            <a:r>
+              <a:rPr lang="fr-FR" dirty="0" smtClean="0"/>
+              <a:t>, </a:t>
+            </a:r>
+            <a:r>
+              <a:rPr lang="fr-FR" dirty="0" err="1" smtClean="0"/>
+              <a:t>stabs</a:t>
+            </a:r>
+            <a:r>
+              <a:rPr lang="fr-FR" dirty="0" smtClean="0"/>
+              <a:t>, </a:t>
+            </a:r>
+            <a:r>
+              <a:rPr lang="fr-FR" dirty="0" err="1" smtClean="0"/>
+              <a:t>stabs</a:t>
+            </a:r>
+            <a:r>
+              <a:rPr lang="fr-FR" dirty="0" smtClean="0"/>
+              <a:t>+, </a:t>
+            </a:r>
+            <a:r>
+              <a:rPr lang="fr-FR" dirty="0" err="1" smtClean="0"/>
+              <a:t>xcoff</a:t>
+            </a:r>
+            <a:r>
+              <a:rPr lang="fr-FR" dirty="0" smtClean="0"/>
+              <a:t>, </a:t>
+            </a:r>
+            <a:r>
+              <a:rPr lang="fr-FR" dirty="0" err="1" smtClean="0"/>
+              <a:t>vms</a:t>
+            </a:r>
+            <a:r>
+              <a:rPr lang="fr-FR" dirty="0" smtClean="0"/>
+              <a:t>][0, 1, 3]</a:t>
+            </a:r>
+            <a:endParaRPr lang="fr-FR" dirty="0"/>
+          </a:p>
+          <a:p>
+            <a:pPr lvl="1"/>
+            <a:endParaRPr lang="fr-FR" dirty="0"/>
+          </a:p>
+        </p:txBody>
+      </p:sp>
+      <p:sp>
+        <p:nvSpPr>
+          <p:cNvPr id="13" name="Espace réservé du texte 12"/>
+          <p:cNvSpPr>
+            <a:spLocks noGrp="1"/>
+          </p:cNvSpPr>
+          <p:nvPr>
+            <p:ph type="body" sz="quarter" idx="3"/>
+          </p:nvPr>
+        </p:nvSpPr>
+        <p:spPr>
+          <a:xfrm>
+            <a:off x="5089354" y="2323733"/>
+            <a:ext cx="3815305" cy="461144"/>
+          </a:xfrm>
+        </p:spPr>
+        <p:txBody>
+          <a:bodyPr/>
+          <a:lstStyle/>
+          <a:p>
+            <a:r>
+              <a:rPr lang="fr-FR" dirty="0" smtClean="0"/>
+              <a:t>MSVC</a:t>
+            </a:r>
+            <a:endParaRPr lang="fr-FR" dirty="0"/>
+          </a:p>
+        </p:txBody>
+      </p:sp>
+      <p:sp>
+        <p:nvSpPr>
+          <p:cNvPr id="14" name="Espace réservé du contenu 13"/>
+          <p:cNvSpPr>
+            <a:spLocks noGrp="1"/>
+          </p:cNvSpPr>
+          <p:nvPr>
+            <p:ph sz="quarter" idx="4"/>
+          </p:nvPr>
+        </p:nvSpPr>
+        <p:spPr>
+          <a:xfrm>
+            <a:off x="4859834" y="2860730"/>
+            <a:ext cx="4044825" cy="2392974"/>
+          </a:xfrm>
+        </p:spPr>
+        <p:txBody>
+          <a:bodyPr>
+            <a:normAutofit/>
+          </a:bodyPr>
+          <a:lstStyle/>
+          <a:p>
+            <a:r>
+              <a:rPr lang="fr-FR" dirty="0" smtClean="0"/>
+              <a:t>(</a:t>
+            </a:r>
+            <a:r>
+              <a:rPr lang="fr-FR" dirty="0"/>
+              <a:t>rien par </a:t>
+            </a:r>
+            <a:r>
+              <a:rPr lang="fr-FR" dirty="0" smtClean="0"/>
+              <a:t>défaut en release IDE)</a:t>
+            </a:r>
+          </a:p>
+          <a:p>
+            <a:r>
+              <a:rPr lang="fr-FR" dirty="0" smtClean="0"/>
+              <a:t>/Z7 = génération des symboles dans les .</a:t>
+            </a:r>
+            <a:r>
+              <a:rPr lang="fr-FR" dirty="0" err="1" smtClean="0"/>
+              <a:t>obj</a:t>
+            </a:r>
+            <a:r>
+              <a:rPr lang="fr-FR" dirty="0" smtClean="0"/>
+              <a:t>. Pas de PDB créé. .</a:t>
+            </a:r>
+            <a:r>
+              <a:rPr lang="fr-FR" dirty="0" err="1" smtClean="0"/>
+              <a:t>obj</a:t>
+            </a:r>
+            <a:r>
+              <a:rPr lang="fr-FR" dirty="0" smtClean="0"/>
+              <a:t> beaucoup plus lourd.</a:t>
+            </a:r>
+          </a:p>
+          <a:p>
+            <a:r>
+              <a:rPr lang="fr-FR" dirty="0" smtClean="0"/>
+              <a:t>/Zi fichier PDB &lt;projet&gt;.pdb avec toutes les infos de </a:t>
+            </a:r>
+            <a:r>
+              <a:rPr lang="fr-FR" dirty="0" err="1" smtClean="0"/>
+              <a:t>debug</a:t>
+            </a:r>
+            <a:r>
+              <a:rPr lang="fr-FR" dirty="0" smtClean="0"/>
+              <a:t>. N’affecte pas les optimisations </a:t>
+            </a:r>
+            <a:r>
+              <a:rPr lang="fr-FR" dirty="0" smtClean="0"/>
+              <a:t>(par défaut </a:t>
+            </a:r>
+            <a:r>
+              <a:rPr lang="fr-FR" dirty="0"/>
+              <a:t>en </a:t>
+            </a:r>
+            <a:r>
+              <a:rPr lang="fr-FR" dirty="0" err="1"/>
+              <a:t>debug</a:t>
+            </a:r>
+            <a:r>
+              <a:rPr lang="fr-FR" dirty="0"/>
+              <a:t> IDE)</a:t>
+            </a:r>
+            <a:endParaRPr lang="fr-FR" dirty="0" smtClean="0"/>
+          </a:p>
+          <a:p>
+            <a:r>
+              <a:rPr lang="fr-FR" dirty="0" smtClean="0"/>
+              <a:t>/ZI Idem /Zi + prise en charge de « Modifier et continuer ». Non compatible avec les optimisations et la macro __LINE__</a:t>
+            </a:r>
+          </a:p>
+          <a:p>
+            <a:endParaRPr lang="fr-FR" dirty="0" smtClean="0"/>
+          </a:p>
+        </p:txBody>
+      </p:sp>
+      <p:sp>
+        <p:nvSpPr>
+          <p:cNvPr id="4" name="ZoneTexte 3"/>
+          <p:cNvSpPr txBox="1"/>
+          <p:nvPr/>
+        </p:nvSpPr>
+        <p:spPr>
+          <a:xfrm>
+            <a:off x="871671" y="1384419"/>
+            <a:ext cx="7836435" cy="923330"/>
+          </a:xfrm>
+          <a:prstGeom prst="rect">
+            <a:avLst/>
+          </a:prstGeom>
+          <a:noFill/>
+        </p:spPr>
+        <p:txBody>
+          <a:bodyPr wrap="square" rtlCol="0">
+            <a:spAutoFit/>
+          </a:bodyPr>
+          <a:lstStyle/>
+          <a:p>
+            <a:r>
+              <a:rPr lang="fr-FR" dirty="0" smtClean="0"/>
+              <a:t>Lors du </a:t>
+            </a:r>
+            <a:r>
+              <a:rPr lang="fr-FR" dirty="0" err="1" smtClean="0"/>
+              <a:t>debug</a:t>
+            </a:r>
+            <a:r>
+              <a:rPr lang="fr-FR" dirty="0" smtClean="0"/>
+              <a:t>, il est nécessaire d’avoir les noms des symboles utilisés. Ces noms peuvent être stockés dans les .</a:t>
+            </a:r>
+            <a:r>
+              <a:rPr lang="fr-FR" dirty="0" err="1" smtClean="0"/>
+              <a:t>obj</a:t>
+            </a:r>
+            <a:r>
+              <a:rPr lang="fr-FR" dirty="0" smtClean="0"/>
+              <a:t> ou les .pdb. </a:t>
+            </a:r>
+            <a:r>
+              <a:rPr lang="fr-FR" dirty="0" smtClean="0"/>
+              <a:t/>
+            </a:r>
+            <a:br>
+              <a:rPr lang="fr-FR" dirty="0" smtClean="0"/>
+            </a:br>
+            <a:r>
+              <a:rPr lang="fr-FR" dirty="0" smtClean="0"/>
+              <a:t>Aucun </a:t>
+            </a:r>
+            <a:r>
+              <a:rPr lang="fr-FR" dirty="0" smtClean="0"/>
+              <a:t>.</a:t>
+            </a:r>
+            <a:r>
+              <a:rPr lang="fr-FR" dirty="0" err="1" smtClean="0"/>
+              <a:t>exe</a:t>
+            </a:r>
+            <a:r>
+              <a:rPr lang="fr-FR" dirty="0" smtClean="0"/>
+              <a:t> ou .dll </a:t>
+            </a:r>
+            <a:r>
+              <a:rPr lang="fr-FR" dirty="0" smtClean="0"/>
+              <a:t>ne peut </a:t>
+            </a:r>
+            <a:r>
+              <a:rPr lang="fr-FR" dirty="0" smtClean="0"/>
+              <a:t>contenir les symboles de </a:t>
+            </a:r>
+            <a:r>
+              <a:rPr lang="fr-FR" dirty="0" err="1" smtClean="0"/>
+              <a:t>debug</a:t>
+            </a:r>
+            <a:r>
+              <a:rPr lang="fr-FR" dirty="0"/>
+              <a:t>.</a:t>
+            </a:r>
+          </a:p>
+        </p:txBody>
+      </p:sp>
+    </p:spTree>
+    <p:extLst>
+      <p:ext uri="{BB962C8B-B14F-4D97-AF65-F5344CB8AC3E}">
+        <p14:creationId xmlns:p14="http://schemas.microsoft.com/office/powerpoint/2010/main" val="1020199890"/>
+      </p:ext>
+    </p:extLst>
+  </p:cSld>
+  <p:clrMapOvr>
+    <a:masterClrMapping/>
+  </p:clrMapOvr>
+</p:sld>
+</file>
+
+<file path=ppt/slides/slide16.xml><?xml version="1.0" encoding="utf-8"?>
+<p:sld xmlns:a="http://schemas.openxmlformats.org/drawingml/2006/main" xmlns:r="http://schemas.openxmlformats.org/officeDocument/2006/relationships" xmlns:p="http://schemas.openxmlformats.org/presentationml/2006/main">
+  <p:cSld>
+    <p:spTree>
+      <p:nvGrpSpPr>
+        <p:cNvPr id="1" name=""/>
+        <p:cNvGrpSpPr/>
+        <p:nvPr/>
+      </p:nvGrpSpPr>
+      <p:grpSpPr>
+        <a:xfrm>
+          <a:off x="0" y="0"/>
+          <a:ext cx="0" cy="0"/>
+          <a:chOff x="0" y="0"/>
+          <a:chExt cx="0" cy="0"/>
+        </a:xfrm>
+      </p:grpSpPr>
+      <p:sp>
+        <p:nvSpPr>
           <p:cNvPr id="8" name="Titre 7"/>
           <p:cNvSpPr>
             <a:spLocks noGrp="1"/>
@@ -13895,8 +13984,31 @@
             </a:r>
             <a:r>
               <a:rPr lang="fr-FR" dirty="0" smtClean="0"/>
-              <a:t>, explorer les options /Z7 /ZI et /Zi et notez les fichiers créés</a:t>
-            </a:r>
+              <a:t>, explorer les options /Z7 /ZI et /Zi et notez les fichiers </a:t>
+            </a:r>
+            <a:r>
+              <a:rPr lang="fr-FR" dirty="0" smtClean="0"/>
+              <a:t>créés</a:t>
+            </a:r>
+          </a:p>
+          <a:p>
+            <a:r>
+              <a:rPr lang="fr-FR" dirty="0" smtClean="0"/>
+              <a:t>En release, ajoutez les informations de </a:t>
+            </a:r>
+            <a:r>
+              <a:rPr lang="fr-FR" dirty="0" err="1" smtClean="0"/>
+              <a:t>debug</a:t>
+            </a:r>
+            <a:r>
+              <a:rPr lang="fr-FR" dirty="0"/>
+              <a:t> </a:t>
+            </a:r>
+            <a:r>
+              <a:rPr lang="fr-FR" dirty="0" smtClean="0"/>
+              <a:t>et déboguer votre programme</a:t>
+            </a:r>
+            <a:endParaRPr lang="fr-FR" dirty="0" smtClean="0"/>
           </a:p>
           <a:p>
             <a:pPr lvl="1"/>
@@ -13927,7 +14039,7 @@
             <a:fld id="{D57F1E4F-1CFF-5643-939E-217C01CDF565}" type="slidenum">
               <a:rPr lang="fr-FR" sz="1600" smtClean="0"/>
               <a:pPr/>
-              <a:t>15</a:t>
+              <a:t>16</a:t>
             </a:fld>
             <a:endParaRPr lang="fr-FR" sz="1600"/>
           </a:p>
@@ -14411,407 +14523,6 @@
 </p:sld>
 </file>
 
-<file path=ppt/slides/slide16.xml><?xml version="1.0" encoding="utf-8"?>
-<p:sld xmlns:a="http://schemas.openxmlformats.org/drawingml/2006/main" xmlns:r="http://schemas.openxmlformats.org/officeDocument/2006/relationships" xmlns:p="http://schemas.openxmlformats.org/presentationml/2006/main">
-  <p:cSld>
-    <p:spTree>
-      <p:nvGrpSpPr>
-        <p:cNvPr id="1" name=""/>
-        <p:cNvGrpSpPr/>
-        <p:nvPr/>
-      </p:nvGrpSpPr>
-      <p:grpSpPr>
-        <a:xfrm>
-          <a:off x="0" y="0"/>
-          <a:ext cx="0" cy="0"/>
-          <a:chOff x="0" y="0"/>
-          <a:chExt cx="0" cy="0"/>
-        </a:xfrm>
-      </p:grpSpPr>
-      <p:sp>
-        <p:nvSpPr>
-          <p:cNvPr id="2" name="Titre 1"/>
-          <p:cNvSpPr>
-            <a:spLocks noGrp="1"/>
-          </p:cNvSpPr>
-          <p:nvPr>
-            <p:ph type="title"/>
-          </p:nvPr>
-        </p:nvSpPr>
-        <p:spPr/>
-        <p:txBody>
-          <a:bodyPr/>
-          <a:lstStyle/>
-          <a:p>
-            <a:r>
-              <a:rPr lang="fr-FR" dirty="0" smtClean="0"/>
-              <a:t>Options warnings et de styles</a:t>
-            </a:r>
-            <a:endParaRPr lang="fr-FR" dirty="0"/>
-          </a:p>
-        </p:txBody>
-      </p:sp>
-      <p:sp>
-        <p:nvSpPr>
-          <p:cNvPr id="3" name="Espace réservé du numéro de diapositive 2"/>
-          <p:cNvSpPr>
-            <a:spLocks noGrp="1"/>
-          </p:cNvSpPr>
-          <p:nvPr>
-            <p:ph type="sldNum" sz="quarter" idx="12"/>
-          </p:nvPr>
-        </p:nvSpPr>
-        <p:spPr/>
-        <p:txBody>
-          <a:bodyPr/>
-          <a:lstStyle/>
-          <a:p>
-            <a:fld id="{D57F1E4F-1CFF-5643-939E-217C01CDF565}" type="slidenum">
-              <a:rPr lang="fr-FR" smtClean="0"/>
-              <a:pPr/>
-              <a:t>16</a:t>
-            </a:fld>
-            <a:endParaRPr lang="fr-FR" dirty="0"/>
-          </a:p>
-        </p:txBody>
-      </p:sp>
-      <p:sp>
-        <p:nvSpPr>
-          <p:cNvPr id="11" name="Espace réservé du texte 10"/>
-          <p:cNvSpPr>
-            <a:spLocks noGrp="1"/>
-          </p:cNvSpPr>
-          <p:nvPr>
-            <p:ph type="body" idx="1"/>
-          </p:nvPr>
-        </p:nvSpPr>
-        <p:spPr>
-          <a:xfrm>
-            <a:off x="819238" y="1828077"/>
-            <a:ext cx="3815306" cy="446671"/>
-          </a:xfrm>
-        </p:spPr>
-        <p:txBody>
-          <a:bodyPr/>
-          <a:lstStyle/>
-          <a:p>
-            <a:r>
-              <a:rPr lang="fr-FR" dirty="0" smtClean="0"/>
-              <a:t>GCC</a:t>
-            </a:r>
-            <a:endParaRPr lang="fr-FR" dirty="0"/>
-          </a:p>
-        </p:txBody>
-      </p:sp>
-      <p:sp>
-        <p:nvSpPr>
-          <p:cNvPr id="12" name="Espace réservé du contenu 11"/>
-          <p:cNvSpPr>
-            <a:spLocks noGrp="1"/>
-          </p:cNvSpPr>
-          <p:nvPr>
-            <p:ph sz="half" idx="2"/>
-          </p:nvPr>
-        </p:nvSpPr>
-        <p:spPr>
-          <a:xfrm>
-            <a:off x="589719" y="2365073"/>
-            <a:ext cx="4044825" cy="3196507"/>
-          </a:xfrm>
-        </p:spPr>
-        <p:txBody>
-          <a:bodyPr>
-            <a:normAutofit/>
-          </a:bodyPr>
-          <a:lstStyle/>
-          <a:p>
-            <a:r>
-              <a:rPr lang="fr-FR" sz="1400" dirty="0"/>
-              <a:t>-Wall</a:t>
-            </a:r>
-          </a:p>
-          <a:p>
-            <a:r>
-              <a:rPr lang="fr-FR" sz="1400" dirty="0"/>
-              <a:t>-</a:t>
-            </a:r>
-            <a:r>
-              <a:rPr lang="fr-FR" sz="1400" dirty="0" err="1"/>
-              <a:t>Werror</a:t>
-            </a:r>
-            <a:endParaRPr lang="fr-FR" sz="1400" dirty="0"/>
-          </a:p>
-          <a:p>
-            <a:r>
-              <a:rPr lang="fr-FR" sz="1400" dirty="0"/>
-              <a:t>-</a:t>
-            </a:r>
-            <a:r>
-              <a:rPr lang="fr-FR" sz="1400" dirty="0" err="1"/>
-              <a:t>funsigned</a:t>
-            </a:r>
-            <a:r>
-              <a:rPr lang="fr-FR" sz="1400" dirty="0"/>
-              <a:t>-char</a:t>
-            </a:r>
-            <a:br>
-              <a:rPr lang="fr-FR" sz="1400" dirty="0"/>
-            </a:br>
-            <a:r>
-              <a:rPr lang="fr-FR" sz="1400" dirty="0"/>
-              <a:t>permet de </a:t>
-            </a:r>
-            <a:r>
-              <a:rPr lang="fr-FR" sz="1400" dirty="0" err="1"/>
-              <a:t>caster</a:t>
-            </a:r>
-            <a:r>
-              <a:rPr lang="fr-FR" sz="1400" dirty="0"/>
-              <a:t> un </a:t>
-            </a:r>
-            <a:r>
-              <a:rPr lang="fr-FR" sz="1400" dirty="0" err="1"/>
-              <a:t>int</a:t>
-            </a:r>
-            <a:r>
-              <a:rPr lang="fr-FR" sz="1400" dirty="0"/>
-              <a:t> négatif dans un char</a:t>
-            </a:r>
-          </a:p>
-          <a:p>
-            <a:r>
-              <a:rPr lang="fr-FR" sz="1400" dirty="0"/>
-              <a:t>-</a:t>
-            </a:r>
-            <a:r>
-              <a:rPr lang="fr-FR" sz="1400" dirty="0" err="1"/>
-              <a:t>std</a:t>
-            </a:r>
-            <a:r>
-              <a:rPr lang="fr-FR" sz="1400" dirty="0"/>
-              <a:t>=C++[11, 14, 117]</a:t>
-            </a:r>
-          </a:p>
-          <a:p>
-            <a:endParaRPr lang="fr-FR" sz="1400" dirty="0"/>
-          </a:p>
-          <a:p>
-            <a:endParaRPr lang="fr-FR" sz="1400" dirty="0" smtClean="0"/>
-          </a:p>
-          <a:p>
-            <a:r>
-              <a:rPr lang="fr-FR" sz="1400" dirty="0" smtClean="0"/>
-              <a:t>#</a:t>
-            </a:r>
-            <a:r>
-              <a:rPr lang="fr-FR" sz="1400" dirty="0" err="1"/>
-              <a:t>pragma</a:t>
-            </a:r>
-            <a:r>
-              <a:rPr lang="fr-FR" sz="1400" dirty="0"/>
-              <a:t> GCC diagnostic push</a:t>
-            </a:r>
-            <a:br>
-              <a:rPr lang="fr-FR" sz="1400" dirty="0"/>
-            </a:br>
-            <a:r>
-              <a:rPr lang="fr-FR" sz="1400" dirty="0"/>
-              <a:t>#</a:t>
-            </a:r>
-            <a:r>
-              <a:rPr lang="fr-FR" sz="1400" dirty="0" err="1"/>
-              <a:t>pragma</a:t>
-            </a:r>
-            <a:r>
-              <a:rPr lang="fr-FR" sz="1400" dirty="0"/>
-              <a:t> GCC diagnostic </a:t>
-            </a:r>
-            <a:r>
-              <a:rPr lang="fr-FR" sz="1400" dirty="0" err="1"/>
-              <a:t>ignored</a:t>
-            </a:r>
-            <a:r>
-              <a:rPr lang="fr-FR" sz="1400" dirty="0"/>
-              <a:t> "-</a:t>
-            </a:r>
-            <a:r>
-              <a:rPr lang="fr-FR" sz="1400" dirty="0" err="1"/>
-              <a:t>Wunused-parameter</a:t>
-            </a:r>
-            <a:r>
-              <a:rPr lang="fr-FR" sz="1400" dirty="0"/>
-              <a:t>"</a:t>
-            </a:r>
-          </a:p>
-          <a:p>
-            <a:pPr lvl="1"/>
-            <a:endParaRPr lang="fr-FR" sz="1400" dirty="0"/>
-          </a:p>
-        </p:txBody>
-      </p:sp>
-      <p:sp>
-        <p:nvSpPr>
-          <p:cNvPr id="13" name="Espace réservé du texte 12"/>
-          <p:cNvSpPr>
-            <a:spLocks noGrp="1"/>
-          </p:cNvSpPr>
-          <p:nvPr>
-            <p:ph type="body" sz="quarter" idx="3"/>
-          </p:nvPr>
-        </p:nvSpPr>
-        <p:spPr>
-          <a:xfrm>
-            <a:off x="5046625" y="1828077"/>
-            <a:ext cx="3815305" cy="461144"/>
-          </a:xfrm>
-        </p:spPr>
-        <p:txBody>
-          <a:bodyPr/>
-          <a:lstStyle/>
-          <a:p>
-            <a:r>
-              <a:rPr lang="fr-FR" dirty="0" smtClean="0"/>
-              <a:t>MSVC</a:t>
-            </a:r>
-            <a:endParaRPr lang="fr-FR" dirty="0"/>
-          </a:p>
-        </p:txBody>
-      </p:sp>
-      <p:sp>
-        <p:nvSpPr>
-          <p:cNvPr id="14" name="Espace réservé du contenu 13"/>
-          <p:cNvSpPr>
-            <a:spLocks noGrp="1"/>
-          </p:cNvSpPr>
-          <p:nvPr>
-            <p:ph sz="quarter" idx="4"/>
-          </p:nvPr>
-        </p:nvSpPr>
-        <p:spPr>
-          <a:xfrm>
-            <a:off x="4817105" y="2365074"/>
-            <a:ext cx="4044825" cy="2634216"/>
-          </a:xfrm>
-        </p:spPr>
-        <p:txBody>
-          <a:bodyPr>
-            <a:noAutofit/>
-          </a:bodyPr>
-          <a:lstStyle/>
-          <a:p>
-            <a:r>
-              <a:rPr lang="fr-FR" sz="1400" dirty="0"/>
-              <a:t>/</a:t>
-            </a:r>
-            <a:r>
-              <a:rPr lang="fr-FR" sz="1400" dirty="0" smtClean="0"/>
-              <a:t>W0 = aucun warning</a:t>
-            </a:r>
-          </a:p>
-          <a:p>
-            <a:r>
-              <a:rPr lang="fr-FR" sz="1400" dirty="0"/>
-              <a:t>/</a:t>
-            </a:r>
-            <a:r>
-              <a:rPr lang="fr-FR" sz="1400" dirty="0" smtClean="0"/>
-              <a:t>W1 = grave (par défaut ligne de commande)</a:t>
-            </a:r>
-          </a:p>
-          <a:p>
-            <a:r>
-              <a:rPr lang="fr-FR" sz="1400" dirty="0" smtClean="0"/>
-              <a:t>/W2 = /W1 + significatif</a:t>
-            </a:r>
-          </a:p>
-          <a:p>
-            <a:r>
-              <a:rPr lang="fr-FR" sz="1400" dirty="0" smtClean="0"/>
-              <a:t>/W3 = /W2 + qualité de production (par défaut IDE)</a:t>
-            </a:r>
-          </a:p>
-          <a:p>
-            <a:r>
-              <a:rPr lang="fr-FR" sz="1400" dirty="0" smtClean="0"/>
-              <a:t>/W4 = /W3 + informatif</a:t>
-            </a:r>
-          </a:p>
-          <a:p>
-            <a:r>
-              <a:rPr lang="fr-FR" sz="1400" dirty="0" smtClean="0"/>
-              <a:t>/Wall = /W4 + </a:t>
-            </a:r>
-          </a:p>
-          <a:p>
-            <a:endParaRPr lang="fr-FR" sz="1400" dirty="0" smtClean="0"/>
-          </a:p>
-          <a:p>
-            <a:r>
-              <a:rPr lang="en-US" sz="1400" dirty="0"/>
-              <a:t>#pragma warning( push </a:t>
-            </a:r>
-            <a:r>
-              <a:rPr lang="en-US" sz="1400" dirty="0" smtClean="0"/>
-              <a:t>)</a:t>
-            </a:r>
-            <a:br>
-              <a:rPr lang="en-US" sz="1400" dirty="0" smtClean="0"/>
-            </a:br>
-            <a:r>
-              <a:rPr lang="en-US" sz="1400" dirty="0" smtClean="0"/>
-              <a:t>#</a:t>
-            </a:r>
-            <a:r>
-              <a:rPr lang="en-US" sz="1400" dirty="0"/>
-              <a:t>pragma warning( disable : 4100 )</a:t>
-            </a:r>
-            <a:endParaRPr lang="fr-FR" sz="1400" dirty="0" smtClean="0"/>
-          </a:p>
-        </p:txBody>
-      </p:sp>
-      <p:sp>
-        <p:nvSpPr>
-          <p:cNvPr id="4" name="ZoneTexte 3"/>
-          <p:cNvSpPr txBox="1"/>
-          <p:nvPr/>
-        </p:nvSpPr>
-        <p:spPr>
-          <a:xfrm>
-            <a:off x="871671" y="1384419"/>
-            <a:ext cx="7836435" cy="369332"/>
-          </a:xfrm>
-          <a:prstGeom prst="rect">
-            <a:avLst/>
-          </a:prstGeom>
-          <a:noFill/>
-        </p:spPr>
-        <p:txBody>
-          <a:bodyPr wrap="square" rtlCol="0">
-            <a:spAutoFit/>
-          </a:bodyPr>
-          <a:lstStyle/>
-          <a:p>
-            <a:r>
-              <a:rPr lang="fr-FR" dirty="0" smtClean="0"/>
-              <a:t>Plusieurs options permettent d’imposer un code rigoureux.</a:t>
-            </a:r>
-            <a:endParaRPr lang="fr-FR" dirty="0"/>
-          </a:p>
-        </p:txBody>
-      </p:sp>
-    </p:spTree>
-    <p:extLst>
-      <p:ext uri="{BB962C8B-B14F-4D97-AF65-F5344CB8AC3E}">
-        <p14:creationId xmlns:p14="http://schemas.microsoft.com/office/powerpoint/2010/main" val="2103203042"/>
-      </p:ext>
-    </p:extLst>
-  </p:cSld>
-  <p:clrMapOvr>
-    <a:masterClrMapping/>
-  </p:clrMapOvr>
-</p:sld>
-</file>
-
 <file path=ppt/slides/slide17.xml><?xml version="1.0" encoding="utf-8"?>
 <p:sld xmlns:a="http://schemas.openxmlformats.org/drawingml/2006/main" xmlns:r="http://schemas.openxmlformats.org/officeDocument/2006/relationships" xmlns:p="http://schemas.openxmlformats.org/presentationml/2006/main">
   <p:cSld>
@@ -14831,6 +14542,882 @@
       </p:grpSpPr>
       <p:sp>
         <p:nvSpPr>
+          <p:cNvPr id="2" name="Titre 1"/>
+          <p:cNvSpPr>
+            <a:spLocks noGrp="1"/>
+          </p:cNvSpPr>
+          <p:nvPr>
+            <p:ph type="title"/>
+          </p:nvPr>
+        </p:nvSpPr>
+        <p:spPr/>
+        <p:txBody>
+          <a:bodyPr/>
+          <a:lstStyle/>
+          <a:p>
+            <a:r>
+              <a:rPr lang="fr-FR" dirty="0" smtClean="0"/>
+              <a:t>Modifier et continuer</a:t>
+            </a:r>
+            <a:endParaRPr lang="fr-FR" dirty="0"/>
+          </a:p>
+        </p:txBody>
+      </p:sp>
+      <p:sp>
+        <p:nvSpPr>
+          <p:cNvPr id="8" name="Espace réservé du contenu 7"/>
+          <p:cNvSpPr>
+            <a:spLocks noGrp="1"/>
+          </p:cNvSpPr>
+          <p:nvPr>
+            <p:ph idx="1"/>
+          </p:nvPr>
+        </p:nvSpPr>
+        <p:spPr>
+          <a:xfrm>
+            <a:off x="435895" y="1364896"/>
+            <a:ext cx="8272211" cy="2326887"/>
+          </a:xfrm>
+        </p:spPr>
+        <p:txBody>
+          <a:bodyPr>
+            <a:normAutofit/>
+          </a:bodyPr>
+          <a:lstStyle/>
+          <a:p>
+            <a:r>
+              <a:rPr lang="fr-FR" sz="1600" dirty="0" smtClean="0"/>
+              <a:t>Dans le projet précédent, générez les infos de </a:t>
+            </a:r>
+            <a:r>
+              <a:rPr lang="fr-FR" sz="1600" dirty="0" err="1" smtClean="0"/>
+              <a:t>debug</a:t>
+            </a:r>
+            <a:r>
+              <a:rPr lang="fr-FR" sz="1600" dirty="0" smtClean="0"/>
+              <a:t> au format /ZI</a:t>
+            </a:r>
+          </a:p>
+          <a:p>
+            <a:r>
+              <a:rPr lang="fr-FR" sz="1600" dirty="0" smtClean="0"/>
+              <a:t>Vérifiez que l’option «  Modifier et continuer » est active dans :</a:t>
+            </a:r>
+            <a:br>
+              <a:rPr lang="fr-FR" sz="1600" dirty="0" smtClean="0"/>
+            </a:br>
+            <a:r>
+              <a:rPr lang="fr-FR" sz="1600" b="1" dirty="0"/>
+              <a:t>Outils </a:t>
+            </a:r>
+            <a:r>
+              <a:rPr lang="fr-FR" sz="1600" b="1" dirty="0" smtClean="0">
+                <a:sym typeface="Wingdings" panose="05000000000000000000" pitchFamily="2" charset="2"/>
+              </a:rPr>
+              <a:t></a:t>
+            </a:r>
+            <a:r>
+              <a:rPr lang="fr-FR" sz="1600" b="1" dirty="0" smtClean="0"/>
+              <a:t> </a:t>
+            </a:r>
+            <a:r>
+              <a:rPr lang="fr-FR" sz="1600" b="1" dirty="0"/>
+              <a:t>options </a:t>
+            </a:r>
+            <a:r>
+              <a:rPr lang="fr-FR" sz="1600" b="1" dirty="0" smtClean="0">
+                <a:sym typeface="Wingdings" panose="05000000000000000000" pitchFamily="2" charset="2"/>
+              </a:rPr>
+              <a:t></a:t>
+            </a:r>
+            <a:r>
+              <a:rPr lang="fr-FR" sz="1600" b="1" dirty="0" smtClean="0"/>
+              <a:t> </a:t>
+            </a:r>
+            <a:r>
+              <a:rPr lang="fr-FR" sz="1600" b="1" dirty="0"/>
+              <a:t>débogage </a:t>
+            </a:r>
+            <a:r>
+              <a:rPr lang="fr-FR" sz="1600" b="1" dirty="0" smtClean="0">
+                <a:sym typeface="Wingdings" panose="05000000000000000000" pitchFamily="2" charset="2"/>
+              </a:rPr>
+              <a:t></a:t>
+            </a:r>
+            <a:r>
+              <a:rPr lang="fr-FR" sz="1600" b="1" dirty="0" smtClean="0"/>
+              <a:t> général</a:t>
+            </a:r>
+          </a:p>
+          <a:p>
+            <a:r>
+              <a:rPr lang="fr-FR" sz="1600" dirty="0" smtClean="0"/>
+              <a:t>Placer un point d’arrêt et modifier le code sur la ligne d’arrêt</a:t>
+            </a:r>
+          </a:p>
+          <a:p>
+            <a:r>
+              <a:rPr lang="fr-FR" sz="1600" dirty="0" smtClean="0"/>
+              <a:t>Faites de même en modifiant du code au dessus du point d’arrêt</a:t>
+            </a:r>
+            <a:endParaRPr lang="fr-FR" sz="1600" dirty="0"/>
+          </a:p>
+        </p:txBody>
+      </p:sp>
+      <p:sp>
+        <p:nvSpPr>
+          <p:cNvPr id="7" name="Espace réservé du numéro de diapositive 6"/>
+          <p:cNvSpPr>
+            <a:spLocks noGrp="1"/>
+          </p:cNvSpPr>
+          <p:nvPr>
+            <p:ph type="sldNum" sz="quarter" idx="12"/>
+          </p:nvPr>
+        </p:nvSpPr>
+        <p:spPr/>
+        <p:txBody>
+          <a:bodyPr/>
+          <a:lstStyle/>
+          <a:p>
+            <a:fld id="{D57F1E4F-1CFF-5643-939E-217C01CDF565}" type="slidenum">
+              <a:rPr lang="fr-FR" smtClean="0"/>
+              <a:pPr/>
+              <a:t>17</a:t>
+            </a:fld>
+            <a:endParaRPr lang="fr-FR"/>
+          </a:p>
+        </p:txBody>
+      </p:sp>
+      <p:sp>
+        <p:nvSpPr>
+          <p:cNvPr id="9" name="Espace réservé du contenu 7"/>
+          <p:cNvSpPr txBox="1">
+            <a:spLocks/>
+          </p:cNvSpPr>
+          <p:nvPr/>
+        </p:nvSpPr>
+        <p:spPr>
+          <a:xfrm>
+            <a:off x="4331353" y="4230168"/>
+            <a:ext cx="3829881" cy="756538"/>
+          </a:xfrm>
+          <a:prstGeom prst="rect">
+            <a:avLst/>
+          </a:prstGeom>
+        </p:spPr>
+        <p:txBody>
+          <a:bodyPr vert="horz" lIns="91440" tIns="45720" rIns="91440" bIns="45720" rtlCol="0" anchor="ctr">
+            <a:normAutofit/>
+          </a:bodyPr>
+          <a:lstStyle>
+            <a:lvl1pPr marL="229500" indent="-229500" algn="l" defTabSz="342900" rtl="0" eaLnBrk="1" latinLnBrk="0" hangingPunct="1">
+              <a:spcBef>
+                <a:spcPct val="20000"/>
+              </a:spcBef>
+              <a:spcAft>
+                <a:spcPts val="450"/>
+              </a:spcAft>
+              <a:buClr>
+                <a:schemeClr val="accent2"/>
+              </a:buClr>
+              <a:buSzPct val="92000"/>
+              <a:buFont typeface="Wingdings 2" panose="05020102010507070707" pitchFamily="18" charset="2"/>
+              <a:buChar char=""/>
+              <a:defRPr sz="1350" kern="1200">
+                <a:solidFill>
+                  <a:schemeClr val="tx2"/>
+                </a:solidFill>
+                <a:latin typeface="+mn-lt"/>
+                <a:ea typeface="+mn-ea"/>
+                <a:cs typeface="+mn-cs"/>
+              </a:defRPr>
+            </a:lvl1pPr>
+            <a:lvl2pPr marL="472500" indent="-229500" algn="l" defTabSz="342900" rtl="0" eaLnBrk="1" latinLnBrk="0" hangingPunct="1">
+              <a:spcBef>
+                <a:spcPct val="20000"/>
+              </a:spcBef>
+              <a:spcAft>
+                <a:spcPts val="450"/>
+              </a:spcAft>
+              <a:buClr>
+                <a:schemeClr val="accent2"/>
+              </a:buClr>
+              <a:buSzPct val="92000"/>
+              <a:buFont typeface="Wingdings 2" panose="05020102010507070707" pitchFamily="18" charset="2"/>
+              <a:buChar char=""/>
+              <a:defRPr sz="1200" kern="1200">
+                <a:solidFill>
+                  <a:schemeClr val="tx2"/>
+                </a:solidFill>
+                <a:latin typeface="+mn-lt"/>
+                <a:ea typeface="+mn-ea"/>
+                <a:cs typeface="+mn-cs"/>
+              </a:defRPr>
+            </a:lvl2pPr>
+            <a:lvl3pPr marL="675000" indent="-202500" algn="l" defTabSz="342900" rtl="0" eaLnBrk="1" latinLnBrk="0" hangingPunct="1">
+              <a:spcBef>
+                <a:spcPct val="20000"/>
+              </a:spcBef>
+              <a:spcAft>
+                <a:spcPts val="450"/>
+              </a:spcAft>
+              <a:buClr>
+                <a:schemeClr val="accent2"/>
+              </a:buClr>
+              <a:buSzPct val="92000"/>
+              <a:buFont typeface="Wingdings 2" panose="05020102010507070707" pitchFamily="18" charset="2"/>
+              <a:buChar char=""/>
+              <a:defRPr sz="1050" kern="1200">
+                <a:solidFill>
+                  <a:schemeClr val="tx2"/>
+                </a:solidFill>
+                <a:latin typeface="+mn-lt"/>
+                <a:ea typeface="+mn-ea"/>
+                <a:cs typeface="+mn-cs"/>
+              </a:defRPr>
+            </a:lvl3pPr>
+            <a:lvl4pPr marL="931500" indent="-175500" algn="l" defTabSz="342900" rtl="0" eaLnBrk="1" latinLnBrk="0" hangingPunct="1">
+              <a:spcBef>
+                <a:spcPct val="20000"/>
+              </a:spcBef>
+              <a:spcAft>
+                <a:spcPts val="450"/>
+              </a:spcAft>
+              <a:buClr>
+                <a:schemeClr val="accent2"/>
+              </a:buClr>
+              <a:buSzPct val="92000"/>
+              <a:buFont typeface="Wingdings 2" panose="05020102010507070707" pitchFamily="18" charset="2"/>
+              <a:buChar char=""/>
+              <a:defRPr sz="900" kern="1200">
+                <a:solidFill>
+                  <a:schemeClr val="tx2"/>
+                </a:solidFill>
+                <a:latin typeface="+mn-lt"/>
+                <a:ea typeface="+mn-ea"/>
+                <a:cs typeface="+mn-cs"/>
+              </a:defRPr>
+            </a:lvl4pPr>
+            <a:lvl5pPr marL="1201500" indent="-175500" algn="l" defTabSz="342900" rtl="0" eaLnBrk="1" latinLnBrk="0" hangingPunct="1">
+              <a:spcBef>
+                <a:spcPct val="20000"/>
+              </a:spcBef>
+              <a:spcAft>
+                <a:spcPts val="450"/>
+              </a:spcAft>
+              <a:buClr>
+                <a:schemeClr val="accent2"/>
+              </a:buClr>
+              <a:buSzPct val="92000"/>
+              <a:buFont typeface="Wingdings 2" panose="05020102010507070707" pitchFamily="18" charset="2"/>
+              <a:buChar char=""/>
+              <a:defRPr sz="900" kern="1200">
+                <a:solidFill>
+                  <a:schemeClr val="tx2"/>
+                </a:solidFill>
+                <a:latin typeface="+mn-lt"/>
+                <a:ea typeface="+mn-ea"/>
+                <a:cs typeface="+mn-cs"/>
+              </a:defRPr>
+            </a:lvl5pPr>
+            <a:lvl6pPr marL="1425000" indent="-171450" algn="l" defTabSz="342900" rtl="0" eaLnBrk="1" latinLnBrk="0" hangingPunct="1">
+              <a:spcBef>
+                <a:spcPct val="20000"/>
+              </a:spcBef>
+              <a:spcAft>
+                <a:spcPts val="450"/>
+              </a:spcAft>
+              <a:buClr>
+                <a:schemeClr val="accent2"/>
+              </a:buClr>
+              <a:buSzPct val="92000"/>
+              <a:buFont typeface="Wingdings 2" panose="05020102010507070707" pitchFamily="18" charset="2"/>
+              <a:buChar char=""/>
+              <a:defRPr sz="900" kern="1200">
+                <a:solidFill>
+                  <a:schemeClr val="tx2"/>
+                </a:solidFill>
+                <a:latin typeface="+mn-lt"/>
+                <a:ea typeface="+mn-ea"/>
+                <a:cs typeface="+mn-cs"/>
+              </a:defRPr>
+            </a:lvl6pPr>
+            <a:lvl7pPr marL="1650000" indent="-171450" algn="l" defTabSz="342900" rtl="0" eaLnBrk="1" latinLnBrk="0" hangingPunct="1">
+              <a:spcBef>
+                <a:spcPct val="20000"/>
+              </a:spcBef>
+              <a:spcAft>
+                <a:spcPts val="450"/>
+              </a:spcAft>
+              <a:buClr>
+                <a:schemeClr val="accent2"/>
+              </a:buClr>
+              <a:buSzPct val="92000"/>
+              <a:buFont typeface="Wingdings 2" panose="05020102010507070707" pitchFamily="18" charset="2"/>
+              <a:buChar char=""/>
+              <a:defRPr sz="900" kern="1200">
+                <a:solidFill>
+                  <a:schemeClr val="tx2"/>
+                </a:solidFill>
+                <a:latin typeface="+mn-lt"/>
+                <a:ea typeface="+mn-ea"/>
+                <a:cs typeface="+mn-cs"/>
+              </a:defRPr>
+            </a:lvl7pPr>
+            <a:lvl8pPr marL="1875000" indent="-171450" algn="l" defTabSz="342900" rtl="0" eaLnBrk="1" latinLnBrk="0" hangingPunct="1">
+              <a:spcBef>
+                <a:spcPct val="20000"/>
+              </a:spcBef>
+              <a:spcAft>
+                <a:spcPts val="450"/>
+              </a:spcAft>
+              <a:buClr>
+                <a:schemeClr val="accent2"/>
+              </a:buClr>
+              <a:buSzPct val="92000"/>
+              <a:buFont typeface="Wingdings 2" panose="05020102010507070707" pitchFamily="18" charset="2"/>
+              <a:buChar char=""/>
+              <a:defRPr sz="900" kern="1200">
+                <a:solidFill>
+                  <a:schemeClr val="tx2"/>
+                </a:solidFill>
+                <a:latin typeface="+mn-lt"/>
+                <a:ea typeface="+mn-ea"/>
+                <a:cs typeface="+mn-cs"/>
+              </a:defRPr>
+            </a:lvl8pPr>
+            <a:lvl9pPr marL="2100000" indent="-171450" algn="l" defTabSz="342900" rtl="0" eaLnBrk="1" latinLnBrk="0" hangingPunct="1">
+              <a:spcBef>
+                <a:spcPct val="20000"/>
+              </a:spcBef>
+              <a:spcAft>
+                <a:spcPts val="450"/>
+              </a:spcAft>
+              <a:buClr>
+                <a:schemeClr val="accent2"/>
+              </a:buClr>
+              <a:buSzPct val="92000"/>
+              <a:buFont typeface="Wingdings 2" panose="05020102010507070707" pitchFamily="18" charset="2"/>
+              <a:buChar char=""/>
+              <a:defRPr sz="900" kern="1200">
+                <a:solidFill>
+                  <a:schemeClr val="tx2"/>
+                </a:solidFill>
+                <a:latin typeface="+mn-lt"/>
+                <a:ea typeface="+mn-ea"/>
+                <a:cs typeface="+mn-cs"/>
+              </a:defRPr>
+            </a:lvl9pPr>
+          </a:lstStyle>
+          <a:p>
+            <a:pPr marL="0" indent="0">
+              <a:buNone/>
+            </a:pPr>
+            <a:r>
+              <a:rPr lang="fr-FR" sz="1600" dirty="0" smtClean="0">
+                <a:sym typeface="Wingdings" panose="05000000000000000000" pitchFamily="2" charset="2"/>
+              </a:rPr>
+              <a:t></a:t>
+            </a:r>
+            <a:r>
+              <a:rPr lang="fr-FR" sz="1600" dirty="0" smtClean="0"/>
+              <a:t>C’est pratique mais pas magique </a:t>
+            </a:r>
+            <a:r>
+              <a:rPr lang="fr-FR" sz="1600" dirty="0" smtClean="0">
+                <a:sym typeface="Wingdings" panose="05000000000000000000" pitchFamily="2" charset="2"/>
+              </a:rPr>
+              <a:t></a:t>
+            </a:r>
+            <a:endParaRPr lang="fr-FR" sz="1600" dirty="0"/>
+          </a:p>
+        </p:txBody>
+      </p:sp>
+    </p:spTree>
+    <p:extLst>
+      <p:ext uri="{BB962C8B-B14F-4D97-AF65-F5344CB8AC3E}">
+        <p14:creationId xmlns:p14="http://schemas.microsoft.com/office/powerpoint/2010/main" val="2574655570"/>
+      </p:ext>
+    </p:extLst>
+  </p:cSld>
+  <p:clrMapOvr>
+    <a:masterClrMapping/>
+  </p:clrMapOvr>
+  <p:timing>
+    <p:tnLst>
+      <p:par>
+        <p:cTn id="1" dur="indefinite" restart="never" nodeType="tmRoot">
+          <p:childTnLst>
+            <p:seq concurrent="1" nextAc="seek">
+              <p:cTn id="2" dur="indefinite" nodeType="mainSeq">
+                <p:childTnLst>
+                  <p:par>
+                    <p:cTn id="3" fill="hold">
+                      <p:stCondLst>
+                        <p:cond delay="indefinite"/>
+                      </p:stCondLst>
+                      <p:childTnLst>
+                        <p:par>
+                          <p:cTn id="4" fill="hold">
+                            <p:stCondLst>
+                              <p:cond delay="0"/>
+                            </p:stCondLst>
+                            <p:childTnLst>
+                              <p:par>
+                                <p:cTn id="5" presetID="1" presetClass="entr" presetSubtype="0" fill="hold" grpId="0" nodeType="clickEffect">
+                                  <p:stCondLst>
+                                    <p:cond delay="0"/>
+                                  </p:stCondLst>
+                                  <p:childTnLst>
+                                    <p:set>
+                                      <p:cBhvr>
+                                        <p:cTn id="6" dur="1" fill="hold">
+                                          <p:stCondLst>
+                                            <p:cond delay="0"/>
+                                          </p:stCondLst>
+                                        </p:cTn>
+                                        <p:tgtEl>
+                                          <p:spTgt spid="9"/>
+                                        </p:tgtEl>
+                                        <p:attrNameLst>
+                                          <p:attrName>style.visibility</p:attrName>
+                                        </p:attrNameLst>
+                                      </p:cBhvr>
+                                      <p:to>
+                                        <p:strVal val="visible"/>
+                                      </p:to>
+                                    </p:set>
+                                  </p:childTnLst>
+                                </p:cTn>
+                              </p:par>
+                            </p:childTnLst>
+                          </p:cTn>
+                        </p:par>
+                      </p:childTnLst>
+                    </p:cTn>
+                  </p:par>
+                </p:childTnLst>
+              </p:cTn>
+              <p:prevCondLst>
+                <p:cond evt="onPrev" delay="0">
+                  <p:tgtEl>
+                    <p:sldTgt/>
+                  </p:tgtEl>
+                </p:cond>
+              </p:prevCondLst>
+              <p:nextCondLst>
+                <p:cond evt="onNext" delay="0">
+                  <p:tgtEl>
+                    <p:sldTgt/>
+                  </p:tgtEl>
+                </p:cond>
+              </p:nextCondLst>
+            </p:seq>
+          </p:childTnLst>
+        </p:cTn>
+      </p:par>
+    </p:tnLst>
+    <p:bldLst>
+      <p:bldP spid="9" grpId="0"/>
+    </p:bldLst>
+  </p:timing>
+</p:sld>
+</file>
+
+<file path=ppt/slides/slide18.xml><?xml version="1.0" encoding="utf-8"?>
+<p:sld xmlns:a="http://schemas.openxmlformats.org/drawingml/2006/main" xmlns:r="http://schemas.openxmlformats.org/officeDocument/2006/relationships" xmlns:p="http://schemas.openxmlformats.org/presentationml/2006/main">
+  <p:cSld>
+    <p:spTree>
+      <p:nvGrpSpPr>
+        <p:cNvPr id="1" name=""/>
+        <p:cNvGrpSpPr/>
+        <p:nvPr/>
+      </p:nvGrpSpPr>
+      <p:grpSpPr>
+        <a:xfrm>
+          <a:off x="0" y="0"/>
+          <a:ext cx="0" cy="0"/>
+          <a:chOff x="0" y="0"/>
+          <a:chExt cx="0" cy="0"/>
+        </a:xfrm>
+      </p:grpSpPr>
+      <p:sp>
+        <p:nvSpPr>
+          <p:cNvPr id="2" name="Titre 1"/>
+          <p:cNvSpPr>
+            <a:spLocks noGrp="1"/>
+          </p:cNvSpPr>
+          <p:nvPr>
+            <p:ph type="title"/>
+          </p:nvPr>
+        </p:nvSpPr>
+        <p:spPr/>
+        <p:txBody>
+          <a:bodyPr/>
+          <a:lstStyle/>
+          <a:p>
+            <a:r>
+              <a:rPr lang="fr-FR" dirty="0" smtClean="0"/>
+              <a:t>Options warnings et de styles</a:t>
+            </a:r>
+            <a:endParaRPr lang="fr-FR" dirty="0"/>
+          </a:p>
+        </p:txBody>
+      </p:sp>
+      <p:sp>
+        <p:nvSpPr>
+          <p:cNvPr id="3" name="Espace réservé du numéro de diapositive 2"/>
+          <p:cNvSpPr>
+            <a:spLocks noGrp="1"/>
+          </p:cNvSpPr>
+          <p:nvPr>
+            <p:ph type="sldNum" sz="quarter" idx="12"/>
+          </p:nvPr>
+        </p:nvSpPr>
+        <p:spPr/>
+        <p:txBody>
+          <a:bodyPr/>
+          <a:lstStyle/>
+          <a:p>
+            <a:fld id="{D57F1E4F-1CFF-5643-939E-217C01CDF565}" type="slidenum">
+              <a:rPr lang="fr-FR" smtClean="0"/>
+              <a:pPr/>
+              <a:t>18</a:t>
+            </a:fld>
+            <a:endParaRPr lang="fr-FR" dirty="0"/>
+          </a:p>
+        </p:txBody>
+      </p:sp>
+      <p:sp>
+        <p:nvSpPr>
+          <p:cNvPr id="11" name="Espace réservé du texte 10"/>
+          <p:cNvSpPr>
+            <a:spLocks noGrp="1"/>
+          </p:cNvSpPr>
+          <p:nvPr>
+            <p:ph type="body" idx="1"/>
+          </p:nvPr>
+        </p:nvSpPr>
+        <p:spPr>
+          <a:xfrm>
+            <a:off x="819238" y="1828077"/>
+            <a:ext cx="3815306" cy="446671"/>
+          </a:xfrm>
+        </p:spPr>
+        <p:txBody>
+          <a:bodyPr/>
+          <a:lstStyle/>
+          <a:p>
+            <a:r>
+              <a:rPr lang="fr-FR" dirty="0" smtClean="0"/>
+              <a:t>GCC</a:t>
+            </a:r>
+            <a:endParaRPr lang="fr-FR" dirty="0"/>
+          </a:p>
+        </p:txBody>
+      </p:sp>
+      <p:sp>
+        <p:nvSpPr>
+          <p:cNvPr id="12" name="Espace réservé du contenu 11"/>
+          <p:cNvSpPr>
+            <a:spLocks noGrp="1"/>
+          </p:cNvSpPr>
+          <p:nvPr>
+            <p:ph sz="half" idx="2"/>
+          </p:nvPr>
+        </p:nvSpPr>
+        <p:spPr>
+          <a:xfrm>
+            <a:off x="589719" y="2365073"/>
+            <a:ext cx="4044825" cy="3196507"/>
+          </a:xfrm>
+        </p:spPr>
+        <p:txBody>
+          <a:bodyPr>
+            <a:normAutofit/>
+          </a:bodyPr>
+          <a:lstStyle/>
+          <a:p>
+            <a:r>
+              <a:rPr lang="fr-FR" sz="1400" dirty="0"/>
+              <a:t>-Wall</a:t>
+            </a:r>
+          </a:p>
+          <a:p>
+            <a:r>
+              <a:rPr lang="fr-FR" sz="1400" dirty="0"/>
+              <a:t>-</a:t>
+            </a:r>
+            <a:r>
+              <a:rPr lang="fr-FR" sz="1400" dirty="0" err="1"/>
+              <a:t>Werror</a:t>
+            </a:r>
+            <a:endParaRPr lang="fr-FR" sz="1400" dirty="0"/>
+          </a:p>
+          <a:p>
+            <a:r>
+              <a:rPr lang="fr-FR" sz="1400" dirty="0" smtClean="0"/>
+              <a:t>-</a:t>
+            </a:r>
+            <a:r>
+              <a:rPr lang="fr-FR" sz="1400" dirty="0" err="1"/>
+              <a:t>std</a:t>
+            </a:r>
+            <a:r>
+              <a:rPr lang="fr-FR" sz="1400" dirty="0"/>
+              <a:t>=C++[11, 14, 117]</a:t>
+            </a:r>
+          </a:p>
+          <a:p>
+            <a:endParaRPr lang="fr-FR" sz="1400" dirty="0"/>
+          </a:p>
+          <a:p>
+            <a:endParaRPr lang="fr-FR" sz="1400" dirty="0" smtClean="0"/>
+          </a:p>
+          <a:p>
+            <a:endParaRPr lang="fr-FR" sz="1400" dirty="0" smtClean="0"/>
+          </a:p>
+          <a:p>
+            <a:endParaRPr lang="fr-FR" sz="1400" dirty="0"/>
+          </a:p>
+          <a:p>
+            <a:r>
+              <a:rPr lang="fr-FR" sz="1400" dirty="0" smtClean="0"/>
+              <a:t>#</a:t>
+            </a:r>
+            <a:r>
+              <a:rPr lang="fr-FR" sz="1400" dirty="0" err="1"/>
+              <a:t>pragma</a:t>
+            </a:r>
+            <a:r>
+              <a:rPr lang="fr-FR" sz="1400" dirty="0"/>
+              <a:t> GCC diagnostic push</a:t>
+            </a:r>
+            <a:br>
+              <a:rPr lang="fr-FR" sz="1400" dirty="0"/>
+            </a:br>
+            <a:r>
+              <a:rPr lang="fr-FR" sz="1400" dirty="0"/>
+              <a:t>#</a:t>
+            </a:r>
+            <a:r>
+              <a:rPr lang="fr-FR" sz="1400" dirty="0" err="1"/>
+              <a:t>pragma</a:t>
+            </a:r>
+            <a:r>
+              <a:rPr lang="fr-FR" sz="1400" dirty="0"/>
+              <a:t> GCC diagnostic </a:t>
+            </a:r>
+            <a:r>
+              <a:rPr lang="fr-FR" sz="1400" dirty="0" err="1"/>
+              <a:t>ignored</a:t>
+            </a:r>
+            <a:r>
+              <a:rPr lang="fr-FR" sz="1400" dirty="0"/>
+              <a:t> "-</a:t>
+            </a:r>
+            <a:r>
+              <a:rPr lang="fr-FR" sz="1400" dirty="0" err="1"/>
+              <a:t>Wunused-parameter</a:t>
+            </a:r>
+            <a:r>
+              <a:rPr lang="fr-FR" sz="1400" dirty="0"/>
+              <a:t>"</a:t>
+            </a:r>
+          </a:p>
+          <a:p>
+            <a:pPr lvl="1"/>
+            <a:endParaRPr lang="fr-FR" sz="1400" dirty="0"/>
+          </a:p>
+        </p:txBody>
+      </p:sp>
+      <p:sp>
+        <p:nvSpPr>
+          <p:cNvPr id="13" name="Espace réservé du texte 12"/>
+          <p:cNvSpPr>
+            <a:spLocks noGrp="1"/>
+          </p:cNvSpPr>
+          <p:nvPr>
+            <p:ph type="body" sz="quarter" idx="3"/>
+          </p:nvPr>
+        </p:nvSpPr>
+        <p:spPr>
+          <a:xfrm>
+            <a:off x="5046625" y="1828077"/>
+            <a:ext cx="3815305" cy="461144"/>
+          </a:xfrm>
+        </p:spPr>
+        <p:txBody>
+          <a:bodyPr/>
+          <a:lstStyle/>
+          <a:p>
+            <a:r>
+              <a:rPr lang="fr-FR" dirty="0" smtClean="0"/>
+              <a:t>MSVC</a:t>
+            </a:r>
+            <a:endParaRPr lang="fr-FR" dirty="0"/>
+          </a:p>
+        </p:txBody>
+      </p:sp>
+      <p:sp>
+        <p:nvSpPr>
+          <p:cNvPr id="14" name="Espace réservé du contenu 13"/>
+          <p:cNvSpPr>
+            <a:spLocks noGrp="1"/>
+          </p:cNvSpPr>
+          <p:nvPr>
+            <p:ph sz="quarter" idx="4"/>
+          </p:nvPr>
+        </p:nvSpPr>
+        <p:spPr>
+          <a:xfrm>
+            <a:off x="4817105" y="2365074"/>
+            <a:ext cx="4044825" cy="2634216"/>
+          </a:xfrm>
+        </p:spPr>
+        <p:txBody>
+          <a:bodyPr>
+            <a:noAutofit/>
+          </a:bodyPr>
+          <a:lstStyle/>
+          <a:p>
+            <a:r>
+              <a:rPr lang="fr-FR" sz="1400" dirty="0"/>
+              <a:t>/</a:t>
+            </a:r>
+            <a:r>
+              <a:rPr lang="fr-FR" sz="1400" dirty="0" smtClean="0"/>
+              <a:t>W0 = aucun warning</a:t>
+            </a:r>
+          </a:p>
+          <a:p>
+            <a:r>
+              <a:rPr lang="fr-FR" sz="1400" dirty="0"/>
+              <a:t>/</a:t>
+            </a:r>
+            <a:r>
+              <a:rPr lang="fr-FR" sz="1400" dirty="0" smtClean="0"/>
+              <a:t>W1 = grave (par défaut ligne de commande)</a:t>
+            </a:r>
+          </a:p>
+          <a:p>
+            <a:r>
+              <a:rPr lang="fr-FR" sz="1400" dirty="0" smtClean="0"/>
+              <a:t>/W2 = /W1 + significatif</a:t>
+            </a:r>
+          </a:p>
+          <a:p>
+            <a:r>
+              <a:rPr lang="fr-FR" sz="1400" dirty="0" smtClean="0"/>
+              <a:t>/W3 = /W2 + qualité de production (par défaut IDE)</a:t>
+            </a:r>
+          </a:p>
+          <a:p>
+            <a:r>
+              <a:rPr lang="fr-FR" sz="1400" dirty="0" smtClean="0"/>
+              <a:t>/W4 = /W3 + informatif</a:t>
+            </a:r>
+          </a:p>
+          <a:p>
+            <a:r>
+              <a:rPr lang="fr-FR" sz="1400" dirty="0" smtClean="0"/>
+              <a:t>/Wall = /W4 + </a:t>
+            </a:r>
+            <a:r>
+              <a:rPr lang="fr-FR" sz="1400" dirty="0" smtClean="0"/>
+              <a:t>l’enfer</a:t>
+            </a:r>
+            <a:endParaRPr lang="fr-FR" sz="1400" dirty="0" smtClean="0"/>
+          </a:p>
+          <a:p>
+            <a:endParaRPr lang="fr-FR" sz="1400" dirty="0" smtClean="0"/>
+          </a:p>
+          <a:p>
+            <a:r>
+              <a:rPr lang="en-US" sz="1400" dirty="0"/>
+              <a:t>#pragma warning( push </a:t>
+            </a:r>
+            <a:r>
+              <a:rPr lang="en-US" sz="1400" dirty="0" smtClean="0"/>
+              <a:t>)</a:t>
+            </a:r>
+            <a:br>
+              <a:rPr lang="en-US" sz="1400" dirty="0" smtClean="0"/>
+            </a:br>
+            <a:r>
+              <a:rPr lang="en-US" sz="1400" dirty="0" smtClean="0"/>
+              <a:t>#</a:t>
+            </a:r>
+            <a:r>
+              <a:rPr lang="en-US" sz="1400" dirty="0"/>
+              <a:t>pragma warning( disable : 4100 )</a:t>
+            </a:r>
+            <a:endParaRPr lang="fr-FR" sz="1400" dirty="0" smtClean="0"/>
+          </a:p>
+        </p:txBody>
+      </p:sp>
+      <p:sp>
+        <p:nvSpPr>
+          <p:cNvPr id="4" name="ZoneTexte 3"/>
+          <p:cNvSpPr txBox="1"/>
+          <p:nvPr/>
+        </p:nvSpPr>
+        <p:spPr>
+          <a:xfrm>
+            <a:off x="871671" y="1384419"/>
+            <a:ext cx="7836435" cy="369332"/>
+          </a:xfrm>
+          <a:prstGeom prst="rect">
+            <a:avLst/>
+          </a:prstGeom>
+          <a:noFill/>
+        </p:spPr>
+        <p:txBody>
+          <a:bodyPr wrap="square" rtlCol="0">
+            <a:spAutoFit/>
+          </a:bodyPr>
+          <a:lstStyle/>
+          <a:p>
+            <a:r>
+              <a:rPr lang="fr-FR" dirty="0" smtClean="0"/>
+              <a:t>Plusieurs options permettent d’imposer un code rigoureux.</a:t>
+            </a:r>
+            <a:endParaRPr lang="fr-FR" dirty="0"/>
+          </a:p>
+        </p:txBody>
+      </p:sp>
+    </p:spTree>
+    <p:extLst>
+      <p:ext uri="{BB962C8B-B14F-4D97-AF65-F5344CB8AC3E}">
+        <p14:creationId xmlns:p14="http://schemas.microsoft.com/office/powerpoint/2010/main" val="2103203042"/>
+      </p:ext>
+    </p:extLst>
+  </p:cSld>
+  <p:clrMapOvr>
+    <a:masterClrMapping/>
+  </p:clrMapOvr>
+</p:sld>
+</file>
+
+<file path=ppt/slides/slide19.xml><?xml version="1.0" encoding="utf-8"?>
+<p:sld xmlns:a="http://schemas.openxmlformats.org/drawingml/2006/main" xmlns:r="http://schemas.openxmlformats.org/officeDocument/2006/relationships" xmlns:p="http://schemas.openxmlformats.org/presentationml/2006/main">
+  <p:cSld>
+    <p:spTree>
+      <p:nvGrpSpPr>
+        <p:cNvPr id="1" name=""/>
+        <p:cNvGrpSpPr/>
+        <p:nvPr/>
+      </p:nvGrpSpPr>
+      <p:grpSpPr>
+        <a:xfrm>
+          <a:off x="0" y="0"/>
+          <a:ext cx="0" cy="0"/>
+          <a:chOff x="0" y="0"/>
+          <a:chExt cx="0" cy="0"/>
+        </a:xfrm>
+      </p:grpSpPr>
+      <p:sp>
+        <p:nvSpPr>
           <p:cNvPr id="8" name="Titre 7"/>
           <p:cNvSpPr>
             <a:spLocks noGrp="1"/>
@@ -14964,7 +15551,7 @@
             <a:fld id="{D57F1E4F-1CFF-5643-939E-217C01CDF565}" type="slidenum">
               <a:rPr lang="fr-FR" sz="1600" smtClean="0"/>
               <a:pPr/>
-              <a:t>17</a:t>
+              <a:t>19</a:t>
             </a:fld>
             <a:endParaRPr lang="fr-FR" sz="1600"/>
           </a:p>
@@ -15549,360 +16136,6 @@
 </p:sld>
 </file>
 
-<file path=ppt/slides/slide18.xml><?xml version="1.0" encoding="utf-8"?>
-<p:sld xmlns:a="http://schemas.openxmlformats.org/drawingml/2006/main" xmlns:r="http://schemas.openxmlformats.org/officeDocument/2006/relationships" xmlns:p="http://schemas.openxmlformats.org/presentationml/2006/main">
-  <p:cSld>
-    <p:spTree>
-      <p:nvGrpSpPr>
-        <p:cNvPr id="1" name=""/>
-        <p:cNvGrpSpPr/>
-        <p:nvPr/>
-      </p:nvGrpSpPr>
-      <p:grpSpPr>
-        <a:xfrm>
-          <a:off x="0" y="0"/>
-          <a:ext cx="0" cy="0"/>
-          <a:chOff x="0" y="0"/>
-          <a:chExt cx="0" cy="0"/>
-        </a:xfrm>
-      </p:grpSpPr>
-      <p:sp>
-        <p:nvSpPr>
-          <p:cNvPr id="2" name="Titre 1">
-            <a:extLst>
-              <a:ext uri="{FF2B5EF4-FFF2-40B4-BE49-F238E27FC236}">
-                <a16:creationId xmlns:a16="http://schemas.microsoft.com/office/drawing/2014/main" id="{C02C5318-1A1E-49D0-B2E2-A4B0FA9E8A40}"/>
-              </a:ext>
-            </a:extLst>
-          </p:cNvPr>
-          <p:cNvSpPr>
-            <a:spLocks noGrp="1"/>
-          </p:cNvSpPr>
-          <p:nvPr>
-            <p:ph type="ctrTitle"/>
-          </p:nvPr>
-        </p:nvSpPr>
-        <p:spPr>
-          <a:xfrm>
-            <a:off x="330791" y="4545068"/>
-            <a:ext cx="8245162" cy="671433"/>
-          </a:xfrm>
-        </p:spPr>
-        <p:txBody>
-          <a:bodyPr rtlCol="0">
-            <a:noAutofit/>
-          </a:bodyPr>
-          <a:lstStyle/>
-          <a:p>
-            <a:pPr algn="r" rtl="0"/>
-            <a:r>
-              <a:rPr lang="fr-FR" sz="3150" dirty="0" smtClean="0">
-                <a:solidFill>
-                  <a:schemeClr val="bg1"/>
-                </a:solidFill>
-              </a:rPr>
-              <a:t>LA STD : Les conteneurs et les algorithmes</a:t>
-            </a:r>
-            <a:endParaRPr lang="fr-FR" sz="3150" dirty="0">
-              <a:solidFill>
-                <a:schemeClr val="bg1"/>
-              </a:solidFill>
-            </a:endParaRPr>
-          </a:p>
-        </p:txBody>
-      </p:sp>
-      <p:sp>
-        <p:nvSpPr>
-          <p:cNvPr id="6" name="ZoneTexte 5"/>
-          <p:cNvSpPr txBox="1"/>
-          <p:nvPr/>
-        </p:nvSpPr>
-        <p:spPr>
-          <a:xfrm>
-            <a:off x="330791" y="588580"/>
-            <a:ext cx="3757733" cy="3631763"/>
-          </a:xfrm>
-          <a:prstGeom prst="rect">
-            <a:avLst/>
-          </a:prstGeom>
-          <a:noFill/>
-        </p:spPr>
-        <p:txBody>
-          <a:bodyPr wrap="square" rtlCol="0">
-            <a:spAutoFit/>
-          </a:bodyPr>
-          <a:lstStyle/>
-          <a:p>
-            <a:r>
-              <a:rPr lang="fr-FR" sz="11500" b="1" spc="50" dirty="0" smtClean="0">
-                <a:ln w="9525" cmpd="sng">
-                  <a:solidFill>
-                    <a:schemeClr val="accent1"/>
-                  </a:solidFill>
-                  <a:prstDash val="solid"/>
-                </a:ln>
-                <a:solidFill>
-                  <a:srgbClr val="70AD47">
-                    <a:tint val="1000"/>
-                  </a:srgbClr>
-                </a:solidFill>
-                <a:effectLst>
-                  <a:glow rad="38100">
-                    <a:schemeClr val="accent1">
-                      <a:alpha val="40000"/>
-                    </a:schemeClr>
-                  </a:glow>
-                </a:effectLst>
-              </a:rPr>
-              <a:t>04</a:t>
-            </a:r>
-          </a:p>
-          <a:p>
-            <a:endParaRPr lang="fr-FR" sz="11500" dirty="0">
-              <a:ln w="0"/>
-              <a:solidFill>
-                <a:schemeClr val="accent1"/>
-              </a:solidFill>
-              <a:effectLst>
-                <a:outerShdw blurRad="38100" dist="25400" dir="5400000" algn="ctr" rotWithShape="0">
-                  <a:srgbClr val="6E747A">
-                    <a:alpha val="43000"/>
-                  </a:srgbClr>
-                </a:outerShdw>
-              </a:effectLst>
-            </a:endParaRPr>
-          </a:p>
-        </p:txBody>
-      </p:sp>
-      <p:sp>
-        <p:nvSpPr>
-          <p:cNvPr id="3" name="Espace réservé du numéro de diapositive 2"/>
-          <p:cNvSpPr>
-            <a:spLocks noGrp="1"/>
-          </p:cNvSpPr>
-          <p:nvPr>
-            <p:ph type="sldNum" sz="quarter" idx="12"/>
-          </p:nvPr>
-        </p:nvSpPr>
-        <p:spPr/>
-        <p:txBody>
-          <a:bodyPr/>
-          <a:lstStyle/>
-          <a:p>
-            <a:pPr rtl="0"/>
-            <a:fld id="{D57F1E4F-1CFF-5643-939E-217C01CDF565}" type="slidenum">
-              <a:rPr lang="fr-FR" noProof="0" smtClean="0"/>
-              <a:pPr rtl="0"/>
-              <a:t>18</a:t>
-            </a:fld>
-            <a:endParaRPr lang="fr-FR" noProof="0"/>
-          </a:p>
-        </p:txBody>
-      </p:sp>
-    </p:spTree>
-    <p:extLst>
-      <p:ext uri="{BB962C8B-B14F-4D97-AF65-F5344CB8AC3E}">
-        <p14:creationId xmlns:p14="http://schemas.microsoft.com/office/powerpoint/2010/main" val="2018679570"/>
-      </p:ext>
-    </p:extLst>
-  </p:cSld>
-  <p:clrMapOvr>
-    <a:masterClrMapping/>
-  </p:clrMapOvr>
-  <p:timing>
-    <p:tnLst>
-      <p:par>
-        <p:cTn id="1" dur="indefinite" restart="never" nodeType="tmRoot"/>
-      </p:par>
-    </p:tnLst>
-  </p:timing>
-</p:sld>
-</file>
-
-<file path=ppt/slides/slide19.xml><?xml version="1.0" encoding="utf-8"?>
-<p:sld xmlns:a="http://schemas.openxmlformats.org/drawingml/2006/main" xmlns:r="http://schemas.openxmlformats.org/officeDocument/2006/relationships" xmlns:p="http://schemas.openxmlformats.org/presentationml/2006/main">
-  <p:cSld>
-    <p:spTree>
-      <p:nvGrpSpPr>
-        <p:cNvPr id="1" name=""/>
-        <p:cNvGrpSpPr/>
-        <p:nvPr/>
-      </p:nvGrpSpPr>
-      <p:grpSpPr>
-        <a:xfrm>
-          <a:off x="0" y="0"/>
-          <a:ext cx="0" cy="0"/>
-          <a:chOff x="0" y="0"/>
-          <a:chExt cx="0" cy="0"/>
-        </a:xfrm>
-      </p:grpSpPr>
-      <p:sp>
-        <p:nvSpPr>
-          <p:cNvPr id="2" name="Titre 1">
-            <a:extLst>
-              <a:ext uri="{FF2B5EF4-FFF2-40B4-BE49-F238E27FC236}">
-                <a16:creationId xmlns:a16="http://schemas.microsoft.com/office/drawing/2014/main" id="{C02C5318-1A1E-49D0-B2E2-A4B0FA9E8A40}"/>
-              </a:ext>
-            </a:extLst>
-          </p:cNvPr>
-          <p:cNvSpPr>
-            <a:spLocks noGrp="1"/>
-          </p:cNvSpPr>
-          <p:nvPr>
-            <p:ph type="ctrTitle"/>
-          </p:nvPr>
-        </p:nvSpPr>
-        <p:spPr>
-          <a:xfrm>
-            <a:off x="330791" y="4545068"/>
-            <a:ext cx="8245162" cy="671433"/>
-          </a:xfrm>
-        </p:spPr>
-        <p:txBody>
-          <a:bodyPr rtlCol="0">
-            <a:noAutofit/>
-          </a:bodyPr>
-          <a:lstStyle/>
-          <a:p>
-            <a:pPr algn="r" rtl="0"/>
-            <a:r>
-              <a:rPr lang="fr-FR" sz="3150" dirty="0" smtClean="0">
-                <a:solidFill>
-                  <a:schemeClr val="bg1"/>
-                </a:solidFill>
-              </a:rPr>
-              <a:t>Un mot sur la « </a:t>
-            </a:r>
-            <a:r>
-              <a:rPr lang="fr-FR" sz="3150" dirty="0" err="1" smtClean="0">
-                <a:solidFill>
-                  <a:schemeClr val="bg1"/>
-                </a:solidFill>
-              </a:rPr>
-              <a:t>parallel</a:t>
-            </a:r>
-            <a:r>
-              <a:rPr lang="fr-FR" sz="3150" dirty="0" smtClean="0">
-                <a:solidFill>
-                  <a:schemeClr val="bg1"/>
-                </a:solidFill>
-              </a:rPr>
-              <a:t> STL »</a:t>
-            </a:r>
-            <a:endParaRPr lang="fr-FR" sz="3150" dirty="0">
-              <a:solidFill>
-                <a:schemeClr val="bg1"/>
-              </a:solidFill>
-            </a:endParaRPr>
-          </a:p>
-        </p:txBody>
-      </p:sp>
-      <p:sp>
-        <p:nvSpPr>
-          <p:cNvPr id="6" name="ZoneTexte 5"/>
-          <p:cNvSpPr txBox="1"/>
-          <p:nvPr/>
-        </p:nvSpPr>
-        <p:spPr>
-          <a:xfrm>
-            <a:off x="330791" y="588580"/>
-            <a:ext cx="3757733" cy="1862048"/>
-          </a:xfrm>
-          <a:prstGeom prst="rect">
-            <a:avLst/>
-          </a:prstGeom>
-          <a:noFill/>
-        </p:spPr>
-        <p:txBody>
-          <a:bodyPr wrap="square" rtlCol="0">
-            <a:spAutoFit/>
-          </a:bodyPr>
-          <a:lstStyle/>
-          <a:p>
-            <a:r>
-              <a:rPr lang="fr-FR" sz="11500" b="1" spc="50" dirty="0" smtClean="0">
-                <a:ln w="9525" cmpd="sng">
-                  <a:solidFill>
-                    <a:schemeClr val="accent1"/>
-                  </a:solidFill>
-                  <a:prstDash val="solid"/>
-                </a:ln>
-                <a:solidFill>
-                  <a:srgbClr val="70AD47">
-                    <a:tint val="1000"/>
-                  </a:srgbClr>
-                </a:solidFill>
-                <a:effectLst>
-                  <a:glow rad="38100">
-                    <a:schemeClr val="accent1">
-                      <a:alpha val="40000"/>
-                    </a:schemeClr>
-                  </a:glow>
-                </a:effectLst>
-              </a:rPr>
-              <a:t>03</a:t>
-            </a:r>
-            <a:endParaRPr lang="fr-FR" sz="11500" dirty="0">
-              <a:ln w="0"/>
-              <a:solidFill>
-                <a:schemeClr val="accent1"/>
-              </a:solidFill>
-              <a:effectLst>
-                <a:outerShdw blurRad="38100" dist="25400" dir="5400000" algn="ctr" rotWithShape="0">
-                  <a:srgbClr val="6E747A">
-                    <a:alpha val="43000"/>
-                  </a:srgbClr>
-                </a:outerShdw>
-              </a:effectLst>
-            </a:endParaRPr>
-          </a:p>
-        </p:txBody>
-      </p:sp>
-      <p:sp>
-        <p:nvSpPr>
-          <p:cNvPr id="3" name="Espace réservé du numéro de diapositive 2"/>
-          <p:cNvSpPr>
-            <a:spLocks noGrp="1"/>
-          </p:cNvSpPr>
-          <p:nvPr>
-            <p:ph type="sldNum" sz="quarter" idx="12"/>
-          </p:nvPr>
-        </p:nvSpPr>
-        <p:spPr/>
-        <p:txBody>
-          <a:bodyPr/>
-          <a:lstStyle/>
-          <a:p>
-            <a:pPr rtl="0"/>
-            <a:fld id="{D57F1E4F-1CFF-5643-939E-217C01CDF565}" type="slidenum">
-              <a:rPr lang="fr-FR" noProof="0" smtClean="0"/>
-              <a:pPr rtl="0"/>
-              <a:t>19</a:t>
-            </a:fld>
-            <a:endParaRPr lang="fr-FR" noProof="0"/>
-          </a:p>
-        </p:txBody>
-      </p:sp>
-    </p:spTree>
-    <p:extLst>
-      <p:ext uri="{BB962C8B-B14F-4D97-AF65-F5344CB8AC3E}">
-        <p14:creationId xmlns:p14="http://schemas.microsoft.com/office/powerpoint/2010/main" val="1432425152"/>
-      </p:ext>
-    </p:extLst>
-  </p:cSld>
-  <p:clrMapOvr>
-    <a:masterClrMapping/>
-  </p:clrMapOvr>
-  <p:timing>
-    <p:tnLst>
-      <p:par>
-        <p:cTn id="1" dur="indefinite" restart="never" nodeType="tmRoot"/>
-      </p:par>
-    </p:tnLst>
-  </p:timing>
-</p:sld>
-</file>
-
 <file path=ppt/slides/slide2.xml><?xml version="1.0" encoding="utf-8"?>
 <p:sld xmlns:a="http://schemas.openxmlformats.org/drawingml/2006/main" xmlns:r="http://schemas.openxmlformats.org/officeDocument/2006/relationships" xmlns:p="http://schemas.openxmlformats.org/presentationml/2006/main">
   <p:cSld>
@@ -16092,6 +16325,190 @@
       </p:grpSpPr>
       <p:sp>
         <p:nvSpPr>
+          <p:cNvPr id="2" name="Titre 1">
+            <a:extLst>
+              <a:ext uri="{FF2B5EF4-FFF2-40B4-BE49-F238E27FC236}">
+                <a16:creationId xmlns:a16="http://schemas.microsoft.com/office/drawing/2014/main" id="{C02C5318-1A1E-49D0-B2E2-A4B0FA9E8A40}"/>
+              </a:ext>
+            </a:extLst>
+          </p:cNvPr>
+          <p:cNvSpPr>
+            <a:spLocks noGrp="1"/>
+          </p:cNvSpPr>
+          <p:nvPr>
+            <p:ph type="ctrTitle"/>
+          </p:nvPr>
+        </p:nvSpPr>
+        <p:spPr>
+          <a:xfrm>
+            <a:off x="330791" y="4545068"/>
+            <a:ext cx="8245162" cy="671433"/>
+          </a:xfrm>
+        </p:spPr>
+        <p:txBody>
+          <a:bodyPr rtlCol="0">
+            <a:noAutofit/>
+          </a:bodyPr>
+          <a:lstStyle/>
+          <a:p>
+            <a:pPr algn="r" rtl="0"/>
+            <a:r>
+              <a:rPr lang="fr-FR" sz="3150" dirty="0" smtClean="0">
+                <a:solidFill>
+                  <a:schemeClr val="bg1"/>
+                </a:solidFill>
+              </a:rPr>
+              <a:t>Un mot sur la « </a:t>
+            </a:r>
+            <a:r>
+              <a:rPr lang="fr-FR" sz="3150" dirty="0" err="1" smtClean="0">
+                <a:solidFill>
+                  <a:schemeClr val="bg1"/>
+                </a:solidFill>
+              </a:rPr>
+              <a:t>parallel</a:t>
+            </a:r>
+            <a:r>
+              <a:rPr lang="fr-FR" sz="3150" dirty="0" smtClean="0">
+                <a:solidFill>
+                  <a:schemeClr val="bg1"/>
+                </a:solidFill>
+              </a:rPr>
+              <a:t> STL »</a:t>
+            </a:r>
+            <a:endParaRPr lang="fr-FR" sz="3150" dirty="0">
+              <a:solidFill>
+                <a:schemeClr val="bg1"/>
+              </a:solidFill>
+            </a:endParaRPr>
+          </a:p>
+        </p:txBody>
+      </p:sp>
+      <p:sp>
+        <p:nvSpPr>
+          <p:cNvPr id="6" name="ZoneTexte 5"/>
+          <p:cNvSpPr txBox="1"/>
+          <p:nvPr/>
+        </p:nvSpPr>
+        <p:spPr>
+          <a:xfrm>
+            <a:off x="330791" y="588580"/>
+            <a:ext cx="3757733" cy="1862048"/>
+          </a:xfrm>
+          <a:prstGeom prst="rect">
+            <a:avLst/>
+          </a:prstGeom>
+          <a:noFill/>
+        </p:spPr>
+        <p:txBody>
+          <a:bodyPr wrap="square" rtlCol="0">
+            <a:spAutoFit/>
+          </a:bodyPr>
+          <a:lstStyle/>
+          <a:p>
+            <a:r>
+              <a:rPr lang="fr-FR" sz="11500" b="1" spc="50" dirty="0" smtClean="0">
+                <a:ln w="9525" cmpd="sng">
+                  <a:solidFill>
+                    <a:schemeClr val="accent1"/>
+                  </a:solidFill>
+                  <a:prstDash val="solid"/>
+                </a:ln>
+                <a:solidFill>
+                  <a:srgbClr val="70AD47">
+                    <a:tint val="1000"/>
+                  </a:srgbClr>
+                </a:solidFill>
+                <a:effectLst>
+                  <a:glow rad="38100">
+                    <a:schemeClr val="accent1">
+                      <a:alpha val="40000"/>
+                    </a:schemeClr>
+                  </a:glow>
+                </a:effectLst>
+              </a:rPr>
+              <a:t>05</a:t>
+            </a:r>
+            <a:endParaRPr lang="fr-FR" sz="11500" dirty="0">
+              <a:ln w="0"/>
+              <a:solidFill>
+                <a:schemeClr val="accent1"/>
+              </a:solidFill>
+              <a:effectLst>
+                <a:outerShdw blurRad="38100" dist="25400" dir="5400000" algn="ctr" rotWithShape="0">
+                  <a:srgbClr val="6E747A">
+                    <a:alpha val="43000"/>
+                  </a:srgbClr>
+                </a:outerShdw>
+              </a:effectLst>
+            </a:endParaRPr>
+          </a:p>
+        </p:txBody>
+      </p:sp>
+      <p:sp>
+        <p:nvSpPr>
+          <p:cNvPr id="3" name="Espace réservé du numéro de diapositive 2"/>
+          <p:cNvSpPr>
+            <a:spLocks noGrp="1"/>
+          </p:cNvSpPr>
+          <p:nvPr>
+            <p:ph type="sldNum" sz="quarter" idx="12"/>
+          </p:nvPr>
+        </p:nvSpPr>
+        <p:spPr/>
+        <p:txBody>
+          <a:bodyPr/>
+          <a:lstStyle/>
+          <a:p>
+            <a:pPr rtl="0"/>
+            <a:fld id="{D57F1E4F-1CFF-5643-939E-217C01CDF565}" type="slidenum">
+              <a:rPr lang="fr-FR" noProof="0" smtClean="0"/>
+              <a:pPr rtl="0"/>
+              <a:t>20</a:t>
+            </a:fld>
+            <a:endParaRPr lang="fr-FR" noProof="0"/>
+          </a:p>
+        </p:txBody>
+      </p:sp>
+    </p:spTree>
+    <p:extLst>
+      <p:ext uri="{BB962C8B-B14F-4D97-AF65-F5344CB8AC3E}">
+        <p14:creationId xmlns:p14="http://schemas.microsoft.com/office/powerpoint/2010/main" val="1432425152"/>
+      </p:ext>
+    </p:extLst>
+  </p:cSld>
+  <p:clrMapOvr>
+    <a:masterClrMapping/>
+  </p:clrMapOvr>
+  <p:timing>
+    <p:tnLst>
+      <p:par>
+        <p:cTn id="1" dur="indefinite" restart="never" nodeType="tmRoot"/>
+      </p:par>
+    </p:tnLst>
+  </p:timing>
+</p:sld>
+</file>
+
+<file path=ppt/slides/slide21.xml><?xml version="1.0" encoding="utf-8"?>
+<p:sld xmlns:a="http://schemas.openxmlformats.org/drawingml/2006/main" xmlns:r="http://schemas.openxmlformats.org/officeDocument/2006/relationships" xmlns:p="http://schemas.openxmlformats.org/presentationml/2006/main">
+  <p:cSld>
+    <p:spTree>
+      <p:nvGrpSpPr>
+        <p:cNvPr id="1" name=""/>
+        <p:cNvGrpSpPr/>
+        <p:nvPr/>
+      </p:nvGrpSpPr>
+      <p:grpSpPr>
+        <a:xfrm>
+          <a:off x="0" y="0"/>
+          <a:ext cx="0" cy="0"/>
+          <a:chOff x="0" y="0"/>
+          <a:chExt cx="0" cy="0"/>
+        </a:xfrm>
+      </p:grpSpPr>
+      <p:sp>
+        <p:nvSpPr>
           <p:cNvPr id="2" name="Titre 1"/>
           <p:cNvSpPr>
             <a:spLocks noGrp="1"/>
@@ -16139,7 +16556,7 @@
             <a:fld id="{D57F1E4F-1CFF-5643-939E-217C01CDF565}" type="slidenum">
               <a:rPr lang="fr-FR" smtClean="0"/>
               <a:pPr/>
-              <a:t>20</a:t>
+              <a:t>21</a:t>
             </a:fld>
             <a:endParaRPr lang="fr-FR" dirty="0"/>
           </a:p>
@@ -16675,7 +17092,7 @@
 </p:sld>
 </file>
 
-<file path=ppt/slides/slide21.xml><?xml version="1.0" encoding="utf-8"?>
+<file path=ppt/slides/slide22.xml><?xml version="1.0" encoding="utf-8"?>
 <p:sld xmlns:a="http://schemas.openxmlformats.org/drawingml/2006/main" xmlns:r="http://schemas.openxmlformats.org/officeDocument/2006/relationships" xmlns:p="http://schemas.openxmlformats.org/presentationml/2006/main">
   <p:cSld>
     <p:spTree>
@@ -16959,7 +17376,7 @@
             <a:fld id="{D57F1E4F-1CFF-5643-939E-217C01CDF565}" type="slidenum">
               <a:rPr lang="fr-FR" smtClean="0"/>
               <a:pPr/>
-              <a:t>21</a:t>
+              <a:t>22</a:t>
             </a:fld>
             <a:endParaRPr lang="fr-FR" dirty="0"/>
           </a:p>
@@ -17009,155 +17426,6 @@
 </p:sld>
 </file>
 
-<file path=ppt/slides/slide22.xml><?xml version="1.0" encoding="utf-8"?>
-<p:sld xmlns:a="http://schemas.openxmlformats.org/drawingml/2006/main" xmlns:r="http://schemas.openxmlformats.org/officeDocument/2006/relationships" xmlns:p="http://schemas.openxmlformats.org/presentationml/2006/main">
-  <p:cSld>
-    <p:spTree>
-      <p:nvGrpSpPr>
-        <p:cNvPr id="1" name=""/>
-        <p:cNvGrpSpPr/>
-        <p:nvPr/>
-      </p:nvGrpSpPr>
-      <p:grpSpPr>
-        <a:xfrm>
-          <a:off x="0" y="0"/>
-          <a:ext cx="0" cy="0"/>
-          <a:chOff x="0" y="0"/>
-          <a:chExt cx="0" cy="0"/>
-        </a:xfrm>
-      </p:grpSpPr>
-      <p:sp>
-        <p:nvSpPr>
-          <p:cNvPr id="2" name="Titre 1"/>
-          <p:cNvSpPr>
-            <a:spLocks noGrp="1"/>
-          </p:cNvSpPr>
-          <p:nvPr>
-            <p:ph type="title"/>
-          </p:nvPr>
-        </p:nvSpPr>
-        <p:spPr/>
-        <p:txBody>
-          <a:bodyPr/>
-          <a:lstStyle/>
-          <a:p>
-            <a:r>
-              <a:rPr lang="fr-FR" dirty="0" smtClean="0"/>
-              <a:t>Conclusion sur la « </a:t>
-            </a:r>
-            <a:r>
-              <a:rPr lang="fr-FR" dirty="0" err="1" smtClean="0"/>
-              <a:t>Parallel</a:t>
-            </a:r>
-            <a:r>
-              <a:rPr lang="fr-FR" dirty="0" smtClean="0"/>
-              <a:t> STL »</a:t>
-            </a:r>
-            <a:endParaRPr lang="fr-FR" dirty="0"/>
-          </a:p>
-        </p:txBody>
-      </p:sp>
-      <p:sp>
-        <p:nvSpPr>
-          <p:cNvPr id="3" name="Espace réservé du contenu 2"/>
-          <p:cNvSpPr>
-            <a:spLocks noGrp="1"/>
-          </p:cNvSpPr>
-          <p:nvPr>
-            <p:ph idx="1"/>
-          </p:nvPr>
-        </p:nvSpPr>
-        <p:spPr/>
-        <p:txBody>
-          <a:bodyPr>
-            <a:normAutofit/>
-          </a:bodyPr>
-          <a:lstStyle/>
-          <a:p>
-            <a:r>
-              <a:rPr lang="fr-FR" sz="1800" dirty="0" smtClean="0"/>
-              <a:t>À utiliser lorsque :</a:t>
-            </a:r>
-          </a:p>
-          <a:p>
-            <a:pPr lvl="1"/>
-            <a:r>
-              <a:rPr lang="fr-FR" sz="1800" dirty="0"/>
-              <a:t>O</a:t>
-            </a:r>
-            <a:r>
-              <a:rPr lang="fr-FR" sz="1800" dirty="0" smtClean="0"/>
-              <a:t>n </a:t>
-            </a:r>
-            <a:r>
-              <a:rPr lang="fr-FR" sz="1800" dirty="0"/>
-              <a:t>travaille sur d</a:t>
-            </a:r>
-            <a:r>
-              <a:rPr lang="fr-FR" sz="1800" dirty="0" smtClean="0"/>
-              <a:t>es données de (très) grande dimension</a:t>
-            </a:r>
-          </a:p>
-          <a:p>
-            <a:pPr lvl="1"/>
-            <a:r>
-              <a:rPr lang="fr-FR" sz="1800" dirty="0" smtClean="0"/>
-              <a:t>Les calculs sont conséquents par rapport aux transferts mémoire</a:t>
-            </a:r>
-          </a:p>
-          <a:p>
-            <a:pPr lvl="1"/>
-            <a:r>
-              <a:rPr lang="fr-FR" sz="1800" dirty="0" smtClean="0"/>
-              <a:t>On n’a pas le temps et on veut juste faire en sorte que ça aille (un peu) plus vite</a:t>
-            </a:r>
-          </a:p>
-        </p:txBody>
-      </p:sp>
-      <p:sp>
-        <p:nvSpPr>
-          <p:cNvPr id="4" name="Espace réservé du numéro de diapositive 3"/>
-          <p:cNvSpPr>
-            <a:spLocks noGrp="1"/>
-          </p:cNvSpPr>
-          <p:nvPr>
-            <p:ph type="sldNum" sz="quarter" idx="12"/>
-          </p:nvPr>
-        </p:nvSpPr>
-        <p:spPr/>
-        <p:txBody>
-          <a:bodyPr/>
-          <a:lstStyle/>
-          <a:p>
-            <a:fld id="{D57F1E4F-1CFF-5643-939E-217C01CDF565}" type="slidenum">
-              <a:rPr lang="fr-FR" smtClean="0"/>
-              <a:pPr/>
-              <a:t>22</a:t>
-            </a:fld>
-            <a:endParaRPr lang="fr-FR" dirty="0"/>
-          </a:p>
-        </p:txBody>
-      </p:sp>
-    </p:spTree>
-    <p:extLst>
-      <p:ext uri="{BB962C8B-B14F-4D97-AF65-F5344CB8AC3E}">
-        <p14:creationId xmlns:p14="http://schemas.microsoft.com/office/powerpoint/2010/main" val="3729147520"/>
-      </p:ext>
-    </p:extLst>
-  </p:cSld>
-  <p:clrMapOvr>
-    <a:masterClrMapping/>
-  </p:clrMapOvr>
-  <p:timing>
-    <p:tnLst>
-      <p:par>
-        <p:cTn id="1" dur="indefinite" restart="never" nodeType="tmRoot"/>
-      </p:par>
-    </p:tnLst>
-  </p:timing>
-</p:sld>
-</file>
-
 <file path=ppt/slides/slide23.xml><?xml version="1.0" encoding="utf-8"?>
 <p:sld xmlns:a="http://schemas.openxmlformats.org/drawingml/2006/main" xmlns:r="http://schemas.openxmlformats.org/officeDocument/2006/relationships" xmlns:p="http://schemas.openxmlformats.org/presentationml/2006/main">
   <p:cSld>
@@ -17192,7 +17460,15 @@
           <a:p>
             <a:r>
               <a:rPr lang="fr-FR" dirty="0" smtClean="0"/>
-              <a:t>Des outils en ligne</a:t>
+              <a:t>Conclusion sur la « </a:t>
+            </a:r>
+            <a:r>
+              <a:rPr lang="fr-FR" dirty="0" err="1" smtClean="0"/>
+              <a:t>Parallel</a:t>
+            </a:r>
+            <a:r>
+              <a:rPr lang="fr-FR" dirty="0" smtClean="0"/>
+              <a:t> STL »</a:t>
             </a:r>
             <a:endParaRPr lang="fr-FR" dirty="0"/>
           </a:p>
@@ -17200,165 +17476,64 @@
       </p:sp>
       <p:sp>
         <p:nvSpPr>
-          <p:cNvPr id="3" name="Espace réservé du texte 2"/>
+          <p:cNvPr id="3" name="Espace réservé du contenu 2"/>
           <p:cNvSpPr>
             <a:spLocks noGrp="1"/>
           </p:cNvSpPr>
           <p:nvPr>
-            <p:ph type="body" idx="1"/>
+            <p:ph idx="1"/>
           </p:nvPr>
         </p:nvSpPr>
         <p:spPr/>
         <p:txBody>
-          <a:bodyPr/>
+          <a:bodyPr>
+            <a:normAutofit/>
+          </a:bodyPr>
           <a:lstStyle/>
           <a:p>
             <a:r>
-              <a:rPr lang="fr-FR" dirty="0" smtClean="0"/>
-              <a:t>Tester les compilateurs C++</a:t>
-            </a:r>
-            <a:endParaRPr lang="fr-FR" dirty="0"/>
-          </a:p>
-        </p:txBody>
-      </p:sp>
-      <p:sp>
-        <p:nvSpPr>
-          <p:cNvPr id="4" name="Espace réservé du contenu 3"/>
-          <p:cNvSpPr>
-            <a:spLocks noGrp="1"/>
-          </p:cNvSpPr>
-          <p:nvPr>
-            <p:ph sz="half" idx="2"/>
-          </p:nvPr>
-        </p:nvSpPr>
-        <p:spPr/>
-        <p:txBody>
-          <a:bodyPr/>
-          <a:lstStyle/>
-          <a:p>
-            <a:r>
-              <a:rPr lang="fr-FR" dirty="0" smtClean="0"/>
-              <a:t>Voir le code compilé :</a:t>
-            </a:r>
-            <a:br>
-              <a:rPr lang="fr-FR" dirty="0" smtClean="0"/>
-            </a:br>
-            <a:r>
-              <a:rPr lang="fr-FR" dirty="0">
-                <a:hlinkClick r:id="rId2"/>
-              </a:rPr>
-              <a:t>https://</a:t>
-            </a:r>
-            <a:r>
-              <a:rPr lang="fr-FR" dirty="0" smtClean="0">
-                <a:hlinkClick r:id="rId2"/>
-              </a:rPr>
-              <a:t>godbolt.org/z/179e9s</a:t>
-            </a:r>
-            <a:endParaRPr lang="fr-FR" dirty="0" smtClean="0"/>
-          </a:p>
-          <a:p>
-            <a:r>
-              <a:rPr lang="fr-FR" dirty="0" smtClean="0"/>
-              <a:t>Exécuter du code </a:t>
-            </a:r>
-            <a:r>
-              <a:rPr lang="fr-FR" dirty="0"/>
-              <a:t>compilé avec GCC/CLANG :</a:t>
-            </a:r>
-            <a:br>
-              <a:rPr lang="fr-FR" dirty="0"/>
-            </a:br>
-            <a:r>
-              <a:rPr lang="fr-FR" dirty="0">
-                <a:hlinkClick r:id="rId3"/>
-              </a:rPr>
-              <a:t>https://wandbox.org</a:t>
-            </a:r>
-            <a:r>
-              <a:rPr lang="fr-FR" dirty="0" smtClean="0">
-                <a:hlinkClick r:id="rId3"/>
-              </a:rPr>
-              <a:t>/</a:t>
-            </a:r>
-            <a:endParaRPr lang="fr-FR" dirty="0" smtClean="0"/>
-          </a:p>
-          <a:p>
-            <a:endParaRPr lang="fr-FR" dirty="0"/>
-          </a:p>
-        </p:txBody>
-      </p:sp>
-      <p:sp>
-        <p:nvSpPr>
-          <p:cNvPr id="5" name="Espace réservé du texte 4"/>
-          <p:cNvSpPr>
-            <a:spLocks noGrp="1"/>
-          </p:cNvSpPr>
-          <p:nvPr>
-            <p:ph type="body" sz="quarter" idx="3"/>
-          </p:nvPr>
-        </p:nvSpPr>
-        <p:spPr/>
-        <p:txBody>
-          <a:bodyPr/>
-          <a:lstStyle/>
-          <a:p>
-            <a:r>
-              <a:rPr lang="fr-FR" dirty="0" smtClean="0"/>
-              <a:t>Tester des langages</a:t>
-            </a:r>
-            <a:endParaRPr lang="fr-FR" dirty="0"/>
-          </a:p>
-        </p:txBody>
-      </p:sp>
-      <p:sp>
-        <p:nvSpPr>
-          <p:cNvPr id="6" name="Espace réservé du contenu 5"/>
-          <p:cNvSpPr>
-            <a:spLocks noGrp="1"/>
-          </p:cNvSpPr>
-          <p:nvPr>
-            <p:ph sz="quarter" idx="4"/>
-          </p:nvPr>
-        </p:nvSpPr>
-        <p:spPr/>
-        <p:txBody>
-          <a:bodyPr/>
-          <a:lstStyle/>
-          <a:p>
-            <a:r>
-              <a:rPr lang="fr-FR" dirty="0" smtClean="0"/>
-              <a:t>Exécuter </a:t>
-            </a:r>
-            <a:r>
-              <a:rPr lang="fr-FR" dirty="0"/>
-              <a:t>du code :</a:t>
-            </a:r>
-            <a:br>
-              <a:rPr lang="fr-FR" dirty="0"/>
-            </a:br>
-            <a:r>
-              <a:rPr lang="fr-FR" dirty="0">
-                <a:hlinkClick r:id="rId4"/>
-              </a:rPr>
-              <a:t>https://</a:t>
-            </a:r>
-            <a:r>
-              <a:rPr lang="fr-FR" dirty="0" smtClean="0">
-                <a:hlinkClick r:id="rId4"/>
-              </a:rPr>
-              <a:t>repl.it/languages/cpp</a:t>
-            </a:r>
-            <a:endParaRPr lang="fr-FR" dirty="0" smtClean="0"/>
-          </a:p>
-          <a:p>
-            <a:endParaRPr lang="fr-FR" dirty="0"/>
-          </a:p>
-        </p:txBody>
-      </p:sp>
-      <p:sp>
-        <p:nvSpPr>
-          <p:cNvPr id="7" name="Espace réservé du numéro de diapositive 6"/>
+              <a:rPr lang="fr-FR" sz="1800" dirty="0" smtClean="0"/>
+              <a:t>À utiliser lorsque :</a:t>
+            </a:r>
+          </a:p>
+          <a:p>
+            <a:pPr lvl="1"/>
+            <a:r>
+              <a:rPr lang="fr-FR" sz="1800" dirty="0"/>
+              <a:t>O</a:t>
+            </a:r>
+            <a:r>
+              <a:rPr lang="fr-FR" sz="1800" dirty="0" smtClean="0"/>
+              <a:t>n </a:t>
+            </a:r>
+            <a:r>
+              <a:rPr lang="fr-FR" sz="1800" dirty="0"/>
+              <a:t>travaille sur d</a:t>
+            </a:r>
+            <a:r>
+              <a:rPr lang="fr-FR" sz="1800" dirty="0" smtClean="0"/>
+              <a:t>es données de (très) grande dimension</a:t>
+            </a:r>
+          </a:p>
+          <a:p>
+            <a:pPr lvl="1"/>
+            <a:r>
+              <a:rPr lang="fr-FR" sz="1800" dirty="0" smtClean="0"/>
+              <a:t>Les calculs sont conséquents par rapport aux transferts mémoire</a:t>
+            </a:r>
+          </a:p>
+          <a:p>
+            <a:pPr lvl="1"/>
+            <a:r>
+              <a:rPr lang="fr-FR" sz="1800" dirty="0" smtClean="0"/>
+              <a:t>On n’a pas le temps et on veut juste faire en sorte que ça aille (un peu) plus vite</a:t>
+            </a:r>
+          </a:p>
+        </p:txBody>
+      </p:sp>
+      <p:sp>
+        <p:nvSpPr>
+          <p:cNvPr id="4" name="Espace réservé du numéro de diapositive 3"/>
           <p:cNvSpPr>
             <a:spLocks noGrp="1"/>
           </p:cNvSpPr>
@@ -17376,14 +17551,14 @@
               <a:pPr/>
               <a:t>23</a:t>
             </a:fld>
-            <a:endParaRPr lang="fr-FR"/>
+            <a:endParaRPr lang="fr-FR" dirty="0"/>
           </a:p>
         </p:txBody>
       </p:sp>
     </p:spTree>
     <p:extLst>
       <p:ext uri="{BB962C8B-B14F-4D97-AF65-F5344CB8AC3E}">
-        <p14:creationId xmlns:p14="http://schemas.microsoft.com/office/powerpoint/2010/main" val="1795622742"/>
+        <p14:creationId xmlns:p14="http://schemas.microsoft.com/office/powerpoint/2010/main" val="3729147520"/>
       </p:ext>
     </p:extLst>
   </p:cSld>
@@ -17419,120 +17594,12 @@
       </p:grpSpPr>
       <p:sp>
         <p:nvSpPr>
-          <p:cNvPr id="2" name="Titre 1">
-            <a:extLst>
-              <a:ext uri="{FF2B5EF4-FFF2-40B4-BE49-F238E27FC236}">
-                <a16:creationId xmlns:a16="http://schemas.microsoft.com/office/drawing/2014/main" id="{C02C5318-1A1E-49D0-B2E2-A4B0FA9E8A40}"/>
-              </a:ext>
-            </a:extLst>
-          </p:cNvPr>
+          <p:cNvPr id="2" name="Titre 1"/>
           <p:cNvSpPr>
             <a:spLocks noGrp="1"/>
           </p:cNvSpPr>
           <p:nvPr>
-            <p:ph type="ctrTitle"/>
-          </p:nvPr>
-        </p:nvSpPr>
-        <p:spPr>
-          <a:xfrm>
-            <a:off x="330791" y="4545068"/>
-            <a:ext cx="8245162" cy="671433"/>
-          </a:xfrm>
-        </p:spPr>
-        <p:txBody>
-          <a:bodyPr rtlCol="0">
-            <a:noAutofit/>
-          </a:bodyPr>
-          <a:lstStyle/>
-          <a:p>
-            <a:pPr algn="r" rtl="0"/>
-            <a:r>
-              <a:rPr lang="fr-FR" sz="3150" dirty="0" smtClean="0">
-                <a:solidFill>
-                  <a:schemeClr val="bg1"/>
-                </a:solidFill>
-              </a:rPr>
-              <a:t>Erreurs et exceptions</a:t>
-            </a:r>
-            <a:endParaRPr lang="fr-FR" sz="3150" dirty="0">
-              <a:solidFill>
-                <a:schemeClr val="bg1"/>
-              </a:solidFill>
-            </a:endParaRPr>
-          </a:p>
-        </p:txBody>
-      </p:sp>
-      <p:sp>
-        <p:nvSpPr>
-          <p:cNvPr id="6" name="ZoneTexte 5"/>
-          <p:cNvSpPr txBox="1"/>
-          <p:nvPr/>
-        </p:nvSpPr>
-        <p:spPr>
-          <a:xfrm>
-            <a:off x="330791" y="588580"/>
-            <a:ext cx="3757733" cy="3631763"/>
-          </a:xfrm>
-          <a:prstGeom prst="rect">
-            <a:avLst/>
-          </a:prstGeom>
-          <a:noFill/>
-        </p:spPr>
-        <p:txBody>
-          <a:bodyPr wrap="square" rtlCol="0">
-            <a:spAutoFit/>
-          </a:bodyPr>
-          <a:lstStyle/>
-          <a:p>
-            <a:r>
-              <a:rPr lang="fr-FR" sz="11500" b="1" spc="50" dirty="0" smtClean="0">
-                <a:ln w="9525" cmpd="sng">
-                  <a:solidFill>
-                    <a:schemeClr val="accent1"/>
-                  </a:solidFill>
-                  <a:prstDash val="solid"/>
-                </a:ln>
-                <a:solidFill>
-                  <a:srgbClr val="70AD47">
-                    <a:tint val="1000"/>
-                  </a:srgbClr>
-                </a:solidFill>
-                <a:effectLst>
-                  <a:glow rad="38100">
-                    <a:schemeClr val="accent1">
-                      <a:alpha val="40000"/>
-                    </a:schemeClr>
-                  </a:glow>
-                </a:effectLst>
-              </a:rPr>
-              <a:t>05</a:t>
-            </a:r>
-          </a:p>
-          <a:p>
-            <a:endParaRPr lang="fr-FR" sz="11500" dirty="0">
-              <a:ln w="0"/>
-              <a:solidFill>
-                <a:schemeClr val="accent1"/>
-              </a:solidFill>
-              <a:effectLst>
-                <a:outerShdw blurRad="38100" dist="25400" dir="5400000" algn="ctr" rotWithShape="0">
-                  <a:srgbClr val="6E747A">
-                    <a:alpha val="43000"/>
-                  </a:srgbClr>
-                </a:outerShdw>
-              </a:effectLst>
-            </a:endParaRPr>
-          </a:p>
-        </p:txBody>
-      </p:sp>
-      <p:sp>
-        <p:nvSpPr>
-          <p:cNvPr id="3" name="Espace réservé du numéro de diapositive 2"/>
-          <p:cNvSpPr>
-            <a:spLocks noGrp="1"/>
-          </p:cNvSpPr>
-          <p:nvPr>
-            <p:ph type="sldNum" sz="quarter" idx="12"/>
+            <p:ph type="title"/>
           </p:nvPr>
         </p:nvSpPr>
         <p:spPr/>
@@ -17540,20 +17607,200 @@
           <a:bodyPr/>
           <a:lstStyle/>
           <a:p>
-            <a:pPr rtl="0"/>
+            <a:r>
+              <a:rPr lang="fr-FR" dirty="0" smtClean="0"/>
+              <a:t>Des outils en ligne</a:t>
+            </a:r>
+            <a:endParaRPr lang="fr-FR" dirty="0"/>
+          </a:p>
+        </p:txBody>
+      </p:sp>
+      <p:sp>
+        <p:nvSpPr>
+          <p:cNvPr id="3" name="Espace réservé du texte 2"/>
+          <p:cNvSpPr>
+            <a:spLocks noGrp="1"/>
+          </p:cNvSpPr>
+          <p:nvPr>
+            <p:ph type="body" idx="1"/>
+          </p:nvPr>
+        </p:nvSpPr>
+        <p:spPr/>
+        <p:txBody>
+          <a:bodyPr/>
+          <a:lstStyle/>
+          <a:p>
+            <a:r>
+              <a:rPr lang="fr-FR" dirty="0" smtClean="0"/>
+              <a:t>Tester les compilateurs C++</a:t>
+            </a:r>
+            <a:endParaRPr lang="fr-FR" dirty="0"/>
+          </a:p>
+        </p:txBody>
+      </p:sp>
+      <p:sp>
+        <p:nvSpPr>
+          <p:cNvPr id="4" name="Espace réservé du contenu 3"/>
+          <p:cNvSpPr>
+            <a:spLocks noGrp="1"/>
+          </p:cNvSpPr>
+          <p:nvPr>
+            <p:ph sz="half" idx="2"/>
+          </p:nvPr>
+        </p:nvSpPr>
+        <p:spPr/>
+        <p:txBody>
+          <a:bodyPr/>
+          <a:lstStyle/>
+          <a:p>
+            <a:r>
+              <a:rPr lang="fr-FR" dirty="0" smtClean="0"/>
+              <a:t>Voir le code compilé :</a:t>
+            </a:r>
+            <a:br>
+              <a:rPr lang="fr-FR" dirty="0" smtClean="0"/>
+            </a:br>
+            <a:r>
+              <a:rPr lang="fr-FR" dirty="0">
+                <a:hlinkClick r:id="rId2"/>
+              </a:rPr>
+              <a:t>https://</a:t>
+            </a:r>
+            <a:r>
+              <a:rPr lang="fr-FR" dirty="0" smtClean="0">
+                <a:hlinkClick r:id="rId2"/>
+              </a:rPr>
+              <a:t>godbolt.org/z/179e9s</a:t>
+            </a:r>
+            <a:endParaRPr lang="fr-FR" dirty="0" smtClean="0"/>
+          </a:p>
+          <a:p>
+            <a:r>
+              <a:rPr lang="fr-FR" dirty="0" smtClean="0"/>
+              <a:t>Exécuter du code </a:t>
+            </a:r>
+            <a:r>
+              <a:rPr lang="fr-FR" dirty="0"/>
+              <a:t>compilé avec GCC/CLANG :</a:t>
+            </a:r>
+            <a:br>
+              <a:rPr lang="fr-FR" dirty="0"/>
+            </a:br>
+            <a:r>
+              <a:rPr lang="fr-FR" dirty="0">
+                <a:hlinkClick r:id="rId3"/>
+              </a:rPr>
+              <a:t>https://wandbox.org</a:t>
+            </a:r>
+            <a:r>
+              <a:rPr lang="fr-FR" dirty="0" smtClean="0">
+                <a:hlinkClick r:id="rId3"/>
+              </a:rPr>
+              <a:t>/</a:t>
+            </a:r>
+            <a:endParaRPr lang="fr-FR" dirty="0" smtClean="0"/>
+          </a:p>
+          <a:p>
+            <a:endParaRPr lang="fr-FR" dirty="0"/>
+          </a:p>
+        </p:txBody>
+      </p:sp>
+      <p:sp>
+        <p:nvSpPr>
+          <p:cNvPr id="5" name="Espace réservé du texte 4"/>
+          <p:cNvSpPr>
+            <a:spLocks noGrp="1"/>
+          </p:cNvSpPr>
+          <p:nvPr>
+            <p:ph type="body" sz="quarter" idx="3"/>
+          </p:nvPr>
+        </p:nvSpPr>
+        <p:spPr/>
+        <p:txBody>
+          <a:bodyPr/>
+          <a:lstStyle/>
+          <a:p>
+            <a:r>
+              <a:rPr lang="fr-FR" dirty="0" smtClean="0"/>
+              <a:t>Tester des langages</a:t>
+            </a:r>
+            <a:endParaRPr lang="fr-FR" dirty="0"/>
+          </a:p>
+        </p:txBody>
+      </p:sp>
+      <p:sp>
+        <p:nvSpPr>
+          <p:cNvPr id="6" name="Espace réservé du contenu 5"/>
+          <p:cNvSpPr>
+            <a:spLocks noGrp="1"/>
+          </p:cNvSpPr>
+          <p:nvPr>
+            <p:ph sz="quarter" idx="4"/>
+          </p:nvPr>
+        </p:nvSpPr>
+        <p:spPr/>
+        <p:txBody>
+          <a:bodyPr/>
+          <a:lstStyle/>
+          <a:p>
+            <a:r>
+              <a:rPr lang="fr-FR" dirty="0" smtClean="0"/>
+              <a:t>Exécuter </a:t>
+            </a:r>
+            <a:r>
+              <a:rPr lang="fr-FR" dirty="0"/>
+              <a:t>du code :</a:t>
+            </a:r>
+            <a:br>
+              <a:rPr lang="fr-FR" dirty="0"/>
+            </a:br>
+            <a:r>
+              <a:rPr lang="fr-FR" dirty="0">
+                <a:hlinkClick r:id="rId4"/>
+              </a:rPr>
+              <a:t>https://</a:t>
+            </a:r>
+            <a:r>
+              <a:rPr lang="fr-FR" dirty="0" smtClean="0">
+                <a:hlinkClick r:id="rId4"/>
+              </a:rPr>
+              <a:t>repl.it/languages/cpp</a:t>
+            </a:r>
+            <a:endParaRPr lang="fr-FR" dirty="0" smtClean="0"/>
+          </a:p>
+          <a:p>
+            <a:endParaRPr lang="fr-FR" dirty="0"/>
+          </a:p>
+        </p:txBody>
+      </p:sp>
+      <p:sp>
+        <p:nvSpPr>
+          <p:cNvPr id="7" name="Espace réservé du numéro de diapositive 6"/>
+          <p:cNvSpPr>
+            <a:spLocks noGrp="1"/>
+          </p:cNvSpPr>
+          <p:nvPr>
+            <p:ph type="sldNum" sz="quarter" idx="12"/>
+          </p:nvPr>
+        </p:nvSpPr>
+        <p:spPr/>
+        <p:txBody>
+          <a:bodyPr/>
+          <a:lstStyle/>
+          <a:p>
             <a:fld id="{D57F1E4F-1CFF-5643-939E-217C01CDF565}" type="slidenum">
-              <a:rPr lang="fr-FR" noProof="0" smtClean="0"/>
-              <a:pPr rtl="0"/>
+              <a:rPr lang="fr-FR" smtClean="0"/>
+              <a:pPr/>
               <a:t>24</a:t>
             </a:fld>
-            <a:endParaRPr lang="fr-FR" noProof="0"/>
+            <a:endParaRPr lang="fr-FR"/>
           </a:p>
         </p:txBody>
       </p:sp>
     </p:spTree>
     <p:extLst>
       <p:ext uri="{BB962C8B-B14F-4D97-AF65-F5344CB8AC3E}">
-        <p14:creationId xmlns:p14="http://schemas.microsoft.com/office/powerpoint/2010/main" val="321896547"/>
+        <p14:creationId xmlns:p14="http://schemas.microsoft.com/office/powerpoint/2010/main" val="1795622742"/>
       </p:ext>
     </p:extLst>
   </p:cSld>
@@ -17926,7 +18173,15 @@
                   <a:schemeClr val="bg1"/>
                 </a:solidFill>
               </a:rPr>
-              <a:t>À suivre : </a:t>
+              <a:t>À </a:t>
+            </a:r>
+            <a:r>
+              <a:rPr lang="fr-FR" sz="3150" dirty="0" smtClean="0">
+                <a:solidFill>
+                  <a:schemeClr val="bg1"/>
+                </a:solidFill>
+              </a:rPr>
+              <a:t>suivre</a:t>
             </a:r>
             <a:endParaRPr lang="fr-FR" sz="3150" dirty="0">
               <a:solidFill>
@@ -18099,154 +18354,99 @@
             <p:ph idx="1"/>
           </p:nvPr>
         </p:nvSpPr>
-        <p:spPr/>
-        <p:txBody>
-          <a:bodyPr/>
+        <p:spPr>
+          <a:xfrm>
+            <a:off x="692269" y="2843982"/>
+            <a:ext cx="8272211" cy="2202992"/>
+          </a:xfrm>
+        </p:spPr>
+        <p:txBody>
+          <a:bodyPr>
+            <a:normAutofit/>
+          </a:bodyPr>
           <a:lstStyle/>
           <a:p>
             <a:r>
-              <a:rPr lang="fr-FR" dirty="0" err="1" smtClean="0"/>
-              <a:t>Def</a:t>
-            </a:r>
-            <a:r>
-              <a:rPr lang="fr-FR" dirty="0" smtClean="0"/>
-              <a:t> : C’est un fichier header compilé dans une forme intermédiaire (</a:t>
-            </a:r>
-            <a:r>
-              <a:rPr lang="fr-FR" dirty="0" err="1" smtClean="0"/>
-              <a:t>stdafx.h</a:t>
-            </a:r>
-            <a:r>
-              <a:rPr lang="fr-FR" dirty="0" smtClean="0"/>
-              <a:t> pour </a:t>
-            </a:r>
-            <a:r>
-              <a:rPr lang="fr-FR" dirty="0" err="1" smtClean="0"/>
-              <a:t>visual</a:t>
-            </a:r>
-            <a:r>
-              <a:rPr lang="fr-FR" dirty="0" smtClean="0"/>
-              <a:t> &lt;=2017, </a:t>
-            </a:r>
-            <a:r>
-              <a:rPr lang="fr-FR" dirty="0" err="1" smtClean="0"/>
-              <a:t>pch.h</a:t>
-            </a:r>
-            <a:r>
-              <a:rPr lang="fr-FR" dirty="0" smtClean="0"/>
-              <a:t> pour </a:t>
-            </a:r>
-            <a:r>
-              <a:rPr lang="fr-FR" dirty="0" err="1" smtClean="0"/>
-              <a:t>visual</a:t>
-            </a:r>
-            <a:r>
-              <a:rPr lang="fr-FR" dirty="0" smtClean="0"/>
-              <a:t> 2019, ) -&gt; compilé en *.</a:t>
-            </a:r>
-            <a:r>
-              <a:rPr lang="fr-FR" dirty="0" err="1" smtClean="0"/>
-              <a:t>pch</a:t>
-            </a:r>
-            <a:r>
-              <a:rPr lang="fr-FR" dirty="0" smtClean="0"/>
-              <a:t> (</a:t>
-            </a:r>
-            <a:r>
-              <a:rPr lang="fr-FR" dirty="0" err="1" smtClean="0"/>
-              <a:t>visual</a:t>
-            </a:r>
-            <a:r>
-              <a:rPr lang="fr-FR" dirty="0" smtClean="0"/>
-              <a:t>) ou *.</a:t>
-            </a:r>
-            <a:r>
-              <a:rPr lang="fr-FR" dirty="0" err="1" smtClean="0"/>
-              <a:t>gch</a:t>
-            </a:r>
-            <a:r>
-              <a:rPr lang="fr-FR" dirty="0" smtClean="0"/>
-              <a:t> (GNU)</a:t>
-            </a:r>
-          </a:p>
-          <a:p>
-            <a:r>
-              <a:rPr lang="fr-FR" dirty="0"/>
-              <a:t>Pour qui ? GCC &gt;= 3.4 et VS &gt;= </a:t>
-            </a:r>
-            <a:r>
-              <a:rPr lang="fr-FR" dirty="0" smtClean="0"/>
+              <a:rPr lang="fr-FR" sz="1800" dirty="0" smtClean="0"/>
+              <a:t>Pour </a:t>
+            </a:r>
+            <a:r>
+              <a:rPr lang="fr-FR" sz="1800" dirty="0"/>
+              <a:t>qui ? GCC &gt;= 3.4 et VS &gt;= </a:t>
+            </a:r>
+            <a:r>
+              <a:rPr lang="fr-FR" sz="1800" dirty="0" smtClean="0"/>
               <a:t>2008. Fichiers stables et statiques (lib, </a:t>
             </a:r>
             <a:r>
-              <a:rPr lang="fr-FR" dirty="0" err="1" smtClean="0"/>
+              <a:rPr lang="fr-FR" sz="1800" dirty="0" err="1" smtClean="0"/>
               <a:t>stl</a:t>
             </a:r>
             <a:r>
-              <a:rPr lang="fr-FR" dirty="0" smtClean="0"/>
+              <a:rPr lang="fr-FR" sz="1800" dirty="0" smtClean="0"/>
               <a:t>, box…).</a:t>
             </a:r>
           </a:p>
           <a:p>
             <a:r>
-              <a:rPr lang="fr-FR" dirty="0" smtClean="0"/>
+              <a:rPr lang="fr-FR" sz="1800" dirty="0" smtClean="0"/>
               <a:t>Pourquoi : pendant le </a:t>
             </a:r>
             <a:r>
-              <a:rPr lang="fr-FR" dirty="0" err="1" smtClean="0"/>
+              <a:rPr lang="fr-FR" sz="1800" dirty="0" err="1" smtClean="0"/>
               <a:t>dev</a:t>
             </a:r>
             <a:r>
-              <a:rPr lang="fr-FR" dirty="0" smtClean="0"/>
+              <a:rPr lang="fr-FR" sz="1800" dirty="0" smtClean="0"/>
               <a:t>, pour limiter les temps de compilation qui peuvent être très lourds en C++ (</a:t>
             </a:r>
             <a:r>
-              <a:rPr lang="fr-FR" dirty="0" err="1" smtClean="0"/>
+              <a:rPr lang="fr-FR" sz="1800" dirty="0" err="1" smtClean="0"/>
               <a:t>std</a:t>
             </a:r>
             <a:r>
-              <a:rPr lang="fr-FR" dirty="0" smtClean="0"/>
+              <a:rPr lang="fr-FR" sz="1800" dirty="0" smtClean="0"/>
               <a:t>::</a:t>
             </a:r>
             <a:r>
-              <a:rPr lang="fr-FR" dirty="0" err="1" smtClean="0"/>
+              <a:rPr lang="fr-FR" sz="1800" dirty="0" err="1" smtClean="0"/>
               <a:t>vector</a:t>
             </a:r>
             <a:r>
-              <a:rPr lang="fr-FR" dirty="0"/>
+              <a:rPr lang="fr-FR" sz="1800" dirty="0"/>
               <a:t> </a:t>
             </a:r>
             <a:r>
-              <a:rPr lang="fr-FR" dirty="0" smtClean="0"/>
+              <a:rPr lang="fr-FR" sz="1800" dirty="0" smtClean="0"/>
               <a:t>par exemple) (et c’est de pire en pire avec la </a:t>
             </a:r>
             <a:r>
-              <a:rPr lang="fr-FR" dirty="0" err="1" smtClean="0"/>
+              <a:rPr lang="fr-FR" sz="1800" dirty="0" err="1" smtClean="0"/>
               <a:t>meta</a:t>
             </a:r>
             <a:r>
-              <a:rPr lang="fr-FR" dirty="0" smtClean="0"/>
+              <a:rPr lang="fr-FR" sz="1800" dirty="0" smtClean="0"/>
               <a:t>-programmation et les grosse bibliothèques (</a:t>
             </a:r>
             <a:r>
-              <a:rPr lang="fr-FR" dirty="0" err="1" smtClean="0"/>
+              <a:rPr lang="fr-FR" sz="1800" dirty="0" err="1" smtClean="0"/>
               <a:t>boost</a:t>
             </a:r>
             <a:r>
-              <a:rPr lang="fr-FR" dirty="0" smtClean="0"/>
+              <a:rPr lang="fr-FR" sz="1800" dirty="0" smtClean="0"/>
               <a:t>, </a:t>
             </a:r>
             <a:r>
-              <a:rPr lang="fr-FR" dirty="0" err="1" smtClean="0"/>
+              <a:rPr lang="fr-FR" sz="1800" dirty="0" err="1" smtClean="0"/>
               <a:t>eigen</a:t>
             </a:r>
             <a:r>
-              <a:rPr lang="fr-FR" dirty="0" smtClean="0"/>
+              <a:rPr lang="fr-FR" sz="1800" dirty="0" smtClean="0"/>
               <a:t>, etc.))</a:t>
             </a:r>
           </a:p>
           <a:p>
-            <a:endParaRPr lang="fr-FR" dirty="0" smtClean="0"/>
+            <a:endParaRPr lang="fr-FR" sz="1800" dirty="0" smtClean="0"/>
           </a:p>
         </p:txBody>
       </p:sp>
@@ -18272,6 +18472,108 @@
               <a:t>3</a:t>
             </a:fld>
             <a:endParaRPr lang="fr-FR" noProof="0" dirty="0"/>
+          </a:p>
+        </p:txBody>
+      </p:sp>
+      <p:sp>
+        <p:nvSpPr>
+          <p:cNvPr id="2" name="Rectangle 1"/>
+          <p:cNvSpPr/>
+          <p:nvPr/>
+        </p:nvSpPr>
+        <p:spPr>
+          <a:xfrm>
+            <a:off x="918150" y="1713923"/>
+            <a:ext cx="7307700" cy="923330"/>
+          </a:xfrm>
+          <a:prstGeom prst="rect">
+            <a:avLst/>
+          </a:prstGeom>
+        </p:spPr>
+        <p:txBody>
+          <a:bodyPr wrap="square">
+            <a:spAutoFit/>
+          </a:bodyPr>
+          <a:lstStyle/>
+          <a:p>
+            <a:r>
+              <a:rPr lang="fr-FR" dirty="0"/>
+              <a:t>C’est un fichier header compilé dans une forme intermédiaire (</a:t>
+            </a:r>
+            <a:r>
+              <a:rPr lang="fr-FR" dirty="0" err="1"/>
+              <a:t>stdafx.h</a:t>
+            </a:r>
+            <a:r>
+              <a:rPr lang="fr-FR" dirty="0"/>
+              <a:t> pour </a:t>
+            </a:r>
+            <a:r>
+              <a:rPr lang="fr-FR" dirty="0" err="1"/>
+              <a:t>visual</a:t>
+            </a:r>
+            <a:r>
+              <a:rPr lang="fr-FR" dirty="0"/>
+              <a:t> &lt;=2017, </a:t>
+            </a:r>
+            <a:r>
+              <a:rPr lang="fr-FR" dirty="0" err="1"/>
+              <a:t>pch.h</a:t>
+            </a:r>
+            <a:r>
+              <a:rPr lang="fr-FR" dirty="0"/>
+              <a:t> pour </a:t>
+            </a:r>
+            <a:r>
+              <a:rPr lang="fr-FR" dirty="0" err="1"/>
+              <a:t>visual</a:t>
+            </a:r>
+            <a:r>
+              <a:rPr lang="fr-FR" dirty="0"/>
+              <a:t> 2019, </a:t>
+            </a:r>
+            <a:r>
+              <a:rPr lang="fr-FR" dirty="0" smtClean="0"/>
+              <a:t>)</a:t>
+            </a:r>
+          </a:p>
+          <a:p>
+            <a:r>
+              <a:rPr lang="fr-FR" dirty="0"/>
+              <a:t>C</a:t>
+            </a:r>
+            <a:r>
+              <a:rPr lang="fr-FR" dirty="0" smtClean="0"/>
+              <a:t>ompilé </a:t>
+            </a:r>
+            <a:r>
+              <a:rPr lang="fr-FR" dirty="0"/>
+              <a:t>en *.</a:t>
+            </a:r>
+            <a:r>
+              <a:rPr lang="fr-FR" dirty="0" err="1"/>
+              <a:t>pch</a:t>
+            </a:r>
+            <a:r>
+              <a:rPr lang="fr-FR" dirty="0"/>
+              <a:t> (</a:t>
+            </a:r>
+            <a:r>
+              <a:rPr lang="fr-FR" dirty="0" err="1"/>
+              <a:t>visual</a:t>
+            </a:r>
+            <a:r>
+              <a:rPr lang="fr-FR" dirty="0"/>
+              <a:t>) ou *.</a:t>
+            </a:r>
+            <a:r>
+              <a:rPr lang="fr-FR" dirty="0" err="1"/>
+              <a:t>gch</a:t>
+            </a:r>
+            <a:r>
+              <a:rPr lang="fr-FR" dirty="0"/>
+              <a:t> (GNU)</a:t>
+            </a:r>
           </a:p>
         </p:txBody>
       </p:sp>
@@ -18338,7 +18640,12 @@
             <p:ph idx="1"/>
           </p:nvPr>
         </p:nvSpPr>
-        <p:spPr/>
+        <p:spPr>
+          <a:xfrm>
+            <a:off x="546990" y="1338944"/>
+            <a:ext cx="8272211" cy="3743666"/>
+          </a:xfrm>
+        </p:spPr>
         <p:txBody>
           <a:bodyPr/>
           <a:lstStyle/>
@@ -18353,7 +18660,21 @@
             </a:r>
             <a:r>
               <a:rPr lang="fr-FR" dirty="0" smtClean="0"/>
-              <a:t> -&gt; première compilation, on compile tout et on génère un header.pch</a:t>
+              <a:t> </a:t>
+            </a:r>
+            <a:r>
+              <a:rPr lang="fr-FR" dirty="0" smtClean="0">
+                <a:sym typeface="Wingdings" panose="05000000000000000000" pitchFamily="2" charset="2"/>
+              </a:rPr>
+              <a:t></a:t>
+            </a:r>
+            <a:r>
+              <a:rPr lang="fr-FR" dirty="0" smtClean="0"/>
+              <a:t> </a:t>
+            </a:r>
+            <a:r>
+              <a:rPr lang="fr-FR" dirty="0" smtClean="0"/>
+              <a:t>première compilation, on compile tout et on génère un header.pch</a:t>
             </a:r>
           </a:p>
           <a:p>
@@ -18379,119 +18700,144 @@
             </a:r>
           </a:p>
           <a:p>
+            <a:r>
+              <a:rPr lang="fr-FR" dirty="0" smtClean="0"/>
+              <a:t>On peut de cette manière ne recompiler que le main s’il a changé.</a:t>
+            </a:r>
             <a:endParaRPr lang="fr-FR" dirty="0"/>
           </a:p>
           <a:p>
             <a:r>
               <a:rPr lang="fr-FR" dirty="0" smtClean="0"/>
-              <a:t>Dans VS : option de compilation /Y*. Visual peut précompiler les headers et les </a:t>
+              <a:t>Dans VS : option de compilation /Y*. </a:t>
+            </a:r>
+            <a:endParaRPr lang="fr-FR" dirty="0" smtClean="0"/>
+          </a:p>
+          <a:p>
+            <a:pPr lvl="1"/>
+            <a:r>
+              <a:rPr lang="fr-FR" dirty="0" smtClean="0"/>
+              <a:t>/</a:t>
             </a:r>
             <a:r>
               <a:rPr lang="fr-FR" dirty="0" err="1" smtClean="0"/>
-              <a:t>cpp</a:t>
+              <a:t>Yc</a:t>
+            </a:r>
+            <a:r>
+              <a:rPr lang="fr-FR" dirty="0" smtClean="0"/>
+              <a:t> pour activer les entêtes précompilées</a:t>
+            </a:r>
+          </a:p>
+          <a:p>
+            <a:pPr lvl="1"/>
+            <a:r>
+              <a:rPr lang="fr-FR" dirty="0"/>
+              <a:t>/</a:t>
+            </a:r>
+            <a:r>
+              <a:rPr lang="fr-FR" dirty="0" err="1" smtClean="0"/>
+              <a:t>Yu</a:t>
+            </a:r>
+            <a:r>
+              <a:rPr lang="fr-FR" dirty="0" smtClean="0"/>
+              <a:t> permet de renseigner un fichier </a:t>
+            </a:r>
+            <a:r>
+              <a:rPr lang="fr-FR" dirty="0" smtClean="0"/>
+              <a:t>déjà </a:t>
+            </a:r>
+            <a:r>
+              <a:rPr lang="fr-FR" dirty="0" smtClean="0"/>
+              <a:t>généré </a:t>
+            </a:r>
+            <a:r>
+              <a:rPr lang="fr-FR" dirty="0" smtClean="0"/>
+              <a:t>en amont</a:t>
+            </a:r>
+            <a:endParaRPr lang="fr-FR" dirty="0" smtClean="0"/>
+          </a:p>
+          <a:p>
+            <a:pPr lvl="1"/>
+            <a:r>
+              <a:rPr lang="fr-FR" dirty="0" smtClean="0"/>
+              <a:t>/FP permet de spécifier le nom de l’entête</a:t>
+            </a:r>
+          </a:p>
+          <a:p>
+            <a:r>
+              <a:rPr lang="fr-FR" dirty="0" smtClean="0"/>
+              <a:t>Règles : </a:t>
+            </a:r>
+          </a:p>
+          <a:p>
+            <a:pPr lvl="1"/>
+            <a:r>
+              <a:rPr lang="fr-FR" dirty="0"/>
+              <a:t>O</a:t>
+            </a:r>
+            <a:r>
+              <a:rPr lang="fr-FR" dirty="0" smtClean="0"/>
+              <a:t>n </a:t>
+            </a:r>
+            <a:r>
+              <a:rPr lang="fr-FR" dirty="0" smtClean="0"/>
+              <a:t>ne peut pas partager un *.</a:t>
+            </a:r>
+            <a:r>
+              <a:rPr lang="fr-FR" dirty="0" err="1" smtClean="0"/>
+              <a:t>pch</a:t>
+            </a:r>
+            <a:r>
+              <a:rPr lang="fr-FR" dirty="0" smtClean="0"/>
+              <a:t>. </a:t>
+            </a:r>
+            <a:r>
+              <a:rPr lang="fr-FR" dirty="0" smtClean="0"/>
+              <a:t>Il est dépendant </a:t>
+            </a:r>
+            <a:r>
+              <a:rPr lang="fr-FR" dirty="0" smtClean="0"/>
+              <a:t>de la machine sur laquelle il a été créé.</a:t>
+            </a:r>
+          </a:p>
+          <a:p>
+            <a:pPr lvl="1"/>
+            <a:r>
+              <a:rPr lang="fr-FR" dirty="0" smtClean="0"/>
+              <a:t>Bien que l’utilisation d’un </a:t>
+            </a:r>
+            <a:r>
+              <a:rPr lang="fr-FR" dirty="0" err="1" smtClean="0"/>
+              <a:t>pch</a:t>
+            </a:r>
+            <a:r>
+              <a:rPr lang="fr-FR" dirty="0" smtClean="0"/>
+              <a:t> ayant été créé avec une configuration différentes </a:t>
+            </a:r>
+            <a:r>
+              <a:rPr lang="fr-FR" dirty="0"/>
+              <a:t>est permise (options de compilation, </a:t>
+            </a:r>
+            <a:r>
+              <a:rPr lang="fr-FR" dirty="0" err="1"/>
+              <a:t>debug</a:t>
+            </a:r>
+            <a:r>
+              <a:rPr lang="fr-FR" dirty="0"/>
+              <a:t>, variables d’environnement etc</a:t>
+            </a:r>
+            <a:r>
+              <a:rPr lang="fr-FR" dirty="0" smtClean="0"/>
+              <a:t>.), </a:t>
+            </a:r>
+            <a:r>
+              <a:rPr lang="fr-FR" dirty="0" smtClean="0"/>
+              <a:t>des incohérences et des warnings peuvent apparaître</a:t>
             </a:r>
             <a:r>
               <a:rPr lang="fr-FR" dirty="0" smtClean="0"/>
               <a:t>.</a:t>
             </a:r>
-          </a:p>
-          <a:p>
-            <a:pPr lvl="1"/>
-            <a:r>
-              <a:rPr lang="fr-FR" dirty="0" smtClean="0"/>
-              <a:t>/</a:t>
-            </a:r>
-            <a:r>
-              <a:rPr lang="fr-FR" dirty="0" err="1" smtClean="0"/>
-              <a:t>Yc</a:t>
-            </a:r>
-            <a:r>
-              <a:rPr lang="fr-FR" dirty="0" smtClean="0"/>
-              <a:t> pour activer les entêtes précompilées</a:t>
-            </a:r>
-          </a:p>
-          <a:p>
-            <a:pPr lvl="1"/>
-            <a:r>
-              <a:rPr lang="fr-FR" dirty="0"/>
-              <a:t>/</a:t>
-            </a:r>
-            <a:r>
-              <a:rPr lang="fr-FR" dirty="0" err="1" smtClean="0"/>
-              <a:t>Yu</a:t>
-            </a:r>
-            <a:r>
-              <a:rPr lang="fr-FR" dirty="0" smtClean="0"/>
-              <a:t> permet de renseigner un fichier </a:t>
-            </a:r>
-            <a:r>
-              <a:rPr lang="fr-FR" dirty="0" err="1" smtClean="0"/>
-              <a:t>déjàj</a:t>
-            </a:r>
-            <a:r>
-              <a:rPr lang="fr-FR" dirty="0" smtClean="0"/>
-              <a:t> généré en particulier</a:t>
-            </a:r>
-          </a:p>
-          <a:p>
-            <a:pPr lvl="1"/>
-            <a:r>
-              <a:rPr lang="fr-FR" dirty="0" smtClean="0"/>
-              <a:t>/FP permet de spécifier le nom de l’entête</a:t>
-            </a:r>
-          </a:p>
-          <a:p>
-            <a:r>
-              <a:rPr lang="fr-FR" dirty="0" smtClean="0"/>
-              <a:t>Règles : </a:t>
-            </a:r>
-          </a:p>
-          <a:p>
-            <a:pPr lvl="1"/>
-            <a:r>
-              <a:rPr lang="fr-FR" dirty="0" smtClean="0"/>
-              <a:t>on ne peut pas partager un *.</a:t>
-            </a:r>
-            <a:r>
-              <a:rPr lang="fr-FR" dirty="0" err="1" smtClean="0"/>
-              <a:t>pch</a:t>
-            </a:r>
-            <a:r>
-              <a:rPr lang="fr-FR" dirty="0" smtClean="0"/>
-              <a:t>. Dépendant de la machine sur laquelle il a été créé.</a:t>
-            </a:r>
-          </a:p>
-          <a:p>
-            <a:pPr lvl="1"/>
-            <a:r>
-              <a:rPr lang="fr-FR" dirty="0" smtClean="0"/>
-              <a:t>Bien que l’utilisation d’un </a:t>
-            </a:r>
-            <a:r>
-              <a:rPr lang="fr-FR" dirty="0" err="1" smtClean="0"/>
-              <a:t>pch</a:t>
-            </a:r>
-            <a:r>
-              <a:rPr lang="fr-FR" dirty="0" smtClean="0"/>
-              <a:t> ayant été créé avec une configuration différentes (options de compilation, </a:t>
-            </a:r>
-            <a:r>
-              <a:rPr lang="fr-FR" dirty="0" err="1" smtClean="0"/>
-              <a:t>debug</a:t>
-            </a:r>
-            <a:r>
-              <a:rPr lang="fr-FR" dirty="0" smtClean="0"/>
-              <a:t>, variables d’environnement etc.) est permise, des incohérences et des warnings peuvent apparaître.</a:t>
-            </a:r>
-          </a:p>
-          <a:p>
-            <a:pPr lvl="1"/>
-            <a:r>
-              <a:rPr lang="fr-FR" dirty="0" smtClean="0"/>
-              <a:t>On ne récupère pas les symboles définis dans un fichier d’entête spécifique </a:t>
-            </a:r>
-          </a:p>
-          <a:p>
             <a:endParaRPr lang="fr-FR" dirty="0" smtClean="0"/>
           </a:p>
         </p:txBody>
@@ -18518,6 +18864,46 @@
               <a:t>4</a:t>
             </a:fld>
             <a:endParaRPr lang="fr-FR" noProof="0" dirty="0"/>
+          </a:p>
+        </p:txBody>
+      </p:sp>
+      <p:sp>
+        <p:nvSpPr>
+          <p:cNvPr id="2" name="Rectangle 1"/>
+          <p:cNvSpPr/>
+          <p:nvPr/>
+        </p:nvSpPr>
+        <p:spPr>
+          <a:xfrm>
+            <a:off x="1842951" y="5069038"/>
+            <a:ext cx="5458097" cy="369332"/>
+          </a:xfrm>
+          <a:prstGeom prst="rect">
+            <a:avLst/>
+          </a:prstGeom>
+        </p:spPr>
+        <p:txBody>
+          <a:bodyPr wrap="none">
+            <a:spAutoFit/>
+          </a:bodyPr>
+          <a:lstStyle/>
+          <a:p>
+            <a:r>
+              <a:rPr lang="fr-FR" dirty="0" smtClean="0"/>
+              <a:t>À noter :  Visual </a:t>
+            </a:r>
+            <a:r>
+              <a:rPr lang="fr-FR" dirty="0"/>
+              <a:t>peut précompiler les headers et les </a:t>
+            </a:r>
+            <a:r>
+              <a:rPr lang="fr-FR" dirty="0" err="1"/>
+              <a:t>cpp</a:t>
+            </a:r>
+            <a:r>
+              <a:rPr lang="fr-FR" dirty="0"/>
+              <a:t>.</a:t>
+            </a:r>
           </a:p>
         </p:txBody>
       </p:sp>
@@ -18607,8 +18993,12 @@
               <a:t> venu de </a:t>
             </a:r>
             <a:r>
-              <a:rPr lang="fr-FR" dirty="0" err="1" smtClean="0"/>
-              <a:t>microsoft</a:t>
+              <a:rPr lang="fr-FR" dirty="0"/>
+              <a:t>M</a:t>
+            </a:r>
+            <a:r>
+              <a:rPr lang="fr-FR" dirty="0" smtClean="0"/>
+              <a:t>icrosoft</a:t>
             </a:r>
             <a:endParaRPr lang="fr-FR" dirty="0" smtClean="0"/>
           </a:p>
@@ -18648,7 +19038,7 @@
           <p:nvPr/>
         </p:nvPicPr>
         <p:blipFill>
-          <a:blip r:embed="rId2"/>
+          <a:blip r:embed="rId3"/>
           <a:stretch>
             <a:fillRect/>
           </a:stretch>
@@ -18961,11 +19351,11 @@
           <a:p>
             <a:r>
               <a:rPr lang="fr-FR" dirty="0" smtClean="0"/>
-              <a:t>Exemple depuis </a:t>
+              <a:t>Exemple depuis les propriétés </a:t>
             </a:r>
             <a:r>
               <a:rPr lang="fr-FR" dirty="0" err="1" smtClean="0"/>
-              <a:t>Qmake</a:t>
+              <a:t>visual</a:t>
             </a:r>
             <a:endParaRPr lang="fr-FR" dirty="0"/>
           </a:p>
@@ -18983,76 +19373,255 @@
         </p:nvSpPr>
         <p:spPr>
           <a:xfrm>
-            <a:off x="435895" y="1364896"/>
-            <a:ext cx="8272211" cy="4018954"/>
+            <a:off x="435895" y="1610878"/>
+            <a:ext cx="8272211" cy="3796764"/>
           </a:xfrm>
         </p:spPr>
         <p:txBody>
           <a:bodyPr>
-            <a:normAutofit/>
+            <a:noAutofit/>
           </a:bodyPr>
           <a:lstStyle/>
           <a:p>
             <a:r>
-              <a:rPr lang="fr-FR" dirty="0" smtClean="0"/>
-              <a:t>Dans </a:t>
-            </a:r>
-            <a:r>
-              <a:rPr lang="fr-FR" dirty="0"/>
-              <a:t>le répertoire </a:t>
-            </a:r>
-            <a:r>
-              <a:rPr lang="fr-FR" dirty="0" smtClean="0"/>
-              <a:t>exercices\</a:t>
-            </a:r>
-            <a:r>
-              <a:rPr lang="fr-FR" dirty="0" err="1" smtClean="0"/>
+              <a:rPr lang="fr-FR" sz="1400" dirty="0" smtClean="0"/>
+              <a:t>Créer un nouveau projet </a:t>
+            </a:r>
+            <a:r>
+              <a:rPr lang="fr-FR" sz="1400" dirty="0" err="1" smtClean="0"/>
+              <a:t>visual</a:t>
+            </a:r>
+            <a:r>
+              <a:rPr lang="fr-FR" sz="1400" dirty="0" smtClean="0"/>
+              <a:t> :</a:t>
+            </a:r>
+          </a:p>
+          <a:p>
+            <a:pPr lvl="1"/>
+            <a:r>
+              <a:rPr lang="fr-FR" sz="1400" dirty="0" smtClean="0"/>
+              <a:t>Ouvrir </a:t>
+            </a:r>
+            <a:r>
+              <a:rPr lang="fr-FR" sz="1400" dirty="0" err="1" smtClean="0"/>
+              <a:t>visual</a:t>
+            </a:r>
+            <a:r>
+              <a:rPr lang="fr-FR" sz="1400" dirty="0" smtClean="0"/>
+              <a:t>,</a:t>
+            </a:r>
+          </a:p>
+          <a:p>
+            <a:pPr lvl="1"/>
+            <a:r>
+              <a:rPr lang="fr-FR" sz="1400" dirty="0" smtClean="0"/>
+              <a:t>Créer un projet « console »</a:t>
+            </a:r>
+          </a:p>
+          <a:p>
+            <a:pPr lvl="1"/>
+            <a:r>
+              <a:rPr lang="fr-FR" sz="1400" dirty="0" smtClean="0"/>
+              <a:t>Exécutez pour tester (CRTL-F5)</a:t>
+            </a:r>
+          </a:p>
+          <a:p>
+            <a:pPr lvl="1"/>
+            <a:r>
+              <a:rPr lang="fr-FR" sz="1400" dirty="0" smtClean="0"/>
+              <a:t>Ajoutez les fichiers </a:t>
+            </a:r>
+            <a:r>
+              <a:rPr lang="fr-FR" sz="1400" dirty="0" err="1" smtClean="0"/>
+              <a:t>headers.h</a:t>
+            </a:r>
+            <a:r>
+              <a:rPr lang="fr-FR" sz="1400" dirty="0" smtClean="0"/>
+              <a:t> et headers.cpp au </a:t>
+            </a:r>
+            <a:r>
+              <a:rPr lang="fr-FR" sz="1400" dirty="0"/>
+              <a:t>projet (exercices\</a:t>
+            </a:r>
+            <a:r>
+              <a:rPr lang="fr-FR" sz="1400" dirty="0" err="1"/>
               <a:t>precompiledHeader</a:t>
             </a:r>
             <a:r>
-              <a:rPr lang="fr-FR" dirty="0" smtClean="0"/>
+              <a:rPr lang="fr-FR" sz="1400" dirty="0"/>
               <a:t>\</a:t>
             </a:r>
             <a:r>
-              <a:rPr lang="fr-FR" dirty="0" err="1" smtClean="0"/>
-              <a:t>qmake</a:t>
-            </a:r>
-            <a:r>
-              <a:rPr lang="fr-FR" dirty="0" smtClean="0"/>
-              <a:t> ouvrez visual.pro</a:t>
-            </a:r>
+              <a:rPr lang="fr-FR" sz="1400" dirty="0" err="1"/>
+              <a:t>visual</a:t>
+            </a:r>
+            <a:r>
+              <a:rPr lang="fr-FR" sz="1400" dirty="0"/>
+              <a:t>\</a:t>
+            </a:r>
+            <a:r>
+              <a:rPr lang="fr-FR" sz="1400" dirty="0" err="1"/>
+              <a:t>visual</a:t>
+            </a:r>
+            <a:r>
+              <a:rPr lang="fr-FR" sz="1400" dirty="0"/>
+              <a:t>)</a:t>
+            </a:r>
+            <a:endParaRPr lang="fr-FR" sz="1400" dirty="0" smtClean="0"/>
           </a:p>
           <a:p>
             <a:pPr lvl="1"/>
             <a:r>
-              <a:rPr lang="fr-FR" dirty="0" smtClean="0"/>
-              <a:t>L’entête précompilée n’est pas ajoutée aux headers !</a:t>
-            </a:r>
-          </a:p>
-          <a:p>
-            <a:r>
-              <a:rPr lang="fr-FR" dirty="0" smtClean="0"/>
-              <a:t>Renseignez le script build_and_run.bat</a:t>
-            </a:r>
-          </a:p>
-          <a:p>
-            <a:r>
-              <a:rPr lang="fr-FR" dirty="0" smtClean="0"/>
-              <a:t>Lancer le script</a:t>
-            </a:r>
-          </a:p>
-          <a:p>
-            <a:r>
-              <a:rPr lang="fr-FR" dirty="0" smtClean="0"/>
-              <a:t>Relever les informations d’activation des entêtes précompilées affectées aux fichiers sources</a:t>
-            </a:r>
-          </a:p>
-          <a:p>
-            <a:r>
-              <a:rPr lang="fr-FR" dirty="0" smtClean="0"/>
-              <a:t>Que remarquez-vous ?</a:t>
-            </a:r>
-            <a:endParaRPr lang="fr-FR" dirty="0"/>
+              <a:rPr lang="fr-FR" sz="1400" dirty="0" smtClean="0"/>
+              <a:t>Activez les infos de temps de compilation : </a:t>
+            </a:r>
+            <a:r>
+              <a:rPr lang="fr-FR" sz="1400" dirty="0" err="1" smtClean="0"/>
+              <a:t>Outils</a:t>
+            </a:r>
+            <a:r>
+              <a:rPr lang="fr-FR" sz="1400" dirty="0" err="1" smtClean="0">
+                <a:sym typeface="Wingdings" panose="05000000000000000000" pitchFamily="2" charset="2"/>
+              </a:rPr>
+              <a:t>Optionsprojet</a:t>
+            </a:r>
+            <a:r>
+              <a:rPr lang="fr-FR" sz="1400" dirty="0" smtClean="0">
+                <a:sym typeface="Wingdings" panose="05000000000000000000" pitchFamily="2" charset="2"/>
+              </a:rPr>
+              <a:t> et solution  VC++ </a:t>
+            </a:r>
+            <a:r>
+              <a:rPr lang="fr-FR" sz="1400" dirty="0">
+                <a:sym typeface="Wingdings" panose="05000000000000000000" pitchFamily="2" charset="2"/>
+              </a:rPr>
+              <a:t> </a:t>
+            </a:r>
+            <a:r>
+              <a:rPr lang="fr-FR" sz="1400" dirty="0" smtClean="0">
+                <a:sym typeface="Wingdings" panose="05000000000000000000" pitchFamily="2" charset="2"/>
+              </a:rPr>
+              <a:t>Minutage de la génération</a:t>
+            </a:r>
+          </a:p>
+          <a:p>
+            <a:pPr lvl="1"/>
+            <a:r>
+              <a:rPr lang="fr-FR" sz="1400" dirty="0" smtClean="0">
+                <a:sym typeface="Wingdings" panose="05000000000000000000" pitchFamily="2" charset="2"/>
+              </a:rPr>
+              <a:t>Lancer un </a:t>
+            </a:r>
+            <a:r>
+              <a:rPr lang="fr-FR" sz="1400" dirty="0" err="1" smtClean="0">
+                <a:sym typeface="Wingdings" panose="05000000000000000000" pitchFamily="2" charset="2"/>
+              </a:rPr>
+              <a:t>rebuild</a:t>
+            </a:r>
+            <a:r>
+              <a:rPr lang="fr-FR" sz="1400" dirty="0" smtClean="0">
+                <a:sym typeface="Wingdings" panose="05000000000000000000" pitchFamily="2" charset="2"/>
+              </a:rPr>
+              <a:t> </a:t>
+            </a:r>
+            <a:r>
+              <a:rPr lang="fr-FR" sz="1400" dirty="0" smtClean="0">
+                <a:sym typeface="Wingdings" panose="05000000000000000000" pitchFamily="2" charset="2"/>
+              </a:rPr>
+              <a:t>et noter le temps de compilation</a:t>
+            </a:r>
+            <a:endParaRPr lang="fr-FR" sz="1400" dirty="0" smtClean="0"/>
+          </a:p>
+          <a:p>
+            <a:pPr lvl="1"/>
+            <a:r>
+              <a:rPr lang="fr-FR" sz="1400" dirty="0" smtClean="0"/>
+              <a:t>Dans les propriétés de header.cpp </a:t>
+            </a:r>
+            <a:r>
+              <a:rPr lang="fr-FR" sz="1400" dirty="0" smtClean="0">
+                <a:sym typeface="Wingdings" panose="05000000000000000000" pitchFamily="2" charset="2"/>
+              </a:rPr>
+              <a:t> </a:t>
+            </a:r>
+            <a:r>
+              <a:rPr lang="fr-FR" sz="1400" dirty="0" smtClean="0"/>
+              <a:t>C/C++ </a:t>
+            </a:r>
+            <a:r>
+              <a:rPr lang="fr-FR" sz="1400" dirty="0" smtClean="0">
+                <a:sym typeface="Wingdings" panose="05000000000000000000" pitchFamily="2" charset="2"/>
+              </a:rPr>
+              <a:t> En-têtes précompilées. Mettez : Création et </a:t>
+            </a:r>
+            <a:r>
+              <a:rPr lang="fr-FR" sz="1400" dirty="0" err="1" smtClean="0">
+                <a:sym typeface="Wingdings" panose="05000000000000000000" pitchFamily="2" charset="2"/>
+              </a:rPr>
+              <a:t>header.h</a:t>
+            </a:r>
+            <a:r>
+              <a:rPr lang="fr-FR" sz="1400" dirty="0" smtClean="0">
+                <a:sym typeface="Wingdings" panose="05000000000000000000" pitchFamily="2" charset="2"/>
+              </a:rPr>
+              <a:t>/</a:t>
+            </a:r>
+            <a:r>
+              <a:rPr lang="fr-FR" sz="1400" dirty="0" err="1" smtClean="0">
+                <a:sym typeface="Wingdings" panose="05000000000000000000" pitchFamily="2" charset="2"/>
+              </a:rPr>
+              <a:t>pch</a:t>
+            </a:r>
+            <a:endParaRPr lang="fr-FR" sz="1400" dirty="0" smtClean="0"/>
+          </a:p>
+          <a:p>
+            <a:pPr lvl="1"/>
+            <a:r>
+              <a:rPr lang="fr-FR" sz="1400" dirty="0"/>
+              <a:t>Dans les propriétés de </a:t>
+            </a:r>
+            <a:r>
+              <a:rPr lang="fr-FR" sz="1400" dirty="0" smtClean="0"/>
+              <a:t>visual.cpp </a:t>
+            </a:r>
+            <a:r>
+              <a:rPr lang="fr-FR" sz="1400" dirty="0">
+                <a:sym typeface="Wingdings" panose="05000000000000000000" pitchFamily="2" charset="2"/>
+              </a:rPr>
+              <a:t> </a:t>
+            </a:r>
+            <a:r>
+              <a:rPr lang="fr-FR" sz="1400" dirty="0"/>
+              <a:t>C/C++ </a:t>
+            </a:r>
+            <a:r>
+              <a:rPr lang="fr-FR" sz="1400" dirty="0">
+                <a:sym typeface="Wingdings" panose="05000000000000000000" pitchFamily="2" charset="2"/>
+              </a:rPr>
+              <a:t> En-têtes précompilées. Mettez : </a:t>
+            </a:r>
+            <a:r>
+              <a:rPr lang="fr-FR" sz="1400" dirty="0" smtClean="0">
+                <a:sym typeface="Wingdings" panose="05000000000000000000" pitchFamily="2" charset="2"/>
+              </a:rPr>
+              <a:t>Utilisation</a:t>
+            </a:r>
+          </a:p>
+          <a:p>
+            <a:pPr lvl="1"/>
+            <a:r>
+              <a:rPr lang="fr-FR" sz="1400" dirty="0" smtClean="0">
+                <a:sym typeface="Wingdings" panose="05000000000000000000" pitchFamily="2" charset="2"/>
+              </a:rPr>
+              <a:t>Relevez le temps de nouveau</a:t>
+            </a:r>
+            <a:endParaRPr lang="fr-FR" sz="1400" dirty="0">
+              <a:sym typeface="Wingdings" panose="05000000000000000000" pitchFamily="2" charset="2"/>
+            </a:endParaRPr>
+          </a:p>
+          <a:p>
+            <a:pPr lvl="1"/>
+            <a:endParaRPr lang="fr-FR" sz="1400" dirty="0" smtClean="0"/>
           </a:p>
         </p:txBody>
       </p:sp>
@@ -19081,10 +19650,38 @@
           </a:p>
         </p:txBody>
       </p:sp>
+      <p:sp>
+        <p:nvSpPr>
+          <p:cNvPr id="2" name="Rectangle 1"/>
+          <p:cNvSpPr/>
+          <p:nvPr/>
+        </p:nvSpPr>
+        <p:spPr>
+          <a:xfrm>
+            <a:off x="3741415" y="4838280"/>
+            <a:ext cx="4572000" cy="646331"/>
+          </a:xfrm>
+          <a:prstGeom prst="rect">
+            <a:avLst/>
+          </a:prstGeom>
+        </p:spPr>
+        <p:txBody>
+          <a:bodyPr>
+            <a:spAutoFit/>
+          </a:bodyPr>
+          <a:lstStyle/>
+          <a:p>
+            <a:r>
+              <a:rPr lang="fr-FR" dirty="0"/>
+              <a:t>https://draft.io/qddy46cemn4jmv9h8ftd9vu5a6jdk3fngyq9rg2dq5k4</a:t>
+            </a:r>
+          </a:p>
+        </p:txBody>
+      </p:sp>
     </p:spTree>
     <p:extLst>
       <p:ext uri="{BB962C8B-B14F-4D97-AF65-F5344CB8AC3E}">
-        <p14:creationId xmlns:p14="http://schemas.microsoft.com/office/powerpoint/2010/main" val="317601822"/>
+        <p14:creationId xmlns:p14="http://schemas.microsoft.com/office/powerpoint/2010/main" val="83430618"/>
       </p:ext>
     </p:extLst>
   </p:cSld>
@@ -19128,11 +19725,11 @@
           <a:p>
             <a:r>
               <a:rPr lang="fr-FR" dirty="0" smtClean="0"/>
-              <a:t>Exemple depuis les propriétés </a:t>
+              <a:t>Exemple depuis </a:t>
             </a:r>
             <a:r>
               <a:rPr lang="fr-FR" dirty="0" err="1" smtClean="0"/>
-              <a:t>visual</a:t>
+              <a:t>Qmake</a:t>
             </a:r>
             <a:endParaRPr lang="fr-FR" dirty="0"/>
           </a:p>
@@ -19151,7 +19748,7 @@
         <p:spPr>
           <a:xfrm>
             <a:off x="435895" y="1364896"/>
-            <a:ext cx="8272211" cy="3796764"/>
+            <a:ext cx="8272211" cy="4018954"/>
           </a:xfrm>
         </p:spPr>
         <p:txBody>
@@ -19161,209 +19758,123 @@
           <a:lstStyle/>
           <a:p>
             <a:r>
-              <a:rPr lang="fr-FR" dirty="0" smtClean="0"/>
-              <a:t>Créer un nouveau projet </a:t>
-            </a:r>
-            <a:r>
-              <a:rPr lang="fr-FR" dirty="0" err="1" smtClean="0"/>
-              <a:t>visual</a:t>
-            </a:r>
-            <a:r>
-              <a:rPr lang="fr-FR" dirty="0" smtClean="0"/>
-              <a:t> :</a:t>
+              <a:rPr lang="fr-FR" sz="1600" dirty="0" smtClean="0"/>
+              <a:t>Dans </a:t>
+            </a:r>
+            <a:r>
+              <a:rPr lang="fr-FR" sz="1600" dirty="0"/>
+              <a:t>le répertoire </a:t>
+            </a:r>
+            <a:r>
+              <a:rPr lang="fr-FR" sz="1600" dirty="0" smtClean="0"/>
+              <a:t>exercices\</a:t>
+            </a:r>
+            <a:r>
+              <a:rPr lang="fr-FR" sz="1600" dirty="0" err="1" smtClean="0"/>
+              <a:t>precompiledHeader</a:t>
+            </a:r>
+            <a:r>
+              <a:rPr lang="fr-FR" sz="1600" dirty="0" smtClean="0"/>
+              <a:t>\</a:t>
+            </a:r>
+            <a:r>
+              <a:rPr lang="fr-FR" sz="1600" dirty="0" err="1" smtClean="0"/>
+              <a:t>qmake</a:t>
+            </a:r>
+            <a:r>
+              <a:rPr lang="fr-FR" sz="1600" dirty="0" smtClean="0"/>
+              <a:t> ouvrez </a:t>
+            </a:r>
+            <a:r>
+              <a:rPr lang="fr-FR" sz="1600" dirty="0" smtClean="0"/>
+              <a:t>visual.pro</a:t>
             </a:r>
           </a:p>
           <a:p>
             <a:pPr lvl="1"/>
             <a:r>
-              <a:rPr lang="fr-FR" dirty="0" smtClean="0"/>
-              <a:t>Ouvrir </a:t>
-            </a:r>
-            <a:r>
-              <a:rPr lang="fr-FR" dirty="0" err="1" smtClean="0"/>
-              <a:t>visual</a:t>
-            </a:r>
-            <a:r>
-              <a:rPr lang="fr-FR" dirty="0" smtClean="0"/>
-              <a:t>,</a:t>
-            </a:r>
+              <a:rPr lang="fr-FR" sz="1450" dirty="0" smtClean="0"/>
+              <a:t>Une entête précompilée </a:t>
+            </a:r>
+            <a:r>
+              <a:rPr lang="fr-FR" sz="1450" dirty="0"/>
+              <a:t>se paramètre avec </a:t>
+            </a:r>
+            <a:r>
+              <a:rPr lang="fr-FR" sz="1450" dirty="0" smtClean="0"/>
+              <a:t>PRECOMPILED_HEADER = …</a:t>
+            </a:r>
+            <a:endParaRPr lang="fr-FR" sz="1450" dirty="0" smtClean="0"/>
           </a:p>
           <a:p>
             <a:pPr lvl="1"/>
             <a:r>
-              <a:rPr lang="fr-FR" dirty="0" smtClean="0"/>
-              <a:t>Créer un projet « console »</a:t>
+              <a:rPr lang="fr-FR" sz="1600" dirty="0" smtClean="0"/>
+              <a:t>Attention : l’entête </a:t>
+            </a:r>
+            <a:r>
+              <a:rPr lang="fr-FR" sz="1600" dirty="0" smtClean="0"/>
+              <a:t>précompilée </a:t>
+            </a:r>
+            <a:r>
+              <a:rPr lang="fr-FR" sz="1600" dirty="0" smtClean="0"/>
+              <a:t>ne doit </a:t>
+            </a:r>
+            <a:r>
+              <a:rPr lang="fr-FR" sz="1600" dirty="0" smtClean="0"/>
+              <a:t>pas </a:t>
+            </a:r>
+            <a:r>
+              <a:rPr lang="fr-FR" sz="1600" dirty="0" smtClean="0"/>
+              <a:t>être ajoutée </a:t>
+            </a:r>
+            <a:r>
+              <a:rPr lang="fr-FR" sz="1600" dirty="0" smtClean="0"/>
+              <a:t>aux headers !</a:t>
+            </a:r>
+          </a:p>
+          <a:p>
+            <a:r>
+              <a:rPr lang="fr-FR" sz="1600" dirty="0" smtClean="0"/>
+              <a:t>Renseignez le script build_and_run.bat</a:t>
+            </a:r>
+          </a:p>
+          <a:p>
+            <a:r>
+              <a:rPr lang="fr-FR" sz="1600" dirty="0" smtClean="0"/>
+              <a:t>Lancer le script</a:t>
+            </a:r>
+          </a:p>
+          <a:p>
+            <a:r>
+              <a:rPr lang="fr-FR" sz="1600" dirty="0" smtClean="0"/>
+              <a:t>Relever les informations d’activation des entêtes précompilées affectées aux fichiers </a:t>
+            </a:r>
+            <a:r>
+              <a:rPr lang="fr-FR" sz="1600" dirty="0" smtClean="0"/>
+              <a:t>sources</a:t>
             </a:r>
           </a:p>
           <a:p>
             <a:pPr lvl="1"/>
             <a:r>
-              <a:rPr lang="fr-FR" dirty="0" smtClean="0"/>
-              <a:t>Exécutez pour tester (CRTL-F5)</a:t>
-            </a:r>
-          </a:p>
-          <a:p>
-            <a:pPr lvl="1"/>
-            <a:r>
-              <a:rPr lang="fr-FR" dirty="0" smtClean="0"/>
-              <a:t>Ajoutez les fichiers </a:t>
-            </a:r>
-            <a:r>
-              <a:rPr lang="fr-FR" dirty="0" err="1" smtClean="0"/>
-              <a:t>headers.h</a:t>
-            </a:r>
-            <a:r>
-              <a:rPr lang="fr-FR" dirty="0" smtClean="0"/>
-              <a:t> et headers.cpp au projet</a:t>
-            </a:r>
-          </a:p>
-          <a:p>
-            <a:pPr lvl="1"/>
-            <a:r>
-              <a:rPr lang="fr-FR" dirty="0" smtClean="0"/>
-              <a:t>Activez les infos de temps de compilation : </a:t>
-            </a:r>
-            <a:r>
-              <a:rPr lang="fr-FR" dirty="0" err="1" smtClean="0"/>
-              <a:t>Outils</a:t>
-            </a:r>
-            <a:r>
-              <a:rPr lang="fr-FR" dirty="0" err="1" smtClean="0">
+              <a:rPr lang="fr-FR" sz="1450" dirty="0" smtClean="0"/>
+              <a:t>Propriétés </a:t>
+            </a:r>
+            <a:r>
+              <a:rPr lang="fr-FR" sz="1450" dirty="0" smtClean="0">
                 <a:sym typeface="Wingdings" panose="05000000000000000000" pitchFamily="2" charset="2"/>
               </a:rPr>
-              <a:t>Optionsprojet</a:t>
-            </a:r>
-            <a:r>
-              <a:rPr lang="fr-FR" dirty="0" smtClean="0">
-                <a:sym typeface="Wingdings" panose="05000000000000000000" pitchFamily="2" charset="2"/>
-              </a:rPr>
-              <a:t> et solution  VC++ </a:t>
-            </a:r>
-            <a:r>
-              <a:rPr lang="fr-FR" dirty="0">
-                <a:sym typeface="Wingdings" panose="05000000000000000000" pitchFamily="2" charset="2"/>
-              </a:rPr>
-              <a:t> </a:t>
-            </a:r>
-            <a:r>
-              <a:rPr lang="fr-FR" dirty="0" smtClean="0">
-                <a:sym typeface="Wingdings" panose="05000000000000000000" pitchFamily="2" charset="2"/>
-              </a:rPr>
-              <a:t>Minutage de la génération</a:t>
-            </a:r>
-          </a:p>
-          <a:p>
-            <a:pPr lvl="1"/>
-            <a:r>
-              <a:rPr lang="fr-FR" dirty="0" smtClean="0">
-                <a:sym typeface="Wingdings" panose="05000000000000000000" pitchFamily="2" charset="2"/>
-              </a:rPr>
-              <a:t>Lancer un </a:t>
-            </a:r>
-            <a:r>
-              <a:rPr lang="fr-FR" dirty="0" err="1" smtClean="0">
-                <a:sym typeface="Wingdings" panose="05000000000000000000" pitchFamily="2" charset="2"/>
-              </a:rPr>
-              <a:t>rebuil</a:t>
-            </a:r>
-            <a:r>
-              <a:rPr lang="fr-FR" dirty="0" smtClean="0">
-                <a:sym typeface="Wingdings" panose="05000000000000000000" pitchFamily="2" charset="2"/>
-              </a:rPr>
-              <a:t> et noter le temps de compilation</a:t>
-            </a:r>
-            <a:endParaRPr lang="fr-FR" dirty="0" smtClean="0"/>
-          </a:p>
-          <a:p>
-            <a:pPr lvl="1"/>
-            <a:r>
-              <a:rPr lang="fr-FR" dirty="0" smtClean="0"/>
-              <a:t>Dans les propriétés de header.cpp </a:t>
-            </a:r>
-            <a:r>
-              <a:rPr lang="fr-FR" dirty="0" smtClean="0">
-                <a:sym typeface="Wingdings" panose="05000000000000000000" pitchFamily="2" charset="2"/>
-              </a:rPr>
-              <a:t> </a:t>
-            </a:r>
-            <a:r>
-              <a:rPr lang="fr-FR" dirty="0" smtClean="0"/>
-              <a:t>C/C++ </a:t>
-            </a:r>
-            <a:r>
-              <a:rPr lang="fr-FR" dirty="0" smtClean="0">
-                <a:sym typeface="Wingdings" panose="05000000000000000000" pitchFamily="2" charset="2"/>
-              </a:rPr>
-              <a:t> En-têtes précompilées. Mettez : Création et </a:t>
-            </a:r>
-            <a:r>
-              <a:rPr lang="fr-FR" dirty="0" err="1" smtClean="0">
-                <a:sym typeface="Wingdings" panose="05000000000000000000" pitchFamily="2" charset="2"/>
-              </a:rPr>
-              <a:t>header.h</a:t>
-            </a:r>
-            <a:r>
-              <a:rPr lang="fr-FR" dirty="0" smtClean="0">
-                <a:sym typeface="Wingdings" panose="05000000000000000000" pitchFamily="2" charset="2"/>
-              </a:rPr>
-              <a:t>/</a:t>
-            </a:r>
-            <a:r>
-              <a:rPr lang="fr-FR" dirty="0" err="1" smtClean="0">
-                <a:sym typeface="Wingdings" panose="05000000000000000000" pitchFamily="2" charset="2"/>
-              </a:rPr>
-              <a:t>pch</a:t>
-            </a:r>
-            <a:endParaRPr lang="fr-FR" dirty="0" smtClean="0"/>
-          </a:p>
-          <a:p>
-            <a:pPr lvl="1"/>
-            <a:r>
-              <a:rPr lang="fr-FR" dirty="0"/>
-              <a:t>Dans les propriétés de </a:t>
-            </a:r>
-            <a:r>
-              <a:rPr lang="fr-FR" dirty="0" smtClean="0"/>
-              <a:t>visual.cpp </a:t>
-            </a:r>
-            <a:r>
-              <a:rPr lang="fr-FR" dirty="0">
-                <a:sym typeface="Wingdings" panose="05000000000000000000" pitchFamily="2" charset="2"/>
-              </a:rPr>
-              <a:t> </a:t>
-            </a:r>
-            <a:r>
-              <a:rPr lang="fr-FR" dirty="0"/>
-              <a:t>C/C++ </a:t>
-            </a:r>
-            <a:r>
-              <a:rPr lang="fr-FR" dirty="0">
-                <a:sym typeface="Wingdings" panose="05000000000000000000" pitchFamily="2" charset="2"/>
-              </a:rPr>
-              <a:t> En-têtes précompilées. Mettez : </a:t>
-            </a:r>
-            <a:r>
-              <a:rPr lang="fr-FR" dirty="0" smtClean="0">
-                <a:sym typeface="Wingdings" panose="05000000000000000000" pitchFamily="2" charset="2"/>
-              </a:rPr>
-              <a:t>Utilisation</a:t>
-            </a:r>
-          </a:p>
-          <a:p>
-            <a:pPr lvl="1"/>
-            <a:r>
-              <a:rPr lang="fr-FR" dirty="0" smtClean="0">
-                <a:sym typeface="Wingdings" panose="05000000000000000000" pitchFamily="2" charset="2"/>
-              </a:rPr>
-              <a:t>Relevez le temps de nouveau</a:t>
-            </a:r>
-            <a:endParaRPr lang="fr-FR" dirty="0">
-              <a:sym typeface="Wingdings" panose="05000000000000000000" pitchFamily="2" charset="2"/>
-            </a:endParaRPr>
-          </a:p>
-          <a:p>
-            <a:pPr lvl="1"/>
-            <a:endParaRPr lang="fr-FR" dirty="0" smtClean="0"/>
+              <a:t> C/C++  En-têtes précompilés</a:t>
+            </a:r>
+            <a:endParaRPr lang="fr-FR" sz="1450" dirty="0" smtClean="0"/>
+          </a:p>
+          <a:p>
+            <a:r>
+              <a:rPr lang="fr-FR" sz="1600" dirty="0" smtClean="0"/>
+              <a:t>Que remarquez-vous ?</a:t>
+            </a:r>
+            <a:endParaRPr lang="fr-FR" sz="1600" dirty="0"/>
           </a:p>
         </p:txBody>
       </p:sp>
@@ -19395,7 +19906,7 @@
     </p:spTree>
     <p:extLst>
       <p:ext uri="{BB962C8B-B14F-4D97-AF65-F5344CB8AC3E}">
-        <p14:creationId xmlns:p14="http://schemas.microsoft.com/office/powerpoint/2010/main" val="83430618"/>
+        <p14:creationId xmlns:p14="http://schemas.microsoft.com/office/powerpoint/2010/main" val="317601822"/>
       </p:ext>
     </p:extLst>
   </p:cSld>
@@ -19439,7 +19950,7 @@
           <a:p>
             <a:r>
               <a:rPr lang="fr-FR" dirty="0" smtClean="0"/>
-              <a:t>Exemple depuis QMAKE</a:t>
+              <a:t>depuis QMAKE ?</a:t>
             </a:r>
             <a:endParaRPr lang="fr-FR" dirty="0"/>
           </a:p>
@@ -19514,7 +20025,7 @@
         </p:nvSpPr>
         <p:spPr>
           <a:xfrm>
-            <a:off x="1426624" y="2341026"/>
+            <a:off x="1426624" y="2632105"/>
             <a:ext cx="6290751" cy="1200329"/>
           </a:xfrm>
           <a:prstGeom prst="rect">
@@ -19835,115 +20346,66 @@
       </p:grpSpPr>
       <p:sp>
         <p:nvSpPr>
-          <p:cNvPr id="2" name="Titre 1">
-            <a:extLst>
-              <a:ext uri="{FF2B5EF4-FFF2-40B4-BE49-F238E27FC236}">
-                <a16:creationId xmlns:a16="http://schemas.microsoft.com/office/drawing/2014/main" id="{C02C5318-1A1E-49D0-B2E2-A4B0FA9E8A40}"/>
-              </a:ext>
-            </a:extLst>
-          </p:cNvPr>
+          <p:cNvPr id="2" name="Titre 1"/>
           <p:cNvSpPr>
             <a:spLocks noGrp="1"/>
           </p:cNvSpPr>
           <p:nvPr>
-            <p:ph type="ctrTitle"/>
+            <p:ph type="title"/>
+          </p:nvPr>
+        </p:nvSpPr>
+        <p:spPr/>
+        <p:txBody>
+          <a:bodyPr/>
+          <a:lstStyle/>
+          <a:p>
+            <a:r>
+              <a:rPr lang="fr-FR" dirty="0" smtClean="0"/>
+              <a:t>Résumé</a:t>
+            </a:r>
+            <a:endParaRPr lang="fr-FR" dirty="0"/>
+          </a:p>
+        </p:txBody>
+      </p:sp>
+      <p:sp>
+        <p:nvSpPr>
+          <p:cNvPr id="3" name="Espace réservé du contenu 2"/>
+          <p:cNvSpPr>
+            <a:spLocks noGrp="1"/>
+          </p:cNvSpPr>
+          <p:nvPr>
+            <p:ph idx="1"/>
           </p:nvPr>
         </p:nvSpPr>
         <p:spPr>
           <a:xfrm>
-            <a:off x="330791" y="4545068"/>
-            <a:ext cx="8245162" cy="671433"/>
+            <a:off x="1076830" y="1510038"/>
+            <a:ext cx="8272211" cy="3743666"/>
           </a:xfrm>
         </p:spPr>
         <p:txBody>
-          <a:bodyPr rtlCol="0">
-            <a:noAutofit/>
+          <a:bodyPr>
+            <a:normAutofit/>
           </a:bodyPr>
           <a:lstStyle/>
           <a:p>
-            <a:pPr algn="r" rtl="0"/>
-            <a:r>
-              <a:rPr lang="fr-FR" sz="3150" dirty="0" smtClean="0">
-                <a:solidFill>
-                  <a:schemeClr val="bg1"/>
-                </a:solidFill>
-              </a:rPr>
-              <a:t>Options de compilation</a:t>
-            </a:r>
-            <a:endParaRPr lang="fr-FR" sz="3150" dirty="0">
-              <a:solidFill>
-                <a:schemeClr val="bg1"/>
-              </a:solidFill>
-            </a:endParaRPr>
-          </a:p>
-        </p:txBody>
-      </p:sp>
-      <p:sp>
-        <p:nvSpPr>
-          <p:cNvPr id="6" name="ZoneTexte 5"/>
-          <p:cNvSpPr txBox="1"/>
-          <p:nvPr/>
-        </p:nvSpPr>
-        <p:spPr>
-          <a:xfrm>
-            <a:off x="330791" y="588580"/>
-            <a:ext cx="3757733" cy="3631763"/>
-          </a:xfrm>
-          <a:prstGeom prst="rect">
-            <a:avLst/>
-          </a:prstGeom>
-          <a:noFill/>
-        </p:spPr>
-        <p:txBody>
-          <a:bodyPr wrap="square" rtlCol="0">
-            <a:spAutoFit/>
-          </a:bodyPr>
-          <a:lstStyle/>
-          <a:p>
-            <a:r>
-              <a:rPr lang="fr-FR" sz="11500" b="1" spc="50" dirty="0" smtClean="0">
-                <a:ln w="9525" cmpd="sng">
-                  <a:solidFill>
-                    <a:schemeClr val="accent1"/>
-                  </a:solidFill>
-                  <a:prstDash val="solid"/>
-                </a:ln>
-                <a:solidFill>
-                  <a:srgbClr val="70AD47">
-                    <a:tint val="1000"/>
-                  </a:srgbClr>
-                </a:solidFill>
-                <a:effectLst>
-                  <a:glow rad="38100">
-                    <a:schemeClr val="accent1">
-                      <a:alpha val="40000"/>
-                    </a:schemeClr>
-                  </a:glow>
-                </a:effectLst>
-              </a:rPr>
-              <a:t>05</a:t>
-            </a:r>
-          </a:p>
-          <a:p>
-            <a:endParaRPr lang="fr-FR" sz="11500" dirty="0">
-              <a:ln w="0"/>
-              <a:solidFill>
-                <a:schemeClr val="accent1"/>
-              </a:solidFill>
-              <a:effectLst>
-                <a:outerShdw blurRad="38100" dist="25400" dir="5400000" algn="ctr" rotWithShape="0">
-                  <a:srgbClr val="6E747A">
-                    <a:alpha val="43000"/>
-                  </a:srgbClr>
-                </a:outerShdw>
-              </a:effectLst>
-            </a:endParaRPr>
-          </a:p>
-        </p:txBody>
-      </p:sp>
-      <p:sp>
-        <p:nvSpPr>
-          <p:cNvPr id="3" name="Espace réservé du numéro de diapositive 2"/>
+            <a:r>
+              <a:rPr lang="fr-FR" sz="1800" dirty="0" smtClean="0"/>
+              <a:t>Il FAUT utiliser les en-tête précompilés sur vos projets</a:t>
+            </a:r>
+          </a:p>
+          <a:p>
+            <a:r>
+              <a:rPr lang="fr-FR" sz="1800" dirty="0" smtClean="0"/>
+              <a:t>La bonne nouvelle c’est que vous le faites sûrement sans le savoir</a:t>
+            </a:r>
+            <a:endParaRPr lang="fr-FR" sz="1800" dirty="0"/>
+          </a:p>
+        </p:txBody>
+      </p:sp>
+      <p:sp>
+        <p:nvSpPr>
+          <p:cNvPr id="4" name="Espace réservé du numéro de diapositive 3"/>
           <p:cNvSpPr>
             <a:spLocks noGrp="1"/>
           </p:cNvSpPr>
@@ -19956,33 +20418,25 @@
           <a:bodyPr/>
           <a:lstStyle/>
           <a:p>
-            <a:pPr rtl="0"/>
             <a:fld id="{D57F1E4F-1CFF-5643-939E-217C01CDF565}" type="slidenum">
-              <a:rPr lang="fr-FR" noProof="0" smtClean="0"/>
-              <a:pPr rtl="0"/>
+              <a:rPr lang="fr-FR" smtClean="0"/>
+              <a:pPr/>
               <a:t>9</a:t>
             </a:fld>
-            <a:endParaRPr lang="fr-FR" noProof="0"/>
+            <a:endParaRPr lang="fr-FR" dirty="0"/>
           </a:p>
         </p:txBody>
       </p:sp>
     </p:spTree>
     <p:extLst>
       <p:ext uri="{BB962C8B-B14F-4D97-AF65-F5344CB8AC3E}">
-        <p14:creationId xmlns:p14="http://schemas.microsoft.com/office/powerpoint/2010/main" val="1309852808"/>
+        <p14:creationId xmlns:p14="http://schemas.microsoft.com/office/powerpoint/2010/main" val="3437610028"/>
       </p:ext>
     </p:extLst>
   </p:cSld>
   <p:clrMapOvr>
     <a:masterClrMapping/>
   </p:clrMapOvr>
-  <p:timing>
-    <p:tnLst>
-      <p:par>
-        <p:cTn id="1" dur="indefinite" restart="never" nodeType="tmRoot"/>
-      </p:par>
-    </p:tnLst>
-  </p:timing>
 </p:sld>
 </file>
 
@@ -21057,20 +21511,20 @@
 </file>
 
 <file path=customXml/item2.xml><?xml version="1.0" encoding="utf-8"?>
-<p:properties xmlns:p="http://schemas.microsoft.com/office/2006/metadata/properties" xmlns:xsi="http://www.w3.org/2001/XMLSchema-instance" xmlns:pc="http://schemas.microsoft.com/office/infopath/2007/PartnerControls">
-  <documentManagement>
-    <MediaServiceKeyPoints xmlns="71af3243-3dd4-4a8d-8c0d-dd76da1f02a5" xsi:nil="true"/>
-  </documentManagement>
-</p:properties>
-</file>
-
-<file path=customXml/item3.xml><?xml version="1.0" encoding="utf-8"?>
 <?mso-contentType ?>
 <FormTemplates xmlns="http://schemas.microsoft.com/sharepoint/v3/contenttype/forms">
   <Display>DocumentLibraryForm</Display>
   <Edit>DocumentLibraryForm</Edit>
   <New>DocumentLibraryForm</New>
 </FormTemplates>
+</file>
+
+<file path=customXml/item3.xml><?xml version="1.0" encoding="utf-8"?>
+<p:properties xmlns:p="http://schemas.microsoft.com/office/2006/metadata/properties" xmlns:xsi="http://www.w3.org/2001/XMLSchema-instance" xmlns:pc="http://schemas.microsoft.com/office/infopath/2007/PartnerControls">
+  <documentManagement>
+    <MediaServiceKeyPoints xmlns="71af3243-3dd4-4a8d-8c0d-dd76da1f02a5" xsi:nil="true"/>
+  </documentManagement>
+</p:properties>
 </file>
 
 <file path=customXml/itemProps1.xml><?xml version="1.0" encoding="utf-8"?>
@@ -21093,6 +21547,14 @@
 </file>
 
 <file path=customXml/itemProps2.xml><?xml version="1.0" encoding="utf-8"?>
+<ds:datastoreItem xmlns:ds="http://schemas.openxmlformats.org/officeDocument/2006/customXml" ds:itemID="{2B21BF1A-59D3-4E19-9B95-2FD4309AC3AF}">
+  <ds:schemaRefs>
+    <ds:schemaRef ds:uri="http://schemas.microsoft.com/sharepoint/v3/contenttype/forms"/>
+  </ds:schemaRefs>
+</ds:datastoreItem>
+</file>
+
+<file path=customXml/itemProps3.xml><?xml version="1.0" encoding="utf-8"?>
 <ds:datastoreItem xmlns:ds="http://schemas.openxmlformats.org/officeDocument/2006/customXml" ds:itemID="{F651EF32-6551-47EB-8BA9-22EF81F3DDAC}">
   <ds:schemaRefs>
     <ds:schemaRef ds:uri="http://purl.org/dc/dcmitype/"/>
@@ -21107,12 +21569,4 @@
     <ds:schemaRef ds:uri="71af3243-3dd4-4a8d-8c0d-dd76da1f02a5"/>
   </ds:schemaRefs>
 </ds:datastoreItem>
-</file>
-
-<file path=customXml/itemProps3.xml><?xml version="1.0" encoding="utf-8"?>
-<ds:datastoreItem xmlns:ds="http://schemas.openxmlformats.org/officeDocument/2006/customXml" ds:itemID="{2B21BF1A-59D3-4E19-9B95-2FD4309AC3AF}">
-  <ds:schemaRefs>
-    <ds:schemaRef ds:uri="http://schemas.microsoft.com/sharepoint/v3/contenttype/forms"/>
-  </ds:schemaRefs>
-</ds:datastoreItem>
 </file>
--- a/diapos/CPP_aprem.pptx
+++ b/diapos/CPP_aprem.pptx
@@ -5,10 +5,10 @@
     <p:sldMasterId id="2147483684" r:id="rId4"/>
   </p:sldMasterIdLst>
   <p:notesMasterIdLst>
-    <p:notesMasterId r:id="rId31"/>
+    <p:notesMasterId r:id="rId33"/>
   </p:notesMasterIdLst>
   <p:handoutMasterIdLst>
-    <p:handoutMasterId r:id="rId32"/>
+    <p:handoutMasterId r:id="rId34"/>
   </p:handoutMasterIdLst>
   <p:sldIdLst>
     <p:sldId id="256" r:id="rId5"/>
@@ -30,13 +30,15 @@
     <p:sldId id="330" r:id="rId21"/>
     <p:sldId id="318" r:id="rId22"/>
     <p:sldId id="328" r:id="rId23"/>
-    <p:sldId id="320" r:id="rId24"/>
-    <p:sldId id="321" r:id="rId25"/>
-    <p:sldId id="322" r:id="rId26"/>
-    <p:sldId id="323" r:id="rId27"/>
-    <p:sldId id="324" r:id="rId28"/>
-    <p:sldId id="277" r:id="rId29"/>
-    <p:sldId id="270" r:id="rId30"/>
+    <p:sldId id="331" r:id="rId24"/>
+    <p:sldId id="332" r:id="rId25"/>
+    <p:sldId id="320" r:id="rId26"/>
+    <p:sldId id="321" r:id="rId27"/>
+    <p:sldId id="322" r:id="rId28"/>
+    <p:sldId id="323" r:id="rId29"/>
+    <p:sldId id="324" r:id="rId30"/>
+    <p:sldId id="277" r:id="rId31"/>
+    <p:sldId id="270" r:id="rId32"/>
   </p:sldIdLst>
   <p:sldSz cx="9144000" cy="5715000" type="screen16x10"/>
   <p:notesSz cx="6858000" cy="9144000"/>
@@ -4283,7 +4285,7 @@
             <a:pPr rtl="0"/>
             <a:fld id="{44067F72-4B43-4EB2-81AF-1356A084F97D}" type="datetime1">
               <a:rPr lang="fr-FR" smtClean="0"/>
-              <a:t>15/06/2021</a:t>
+              <a:t>16/06/2021</a:t>
             </a:fld>
             <a:endParaRPr lang="fr-FR" dirty="0"/>
           </a:p>
@@ -4465,7 +4467,7 @@
             <a:pPr rtl="0"/>
             <a:fld id="{18E2C9A5-1936-47C6-ADD2-56E91A3B7AD6}" type="datetime1">
               <a:rPr lang="fr-FR" noProof="0" smtClean="0"/>
-              <a:t>15/06/2021</a:t>
+              <a:t>16/06/2021</a:t>
             </a:fld>
             <a:endParaRPr lang="fr-FR" noProof="0" dirty="0"/>
           </a:p>
@@ -5119,7 +5121,7 @@
     </p:spTree>
     <p:extLst>
       <p:ext uri="{BB962C8B-B14F-4D97-AF65-F5344CB8AC3E}">
-        <p14:creationId xmlns:p14="http://schemas.microsoft.com/office/powerpoint/2010/main" val="1304059465"/>
+        <p14:creationId xmlns:p14="http://schemas.microsoft.com/office/powerpoint/2010/main" val="1880383942"/>
       </p:ext>
     </p:extLst>
   </p:cSld>
@@ -5173,6 +5175,17 @@
           <a:bodyPr/>
           <a:lstStyle/>
           <a:p>
+            <a:r>
+              <a:rPr lang="fr-FR" dirty="0" smtClean="0"/>
+              <a:t>8 warnings</a:t>
+            </a:r>
+            <a:r>
+              <a:rPr lang="fr-FR" baseline="0" dirty="0" smtClean="0"/>
+              <a:t> ne W4</a:t>
+            </a:r>
+            <a:endParaRPr lang="fr-FR" dirty="0" smtClean="0"/>
+          </a:p>
+          <a:p>
             <a:endParaRPr lang="fr-FR" dirty="0"/>
           </a:p>
         </p:txBody>
@@ -5195,7 +5208,7 @@
             <a:pPr rtl="0"/>
             <a:fld id="{C6B3AB32-59DF-41F1-9618-EDFBF5049629}" type="slidenum">
               <a:rPr lang="fr-FR" noProof="0" smtClean="0"/>
-              <a:t>25</a:t>
+              <a:t>21</a:t>
             </a:fld>
             <a:endParaRPr lang="fr-FR" noProof="0" dirty="0"/>
           </a:p>
@@ -5204,7 +5217,7 @@
     </p:spTree>
     <p:extLst>
       <p:ext uri="{BB962C8B-B14F-4D97-AF65-F5344CB8AC3E}">
-        <p14:creationId xmlns:p14="http://schemas.microsoft.com/office/powerpoint/2010/main" val="941446977"/>
+        <p14:creationId xmlns:p14="http://schemas.microsoft.com/office/powerpoint/2010/main" val="1262403886"/>
       </p:ext>
     </p:extLst>
   </p:cSld>
@@ -5264,7 +5277,7 @@
           <a:lstStyle/>
           <a:p>
             <a:pPr rtl="0"/>
-            <a:endParaRPr lang="fr-FR" dirty="0"/>
+            <a:endParaRPr lang="fr-FR"/>
           </a:p>
         </p:txBody>
       </p:sp>
@@ -5286,7 +5299,183 @@
             <a:pPr rtl="0"/>
             <a:fld id="{C6B3AB32-59DF-41F1-9618-EDFBF5049629}" type="slidenum">
               <a:rPr lang="fr-FR" smtClean="0"/>
-              <a:t>26</a:t>
+              <a:t>22</a:t>
+            </a:fld>
+            <a:endParaRPr lang="fr-FR"/>
+          </a:p>
+        </p:txBody>
+      </p:sp>
+    </p:spTree>
+    <p:extLst>
+      <p:ext uri="{BB962C8B-B14F-4D97-AF65-F5344CB8AC3E}">
+        <p14:creationId xmlns:p14="http://schemas.microsoft.com/office/powerpoint/2010/main" val="1304059465"/>
+      </p:ext>
+    </p:extLst>
+  </p:cSld>
+  <p:clrMapOvr>
+    <a:masterClrMapping/>
+  </p:clrMapOvr>
+</p:notes>
+</file>
+
+<file path=ppt/notesSlides/notesSlide15.xml><?xml version="1.0" encoding="utf-8"?>
+<p:notes xmlns:a="http://schemas.openxmlformats.org/drawingml/2006/main" xmlns:r="http://schemas.openxmlformats.org/officeDocument/2006/relationships" xmlns:p="http://schemas.openxmlformats.org/presentationml/2006/main">
+  <p:cSld>
+    <p:spTree>
+      <p:nvGrpSpPr>
+        <p:cNvPr id="1" name=""/>
+        <p:cNvGrpSpPr/>
+        <p:nvPr/>
+      </p:nvGrpSpPr>
+      <p:grpSpPr>
+        <a:xfrm>
+          <a:off x="0" y="0"/>
+          <a:ext cx="0" cy="0"/>
+          <a:chOff x="0" y="0"/>
+          <a:chExt cx="0" cy="0"/>
+        </a:xfrm>
+      </p:grpSpPr>
+      <p:sp>
+        <p:nvSpPr>
+          <p:cNvPr id="2" name="Espace réservé de l'image des diapositives 1"/>
+          <p:cNvSpPr>
+            <a:spLocks noGrp="1" noRot="1" noChangeAspect="1"/>
+          </p:cNvSpPr>
+          <p:nvPr>
+            <p:ph type="sldImg"/>
+          </p:nvPr>
+        </p:nvSpPr>
+        <p:spPr/>
+      </p:sp>
+      <p:sp>
+        <p:nvSpPr>
+          <p:cNvPr id="3" name="Espace réservé des notes 2"/>
+          <p:cNvSpPr>
+            <a:spLocks noGrp="1"/>
+          </p:cNvSpPr>
+          <p:nvPr>
+            <p:ph type="body" idx="1"/>
+          </p:nvPr>
+        </p:nvSpPr>
+        <p:spPr/>
+        <p:txBody>
+          <a:bodyPr/>
+          <a:lstStyle/>
+          <a:p>
+            <a:endParaRPr lang="fr-FR" dirty="0"/>
+          </a:p>
+        </p:txBody>
+      </p:sp>
+      <p:sp>
+        <p:nvSpPr>
+          <p:cNvPr id="4" name="Espace réservé du numéro de diapositive 3"/>
+          <p:cNvSpPr>
+            <a:spLocks noGrp="1"/>
+          </p:cNvSpPr>
+          <p:nvPr>
+            <p:ph type="sldNum" sz="quarter" idx="10"/>
+          </p:nvPr>
+        </p:nvSpPr>
+        <p:spPr/>
+        <p:txBody>
+          <a:bodyPr/>
+          <a:lstStyle/>
+          <a:p>
+            <a:pPr rtl="0"/>
+            <a:fld id="{C6B3AB32-59DF-41F1-9618-EDFBF5049629}" type="slidenum">
+              <a:rPr lang="fr-FR" noProof="0" smtClean="0"/>
+              <a:t>27</a:t>
+            </a:fld>
+            <a:endParaRPr lang="fr-FR" noProof="0" dirty="0"/>
+          </a:p>
+        </p:txBody>
+      </p:sp>
+    </p:spTree>
+    <p:extLst>
+      <p:ext uri="{BB962C8B-B14F-4D97-AF65-F5344CB8AC3E}">
+        <p14:creationId xmlns:p14="http://schemas.microsoft.com/office/powerpoint/2010/main" val="941446977"/>
+      </p:ext>
+    </p:extLst>
+  </p:cSld>
+  <p:clrMapOvr>
+    <a:masterClrMapping/>
+  </p:clrMapOvr>
+</p:notes>
+</file>
+
+<file path=ppt/notesSlides/notesSlide16.xml><?xml version="1.0" encoding="utf-8"?>
+<p:notes xmlns:a="http://schemas.openxmlformats.org/drawingml/2006/main" xmlns:r="http://schemas.openxmlformats.org/officeDocument/2006/relationships" xmlns:p="http://schemas.openxmlformats.org/presentationml/2006/main">
+  <p:cSld>
+    <p:spTree>
+      <p:nvGrpSpPr>
+        <p:cNvPr id="1" name=""/>
+        <p:cNvGrpSpPr/>
+        <p:nvPr/>
+      </p:nvGrpSpPr>
+      <p:grpSpPr>
+        <a:xfrm>
+          <a:off x="0" y="0"/>
+          <a:ext cx="0" cy="0"/>
+          <a:chOff x="0" y="0"/>
+          <a:chExt cx="0" cy="0"/>
+        </a:xfrm>
+      </p:grpSpPr>
+      <p:sp>
+        <p:nvSpPr>
+          <p:cNvPr id="2" name="Espace réservé de l’image des diapositives 1"/>
+          <p:cNvSpPr>
+            <a:spLocks noGrp="1" noRot="1" noChangeAspect="1"/>
+          </p:cNvSpPr>
+          <p:nvPr>
+            <p:ph type="sldImg"/>
+          </p:nvPr>
+        </p:nvSpPr>
+        <p:spPr>
+          <a:xfrm>
+            <a:off x="960438" y="1143000"/>
+            <a:ext cx="4937125" cy="3086100"/>
+          </a:xfrm>
+        </p:spPr>
+      </p:sp>
+      <p:sp>
+        <p:nvSpPr>
+          <p:cNvPr id="3" name="Espace réservé des commentaires 2"/>
+          <p:cNvSpPr>
+            <a:spLocks noGrp="1"/>
+          </p:cNvSpPr>
+          <p:nvPr>
+            <p:ph type="body" idx="1"/>
+          </p:nvPr>
+        </p:nvSpPr>
+        <p:spPr/>
+        <p:txBody>
+          <a:bodyPr rtlCol="0"/>
+          <a:lstStyle/>
+          <a:p>
+            <a:pPr rtl="0"/>
+            <a:endParaRPr lang="fr-FR" dirty="0"/>
+          </a:p>
+        </p:txBody>
+      </p:sp>
+      <p:sp>
+        <p:nvSpPr>
+          <p:cNvPr id="4" name="Espace réservé du numéro de diapositive 3"/>
+          <p:cNvSpPr>
+            <a:spLocks noGrp="1"/>
+          </p:cNvSpPr>
+          <p:nvPr>
+            <p:ph type="sldNum" sz="quarter" idx="5"/>
+          </p:nvPr>
+        </p:nvSpPr>
+        <p:spPr/>
+        <p:txBody>
+          <a:bodyPr rtlCol="0"/>
+          <a:lstStyle/>
+          <a:p>
+            <a:pPr rtl="0"/>
+            <a:fld id="{C6B3AB32-59DF-41F1-9618-EDFBF5049629}" type="slidenum">
+              <a:rPr lang="fr-FR" smtClean="0"/>
+              <a:t>28</a:t>
             </a:fld>
             <a:endParaRPr lang="fr-FR" dirty="0"/>
           </a:p>
@@ -6564,7 +6753,7 @@
             <a:pPr rtl="0"/>
             <a:fld id="{95F14979-C768-4E40-879A-113D767D7598}" type="datetime1">
               <a:rPr lang="fr-FR" noProof="0" smtClean="0"/>
-              <a:t>15/06/2021</a:t>
+              <a:t>16/06/2021</a:t>
             </a:fld>
             <a:endParaRPr lang="fr-FR" noProof="0" dirty="0"/>
           </a:p>
@@ -6830,7 +7019,7 @@
             <a:pPr rtl="0"/>
             <a:fld id="{46AEB7E8-48A7-4B84-88AE-D5102810498A}" type="datetime1">
               <a:rPr lang="fr-FR" noProof="0" smtClean="0"/>
-              <a:t>15/06/2021</a:t>
+              <a:t>16/06/2021</a:t>
             </a:fld>
             <a:endParaRPr lang="fr-FR" noProof="0" dirty="0"/>
           </a:p>
@@ -7069,7 +7258,7 @@
             <a:pPr rtl="0"/>
             <a:fld id="{2FE4E01A-DB78-4E32-A009-59CFADEF770C}" type="datetime1">
               <a:rPr lang="fr-FR" noProof="0" smtClean="0"/>
-              <a:t>15/06/2021</a:t>
+              <a:t>16/06/2021</a:t>
             </a:fld>
             <a:endParaRPr lang="fr-FR" noProof="0" dirty="0"/>
           </a:p>
@@ -7521,7 +7710,7 @@
             <a:pPr rtl="0"/>
             <a:fld id="{A3DF8B3A-A2CC-4133-9F37-93D6DD187088}" type="datetime1">
               <a:rPr lang="fr-FR" noProof="0" smtClean="0"/>
-              <a:t>15/06/2021</a:t>
+              <a:t>16/06/2021</a:t>
             </a:fld>
             <a:endParaRPr lang="fr-FR" noProof="0"/>
           </a:p>
@@ -7840,7 +8029,7 @@
             <a:pPr rtl="0"/>
             <a:fld id="{666FD31E-62FB-4209-A7A6-BACD423FD1B9}" type="datetime1">
               <a:rPr lang="fr-FR" noProof="0" smtClean="0"/>
-              <a:t>15/06/2021</a:t>
+              <a:t>16/06/2021</a:t>
             </a:fld>
             <a:endParaRPr lang="fr-FR" noProof="0" dirty="0"/>
           </a:p>
@@ -8090,7 +8279,7 @@
             <a:pPr rtl="0"/>
             <a:fld id="{3921C42B-897E-4F7D-9F30-7A616D683282}" type="datetime1">
               <a:rPr lang="fr-FR" noProof="0" smtClean="0"/>
-              <a:t>15/06/2021</a:t>
+              <a:t>16/06/2021</a:t>
             </a:fld>
             <a:endParaRPr lang="fr-FR" noProof="0" dirty="0"/>
           </a:p>
@@ -8274,7 +8463,7 @@
             <a:pPr rtl="0"/>
             <a:fld id="{3921C42B-897E-4F7D-9F30-7A616D683282}" type="datetime1">
               <a:rPr lang="fr-FR" noProof="0" smtClean="0"/>
-              <a:t>15/06/2021</a:t>
+              <a:t>16/06/2021</a:t>
             </a:fld>
             <a:endParaRPr lang="fr-FR" noProof="0" dirty="0"/>
           </a:p>
@@ -8576,7 +8765,7 @@
             <a:pPr rtl="0"/>
             <a:fld id="{3921C42B-897E-4F7D-9F30-7A616D683282}" type="datetime1">
               <a:rPr lang="fr-FR" noProof="0" smtClean="0"/>
-              <a:t>15/06/2021</a:t>
+              <a:t>16/06/2021</a:t>
             </a:fld>
             <a:endParaRPr lang="fr-FR" noProof="0" dirty="0"/>
           </a:p>
@@ -9020,7 +9209,7 @@
             <a:pPr rtl="0"/>
             <a:fld id="{3921C42B-897E-4F7D-9F30-7A616D683282}" type="datetime1">
               <a:rPr lang="fr-FR" noProof="0" smtClean="0"/>
-              <a:t>15/06/2021</a:t>
+              <a:t>16/06/2021</a:t>
             </a:fld>
             <a:endParaRPr lang="fr-FR" noProof="0" dirty="0"/>
           </a:p>
@@ -9522,7 +9711,7 @@
             <a:pPr rtl="0"/>
             <a:fld id="{9D7570F7-C3C9-44B3-A009-658E4E9B6AED}" type="datetime1">
               <a:rPr lang="fr-FR" noProof="0" smtClean="0"/>
-              <a:t>15/06/2021</a:t>
+              <a:t>16/06/2021</a:t>
             </a:fld>
             <a:endParaRPr lang="fr-FR" noProof="0" dirty="0"/>
           </a:p>
@@ -9904,7 +10093,7 @@
             <a:pPr rtl="0"/>
             <a:fld id="{F981DFD8-7CC7-492D-8F3E-634F16593128}" type="datetime1">
               <a:rPr lang="fr-FR" noProof="0" smtClean="0"/>
-              <a:t>15/06/2021</a:t>
+              <a:t>16/06/2021</a:t>
             </a:fld>
             <a:endParaRPr lang="fr-FR" noProof="0" dirty="0"/>
           </a:p>
@@ -10197,7 +10386,7 @@
             <a:pPr rtl="0"/>
             <a:fld id="{097575A0-E176-45FF-AB41-901BA96C2E0F}" type="datetime1">
               <a:rPr lang="fr-FR" noProof="0" smtClean="0"/>
-              <a:t>15/06/2021</a:t>
+              <a:t>16/06/2021</a:t>
             </a:fld>
             <a:endParaRPr lang="fr-FR" noProof="0" dirty="0"/>
           </a:p>
@@ -10412,7 +10601,7 @@
             <a:pPr rtl="0"/>
             <a:fld id="{10358767-58E0-4259-BE08-C44246876B43}" type="datetime1">
               <a:rPr lang="fr-FR" noProof="0" smtClean="0"/>
-              <a:t>15/06/2021</a:t>
+              <a:t>16/06/2021</a:t>
             </a:fld>
             <a:endParaRPr lang="fr-FR" noProof="0" dirty="0"/>
           </a:p>
@@ -11346,26 +11535,6 @@
               </a:rPr>
               <a:t>04</a:t>
             </a:r>
-            <a:endParaRPr lang="fr-FR" sz="11500" b="1" spc="50" dirty="0" smtClean="0">
-              <a:ln w="9525" cmpd="sng">
-                <a:solidFill>
-                  <a:schemeClr val="accent1"/>
-                </a:solidFill>
-                <a:prstDash val="solid"/>
-              </a:ln>
-              <a:solidFill>
-                <a:srgbClr val="70AD47">
-                  <a:tint val="1000"/>
-                </a:srgbClr>
-              </a:solidFill>
-              <a:effectLst>
-                <a:glow rad="38100">
-                  <a:schemeClr val="accent1">
-                    <a:alpha val="40000"/>
-                  </a:schemeClr>
-                </a:glow>
-              </a:effectLst>
-            </a:endParaRPr>
           </a:p>
           <a:p>
             <a:endParaRPr lang="fr-FR" sz="11500" dirty="0">
@@ -11582,7 +11751,6 @@
               <a:rPr lang="fr-FR" sz="1800" dirty="0"/>
               <a:t>=C++[11,14,17]</a:t>
             </a:r>
-            <a:endParaRPr lang="fr-FR" sz="1800" dirty="0"/>
           </a:p>
           <a:p>
             <a:endParaRPr lang="fr-FR" sz="1800" dirty="0"/>
@@ -11724,11 +11892,7 @@
           <a:p>
             <a:r>
               <a:rPr lang="fr-FR" sz="1800" dirty="0" smtClean="0"/>
-              <a:t>-</a:t>
-            </a:r>
-            <a:r>
-              <a:rPr lang="fr-FR" sz="1800" dirty="0" smtClean="0"/>
-              <a:t>DMYMACRO</a:t>
+              <a:t>-DMYMACRO</a:t>
             </a:r>
           </a:p>
           <a:p>
@@ -11736,7 +11900,6 @@
               <a:rPr lang="fr-FR" sz="1800" dirty="0" smtClean="0"/>
               <a:t>-g</a:t>
             </a:r>
-            <a:endParaRPr lang="fr-FR" sz="1800" dirty="0" smtClean="0"/>
           </a:p>
           <a:p>
             <a:r>
@@ -11962,7 +12125,6 @@
               <a:rPr lang="fr-FR" sz="1400" dirty="0"/>
               <a:t>-math</a:t>
             </a:r>
-            <a:endParaRPr lang="fr-FR" sz="1400" dirty="0"/>
           </a:p>
           <a:p>
             <a:r>
@@ -12007,11 +12169,7 @@
             </a:r>
             <a:r>
               <a:rPr lang="fr-FR" sz="1400" dirty="0"/>
-              <a:t> ou –O3 + </a:t>
-            </a:r>
-            <a:r>
-              <a:rPr lang="fr-FR" sz="1400" dirty="0"/>
-              <a:t>-</a:t>
+              <a:t> ou –O3 + -</a:t>
             </a:r>
             <a:r>
               <a:rPr lang="fr-FR" sz="1400" dirty="0" err="1"/>
@@ -12021,21 +12179,12 @@
               <a:rPr lang="fr-FR" sz="1400" dirty="0"/>
               <a:t>-math </a:t>
             </a:r>
-            <a:endParaRPr lang="fr-FR" sz="1400" dirty="0"/>
           </a:p>
           <a:p>
             <a:pPr lvl="1"/>
             <a:r>
               <a:rPr lang="fr-FR" sz="1400" dirty="0"/>
-              <a:t>-</a:t>
-            </a:r>
-            <a:r>
-              <a:rPr lang="fr-FR" sz="1400" dirty="0"/>
-              <a:t>m[SSE|SSE2|AVX|AVX2|AVX512</a:t>
-            </a:r>
-            <a:r>
-              <a:rPr lang="fr-FR" sz="1400" dirty="0"/>
-              <a:t>]</a:t>
+              <a:t>-m[SSE|SSE2|AVX|AVX2|AVX512]</a:t>
             </a:r>
           </a:p>
           <a:p>
@@ -12168,7 +12317,6 @@
               <a:rPr lang="fr-FR" sz="1400" dirty="0"/>
               <a:t>Vectorisation :</a:t>
             </a:r>
-            <a:endParaRPr lang="fr-FR" sz="1400" dirty="0"/>
           </a:p>
           <a:p>
             <a:pPr lvl="1"/>
@@ -12194,13 +12342,8 @@
             </a:r>
             <a:r>
               <a:rPr lang="fr-FR" sz="1400" dirty="0"/>
-              <a:t>:[SSE|SSE2|AVX|AVX2|AVX512</a:t>
-            </a:r>
-            <a:r>
-              <a:rPr lang="fr-FR" sz="1400" dirty="0"/>
-              <a:t>]</a:t>
-            </a:r>
-            <a:endParaRPr lang="fr-FR" sz="1400" dirty="0"/>
+              <a:t>:[SSE|SSE2|AVX|AVX2|AVX512]</a:t>
+            </a:r>
           </a:p>
           <a:p>
             <a:endParaRPr lang="fr-FR" sz="1400" dirty="0"/>
@@ -13252,19 +13395,7 @@
             </a:r>
             <a:r>
               <a:rPr lang="fr-FR" dirty="0" smtClean="0"/>
-              <a:t> peuvent sembler obscures. Ces configurations ne diffèrent </a:t>
-            </a:r>
-            <a:r>
-              <a:rPr lang="fr-FR" dirty="0" smtClean="0"/>
-              <a:t>en fait que </a:t>
-            </a:r>
-            <a:r>
-              <a:rPr lang="fr-FR" dirty="0" smtClean="0"/>
-              <a:t>par les options de </a:t>
-            </a:r>
-            <a:r>
-              <a:rPr lang="fr-FR" dirty="0" smtClean="0"/>
-              <a:t>compilation utilisées.</a:t>
+              <a:t> peuvent sembler obscures. Ces configurations ne diffèrent en fait que par les options de compilation utilisées.</a:t>
             </a:r>
             <a:endParaRPr lang="fr-FR" dirty="0"/>
           </a:p>
@@ -13294,11 +13425,7 @@
           <a:p>
             <a:r>
               <a:rPr lang="fr-FR" dirty="0" smtClean="0"/>
-              <a:t>C’est tout ! Vous pouvez modifier et ajouter des configurations </a:t>
-            </a:r>
-            <a:r>
-              <a:rPr lang="fr-FR" dirty="0" smtClean="0"/>
-              <a:t>manuellement au besoin</a:t>
+              <a:t>C’est tout ! Vous pouvez modifier et ajouter des configurations manuellement au besoin</a:t>
             </a:r>
             <a:endParaRPr lang="fr-FR" dirty="0"/>
           </a:p>
@@ -13650,11 +13777,7 @@
             </a:r>
             <a:r>
               <a:rPr lang="fr-FR" dirty="0" smtClean="0"/>
-              <a:t>. N’affecte pas les optimisations </a:t>
-            </a:r>
-            <a:r>
-              <a:rPr lang="fr-FR" dirty="0" smtClean="0"/>
-              <a:t>(par défaut </a:t>
+              <a:t>. N’affecte pas les optimisations (par défaut </a:t>
             </a:r>
             <a:r>
               <a:rPr lang="fr-FR" dirty="0"/>
@@ -13723,20 +13846,12 @@
               <a:rPr lang="fr-FR" dirty="0" smtClean="0"/>
               <a:t> ou les .pdb. </a:t>
             </a:r>
-            <a:r>
-              <a:rPr lang="fr-FR" dirty="0" smtClean="0"/>
-              <a:t/>
-            </a:r>
             <a:br>
               <a:rPr lang="fr-FR" dirty="0" smtClean="0"/>
             </a:br>
             <a:r>
               <a:rPr lang="fr-FR" dirty="0" smtClean="0"/>
-              <a:t>Aucun </a:t>
-            </a:r>
-            <a:r>
-              <a:rPr lang="fr-FR" dirty="0" smtClean="0"/>
-              <a:t>.</a:t>
+              <a:t>Aucun .</a:t>
             </a:r>
             <a:r>
               <a:rPr lang="fr-FR" dirty="0" err="1" smtClean="0"/>
@@ -13744,15 +13859,7 @@
             </a:r>
             <a:r>
               <a:rPr lang="fr-FR" dirty="0" smtClean="0"/>
-              <a:t> ou .dll </a:t>
-            </a:r>
-            <a:r>
-              <a:rPr lang="fr-FR" dirty="0" smtClean="0"/>
-              <a:t>ne peut </a:t>
-            </a:r>
-            <a:r>
-              <a:rPr lang="fr-FR" dirty="0" smtClean="0"/>
-              <a:t>contenir les symboles de </a:t>
+              <a:t> ou .dll ne peut contenir les symboles de </a:t>
             </a:r>
             <a:r>
               <a:rPr lang="fr-FR" dirty="0" err="1" smtClean="0"/>
@@ -13984,11 +14091,7 @@
             </a:r>
             <a:r>
               <a:rPr lang="fr-FR" dirty="0" smtClean="0"/>
-              <a:t>, explorer les options /Z7 /ZI et /Zi et notez les fichiers </a:t>
-            </a:r>
-            <a:r>
-              <a:rPr lang="fr-FR" dirty="0" smtClean="0"/>
-              <a:t>créés</a:t>
+              <a:t>, explorer les options /Z7 /ZI et /Zi et notez les fichiers créés</a:t>
             </a:r>
           </a:p>
           <a:p>
@@ -14008,7 +14111,6 @@
               <a:rPr lang="fr-FR" dirty="0" smtClean="0"/>
               <a:t>et déboguer votre programme</a:t>
             </a:r>
-            <a:endParaRPr lang="fr-FR" dirty="0" smtClean="0"/>
           </a:p>
           <a:p>
             <a:pPr lvl="1"/>
@@ -15321,13 +15423,8 @@
           <a:p>
             <a:r>
               <a:rPr lang="fr-FR" sz="1400" dirty="0" smtClean="0"/>
-              <a:t>/Wall = /W4 + </a:t>
-            </a:r>
-            <a:r>
-              <a:rPr lang="fr-FR" sz="1400" dirty="0" smtClean="0"/>
-              <a:t>l’enfer</a:t>
-            </a:r>
-            <a:endParaRPr lang="fr-FR" sz="1400" dirty="0" smtClean="0"/>
+              <a:t>/Wall = /W4 + l’enfer</a:t>
+            </a:r>
           </a:p>
           <a:p>
             <a:endParaRPr lang="fr-FR" sz="1400" dirty="0" smtClean="0"/>
@@ -16358,23 +16455,7 @@
                   <a:schemeClr val="bg1"/>
                 </a:solidFill>
               </a:rPr>
-              <a:t>Un mot sur la « </a:t>
-            </a:r>
-            <a:r>
-              <a:rPr lang="fr-FR" sz="3150" dirty="0" err="1" smtClean="0">
-                <a:solidFill>
-                  <a:schemeClr val="bg1"/>
-                </a:solidFill>
-              </a:rPr>
-              <a:t>parallel</a:t>
-            </a:r>
-            <a:r>
-              <a:rPr lang="fr-FR" sz="3150" dirty="0" smtClean="0">
-                <a:solidFill>
-                  <a:schemeClr val="bg1"/>
-                </a:solidFill>
-              </a:rPr>
-              <a:t> STL »</a:t>
+              <a:t>Projet de groupe</a:t>
             </a:r>
             <a:endParaRPr lang="fr-FR" sz="3150" dirty="0">
               <a:solidFill>
@@ -16473,7 +16554,7 @@
     </p:spTree>
     <p:extLst>
       <p:ext uri="{BB962C8B-B14F-4D97-AF65-F5344CB8AC3E}">
-        <p14:creationId xmlns:p14="http://schemas.microsoft.com/office/powerpoint/2010/main" val="1432425152"/>
+        <p14:creationId xmlns:p14="http://schemas.microsoft.com/office/powerpoint/2010/main" val="4102579517"/>
       </p:ext>
     </p:extLst>
   </p:cSld>
@@ -16509,7 +16590,7 @@
       </p:grpSpPr>
       <p:sp>
         <p:nvSpPr>
-          <p:cNvPr id="2" name="Titre 1"/>
+          <p:cNvPr id="8" name="Titre 7"/>
           <p:cNvSpPr>
             <a:spLocks noGrp="1"/>
           </p:cNvSpPr>
@@ -16524,15 +16605,7 @@
           <a:p>
             <a:r>
               <a:rPr lang="fr-FR" dirty="0" smtClean="0"/>
-              <a:t>Du calcul </a:t>
-            </a:r>
-            <a:r>
-              <a:rPr lang="fr-FR" dirty="0" err="1" smtClean="0"/>
-              <a:t>parallel</a:t>
-            </a:r>
-            <a:r>
-              <a:rPr lang="fr-FR" dirty="0" smtClean="0"/>
-              <a:t> dans le standard</a:t>
+              <a:t>Créez votre projet parfait</a:t>
             </a:r>
             <a:endParaRPr lang="fr-FR" dirty="0"/>
           </a:p>
@@ -16540,12 +16613,12 @@
       </p:sp>
       <p:sp>
         <p:nvSpPr>
-          <p:cNvPr id="4" name="Espace réservé du numéro de diapositive 3"/>
-          <p:cNvSpPr>
-            <a:spLocks noGrp="1"/>
-          </p:cNvSpPr>
-          <p:nvPr>
-            <p:ph type="sldNum" sz="quarter" idx="12"/>
+          <p:cNvPr id="9" name="Espace réservé du texte 8"/>
+          <p:cNvSpPr>
+            <a:spLocks noGrp="1"/>
+          </p:cNvSpPr>
+          <p:nvPr>
+            <p:ph type="body" idx="1"/>
           </p:nvPr>
         </p:nvSpPr>
         <p:spPr/>
@@ -16553,36 +16626,181 @@
           <a:bodyPr/>
           <a:lstStyle/>
           <a:p>
+            <a:r>
+              <a:rPr lang="fr-FR" dirty="0" smtClean="0"/>
+              <a:t>Objectif</a:t>
+            </a:r>
+            <a:endParaRPr lang="fr-FR" dirty="0"/>
+          </a:p>
+        </p:txBody>
+      </p:sp>
+      <p:sp>
+        <p:nvSpPr>
+          <p:cNvPr id="10" name="Espace réservé du contenu 9"/>
+          <p:cNvSpPr>
+            <a:spLocks noGrp="1"/>
+          </p:cNvSpPr>
+          <p:nvPr>
+            <p:ph sz="half" idx="2"/>
+          </p:nvPr>
+        </p:nvSpPr>
+        <p:spPr>
+          <a:xfrm>
+            <a:off x="435895" y="2088664"/>
+            <a:ext cx="4044825" cy="2662798"/>
+          </a:xfrm>
+        </p:spPr>
+        <p:txBody>
+          <a:bodyPr>
+            <a:normAutofit/>
+          </a:bodyPr>
+          <a:lstStyle/>
+          <a:p>
+            <a:r>
+              <a:rPr lang="fr-FR" dirty="0" smtClean="0"/>
+              <a:t>Mettre en place un projet « parfait »</a:t>
+            </a:r>
+            <a:endParaRPr lang="fr-FR" dirty="0" smtClean="0"/>
+          </a:p>
+          <a:p>
+            <a:r>
+              <a:rPr lang="fr-FR" dirty="0" smtClean="0"/>
+              <a:t>Une entête précompilée</a:t>
+            </a:r>
+          </a:p>
+          <a:p>
+            <a:r>
+              <a:rPr lang="fr-FR" dirty="0" smtClean="0"/>
+              <a:t>Une lib externe dans une dll </a:t>
+            </a:r>
+          </a:p>
+          <a:p>
+            <a:r>
+              <a:rPr lang="fr-FR" dirty="0" smtClean="0"/>
+              <a:t>Des </a:t>
+            </a:r>
+            <a:r>
+              <a:rPr lang="fr-FR" dirty="0" err="1" smtClean="0"/>
+              <a:t>lambdas</a:t>
+            </a:r>
+            <a:endParaRPr lang="fr-FR" dirty="0" smtClean="0"/>
+          </a:p>
+          <a:p>
+            <a:r>
+              <a:rPr lang="fr-FR" dirty="0" smtClean="0"/>
+              <a:t>Option de compilation /W4</a:t>
+            </a:r>
+            <a:endParaRPr lang="fr-FR" dirty="0" smtClean="0"/>
+          </a:p>
+          <a:p>
+            <a:endParaRPr lang="fr-FR" dirty="0" smtClean="0"/>
+          </a:p>
+          <a:p>
+            <a:endParaRPr lang="fr-FR" dirty="0"/>
+          </a:p>
+        </p:txBody>
+      </p:sp>
+      <p:sp>
+        <p:nvSpPr>
+          <p:cNvPr id="11" name="Espace réservé du texte 10"/>
+          <p:cNvSpPr>
+            <a:spLocks noGrp="1"/>
+          </p:cNvSpPr>
+          <p:nvPr>
+            <p:ph type="body" sz="quarter" idx="3"/>
+          </p:nvPr>
+        </p:nvSpPr>
+        <p:spPr/>
+        <p:txBody>
+          <a:bodyPr/>
+          <a:lstStyle/>
+          <a:p>
+            <a:r>
+              <a:rPr lang="fr-FR" dirty="0" smtClean="0"/>
+              <a:t>Outils</a:t>
+            </a:r>
+            <a:endParaRPr lang="fr-FR" dirty="0"/>
+          </a:p>
+        </p:txBody>
+      </p:sp>
+      <p:sp>
+        <p:nvSpPr>
+          <p:cNvPr id="4" name="Espace réservé du numéro de diapositive 3"/>
+          <p:cNvSpPr>
+            <a:spLocks noGrp="1"/>
+          </p:cNvSpPr>
+          <p:nvPr>
+            <p:ph type="sldNum" sz="quarter" idx="12"/>
+          </p:nvPr>
+        </p:nvSpPr>
+        <p:spPr>
+          <a:xfrm>
+            <a:off x="7918724" y="5131613"/>
+            <a:ext cx="789383" cy="304271"/>
+          </a:xfrm>
+        </p:spPr>
+        <p:txBody>
+          <a:bodyPr/>
+          <a:lstStyle/>
+          <a:p>
             <a:fld id="{D57F1E4F-1CFF-5643-939E-217C01CDF565}" type="slidenum">
-              <a:rPr lang="fr-FR" smtClean="0"/>
+              <a:rPr lang="fr-FR" sz="1600" smtClean="0"/>
               <a:pPr/>
               <a:t>21</a:t>
             </a:fld>
-            <a:endParaRPr lang="fr-FR" dirty="0"/>
-          </a:p>
-        </p:txBody>
-      </p:sp>
-      <p:graphicFrame>
-        <p:nvGraphicFramePr>
-          <p:cNvPr id="6" name="Diagramme 5"/>
-          <p:cNvGraphicFramePr/>
-          <p:nvPr>
-            <p:extLst/>
-          </p:nvPr>
-        </p:nvGraphicFramePr>
-        <p:xfrm>
-          <a:off x="5105400" y="2450421"/>
-          <a:ext cx="2849880" cy="2774284"/>
-        </p:xfrm>
-        <a:graphic>
-          <a:graphicData uri="http://schemas.openxmlformats.org/drawingml/2006/diagram">
-            <dgm:relIds xmlns:dgm="http://schemas.openxmlformats.org/drawingml/2006/diagram" xmlns:r="http://schemas.openxmlformats.org/officeDocument/2006/relationships" r:dm="rId2" r:lo="rId3" r:qs="rId4" r:cs="rId5"/>
-          </a:graphicData>
-        </a:graphic>
-      </p:graphicFrame>
-      <p:sp>
-        <p:nvSpPr>
-          <p:cNvPr id="8" name="Espace réservé du texte 8"/>
+            <a:endParaRPr lang="fr-FR" sz="1600"/>
+          </a:p>
+        </p:txBody>
+      </p:sp>
+      <p:sp>
+        <p:nvSpPr>
+          <p:cNvPr id="16" name="Espace réservé du contenu 11"/>
+          <p:cNvSpPr>
+            <a:spLocks noGrp="1"/>
+          </p:cNvSpPr>
+          <p:nvPr>
+            <p:ph sz="quarter" idx="4"/>
+          </p:nvPr>
+        </p:nvSpPr>
+        <p:spPr>
+          <a:xfrm>
+            <a:off x="4663281" y="2088663"/>
+            <a:ext cx="4044825" cy="3042949"/>
+          </a:xfrm>
+        </p:spPr>
+        <p:txBody>
+          <a:bodyPr>
+            <a:normAutofit/>
+          </a:bodyPr>
+          <a:lstStyle/>
+          <a:p>
+            <a:r>
+              <a:rPr lang="fr-FR" dirty="0" smtClean="0"/>
+              <a:t>Tout ce qu’on a vu</a:t>
+            </a:r>
+          </a:p>
+          <a:p>
+            <a:r>
+              <a:rPr lang="fr-FR" dirty="0" smtClean="0"/>
+              <a:t>CMAKE / QMAKE ou directement Visual Studio</a:t>
+            </a:r>
+            <a:endParaRPr lang="fr-FR" dirty="0" smtClean="0"/>
+          </a:p>
+          <a:p>
+            <a:r>
+              <a:rPr lang="fr-FR" dirty="0" smtClean="0"/>
+              <a:t>Sujet libre</a:t>
+            </a:r>
+            <a:endParaRPr lang="fr-FR" dirty="0" smtClean="0"/>
+          </a:p>
+          <a:p>
+            <a:endParaRPr lang="fr-FR" dirty="0" smtClean="0"/>
+          </a:p>
+        </p:txBody>
+      </p:sp>
+      <p:sp>
+        <p:nvSpPr>
+          <p:cNvPr id="12" name="Espace réservé du contenu 7"/>
           <p:cNvSpPr txBox="1">
             <a:spLocks/>
           </p:cNvSpPr>
@@ -16590,8 +16808,8 @@
         </p:nvSpPr>
         <p:spPr>
           <a:xfrm>
-            <a:off x="5260274" y="1584377"/>
-            <a:ext cx="3815306" cy="446671"/>
+            <a:off x="4331353" y="4230168"/>
+            <a:ext cx="3829881" cy="756538"/>
           </a:xfrm>
           <a:prstGeom prst="rect">
             <a:avLst/>
@@ -16802,17 +17020,341 @@
             </a:lvl9pPr>
           </a:lstStyle>
           <a:p>
+            <a:pPr marL="0" indent="0">
+              <a:buNone/>
+            </a:pPr>
+            <a:r>
+              <a:rPr lang="fr-FR" sz="1600" dirty="0" smtClean="0">
+                <a:sym typeface="Wingdings" panose="05000000000000000000" pitchFamily="2" charset="2"/>
+              </a:rPr>
+              <a:t></a:t>
+            </a:r>
+            <a:r>
+              <a:rPr lang="fr-FR" sz="1600" dirty="0" smtClean="0"/>
+              <a:t>Un très beau lot à gagner !</a:t>
+            </a:r>
+            <a:endParaRPr lang="fr-FR" sz="1600" dirty="0"/>
+          </a:p>
+        </p:txBody>
+      </p:sp>
+    </p:spTree>
+    <p:extLst>
+      <p:ext uri="{BB962C8B-B14F-4D97-AF65-F5344CB8AC3E}">
+        <p14:creationId xmlns:p14="http://schemas.microsoft.com/office/powerpoint/2010/main" val="3425676927"/>
+      </p:ext>
+    </p:extLst>
+  </p:cSld>
+  <p:clrMapOvr>
+    <a:masterClrMapping/>
+  </p:clrMapOvr>
+  <p:timing>
+    <p:tnLst>
+      <p:par>
+        <p:cTn id="1" dur="indefinite" restart="never" nodeType="tmRoot">
+          <p:childTnLst>
+            <p:seq concurrent="1" nextAc="seek">
+              <p:cTn id="2" dur="indefinite" nodeType="mainSeq">
+                <p:childTnLst>
+                  <p:par>
+                    <p:cTn id="3" fill="hold">
+                      <p:stCondLst>
+                        <p:cond delay="indefinite"/>
+                      </p:stCondLst>
+                      <p:childTnLst>
+                        <p:par>
+                          <p:cTn id="4" fill="hold">
+                            <p:stCondLst>
+                              <p:cond delay="0"/>
+                            </p:stCondLst>
+                            <p:childTnLst>
+                              <p:par>
+                                <p:cTn id="5" presetID="1" presetClass="entr" presetSubtype="0" fill="hold" grpId="0" nodeType="clickEffect">
+                                  <p:stCondLst>
+                                    <p:cond delay="0"/>
+                                  </p:stCondLst>
+                                  <p:childTnLst>
+                                    <p:set>
+                                      <p:cBhvr>
+                                        <p:cTn id="6" dur="1" fill="hold">
+                                          <p:stCondLst>
+                                            <p:cond delay="0"/>
+                                          </p:stCondLst>
+                                        </p:cTn>
+                                        <p:tgtEl>
+                                          <p:spTgt spid="12"/>
+                                        </p:tgtEl>
+                                        <p:attrNameLst>
+                                          <p:attrName>style.visibility</p:attrName>
+                                        </p:attrNameLst>
+                                      </p:cBhvr>
+                                      <p:to>
+                                        <p:strVal val="visible"/>
+                                      </p:to>
+                                    </p:set>
+                                  </p:childTnLst>
+                                </p:cTn>
+                              </p:par>
+                            </p:childTnLst>
+                          </p:cTn>
+                        </p:par>
+                      </p:childTnLst>
+                    </p:cTn>
+                  </p:par>
+                </p:childTnLst>
+              </p:cTn>
+              <p:prevCondLst>
+                <p:cond evt="onPrev" delay="0">
+                  <p:tgtEl>
+                    <p:sldTgt/>
+                  </p:tgtEl>
+                </p:cond>
+              </p:prevCondLst>
+              <p:nextCondLst>
+                <p:cond evt="onNext" delay="0">
+                  <p:tgtEl>
+                    <p:sldTgt/>
+                  </p:tgtEl>
+                </p:cond>
+              </p:nextCondLst>
+            </p:seq>
+          </p:childTnLst>
+        </p:cTn>
+      </p:par>
+    </p:tnLst>
+    <p:bldLst>
+      <p:bldP spid="12" grpId="0"/>
+    </p:bldLst>
+  </p:timing>
+</p:sld>
+</file>
+
+<file path=ppt/slides/slide22.xml><?xml version="1.0" encoding="utf-8"?>
+<p:sld xmlns:a="http://schemas.openxmlformats.org/drawingml/2006/main" xmlns:r="http://schemas.openxmlformats.org/officeDocument/2006/relationships" xmlns:p="http://schemas.openxmlformats.org/presentationml/2006/main">
+  <p:cSld>
+    <p:spTree>
+      <p:nvGrpSpPr>
+        <p:cNvPr id="1" name=""/>
+        <p:cNvGrpSpPr/>
+        <p:nvPr/>
+      </p:nvGrpSpPr>
+      <p:grpSpPr>
+        <a:xfrm>
+          <a:off x="0" y="0"/>
+          <a:ext cx="0" cy="0"/>
+          <a:chOff x="0" y="0"/>
+          <a:chExt cx="0" cy="0"/>
+        </a:xfrm>
+      </p:grpSpPr>
+      <p:sp>
+        <p:nvSpPr>
+          <p:cNvPr id="2" name="Titre 1">
+            <a:extLst>
+              <a:ext uri="{FF2B5EF4-FFF2-40B4-BE49-F238E27FC236}">
+                <a16:creationId xmlns:a16="http://schemas.microsoft.com/office/drawing/2014/main" id="{C02C5318-1A1E-49D0-B2E2-A4B0FA9E8A40}"/>
+              </a:ext>
+            </a:extLst>
+          </p:cNvPr>
+          <p:cNvSpPr>
+            <a:spLocks noGrp="1"/>
+          </p:cNvSpPr>
+          <p:nvPr>
+            <p:ph type="ctrTitle"/>
+          </p:nvPr>
+        </p:nvSpPr>
+        <p:spPr>
+          <a:xfrm>
+            <a:off x="330791" y="4545068"/>
+            <a:ext cx="8245162" cy="671433"/>
+          </a:xfrm>
+        </p:spPr>
+        <p:txBody>
+          <a:bodyPr rtlCol="0">
+            <a:noAutofit/>
+          </a:bodyPr>
+          <a:lstStyle/>
+          <a:p>
+            <a:pPr algn="r" rtl="0"/>
+            <a:r>
+              <a:rPr lang="fr-FR" sz="3150" dirty="0" smtClean="0">
+                <a:solidFill>
+                  <a:schemeClr val="bg1"/>
+                </a:solidFill>
+              </a:rPr>
+              <a:t>Un mot sur la « </a:t>
+            </a:r>
+            <a:r>
+              <a:rPr lang="fr-FR" sz="3150" dirty="0" err="1" smtClean="0">
+                <a:solidFill>
+                  <a:schemeClr val="bg1"/>
+                </a:solidFill>
+              </a:rPr>
+              <a:t>parallel</a:t>
+            </a:r>
+            <a:r>
+              <a:rPr lang="fr-FR" sz="3150" dirty="0" smtClean="0">
+                <a:solidFill>
+                  <a:schemeClr val="bg1"/>
+                </a:solidFill>
+              </a:rPr>
+              <a:t> STL »</a:t>
+            </a:r>
+            <a:endParaRPr lang="fr-FR" sz="3150" dirty="0">
+              <a:solidFill>
+                <a:schemeClr val="bg1"/>
+              </a:solidFill>
+            </a:endParaRPr>
+          </a:p>
+        </p:txBody>
+      </p:sp>
+      <p:sp>
+        <p:nvSpPr>
+          <p:cNvPr id="6" name="ZoneTexte 5"/>
+          <p:cNvSpPr txBox="1"/>
+          <p:nvPr/>
+        </p:nvSpPr>
+        <p:spPr>
+          <a:xfrm>
+            <a:off x="330791" y="588580"/>
+            <a:ext cx="3757733" cy="1862048"/>
+          </a:xfrm>
+          <a:prstGeom prst="rect">
+            <a:avLst/>
+          </a:prstGeom>
+          <a:noFill/>
+        </p:spPr>
+        <p:txBody>
+          <a:bodyPr wrap="square" rtlCol="0">
+            <a:spAutoFit/>
+          </a:bodyPr>
+          <a:lstStyle/>
+          <a:p>
+            <a:r>
+              <a:rPr lang="fr-FR" sz="11500" b="1" spc="50" smtClean="0">
+                <a:ln w="9525" cmpd="sng">
+                  <a:solidFill>
+                    <a:schemeClr val="accent1"/>
+                  </a:solidFill>
+                  <a:prstDash val="solid"/>
+                </a:ln>
+                <a:solidFill>
+                  <a:srgbClr val="70AD47">
+                    <a:tint val="1000"/>
+                  </a:srgbClr>
+                </a:solidFill>
+                <a:effectLst>
+                  <a:glow rad="38100">
+                    <a:schemeClr val="accent1">
+                      <a:alpha val="40000"/>
+                    </a:schemeClr>
+                  </a:glow>
+                </a:effectLst>
+              </a:rPr>
+              <a:t>06</a:t>
+            </a:r>
+            <a:endParaRPr lang="fr-FR" sz="11500" dirty="0">
+              <a:ln w="0"/>
+              <a:solidFill>
+                <a:schemeClr val="accent1"/>
+              </a:solidFill>
+              <a:effectLst>
+                <a:outerShdw blurRad="38100" dist="25400" dir="5400000" algn="ctr" rotWithShape="0">
+                  <a:srgbClr val="6E747A">
+                    <a:alpha val="43000"/>
+                  </a:srgbClr>
+                </a:outerShdw>
+              </a:effectLst>
+            </a:endParaRPr>
+          </a:p>
+        </p:txBody>
+      </p:sp>
+      <p:sp>
+        <p:nvSpPr>
+          <p:cNvPr id="3" name="Espace réservé du numéro de diapositive 2"/>
+          <p:cNvSpPr>
+            <a:spLocks noGrp="1"/>
+          </p:cNvSpPr>
+          <p:nvPr>
+            <p:ph type="sldNum" sz="quarter" idx="12"/>
+          </p:nvPr>
+        </p:nvSpPr>
+        <p:spPr/>
+        <p:txBody>
+          <a:bodyPr/>
+          <a:lstStyle/>
+          <a:p>
+            <a:pPr rtl="0"/>
+            <a:fld id="{D57F1E4F-1CFF-5643-939E-217C01CDF565}" type="slidenum">
+              <a:rPr lang="fr-FR" noProof="0" smtClean="0"/>
+              <a:pPr rtl="0"/>
+              <a:t>22</a:t>
+            </a:fld>
+            <a:endParaRPr lang="fr-FR" noProof="0"/>
+          </a:p>
+        </p:txBody>
+      </p:sp>
+    </p:spTree>
+    <p:extLst>
+      <p:ext uri="{BB962C8B-B14F-4D97-AF65-F5344CB8AC3E}">
+        <p14:creationId xmlns:p14="http://schemas.microsoft.com/office/powerpoint/2010/main" val="1432425152"/>
+      </p:ext>
+    </p:extLst>
+  </p:cSld>
+  <p:clrMapOvr>
+    <a:masterClrMapping/>
+  </p:clrMapOvr>
+  <p:timing>
+    <p:tnLst>
+      <p:par>
+        <p:cTn id="1" dur="indefinite" restart="never" nodeType="tmRoot"/>
+      </p:par>
+    </p:tnLst>
+  </p:timing>
+</p:sld>
+</file>
+
+<file path=ppt/slides/slide23.xml><?xml version="1.0" encoding="utf-8"?>
+<p:sld xmlns:a="http://schemas.openxmlformats.org/drawingml/2006/main" xmlns:r="http://schemas.openxmlformats.org/officeDocument/2006/relationships" xmlns:p="http://schemas.openxmlformats.org/presentationml/2006/main">
+  <p:cSld>
+    <p:spTree>
+      <p:nvGrpSpPr>
+        <p:cNvPr id="1" name=""/>
+        <p:cNvGrpSpPr/>
+        <p:nvPr/>
+      </p:nvGrpSpPr>
+      <p:grpSpPr>
+        <a:xfrm>
+          <a:off x="0" y="0"/>
+          <a:ext cx="0" cy="0"/>
+          <a:chOff x="0" y="0"/>
+          <a:chExt cx="0" cy="0"/>
+        </a:xfrm>
+      </p:grpSpPr>
+      <p:sp>
+        <p:nvSpPr>
+          <p:cNvPr id="2" name="Titre 1"/>
+          <p:cNvSpPr>
+            <a:spLocks noGrp="1"/>
+          </p:cNvSpPr>
+          <p:nvPr>
+            <p:ph type="title"/>
+          </p:nvPr>
+        </p:nvSpPr>
+        <p:spPr/>
+        <p:txBody>
+          <a:bodyPr/>
+          <a:lstStyle/>
+          <a:p>
             <a:r>
               <a:rPr lang="fr-FR" dirty="0" smtClean="0"/>
-              <a:t>Les </a:t>
+              <a:t>Du calcul </a:t>
             </a:r>
             <a:r>
               <a:rPr lang="fr-FR" dirty="0" err="1" smtClean="0"/>
-              <a:t>algos</a:t>
+              <a:t>parallel</a:t>
             </a:r>
             <a:r>
               <a:rPr lang="fr-FR" dirty="0" smtClean="0"/>
-              <a:t> les plus utiles</a:t>
+              <a:t> dans le standard</a:t>
             </a:r>
             <a:endParaRPr lang="fr-FR" dirty="0"/>
           </a:p>
@@ -16820,7 +17362,49 @@
       </p:sp>
       <p:sp>
         <p:nvSpPr>
-          <p:cNvPr id="9" name="Espace réservé du texte 8"/>
+          <p:cNvPr id="4" name="Espace réservé du numéro de diapositive 3"/>
+          <p:cNvSpPr>
+            <a:spLocks noGrp="1"/>
+          </p:cNvSpPr>
+          <p:nvPr>
+            <p:ph type="sldNum" sz="quarter" idx="12"/>
+          </p:nvPr>
+        </p:nvSpPr>
+        <p:spPr/>
+        <p:txBody>
+          <a:bodyPr/>
+          <a:lstStyle/>
+          <a:p>
+            <a:fld id="{D57F1E4F-1CFF-5643-939E-217C01CDF565}" type="slidenum">
+              <a:rPr lang="fr-FR" smtClean="0"/>
+              <a:pPr/>
+              <a:t>23</a:t>
+            </a:fld>
+            <a:endParaRPr lang="fr-FR" dirty="0"/>
+          </a:p>
+        </p:txBody>
+      </p:sp>
+      <p:graphicFrame>
+        <p:nvGraphicFramePr>
+          <p:cNvPr id="6" name="Diagramme 5"/>
+          <p:cNvGraphicFramePr/>
+          <p:nvPr>
+            <p:extLst/>
+          </p:nvPr>
+        </p:nvGraphicFramePr>
+        <p:xfrm>
+          <a:off x="5105400" y="2450421"/>
+          <a:ext cx="2849880" cy="2774284"/>
+        </p:xfrm>
+        <a:graphic>
+          <a:graphicData uri="http://schemas.openxmlformats.org/drawingml/2006/diagram">
+            <dgm:relIds xmlns:dgm="http://schemas.openxmlformats.org/drawingml/2006/diagram" xmlns:r="http://schemas.openxmlformats.org/officeDocument/2006/relationships" r:dm="rId2" r:lo="rId3" r:qs="rId4" r:cs="rId5"/>
+          </a:graphicData>
+        </a:graphic>
+      </p:graphicFrame>
+      <p:sp>
+        <p:nvSpPr>
+          <p:cNvPr id="8" name="Espace réservé du texte 8"/>
           <p:cNvSpPr txBox="1">
             <a:spLocks/>
           </p:cNvSpPr>
@@ -16828,7 +17412,7 @@
         </p:nvSpPr>
         <p:spPr>
           <a:xfrm>
-            <a:off x="756694" y="1584377"/>
+            <a:off x="5260274" y="1584377"/>
             <a:ext cx="3815306" cy="446671"/>
           </a:xfrm>
           <a:prstGeom prst="rect">
@@ -17042,2029 +17626,32 @@
           <a:p>
             <a:r>
               <a:rPr lang="fr-FR" dirty="0" smtClean="0"/>
-              <a:t>De nouvelles « politiques d’exécution »</a:t>
+              <a:t>Les </a:t>
+            </a:r>
+            <a:r>
+              <a:rPr lang="fr-FR" dirty="0" err="1" smtClean="0"/>
+              <a:t>algos</a:t>
+            </a:r>
+            <a:r>
+              <a:rPr lang="fr-FR" dirty="0" smtClean="0"/>
+              <a:t> les plus utiles</a:t>
             </a:r>
             <a:endParaRPr lang="fr-FR" dirty="0"/>
           </a:p>
         </p:txBody>
       </p:sp>
-      <p:pic>
-        <p:nvPicPr>
-          <p:cNvPr id="11" name="Image 10"/>
-          <p:cNvPicPr>
-            <a:picLocks noChangeAspect="1"/>
-          </p:cNvPicPr>
+      <p:sp>
+        <p:nvSpPr>
+          <p:cNvPr id="9" name="Espace réservé du texte 8"/>
+          <p:cNvSpPr txBox="1">
+            <a:spLocks/>
+          </p:cNvSpPr>
           <p:nvPr/>
-        </p:nvPicPr>
-        <p:blipFill>
-          <a:blip r:embed="rId7"/>
-          <a:stretch>
-            <a:fillRect/>
-          </a:stretch>
-        </p:blipFill>
+        </p:nvSpPr>
         <p:spPr>
           <a:xfrm>
-            <a:off x="435894" y="2138530"/>
-            <a:ext cx="4578066" cy="1183040"/>
-          </a:xfrm>
-          <a:prstGeom prst="rect">
-            <a:avLst/>
-          </a:prstGeom>
-        </p:spPr>
-      </p:pic>
-    </p:spTree>
-    <p:extLst>
-      <p:ext uri="{BB962C8B-B14F-4D97-AF65-F5344CB8AC3E}">
-        <p14:creationId xmlns:p14="http://schemas.microsoft.com/office/powerpoint/2010/main" val="2674095754"/>
-      </p:ext>
-    </p:extLst>
-  </p:cSld>
-  <p:clrMapOvr>
-    <a:masterClrMapping/>
-  </p:clrMapOvr>
-  <p:timing>
-    <p:tnLst>
-      <p:par>
-        <p:cTn id="1" dur="indefinite" restart="never" nodeType="tmRoot"/>
-      </p:par>
-    </p:tnLst>
-  </p:timing>
-</p:sld>
-</file>
-
-<file path=ppt/slides/slide22.xml><?xml version="1.0" encoding="utf-8"?>
-<p:sld xmlns:a="http://schemas.openxmlformats.org/drawingml/2006/main" xmlns:r="http://schemas.openxmlformats.org/officeDocument/2006/relationships" xmlns:p="http://schemas.openxmlformats.org/presentationml/2006/main">
-  <p:cSld>
-    <p:spTree>
-      <p:nvGrpSpPr>
-        <p:cNvPr id="1" name=""/>
-        <p:cNvGrpSpPr/>
-        <p:nvPr/>
-      </p:nvGrpSpPr>
-      <p:grpSpPr>
-        <a:xfrm>
-          <a:off x="0" y="0"/>
-          <a:ext cx="0" cy="0"/>
-          <a:chOff x="0" y="0"/>
-          <a:chExt cx="0" cy="0"/>
-        </a:xfrm>
-      </p:grpSpPr>
-      <p:sp>
-        <p:nvSpPr>
-          <p:cNvPr id="2" name="Titre 1"/>
-          <p:cNvSpPr>
-            <a:spLocks noGrp="1"/>
-          </p:cNvSpPr>
-          <p:nvPr>
-            <p:ph type="title"/>
-          </p:nvPr>
-        </p:nvSpPr>
-        <p:spPr/>
-        <p:txBody>
-          <a:bodyPr/>
-          <a:lstStyle/>
-          <a:p>
-            <a:r>
-              <a:rPr lang="fr-FR" dirty="0" smtClean="0"/>
-              <a:t>Limitations…</a:t>
-            </a:r>
-            <a:endParaRPr lang="fr-FR" dirty="0"/>
-          </a:p>
-        </p:txBody>
-      </p:sp>
-      <p:sp>
-        <p:nvSpPr>
-          <p:cNvPr id="3" name="Espace réservé du contenu 2"/>
-          <p:cNvSpPr>
-            <a:spLocks noGrp="1"/>
-          </p:cNvSpPr>
-          <p:nvPr>
-            <p:ph idx="1"/>
-          </p:nvPr>
-        </p:nvSpPr>
-        <p:spPr/>
-        <p:txBody>
-          <a:bodyPr/>
-          <a:lstStyle/>
-          <a:p>
-            <a:r>
-              <a:rPr lang="fr-FR" dirty="0" smtClean="0"/>
-              <a:t>Certains algorithmes ne sont pas implémentés en version parallèle par les compilateurs.</a:t>
-            </a:r>
-          </a:p>
-          <a:p>
-            <a:r>
-              <a:rPr lang="fr-FR" dirty="0" smtClean="0"/>
-              <a:t>Chez Microsoft, des implémentation parallèle plus lentes que les versions séquentielles ont été retirées :</a:t>
-            </a:r>
-            <a:br>
-              <a:rPr lang="fr-FR" dirty="0" smtClean="0"/>
-            </a:br>
-            <a:r>
-              <a:rPr lang="en-US" dirty="0"/>
-              <a:t>(</a:t>
-            </a:r>
-            <a:r>
-              <a:rPr lang="en-US" dirty="0" smtClean="0"/>
-              <a:t>copy</a:t>
-            </a:r>
-            <a:r>
-              <a:rPr lang="en-US" dirty="0"/>
-              <a:t>, </a:t>
-            </a:r>
-            <a:r>
-              <a:rPr lang="en-US" dirty="0" err="1"/>
-              <a:t>copy_n</a:t>
-            </a:r>
-            <a:r>
-              <a:rPr lang="en-US" dirty="0"/>
-              <a:t>, fill, </a:t>
-            </a:r>
-            <a:r>
-              <a:rPr lang="en-US" dirty="0" err="1"/>
-              <a:t>fill_n</a:t>
-            </a:r>
-            <a:r>
-              <a:rPr lang="en-US" dirty="0"/>
-              <a:t>, move, reverse, </a:t>
-            </a:r>
-            <a:r>
-              <a:rPr lang="en-US" dirty="0" err="1"/>
-              <a:t>reverse_copy</a:t>
-            </a:r>
-            <a:r>
-              <a:rPr lang="en-US" dirty="0"/>
-              <a:t>, rotate, </a:t>
-            </a:r>
-            <a:r>
-              <a:rPr lang="en-US" dirty="0" err="1"/>
-              <a:t>rotate_copy</a:t>
-            </a:r>
-            <a:r>
-              <a:rPr lang="en-US" dirty="0"/>
-              <a:t>, </a:t>
-            </a:r>
-            <a:r>
-              <a:rPr lang="en-US" dirty="0" err="1" smtClean="0"/>
-              <a:t>swap_ranges</a:t>
-            </a:r>
-            <a:r>
-              <a:rPr lang="en-US" dirty="0" smtClean="0"/>
-              <a:t>)</a:t>
-            </a:r>
-            <a:br>
-              <a:rPr lang="en-US" dirty="0" smtClean="0"/>
-            </a:br>
-            <a:endParaRPr lang="en-US" dirty="0" smtClean="0"/>
-          </a:p>
-          <a:p>
-            <a:endParaRPr lang="en-US" dirty="0" smtClean="0"/>
-          </a:p>
-          <a:p>
-            <a:endParaRPr lang="en-US" dirty="0"/>
-          </a:p>
-          <a:p>
-            <a:endParaRPr lang="en-US" dirty="0" smtClean="0"/>
-          </a:p>
-          <a:p>
-            <a:endParaRPr lang="en-US" dirty="0"/>
-          </a:p>
-          <a:p>
-            <a:r>
-              <a:rPr lang="en-US" dirty="0" smtClean="0"/>
-              <a:t>Ce </a:t>
-            </a:r>
-            <a:r>
-              <a:rPr lang="en-US" dirty="0" err="1" smtClean="0"/>
-              <a:t>n’est</a:t>
-            </a:r>
-            <a:r>
-              <a:rPr lang="en-US" dirty="0" smtClean="0"/>
-              <a:t> pas </a:t>
-            </a:r>
-            <a:r>
-              <a:rPr lang="en-US" dirty="0" err="1" smtClean="0"/>
-              <a:t>uniquement</a:t>
-            </a:r>
-            <a:r>
-              <a:rPr lang="en-US" dirty="0" smtClean="0"/>
-              <a:t> de </a:t>
-            </a:r>
-            <a:r>
-              <a:rPr lang="en-US" dirty="0" err="1" smtClean="0"/>
-              <a:t>leur</a:t>
-            </a:r>
-            <a:r>
-              <a:rPr lang="en-US" dirty="0" smtClean="0"/>
-              <a:t> </a:t>
-            </a:r>
-            <a:r>
-              <a:rPr lang="en-US" dirty="0" err="1" smtClean="0"/>
-              <a:t>faute</a:t>
-            </a:r>
-            <a:r>
-              <a:rPr lang="en-US" dirty="0" smtClean="0"/>
-              <a:t>, les </a:t>
-            </a:r>
-            <a:r>
-              <a:rPr lang="en-US" dirty="0" err="1" smtClean="0"/>
-              <a:t>algo</a:t>
-            </a:r>
-            <a:r>
-              <a:rPr lang="en-US" dirty="0" smtClean="0"/>
-              <a:t> de la </a:t>
-            </a:r>
-            <a:r>
-              <a:rPr lang="en-US" dirty="0" err="1" smtClean="0"/>
-              <a:t>std</a:t>
-            </a:r>
-            <a:r>
-              <a:rPr lang="en-US" dirty="0" smtClean="0"/>
-              <a:t> </a:t>
-            </a:r>
-            <a:r>
-              <a:rPr lang="en-US" dirty="0" err="1" smtClean="0"/>
-              <a:t>sont</a:t>
-            </a:r>
-            <a:r>
-              <a:rPr lang="en-US" dirty="0" smtClean="0"/>
-              <a:t> </a:t>
-            </a:r>
-            <a:r>
-              <a:rPr lang="en-US" dirty="0" err="1" smtClean="0"/>
-              <a:t>difficilement</a:t>
-            </a:r>
-            <a:r>
-              <a:rPr lang="en-US" dirty="0" smtClean="0"/>
-              <a:t> </a:t>
-            </a:r>
-            <a:r>
-              <a:rPr lang="en-US" dirty="0" err="1" smtClean="0"/>
-              <a:t>optimisables</a:t>
-            </a:r>
-            <a:r>
-              <a:rPr lang="en-US" dirty="0"/>
-              <a:t> </a:t>
-            </a:r>
-            <a:r>
-              <a:rPr lang="en-US" dirty="0" smtClean="0"/>
-              <a:t>car </a:t>
-            </a:r>
-            <a:r>
-              <a:rPr lang="en-US" dirty="0" err="1" smtClean="0"/>
-              <a:t>limités</a:t>
-            </a:r>
-            <a:r>
-              <a:rPr lang="en-US" dirty="0" smtClean="0"/>
-              <a:t> par la </a:t>
-            </a:r>
-            <a:r>
-              <a:rPr lang="en-US" b="1" dirty="0" err="1" smtClean="0"/>
-              <a:t>bandes</a:t>
-            </a:r>
-            <a:r>
-              <a:rPr lang="en-US" b="1" dirty="0" smtClean="0"/>
-              <a:t> </a:t>
-            </a:r>
-            <a:r>
-              <a:rPr lang="en-US" b="1" dirty="0" err="1" smtClean="0"/>
-              <a:t>passantes</a:t>
-            </a:r>
-            <a:r>
-              <a:rPr lang="en-US" b="1" dirty="0" smtClean="0"/>
-              <a:t> </a:t>
-            </a:r>
-            <a:r>
-              <a:rPr lang="en-US" dirty="0" smtClean="0"/>
-              <a:t>entre les </a:t>
-            </a:r>
-            <a:r>
-              <a:rPr lang="en-US" dirty="0" err="1" smtClean="0"/>
-              <a:t>différentes</a:t>
-            </a:r>
-            <a:r>
-              <a:rPr lang="en-US" dirty="0" smtClean="0"/>
-              <a:t> </a:t>
-            </a:r>
-            <a:r>
-              <a:rPr lang="en-US" dirty="0" err="1" smtClean="0"/>
-              <a:t>mémoires</a:t>
-            </a:r>
-            <a:r>
-              <a:rPr lang="en-US" dirty="0" smtClean="0"/>
-              <a:t>…</a:t>
-            </a:r>
-            <a:endParaRPr lang="fr-FR" dirty="0" smtClean="0"/>
-          </a:p>
-        </p:txBody>
-      </p:sp>
-      <p:sp>
-        <p:nvSpPr>
-          <p:cNvPr id="4" name="Espace réservé du numéro de diapositive 3"/>
-          <p:cNvSpPr>
-            <a:spLocks noGrp="1"/>
-          </p:cNvSpPr>
-          <p:nvPr>
-            <p:ph type="sldNum" sz="quarter" idx="12"/>
-          </p:nvPr>
-        </p:nvSpPr>
-        <p:spPr/>
-        <p:txBody>
-          <a:bodyPr/>
-          <a:lstStyle/>
-          <a:p>
-            <a:fld id="{D57F1E4F-1CFF-5643-939E-217C01CDF565}" type="slidenum">
-              <a:rPr lang="fr-FR" smtClean="0"/>
-              <a:pPr/>
-              <a:t>22</a:t>
-            </a:fld>
-            <a:endParaRPr lang="fr-FR" dirty="0"/>
-          </a:p>
-        </p:txBody>
-      </p:sp>
-      <p:pic>
-        <p:nvPicPr>
-          <p:cNvPr id="5" name="Image 4"/>
-          <p:cNvPicPr>
-            <a:picLocks noChangeAspect="1"/>
-          </p:cNvPicPr>
-          <p:nvPr/>
-        </p:nvPicPr>
-        <p:blipFill>
-          <a:blip r:embed="rId2"/>
-          <a:stretch>
-            <a:fillRect/>
-          </a:stretch>
-        </p:blipFill>
-        <p:spPr>
-          <a:xfrm>
-            <a:off x="1421130" y="2862548"/>
-            <a:ext cx="6073140" cy="1143543"/>
-          </a:xfrm>
-          <a:prstGeom prst="rect">
-            <a:avLst/>
-          </a:prstGeom>
-        </p:spPr>
-      </p:pic>
-    </p:spTree>
-    <p:extLst>
-      <p:ext uri="{BB962C8B-B14F-4D97-AF65-F5344CB8AC3E}">
-        <p14:creationId xmlns:p14="http://schemas.microsoft.com/office/powerpoint/2010/main" val="3973832201"/>
-      </p:ext>
-    </p:extLst>
-  </p:cSld>
-  <p:clrMapOvr>
-    <a:masterClrMapping/>
-  </p:clrMapOvr>
-  <p:timing>
-    <p:tnLst>
-      <p:par>
-        <p:cTn id="1" dur="indefinite" restart="never" nodeType="tmRoot"/>
-      </p:par>
-    </p:tnLst>
-  </p:timing>
-</p:sld>
-</file>
-
-<file path=ppt/slides/slide23.xml><?xml version="1.0" encoding="utf-8"?>
-<p:sld xmlns:a="http://schemas.openxmlformats.org/drawingml/2006/main" xmlns:r="http://schemas.openxmlformats.org/officeDocument/2006/relationships" xmlns:p="http://schemas.openxmlformats.org/presentationml/2006/main">
-  <p:cSld>
-    <p:spTree>
-      <p:nvGrpSpPr>
-        <p:cNvPr id="1" name=""/>
-        <p:cNvGrpSpPr/>
-        <p:nvPr/>
-      </p:nvGrpSpPr>
-      <p:grpSpPr>
-        <a:xfrm>
-          <a:off x="0" y="0"/>
-          <a:ext cx="0" cy="0"/>
-          <a:chOff x="0" y="0"/>
-          <a:chExt cx="0" cy="0"/>
-        </a:xfrm>
-      </p:grpSpPr>
-      <p:sp>
-        <p:nvSpPr>
-          <p:cNvPr id="2" name="Titre 1"/>
-          <p:cNvSpPr>
-            <a:spLocks noGrp="1"/>
-          </p:cNvSpPr>
-          <p:nvPr>
-            <p:ph type="title"/>
-          </p:nvPr>
-        </p:nvSpPr>
-        <p:spPr/>
-        <p:txBody>
-          <a:bodyPr/>
-          <a:lstStyle/>
-          <a:p>
-            <a:r>
-              <a:rPr lang="fr-FR" dirty="0" smtClean="0"/>
-              <a:t>Conclusion sur la « </a:t>
-            </a:r>
-            <a:r>
-              <a:rPr lang="fr-FR" dirty="0" err="1" smtClean="0"/>
-              <a:t>Parallel</a:t>
-            </a:r>
-            <a:r>
-              <a:rPr lang="fr-FR" dirty="0" smtClean="0"/>
-              <a:t> STL »</a:t>
-            </a:r>
-            <a:endParaRPr lang="fr-FR" dirty="0"/>
-          </a:p>
-        </p:txBody>
-      </p:sp>
-      <p:sp>
-        <p:nvSpPr>
-          <p:cNvPr id="3" name="Espace réservé du contenu 2"/>
-          <p:cNvSpPr>
-            <a:spLocks noGrp="1"/>
-          </p:cNvSpPr>
-          <p:nvPr>
-            <p:ph idx="1"/>
-          </p:nvPr>
-        </p:nvSpPr>
-        <p:spPr/>
-        <p:txBody>
-          <a:bodyPr>
-            <a:normAutofit/>
-          </a:bodyPr>
-          <a:lstStyle/>
-          <a:p>
-            <a:r>
-              <a:rPr lang="fr-FR" sz="1800" dirty="0" smtClean="0"/>
-              <a:t>À utiliser lorsque :</a:t>
-            </a:r>
-          </a:p>
-          <a:p>
-            <a:pPr lvl="1"/>
-            <a:r>
-              <a:rPr lang="fr-FR" sz="1800" dirty="0"/>
-              <a:t>O</a:t>
-            </a:r>
-            <a:r>
-              <a:rPr lang="fr-FR" sz="1800" dirty="0" smtClean="0"/>
-              <a:t>n </a:t>
-            </a:r>
-            <a:r>
-              <a:rPr lang="fr-FR" sz="1800" dirty="0"/>
-              <a:t>travaille sur d</a:t>
-            </a:r>
-            <a:r>
-              <a:rPr lang="fr-FR" sz="1800" dirty="0" smtClean="0"/>
-              <a:t>es données de (très) grande dimension</a:t>
-            </a:r>
-          </a:p>
-          <a:p>
-            <a:pPr lvl="1"/>
-            <a:r>
-              <a:rPr lang="fr-FR" sz="1800" dirty="0" smtClean="0"/>
-              <a:t>Les calculs sont conséquents par rapport aux transferts mémoire</a:t>
-            </a:r>
-          </a:p>
-          <a:p>
-            <a:pPr lvl="1"/>
-            <a:r>
-              <a:rPr lang="fr-FR" sz="1800" dirty="0" smtClean="0"/>
-              <a:t>On n’a pas le temps et on veut juste faire en sorte que ça aille (un peu) plus vite</a:t>
-            </a:r>
-          </a:p>
-        </p:txBody>
-      </p:sp>
-      <p:sp>
-        <p:nvSpPr>
-          <p:cNvPr id="4" name="Espace réservé du numéro de diapositive 3"/>
-          <p:cNvSpPr>
-            <a:spLocks noGrp="1"/>
-          </p:cNvSpPr>
-          <p:nvPr>
-            <p:ph type="sldNum" sz="quarter" idx="12"/>
-          </p:nvPr>
-        </p:nvSpPr>
-        <p:spPr/>
-        <p:txBody>
-          <a:bodyPr/>
-          <a:lstStyle/>
-          <a:p>
-            <a:fld id="{D57F1E4F-1CFF-5643-939E-217C01CDF565}" type="slidenum">
-              <a:rPr lang="fr-FR" smtClean="0"/>
-              <a:pPr/>
-              <a:t>23</a:t>
-            </a:fld>
-            <a:endParaRPr lang="fr-FR" dirty="0"/>
-          </a:p>
-        </p:txBody>
-      </p:sp>
-    </p:spTree>
-    <p:extLst>
-      <p:ext uri="{BB962C8B-B14F-4D97-AF65-F5344CB8AC3E}">
-        <p14:creationId xmlns:p14="http://schemas.microsoft.com/office/powerpoint/2010/main" val="3729147520"/>
-      </p:ext>
-    </p:extLst>
-  </p:cSld>
-  <p:clrMapOvr>
-    <a:masterClrMapping/>
-  </p:clrMapOvr>
-  <p:timing>
-    <p:tnLst>
-      <p:par>
-        <p:cTn id="1" dur="indefinite" restart="never" nodeType="tmRoot"/>
-      </p:par>
-    </p:tnLst>
-  </p:timing>
-</p:sld>
-</file>
-
-<file path=ppt/slides/slide24.xml><?xml version="1.0" encoding="utf-8"?>
-<p:sld xmlns:a="http://schemas.openxmlformats.org/drawingml/2006/main" xmlns:r="http://schemas.openxmlformats.org/officeDocument/2006/relationships" xmlns:p="http://schemas.openxmlformats.org/presentationml/2006/main">
-  <p:cSld>
-    <p:spTree>
-      <p:nvGrpSpPr>
-        <p:cNvPr id="1" name=""/>
-        <p:cNvGrpSpPr/>
-        <p:nvPr/>
-      </p:nvGrpSpPr>
-      <p:grpSpPr>
-        <a:xfrm>
-          <a:off x="0" y="0"/>
-          <a:ext cx="0" cy="0"/>
-          <a:chOff x="0" y="0"/>
-          <a:chExt cx="0" cy="0"/>
-        </a:xfrm>
-      </p:grpSpPr>
-      <p:sp>
-        <p:nvSpPr>
-          <p:cNvPr id="2" name="Titre 1"/>
-          <p:cNvSpPr>
-            <a:spLocks noGrp="1"/>
-          </p:cNvSpPr>
-          <p:nvPr>
-            <p:ph type="title"/>
-          </p:nvPr>
-        </p:nvSpPr>
-        <p:spPr/>
-        <p:txBody>
-          <a:bodyPr/>
-          <a:lstStyle/>
-          <a:p>
-            <a:r>
-              <a:rPr lang="fr-FR" dirty="0" smtClean="0"/>
-              <a:t>Des outils en ligne</a:t>
-            </a:r>
-            <a:endParaRPr lang="fr-FR" dirty="0"/>
-          </a:p>
-        </p:txBody>
-      </p:sp>
-      <p:sp>
-        <p:nvSpPr>
-          <p:cNvPr id="3" name="Espace réservé du texte 2"/>
-          <p:cNvSpPr>
-            <a:spLocks noGrp="1"/>
-          </p:cNvSpPr>
-          <p:nvPr>
-            <p:ph type="body" idx="1"/>
-          </p:nvPr>
-        </p:nvSpPr>
-        <p:spPr/>
-        <p:txBody>
-          <a:bodyPr/>
-          <a:lstStyle/>
-          <a:p>
-            <a:r>
-              <a:rPr lang="fr-FR" dirty="0" smtClean="0"/>
-              <a:t>Tester les compilateurs C++</a:t>
-            </a:r>
-            <a:endParaRPr lang="fr-FR" dirty="0"/>
-          </a:p>
-        </p:txBody>
-      </p:sp>
-      <p:sp>
-        <p:nvSpPr>
-          <p:cNvPr id="4" name="Espace réservé du contenu 3"/>
-          <p:cNvSpPr>
-            <a:spLocks noGrp="1"/>
-          </p:cNvSpPr>
-          <p:nvPr>
-            <p:ph sz="half" idx="2"/>
-          </p:nvPr>
-        </p:nvSpPr>
-        <p:spPr/>
-        <p:txBody>
-          <a:bodyPr/>
-          <a:lstStyle/>
-          <a:p>
-            <a:r>
-              <a:rPr lang="fr-FR" dirty="0" smtClean="0"/>
-              <a:t>Voir le code compilé :</a:t>
-            </a:r>
-            <a:br>
-              <a:rPr lang="fr-FR" dirty="0" smtClean="0"/>
-            </a:br>
-            <a:r>
-              <a:rPr lang="fr-FR" dirty="0">
-                <a:hlinkClick r:id="rId2"/>
-              </a:rPr>
-              <a:t>https://</a:t>
-            </a:r>
-            <a:r>
-              <a:rPr lang="fr-FR" dirty="0" smtClean="0">
-                <a:hlinkClick r:id="rId2"/>
-              </a:rPr>
-              <a:t>godbolt.org/z/179e9s</a:t>
-            </a:r>
-            <a:endParaRPr lang="fr-FR" dirty="0" smtClean="0"/>
-          </a:p>
-          <a:p>
-            <a:r>
-              <a:rPr lang="fr-FR" dirty="0" smtClean="0"/>
-              <a:t>Exécuter du code </a:t>
-            </a:r>
-            <a:r>
-              <a:rPr lang="fr-FR" dirty="0"/>
-              <a:t>compilé avec GCC/CLANG :</a:t>
-            </a:r>
-            <a:br>
-              <a:rPr lang="fr-FR" dirty="0"/>
-            </a:br>
-            <a:r>
-              <a:rPr lang="fr-FR" dirty="0">
-                <a:hlinkClick r:id="rId3"/>
-              </a:rPr>
-              <a:t>https://wandbox.org</a:t>
-            </a:r>
-            <a:r>
-              <a:rPr lang="fr-FR" dirty="0" smtClean="0">
-                <a:hlinkClick r:id="rId3"/>
-              </a:rPr>
-              <a:t>/</a:t>
-            </a:r>
-            <a:endParaRPr lang="fr-FR" dirty="0" smtClean="0"/>
-          </a:p>
-          <a:p>
-            <a:endParaRPr lang="fr-FR" dirty="0"/>
-          </a:p>
-        </p:txBody>
-      </p:sp>
-      <p:sp>
-        <p:nvSpPr>
-          <p:cNvPr id="5" name="Espace réservé du texte 4"/>
-          <p:cNvSpPr>
-            <a:spLocks noGrp="1"/>
-          </p:cNvSpPr>
-          <p:nvPr>
-            <p:ph type="body" sz="quarter" idx="3"/>
-          </p:nvPr>
-        </p:nvSpPr>
-        <p:spPr/>
-        <p:txBody>
-          <a:bodyPr/>
-          <a:lstStyle/>
-          <a:p>
-            <a:r>
-              <a:rPr lang="fr-FR" dirty="0" smtClean="0"/>
-              <a:t>Tester des langages</a:t>
-            </a:r>
-            <a:endParaRPr lang="fr-FR" dirty="0"/>
-          </a:p>
-        </p:txBody>
-      </p:sp>
-      <p:sp>
-        <p:nvSpPr>
-          <p:cNvPr id="6" name="Espace réservé du contenu 5"/>
-          <p:cNvSpPr>
-            <a:spLocks noGrp="1"/>
-          </p:cNvSpPr>
-          <p:nvPr>
-            <p:ph sz="quarter" idx="4"/>
-          </p:nvPr>
-        </p:nvSpPr>
-        <p:spPr/>
-        <p:txBody>
-          <a:bodyPr/>
-          <a:lstStyle/>
-          <a:p>
-            <a:r>
-              <a:rPr lang="fr-FR" dirty="0" smtClean="0"/>
-              <a:t>Exécuter </a:t>
-            </a:r>
-            <a:r>
-              <a:rPr lang="fr-FR" dirty="0"/>
-              <a:t>du code :</a:t>
-            </a:r>
-            <a:br>
-              <a:rPr lang="fr-FR" dirty="0"/>
-            </a:br>
-            <a:r>
-              <a:rPr lang="fr-FR" dirty="0">
-                <a:hlinkClick r:id="rId4"/>
-              </a:rPr>
-              <a:t>https://</a:t>
-            </a:r>
-            <a:r>
-              <a:rPr lang="fr-FR" dirty="0" smtClean="0">
-                <a:hlinkClick r:id="rId4"/>
-              </a:rPr>
-              <a:t>repl.it/languages/cpp</a:t>
-            </a:r>
-            <a:endParaRPr lang="fr-FR" dirty="0" smtClean="0"/>
-          </a:p>
-          <a:p>
-            <a:endParaRPr lang="fr-FR" dirty="0"/>
-          </a:p>
-        </p:txBody>
-      </p:sp>
-      <p:sp>
-        <p:nvSpPr>
-          <p:cNvPr id="7" name="Espace réservé du numéro de diapositive 6"/>
-          <p:cNvSpPr>
-            <a:spLocks noGrp="1"/>
-          </p:cNvSpPr>
-          <p:nvPr>
-            <p:ph type="sldNum" sz="quarter" idx="12"/>
-          </p:nvPr>
-        </p:nvSpPr>
-        <p:spPr/>
-        <p:txBody>
-          <a:bodyPr/>
-          <a:lstStyle/>
-          <a:p>
-            <a:fld id="{D57F1E4F-1CFF-5643-939E-217C01CDF565}" type="slidenum">
-              <a:rPr lang="fr-FR" smtClean="0"/>
-              <a:pPr/>
-              <a:t>24</a:t>
-            </a:fld>
-            <a:endParaRPr lang="fr-FR"/>
-          </a:p>
-        </p:txBody>
-      </p:sp>
-    </p:spTree>
-    <p:extLst>
-      <p:ext uri="{BB962C8B-B14F-4D97-AF65-F5344CB8AC3E}">
-        <p14:creationId xmlns:p14="http://schemas.microsoft.com/office/powerpoint/2010/main" val="1795622742"/>
-      </p:ext>
-    </p:extLst>
-  </p:cSld>
-  <p:clrMapOvr>
-    <a:masterClrMapping/>
-  </p:clrMapOvr>
-  <p:timing>
-    <p:tnLst>
-      <p:par>
-        <p:cTn id="1" dur="indefinite" restart="never" nodeType="tmRoot"/>
-      </p:par>
-    </p:tnLst>
-  </p:timing>
-</p:sld>
-</file>
-
-<file path=ppt/slides/slide25.xml><?xml version="1.0" encoding="utf-8"?>
-<p:sld xmlns:a="http://schemas.openxmlformats.org/drawingml/2006/main" xmlns:r="http://schemas.openxmlformats.org/officeDocument/2006/relationships" xmlns:p="http://schemas.openxmlformats.org/presentationml/2006/main">
-  <p:cSld>
-    <p:spTree>
-      <p:nvGrpSpPr>
-        <p:cNvPr id="1" name=""/>
-        <p:cNvGrpSpPr/>
-        <p:nvPr/>
-      </p:nvGrpSpPr>
-      <p:grpSpPr>
-        <a:xfrm>
-          <a:off x="0" y="0"/>
-          <a:ext cx="0" cy="0"/>
-          <a:chOff x="0" y="0"/>
-          <a:chExt cx="0" cy="0"/>
-        </a:xfrm>
-      </p:grpSpPr>
-      <p:sp>
-        <p:nvSpPr>
-          <p:cNvPr id="2" name="Titre 1"/>
-          <p:cNvSpPr>
-            <a:spLocks noGrp="1"/>
-          </p:cNvSpPr>
-          <p:nvPr>
-            <p:ph type="title"/>
-          </p:nvPr>
-        </p:nvSpPr>
-        <p:spPr/>
-        <p:txBody>
-          <a:bodyPr/>
-          <a:lstStyle/>
-          <a:p>
-            <a:r>
-              <a:rPr lang="fr-FR" dirty="0" smtClean="0"/>
-              <a:t>Sources</a:t>
-            </a:r>
-            <a:endParaRPr lang="fr-FR" dirty="0"/>
-          </a:p>
-        </p:txBody>
-      </p:sp>
-      <p:sp>
-        <p:nvSpPr>
-          <p:cNvPr id="3" name="Espace réservé du contenu 2"/>
-          <p:cNvSpPr>
-            <a:spLocks noGrp="1"/>
-          </p:cNvSpPr>
-          <p:nvPr>
-            <p:ph idx="1"/>
-          </p:nvPr>
-        </p:nvSpPr>
-        <p:spPr>
-          <a:xfrm>
-            <a:off x="819151" y="1921123"/>
-            <a:ext cx="7888955" cy="2758727"/>
-          </a:xfrm>
-        </p:spPr>
-        <p:txBody>
-          <a:bodyPr>
-            <a:normAutofit fontScale="55000" lnSpcReduction="20000"/>
-          </a:bodyPr>
-          <a:lstStyle/>
-          <a:p>
-            <a:r>
-              <a:rPr lang="fr-FR" sz="2400" dirty="0"/>
-              <a:t>Wikipédia </a:t>
-            </a:r>
-            <a:r>
-              <a:rPr lang="fr-FR" sz="2400" dirty="0" smtClean="0"/>
-              <a:t/>
-            </a:r>
-            <a:br>
-              <a:rPr lang="fr-FR" sz="2400" dirty="0" smtClean="0"/>
-            </a:br>
-            <a:r>
-              <a:rPr lang="fr-FR" sz="2400" dirty="0" smtClean="0">
-                <a:hlinkClick r:id="rId3"/>
-              </a:rPr>
-              <a:t>https</a:t>
-            </a:r>
-            <a:r>
-              <a:rPr lang="fr-FR" sz="2400" dirty="0">
-                <a:hlinkClick r:id="rId3"/>
-              </a:rPr>
-              <a:t>://</a:t>
-            </a:r>
-            <a:r>
-              <a:rPr lang="fr-FR" sz="2400" dirty="0" smtClean="0">
-                <a:hlinkClick r:id="rId3"/>
-              </a:rPr>
-              <a:t>fr.wikipedia.org/wiki/C%2B%2B</a:t>
-            </a:r>
-            <a:r>
-              <a:rPr lang="fr-FR" sz="2400" dirty="0"/>
-              <a:t/>
-            </a:r>
-            <a:br>
-              <a:rPr lang="fr-FR" sz="2400" dirty="0"/>
-            </a:br>
-            <a:endParaRPr lang="fr-FR" sz="2400" dirty="0" smtClean="0"/>
-          </a:p>
-          <a:p>
-            <a:r>
-              <a:rPr lang="fr-FR" sz="2400" dirty="0" err="1" smtClean="0">
-                <a:hlinkClick r:id="rId4"/>
-              </a:rPr>
-              <a:t>Toolchain</a:t>
-            </a:r>
-            <a:r>
-              <a:rPr lang="fr-FR" sz="2400" dirty="0" smtClean="0">
-                <a:hlinkClick r:id="rId4"/>
-              </a:rPr>
-              <a:t> : https</a:t>
-            </a:r>
-            <a:r>
-              <a:rPr lang="fr-FR" sz="2400" dirty="0">
-                <a:hlinkClick r:id="rId4"/>
-              </a:rPr>
-              <a:t>://</a:t>
-            </a:r>
-            <a:r>
-              <a:rPr lang="fr-FR" sz="2400" dirty="0" smtClean="0">
-                <a:hlinkClick r:id="rId4"/>
-              </a:rPr>
-              <a:t>www.cprogramming.com/tutorial/shared-libraries-linux-gcc.html</a:t>
-            </a:r>
-            <a:r>
-              <a:rPr lang="fr-FR" sz="2400" dirty="0"/>
-              <a:t/>
-            </a:r>
-            <a:br>
-              <a:rPr lang="fr-FR" sz="2400" dirty="0"/>
-            </a:br>
-            <a:r>
-              <a:rPr lang="fr-FR" sz="2400" dirty="0">
-                <a:hlinkClick r:id="rId5"/>
-              </a:rPr>
-              <a:t>https://</a:t>
-            </a:r>
-            <a:r>
-              <a:rPr lang="fr-FR" sz="2400" dirty="0" smtClean="0">
-                <a:hlinkClick r:id="rId5"/>
-              </a:rPr>
-              <a:t>imagecomputing.net/damien.rohmer/data/previous_website/documents/teaching/14_0fall_cpe/3eti_software_development_c/cours/cours4.pdf</a:t>
-            </a:r>
-            <a:r>
-              <a:rPr lang="fr-FR" sz="2400" dirty="0" smtClean="0"/>
-              <a:t/>
-            </a:r>
-            <a:br>
-              <a:rPr lang="fr-FR" sz="2400" dirty="0" smtClean="0"/>
-            </a:br>
-            <a:endParaRPr lang="fr-FR" sz="2400" dirty="0" smtClean="0"/>
-          </a:p>
-          <a:p>
-            <a:r>
-              <a:rPr lang="fr-FR" sz="2400" dirty="0">
-                <a:hlinkClick r:id="rId6"/>
-              </a:rPr>
-              <a:t>https://</a:t>
-            </a:r>
-            <a:r>
-              <a:rPr lang="fr-FR" sz="2400" dirty="0" smtClean="0">
-                <a:hlinkClick r:id="rId6"/>
-              </a:rPr>
-              <a:t>docs.microsoft.com/fr-fr/cpp/build/walkthrough-compiling-a-native-cpp-program-on-the-command-line?view=msvc-160</a:t>
-            </a:r>
-            <a:endParaRPr lang="fr-FR" sz="2400" dirty="0" smtClean="0"/>
-          </a:p>
-          <a:p>
-            <a:endParaRPr lang="fr-FR" sz="2400" dirty="0"/>
-          </a:p>
-          <a:p>
-            <a:r>
-              <a:rPr lang="fr-FR" sz="2400" dirty="0" smtClean="0"/>
-              <a:t>Options de compilation</a:t>
-            </a:r>
-          </a:p>
-          <a:p>
-            <a:pPr lvl="1"/>
-            <a:r>
-              <a:rPr lang="fr-FR" sz="2250" dirty="0"/>
-              <a:t>https://docs.microsoft.com/fr-fr/cpp/build/reference/compiler-options-listed-by-category?view=msvc-160</a:t>
-            </a:r>
-          </a:p>
-          <a:p>
-            <a:endParaRPr lang="fr-FR" sz="2400" dirty="0"/>
-          </a:p>
-        </p:txBody>
-      </p:sp>
-      <p:sp>
-        <p:nvSpPr>
-          <p:cNvPr id="4" name="Espace réservé du numéro de diapositive 3"/>
-          <p:cNvSpPr>
-            <a:spLocks noGrp="1"/>
-          </p:cNvSpPr>
-          <p:nvPr>
-            <p:ph type="sldNum" sz="quarter" idx="12"/>
-          </p:nvPr>
-        </p:nvSpPr>
-        <p:spPr/>
-        <p:txBody>
-          <a:bodyPr/>
-          <a:lstStyle/>
-          <a:p>
-            <a:pPr rtl="0"/>
-            <a:fld id="{D57F1E4F-1CFF-5643-939E-217C01CDF565}" type="slidenum">
-              <a:rPr lang="fr-FR" noProof="0" smtClean="0"/>
-              <a:pPr rtl="0"/>
-              <a:t>25</a:t>
-            </a:fld>
-            <a:endParaRPr lang="fr-FR" noProof="0" dirty="0"/>
-          </a:p>
-        </p:txBody>
-      </p:sp>
-    </p:spTree>
-    <p:extLst>
-      <p:ext uri="{BB962C8B-B14F-4D97-AF65-F5344CB8AC3E}">
-        <p14:creationId xmlns:p14="http://schemas.microsoft.com/office/powerpoint/2010/main" val="115280481"/>
-      </p:ext>
-    </p:extLst>
-  </p:cSld>
-  <p:clrMapOvr>
-    <a:masterClrMapping/>
-  </p:clrMapOvr>
-  <p:timing>
-    <p:tnLst>
-      <p:par>
-        <p:cTn id="1" dur="indefinite" restart="never" nodeType="tmRoot"/>
-      </p:par>
-    </p:tnLst>
-  </p:timing>
-</p:sld>
-</file>
-
-<file path=ppt/slides/slide26.xml><?xml version="1.0" encoding="utf-8"?>
-<p:sld xmlns:a="http://schemas.openxmlformats.org/drawingml/2006/main" xmlns:r="http://schemas.openxmlformats.org/officeDocument/2006/relationships" xmlns:p="http://schemas.openxmlformats.org/presentationml/2006/main">
-  <p:cSld>
-    <p:spTree>
-      <p:nvGrpSpPr>
-        <p:cNvPr id="1" name=""/>
-        <p:cNvGrpSpPr/>
-        <p:nvPr/>
-      </p:nvGrpSpPr>
-      <p:grpSpPr>
-        <a:xfrm>
-          <a:off x="0" y="0"/>
-          <a:ext cx="0" cy="0"/>
-          <a:chOff x="0" y="0"/>
-          <a:chExt cx="0" cy="0"/>
-        </a:xfrm>
-      </p:grpSpPr>
-      <p:pic>
-        <p:nvPicPr>
-          <p:cNvPr id="6" name="Image 5"/>
-          <p:cNvPicPr>
-            <a:picLocks noChangeAspect="1"/>
-          </p:cNvPicPr>
-          <p:nvPr/>
-        </p:nvPicPr>
-        <p:blipFill>
-          <a:blip r:embed="rId3">
-            <a:extLst>
-              <a:ext uri="{28A0092B-C50C-407E-A947-70E740481C1C}">
-                <a14:useLocalDpi xmlns:a14="http://schemas.microsoft.com/office/drawing/2010/main" val="0"/>
-              </a:ext>
-            </a:extLst>
-          </a:blip>
-          <a:stretch>
-            <a:fillRect/>
-          </a:stretch>
-        </p:blipFill>
-        <p:spPr>
-          <a:xfrm>
-            <a:off x="0" y="0"/>
-            <a:ext cx="9144000" cy="5715000"/>
-          </a:xfrm>
-          <a:prstGeom prst="rect">
-            <a:avLst/>
-          </a:prstGeom>
-        </p:spPr>
-      </p:pic>
-      <p:sp>
-        <p:nvSpPr>
-          <p:cNvPr id="4" name="Rectangle 3"/>
-          <p:cNvSpPr/>
-          <p:nvPr/>
-        </p:nvSpPr>
-        <p:spPr>
-          <a:xfrm>
-            <a:off x="435893" y="3689975"/>
-            <a:ext cx="8392798" cy="1166649"/>
-          </a:xfrm>
-          <a:prstGeom prst="rect">
-            <a:avLst/>
-          </a:prstGeom>
-        </p:spPr>
-        <p:style>
-          <a:lnRef idx="2">
-            <a:schemeClr val="accent1">
-              <a:shade val="50000"/>
-            </a:schemeClr>
-          </a:lnRef>
-          <a:fillRef idx="1">
-            <a:schemeClr val="accent1"/>
-          </a:fillRef>
-          <a:effectRef idx="0">
-            <a:schemeClr val="accent1"/>
-          </a:effectRef>
-          <a:fontRef idx="minor">
-            <a:schemeClr val="lt1"/>
-          </a:fontRef>
-        </p:style>
-        <p:txBody>
-          <a:bodyPr rtlCol="0" anchor="ctr"/>
-          <a:lstStyle/>
-          <a:p>
-            <a:pPr algn="ctr"/>
-            <a:endParaRPr lang="fr-FR" dirty="0"/>
-          </a:p>
-        </p:txBody>
-      </p:sp>
-      <p:sp>
-        <p:nvSpPr>
-          <p:cNvPr id="2" name="Titre 1">
-            <a:extLst>
-              <a:ext uri="{FF2B5EF4-FFF2-40B4-BE49-F238E27FC236}">
-                <a16:creationId xmlns:a16="http://schemas.microsoft.com/office/drawing/2014/main" id="{C02C5318-1A1E-49D0-B2E2-A4B0FA9E8A40}"/>
-              </a:ext>
-            </a:extLst>
-          </p:cNvPr>
-          <p:cNvSpPr>
-            <a:spLocks noGrp="1"/>
-          </p:cNvSpPr>
-          <p:nvPr>
-            <p:ph type="ctrTitle"/>
-          </p:nvPr>
-        </p:nvSpPr>
-        <p:spPr>
-          <a:xfrm>
-            <a:off x="435894" y="3714750"/>
-            <a:ext cx="8245162" cy="671433"/>
-          </a:xfrm>
-        </p:spPr>
-        <p:txBody>
-          <a:bodyPr rtlCol="0">
-            <a:noAutofit/>
-          </a:bodyPr>
-          <a:lstStyle/>
-          <a:p>
-            <a:pPr algn="r" rtl="0"/>
-            <a:r>
-              <a:rPr lang="fr-FR" sz="3150" dirty="0" smtClean="0">
-                <a:solidFill>
-                  <a:schemeClr val="bg1"/>
-                </a:solidFill>
-              </a:rPr>
-              <a:t>À </a:t>
-            </a:r>
-            <a:r>
-              <a:rPr lang="fr-FR" sz="3150" dirty="0" smtClean="0">
-                <a:solidFill>
-                  <a:schemeClr val="bg1"/>
-                </a:solidFill>
-              </a:rPr>
-              <a:t>suivre</a:t>
-            </a:r>
-            <a:endParaRPr lang="fr-FR" sz="3150" dirty="0">
-              <a:solidFill>
-                <a:schemeClr val="bg1"/>
-              </a:solidFill>
-            </a:endParaRPr>
-          </a:p>
-        </p:txBody>
-      </p:sp>
-      <p:sp>
-        <p:nvSpPr>
-          <p:cNvPr id="3" name="Sous-titre 2">
-            <a:extLst>
-              <a:ext uri="{FF2B5EF4-FFF2-40B4-BE49-F238E27FC236}">
-                <a16:creationId xmlns:a16="http://schemas.microsoft.com/office/drawing/2014/main" id="{48B6CF59-4E5B-494D-A2F7-97ADD01E6497}"/>
-              </a:ext>
-            </a:extLst>
-          </p:cNvPr>
-          <p:cNvSpPr>
-            <a:spLocks noGrp="1"/>
-          </p:cNvSpPr>
-          <p:nvPr>
-            <p:ph type="subTitle" idx="1"/>
-          </p:nvPr>
-        </p:nvSpPr>
-        <p:spPr>
-          <a:xfrm>
-            <a:off x="435895" y="4386184"/>
-            <a:ext cx="8245160" cy="363617"/>
-          </a:xfrm>
-        </p:spPr>
-        <p:txBody>
-          <a:bodyPr rtlCol="0">
-            <a:normAutofit/>
-          </a:bodyPr>
-          <a:lstStyle/>
-          <a:p>
-            <a:pPr algn="r" rtl="0"/>
-            <a:r>
-              <a:rPr lang="fr-FR" dirty="0" smtClean="0">
-                <a:solidFill>
-                  <a:srgbClr val="7CEBFF"/>
-                </a:solidFill>
-              </a:rPr>
-              <a:t>Formation </a:t>
-            </a:r>
-            <a:r>
-              <a:rPr lang="fr-FR" smtClean="0">
-                <a:solidFill>
-                  <a:srgbClr val="7CEBFF"/>
-                </a:solidFill>
-              </a:rPr>
-              <a:t>interne scalian</a:t>
-            </a:r>
-            <a:endParaRPr lang="fr-FR" dirty="0">
-              <a:solidFill>
-                <a:srgbClr val="7CEBFF"/>
-              </a:solidFill>
-            </a:endParaRPr>
-          </a:p>
-        </p:txBody>
-      </p:sp>
-      <p:sp>
-        <p:nvSpPr>
-          <p:cNvPr id="5" name="Espace réservé du numéro de diapositive 4"/>
-          <p:cNvSpPr>
-            <a:spLocks noGrp="1"/>
-          </p:cNvSpPr>
-          <p:nvPr>
-            <p:ph type="sldNum" sz="quarter" idx="12"/>
-          </p:nvPr>
-        </p:nvSpPr>
-        <p:spPr/>
-        <p:txBody>
-          <a:bodyPr/>
-          <a:lstStyle/>
-          <a:p>
-            <a:pPr rtl="0"/>
-            <a:fld id="{D57F1E4F-1CFF-5643-939E-217C01CDF565}" type="slidenum">
-              <a:rPr lang="fr-FR" noProof="0" smtClean="0"/>
-              <a:pPr rtl="0"/>
-              <a:t>26</a:t>
-            </a:fld>
-            <a:endParaRPr lang="fr-FR" noProof="0" dirty="0"/>
-          </a:p>
-        </p:txBody>
-      </p:sp>
-    </p:spTree>
-    <p:extLst>
-      <p:ext uri="{BB962C8B-B14F-4D97-AF65-F5344CB8AC3E}">
-        <p14:creationId xmlns:p14="http://schemas.microsoft.com/office/powerpoint/2010/main" val="2265540439"/>
-      </p:ext>
-    </p:extLst>
-  </p:cSld>
-  <p:clrMapOvr>
-    <a:masterClrMapping/>
-  </p:clrMapOvr>
-  <p:timing>
-    <p:tnLst>
-      <p:par>
-        <p:cTn id="1" dur="indefinite" restart="never" nodeType="tmRoot"/>
-      </p:par>
-    </p:tnLst>
-  </p:timing>
-</p:sld>
-</file>
-
-<file path=ppt/slides/slide3.xml><?xml version="1.0" encoding="utf-8"?>
-<p:sld xmlns:a="http://schemas.openxmlformats.org/drawingml/2006/main" xmlns:r="http://schemas.openxmlformats.org/officeDocument/2006/relationships" xmlns:p="http://schemas.openxmlformats.org/presentationml/2006/main">
-  <p:cSld>
-    <p:spTree>
-      <p:nvGrpSpPr>
-        <p:cNvPr id="1" name=""/>
-        <p:cNvGrpSpPr/>
-        <p:nvPr/>
-      </p:nvGrpSpPr>
-      <p:grpSpPr>
-        <a:xfrm>
-          <a:off x="0" y="0"/>
-          <a:ext cx="0" cy="0"/>
-          <a:chOff x="0" y="0"/>
-          <a:chExt cx="0" cy="0"/>
-        </a:xfrm>
-      </p:grpSpPr>
-      <p:sp>
-        <p:nvSpPr>
-          <p:cNvPr id="5" name="Titre 4"/>
-          <p:cNvSpPr>
-            <a:spLocks noGrp="1"/>
-          </p:cNvSpPr>
-          <p:nvPr>
-            <p:ph type="title"/>
-          </p:nvPr>
-        </p:nvSpPr>
-        <p:spPr/>
-        <p:txBody>
-          <a:bodyPr/>
-          <a:lstStyle/>
-          <a:p>
-            <a:r>
-              <a:rPr lang="fr-FR" dirty="0"/>
-              <a:t>Entêtes </a:t>
-            </a:r>
-            <a:r>
-              <a:rPr lang="fr-FR" dirty="0" smtClean="0"/>
-              <a:t>précompilées - </a:t>
-            </a:r>
-            <a:r>
-              <a:rPr lang="fr-FR" dirty="0" err="1" smtClean="0"/>
-              <a:t>Precompiled</a:t>
-            </a:r>
-            <a:r>
-              <a:rPr lang="fr-FR" dirty="0" smtClean="0"/>
-              <a:t> </a:t>
-            </a:r>
-            <a:r>
-              <a:rPr lang="fr-FR" dirty="0"/>
-              <a:t>header</a:t>
-            </a:r>
-          </a:p>
-        </p:txBody>
-      </p:sp>
-      <p:sp>
-        <p:nvSpPr>
-          <p:cNvPr id="6" name="Espace réservé du contenu 5"/>
-          <p:cNvSpPr>
-            <a:spLocks noGrp="1"/>
-          </p:cNvSpPr>
-          <p:nvPr>
-            <p:ph idx="1"/>
-          </p:nvPr>
-        </p:nvSpPr>
-        <p:spPr>
-          <a:xfrm>
-            <a:off x="692269" y="2843982"/>
-            <a:ext cx="8272211" cy="2202992"/>
-          </a:xfrm>
-        </p:spPr>
-        <p:txBody>
-          <a:bodyPr>
-            <a:normAutofit/>
-          </a:bodyPr>
-          <a:lstStyle/>
-          <a:p>
-            <a:r>
-              <a:rPr lang="fr-FR" sz="1800" dirty="0" smtClean="0"/>
-              <a:t>Pour </a:t>
-            </a:r>
-            <a:r>
-              <a:rPr lang="fr-FR" sz="1800" dirty="0"/>
-              <a:t>qui ? GCC &gt;= 3.4 et VS &gt;= </a:t>
-            </a:r>
-            <a:r>
-              <a:rPr lang="fr-FR" sz="1800" dirty="0" smtClean="0"/>
-              <a:t>2008. Fichiers stables et statiques (lib, </a:t>
-            </a:r>
-            <a:r>
-              <a:rPr lang="fr-FR" sz="1800" dirty="0" err="1" smtClean="0"/>
-              <a:t>stl</a:t>
-            </a:r>
-            <a:r>
-              <a:rPr lang="fr-FR" sz="1800" dirty="0" smtClean="0"/>
-              <a:t>, box…).</a:t>
-            </a:r>
-          </a:p>
-          <a:p>
-            <a:r>
-              <a:rPr lang="fr-FR" sz="1800" dirty="0" smtClean="0"/>
-              <a:t>Pourquoi : pendant le </a:t>
-            </a:r>
-            <a:r>
-              <a:rPr lang="fr-FR" sz="1800" dirty="0" err="1" smtClean="0"/>
-              <a:t>dev</a:t>
-            </a:r>
-            <a:r>
-              <a:rPr lang="fr-FR" sz="1800" dirty="0" smtClean="0"/>
-              <a:t>, pour limiter les temps de compilation qui peuvent être très lourds en C++ (</a:t>
-            </a:r>
-            <a:r>
-              <a:rPr lang="fr-FR" sz="1800" dirty="0" err="1" smtClean="0"/>
-              <a:t>std</a:t>
-            </a:r>
-            <a:r>
-              <a:rPr lang="fr-FR" sz="1800" dirty="0" smtClean="0"/>
-              <a:t>::</a:t>
-            </a:r>
-            <a:r>
-              <a:rPr lang="fr-FR" sz="1800" dirty="0" err="1" smtClean="0"/>
-              <a:t>vector</a:t>
-            </a:r>
-            <a:r>
-              <a:rPr lang="fr-FR" sz="1800" dirty="0"/>
-              <a:t> </a:t>
-            </a:r>
-            <a:r>
-              <a:rPr lang="fr-FR" sz="1800" dirty="0" smtClean="0"/>
-              <a:t>par exemple) (et c’est de pire en pire avec la </a:t>
-            </a:r>
-            <a:r>
-              <a:rPr lang="fr-FR" sz="1800" dirty="0" err="1" smtClean="0"/>
-              <a:t>meta</a:t>
-            </a:r>
-            <a:r>
-              <a:rPr lang="fr-FR" sz="1800" dirty="0" smtClean="0"/>
-              <a:t>-programmation et les grosse bibliothèques (</a:t>
-            </a:r>
-            <a:r>
-              <a:rPr lang="fr-FR" sz="1800" dirty="0" err="1" smtClean="0"/>
-              <a:t>boost</a:t>
-            </a:r>
-            <a:r>
-              <a:rPr lang="fr-FR" sz="1800" dirty="0" smtClean="0"/>
-              <a:t>, </a:t>
-            </a:r>
-            <a:r>
-              <a:rPr lang="fr-FR" sz="1800" dirty="0" err="1" smtClean="0"/>
-              <a:t>eigen</a:t>
-            </a:r>
-            <a:r>
-              <a:rPr lang="fr-FR" sz="1800" dirty="0" smtClean="0"/>
-              <a:t>, etc.))</a:t>
-            </a:r>
-          </a:p>
-          <a:p>
-            <a:endParaRPr lang="fr-FR" sz="1800" dirty="0" smtClean="0"/>
-          </a:p>
-        </p:txBody>
-      </p:sp>
-      <p:sp>
-        <p:nvSpPr>
-          <p:cNvPr id="4" name="Espace réservé du numéro de diapositive 3"/>
-          <p:cNvSpPr>
-            <a:spLocks noGrp="1"/>
-          </p:cNvSpPr>
-          <p:nvPr>
-            <p:ph type="sldNum" sz="quarter" idx="12"/>
-          </p:nvPr>
-        </p:nvSpPr>
-        <p:spPr/>
-        <p:txBody>
-          <a:bodyPr/>
-          <a:lstStyle/>
-          <a:p>
-            <a:pPr rtl="0"/>
-            <a:fld id="{D57F1E4F-1CFF-5643-939E-217C01CDF565}" type="slidenum">
-              <a:rPr lang="fr-FR" noProof="0" smtClean="0"/>
-              <a:pPr rtl="0"/>
-              <a:t>3</a:t>
-            </a:fld>
-            <a:endParaRPr lang="fr-FR" noProof="0" dirty="0"/>
-          </a:p>
-        </p:txBody>
-      </p:sp>
-      <p:sp>
-        <p:nvSpPr>
-          <p:cNvPr id="2" name="Rectangle 1"/>
-          <p:cNvSpPr/>
-          <p:nvPr/>
-        </p:nvSpPr>
-        <p:spPr>
-          <a:xfrm>
-            <a:off x="918150" y="1713923"/>
-            <a:ext cx="7307700" cy="923330"/>
-          </a:xfrm>
-          <a:prstGeom prst="rect">
-            <a:avLst/>
-          </a:prstGeom>
-        </p:spPr>
-        <p:txBody>
-          <a:bodyPr wrap="square">
-            <a:spAutoFit/>
-          </a:bodyPr>
-          <a:lstStyle/>
-          <a:p>
-            <a:r>
-              <a:rPr lang="fr-FR" dirty="0"/>
-              <a:t>C’est un fichier header compilé dans une forme intermédiaire (</a:t>
-            </a:r>
-            <a:r>
-              <a:rPr lang="fr-FR" dirty="0" err="1"/>
-              <a:t>stdafx.h</a:t>
-            </a:r>
-            <a:r>
-              <a:rPr lang="fr-FR" dirty="0"/>
-              <a:t> pour </a:t>
-            </a:r>
-            <a:r>
-              <a:rPr lang="fr-FR" dirty="0" err="1"/>
-              <a:t>visual</a:t>
-            </a:r>
-            <a:r>
-              <a:rPr lang="fr-FR" dirty="0"/>
-              <a:t> &lt;=2017, </a:t>
-            </a:r>
-            <a:r>
-              <a:rPr lang="fr-FR" dirty="0" err="1"/>
-              <a:t>pch.h</a:t>
-            </a:r>
-            <a:r>
-              <a:rPr lang="fr-FR" dirty="0"/>
-              <a:t> pour </a:t>
-            </a:r>
-            <a:r>
-              <a:rPr lang="fr-FR" dirty="0" err="1"/>
-              <a:t>visual</a:t>
-            </a:r>
-            <a:r>
-              <a:rPr lang="fr-FR" dirty="0"/>
-              <a:t> 2019, </a:t>
-            </a:r>
-            <a:r>
-              <a:rPr lang="fr-FR" dirty="0" smtClean="0"/>
-              <a:t>)</a:t>
-            </a:r>
-          </a:p>
-          <a:p>
-            <a:r>
-              <a:rPr lang="fr-FR" dirty="0"/>
-              <a:t>C</a:t>
-            </a:r>
-            <a:r>
-              <a:rPr lang="fr-FR" dirty="0" smtClean="0"/>
-              <a:t>ompilé </a:t>
-            </a:r>
-            <a:r>
-              <a:rPr lang="fr-FR" dirty="0"/>
-              <a:t>en *.</a:t>
-            </a:r>
-            <a:r>
-              <a:rPr lang="fr-FR" dirty="0" err="1"/>
-              <a:t>pch</a:t>
-            </a:r>
-            <a:r>
-              <a:rPr lang="fr-FR" dirty="0"/>
-              <a:t> (</a:t>
-            </a:r>
-            <a:r>
-              <a:rPr lang="fr-FR" dirty="0" err="1"/>
-              <a:t>visual</a:t>
-            </a:r>
-            <a:r>
-              <a:rPr lang="fr-FR" dirty="0"/>
-              <a:t>) ou *.</a:t>
-            </a:r>
-            <a:r>
-              <a:rPr lang="fr-FR" dirty="0" err="1"/>
-              <a:t>gch</a:t>
-            </a:r>
-            <a:r>
-              <a:rPr lang="fr-FR" dirty="0"/>
-              <a:t> (GNU)</a:t>
-            </a:r>
-          </a:p>
-        </p:txBody>
-      </p:sp>
-    </p:spTree>
-    <p:extLst>
-      <p:ext uri="{BB962C8B-B14F-4D97-AF65-F5344CB8AC3E}">
-        <p14:creationId xmlns:p14="http://schemas.microsoft.com/office/powerpoint/2010/main" val="3833744031"/>
-      </p:ext>
-    </p:extLst>
-  </p:cSld>
-  <p:clrMapOvr>
-    <a:masterClrMapping/>
-  </p:clrMapOvr>
-</p:sld>
-</file>
-
-<file path=ppt/slides/slide4.xml><?xml version="1.0" encoding="utf-8"?>
-<p:sld xmlns:a="http://schemas.openxmlformats.org/drawingml/2006/main" xmlns:r="http://schemas.openxmlformats.org/officeDocument/2006/relationships" xmlns:p="http://schemas.openxmlformats.org/presentationml/2006/main">
-  <p:cSld>
-    <p:spTree>
-      <p:nvGrpSpPr>
-        <p:cNvPr id="1" name=""/>
-        <p:cNvGrpSpPr/>
-        <p:nvPr/>
-      </p:nvGrpSpPr>
-      <p:grpSpPr>
-        <a:xfrm>
-          <a:off x="0" y="0"/>
-          <a:ext cx="0" cy="0"/>
-          <a:chOff x="0" y="0"/>
-          <a:chExt cx="0" cy="0"/>
-        </a:xfrm>
-      </p:grpSpPr>
-      <p:sp>
-        <p:nvSpPr>
-          <p:cNvPr id="5" name="Titre 4"/>
-          <p:cNvSpPr>
-            <a:spLocks noGrp="1"/>
-          </p:cNvSpPr>
-          <p:nvPr>
-            <p:ph type="title"/>
-          </p:nvPr>
-        </p:nvSpPr>
-        <p:spPr/>
-        <p:txBody>
-          <a:bodyPr/>
-          <a:lstStyle/>
-          <a:p>
-            <a:r>
-              <a:rPr lang="fr-FR" dirty="0" smtClean="0"/>
-              <a:t>Exemple</a:t>
-            </a:r>
-            <a:endParaRPr lang="fr-FR" dirty="0"/>
-          </a:p>
-        </p:txBody>
-      </p:sp>
-      <p:sp>
-        <p:nvSpPr>
-          <p:cNvPr id="6" name="Espace réservé du contenu 5"/>
-          <p:cNvSpPr>
-            <a:spLocks noGrp="1"/>
-          </p:cNvSpPr>
-          <p:nvPr>
-            <p:ph idx="1"/>
-          </p:nvPr>
-        </p:nvSpPr>
-        <p:spPr>
-          <a:xfrm>
-            <a:off x="546990" y="1338944"/>
-            <a:ext cx="8272211" cy="3743666"/>
-          </a:xfrm>
-        </p:spPr>
-        <p:txBody>
-          <a:bodyPr/>
-          <a:lstStyle/>
-          <a:p>
-            <a:r>
-              <a:rPr lang="fr-FR" dirty="0" smtClean="0"/>
-              <a:t>main.cpp + </a:t>
-            </a:r>
-            <a:r>
-              <a:rPr lang="fr-FR" dirty="0" err="1" smtClean="0"/>
-              <a:t>header.h</a:t>
-            </a:r>
-            <a:r>
-              <a:rPr lang="fr-FR" dirty="0" smtClean="0"/>
-              <a:t> </a:t>
-            </a:r>
-            <a:r>
-              <a:rPr lang="fr-FR" dirty="0" smtClean="0">
-                <a:sym typeface="Wingdings" panose="05000000000000000000" pitchFamily="2" charset="2"/>
-              </a:rPr>
-              <a:t></a:t>
-            </a:r>
-            <a:r>
-              <a:rPr lang="fr-FR" dirty="0" smtClean="0"/>
-              <a:t> </a:t>
-            </a:r>
-            <a:r>
-              <a:rPr lang="fr-FR" dirty="0" smtClean="0"/>
-              <a:t>première compilation, on compile tout et on génère un header.pch</a:t>
-            </a:r>
-          </a:p>
-          <a:p>
-            <a:r>
-              <a:rPr lang="fr-FR" dirty="0" smtClean="0"/>
-              <a:t>À la prochaine compilation, si l’horodatage de </a:t>
-            </a:r>
-            <a:r>
-              <a:rPr lang="fr-FR" dirty="0" err="1" smtClean="0"/>
-              <a:t>header.h</a:t>
-            </a:r>
-            <a:r>
-              <a:rPr lang="fr-FR" dirty="0" smtClean="0"/>
-              <a:t> n’a pas changé, le compilateur ne recompile pas </a:t>
-            </a:r>
-            <a:r>
-              <a:rPr lang="fr-FR" dirty="0" err="1" smtClean="0"/>
-              <a:t>header.h</a:t>
-            </a:r>
-            <a:r>
-              <a:rPr lang="fr-FR" dirty="0" smtClean="0"/>
-              <a:t>, il utilise directement header.pch</a:t>
-            </a:r>
-          </a:p>
-          <a:p>
-            <a:r>
-              <a:rPr lang="fr-FR" dirty="0" smtClean="0"/>
-              <a:t>On peut de cette manière ne recompiler que le main s’il a changé.</a:t>
-            </a:r>
-            <a:endParaRPr lang="fr-FR" dirty="0"/>
-          </a:p>
-          <a:p>
-            <a:r>
-              <a:rPr lang="fr-FR" dirty="0" smtClean="0"/>
-              <a:t>Dans VS : option de compilation /Y*. </a:t>
-            </a:r>
-            <a:endParaRPr lang="fr-FR" dirty="0" smtClean="0"/>
-          </a:p>
-          <a:p>
-            <a:pPr lvl="1"/>
-            <a:r>
-              <a:rPr lang="fr-FR" dirty="0" smtClean="0"/>
-              <a:t>/</a:t>
-            </a:r>
-            <a:r>
-              <a:rPr lang="fr-FR" dirty="0" err="1" smtClean="0"/>
-              <a:t>Yc</a:t>
-            </a:r>
-            <a:r>
-              <a:rPr lang="fr-FR" dirty="0" smtClean="0"/>
-              <a:t> pour activer les entêtes précompilées</a:t>
-            </a:r>
-          </a:p>
-          <a:p>
-            <a:pPr lvl="1"/>
-            <a:r>
-              <a:rPr lang="fr-FR" dirty="0"/>
-              <a:t>/</a:t>
-            </a:r>
-            <a:r>
-              <a:rPr lang="fr-FR" dirty="0" err="1" smtClean="0"/>
-              <a:t>Yu</a:t>
-            </a:r>
-            <a:r>
-              <a:rPr lang="fr-FR" dirty="0" smtClean="0"/>
-              <a:t> permet de renseigner un fichier </a:t>
-            </a:r>
-            <a:r>
-              <a:rPr lang="fr-FR" dirty="0" smtClean="0"/>
-              <a:t>déjà </a:t>
-            </a:r>
-            <a:r>
-              <a:rPr lang="fr-FR" dirty="0" smtClean="0"/>
-              <a:t>généré </a:t>
-            </a:r>
-            <a:r>
-              <a:rPr lang="fr-FR" dirty="0" smtClean="0"/>
-              <a:t>en amont</a:t>
-            </a:r>
-            <a:endParaRPr lang="fr-FR" dirty="0" smtClean="0"/>
-          </a:p>
-          <a:p>
-            <a:pPr lvl="1"/>
-            <a:r>
-              <a:rPr lang="fr-FR" dirty="0" smtClean="0"/>
-              <a:t>/FP permet de spécifier le nom de l’entête</a:t>
-            </a:r>
-          </a:p>
-          <a:p>
-            <a:r>
-              <a:rPr lang="fr-FR" dirty="0" smtClean="0"/>
-              <a:t>Règles : </a:t>
-            </a:r>
-          </a:p>
-          <a:p>
-            <a:pPr lvl="1"/>
-            <a:r>
-              <a:rPr lang="fr-FR" dirty="0"/>
-              <a:t>O</a:t>
-            </a:r>
-            <a:r>
-              <a:rPr lang="fr-FR" dirty="0" smtClean="0"/>
-              <a:t>n </a:t>
-            </a:r>
-            <a:r>
-              <a:rPr lang="fr-FR" dirty="0" smtClean="0"/>
-              <a:t>ne peut pas partager un *.</a:t>
-            </a:r>
-            <a:r>
-              <a:rPr lang="fr-FR" dirty="0" err="1" smtClean="0"/>
-              <a:t>pch</a:t>
-            </a:r>
-            <a:r>
-              <a:rPr lang="fr-FR" dirty="0" smtClean="0"/>
-              <a:t>. </a:t>
-            </a:r>
-            <a:r>
-              <a:rPr lang="fr-FR" dirty="0" smtClean="0"/>
-              <a:t>Il est dépendant </a:t>
-            </a:r>
-            <a:r>
-              <a:rPr lang="fr-FR" dirty="0" smtClean="0"/>
-              <a:t>de la machine sur laquelle il a été créé.</a:t>
-            </a:r>
-          </a:p>
-          <a:p>
-            <a:pPr lvl="1"/>
-            <a:r>
-              <a:rPr lang="fr-FR" dirty="0" smtClean="0"/>
-              <a:t>Bien que l’utilisation d’un </a:t>
-            </a:r>
-            <a:r>
-              <a:rPr lang="fr-FR" dirty="0" err="1" smtClean="0"/>
-              <a:t>pch</a:t>
-            </a:r>
-            <a:r>
-              <a:rPr lang="fr-FR" dirty="0" smtClean="0"/>
-              <a:t> ayant été créé avec une configuration différentes </a:t>
-            </a:r>
-            <a:r>
-              <a:rPr lang="fr-FR" dirty="0"/>
-              <a:t>est permise (options de compilation, </a:t>
-            </a:r>
-            <a:r>
-              <a:rPr lang="fr-FR" dirty="0" err="1"/>
-              <a:t>debug</a:t>
-            </a:r>
-            <a:r>
-              <a:rPr lang="fr-FR" dirty="0"/>
-              <a:t>, variables d’environnement etc</a:t>
-            </a:r>
-            <a:r>
-              <a:rPr lang="fr-FR" dirty="0" smtClean="0"/>
-              <a:t>.), </a:t>
-            </a:r>
-            <a:r>
-              <a:rPr lang="fr-FR" dirty="0" smtClean="0"/>
-              <a:t>des incohérences et des warnings peuvent apparaître</a:t>
-            </a:r>
-            <a:r>
-              <a:rPr lang="fr-FR" dirty="0" smtClean="0"/>
-              <a:t>.</a:t>
-            </a:r>
-            <a:endParaRPr lang="fr-FR" dirty="0" smtClean="0"/>
-          </a:p>
-        </p:txBody>
-      </p:sp>
-      <p:sp>
-        <p:nvSpPr>
-          <p:cNvPr id="4" name="Espace réservé du numéro de diapositive 3"/>
-          <p:cNvSpPr>
-            <a:spLocks noGrp="1"/>
-          </p:cNvSpPr>
-          <p:nvPr>
-            <p:ph type="sldNum" sz="quarter" idx="12"/>
-          </p:nvPr>
-        </p:nvSpPr>
-        <p:spPr/>
-        <p:txBody>
-          <a:bodyPr/>
-          <a:lstStyle/>
-          <a:p>
-            <a:pPr rtl="0"/>
-            <a:fld id="{D57F1E4F-1CFF-5643-939E-217C01CDF565}" type="slidenum">
-              <a:rPr lang="fr-FR" noProof="0" smtClean="0"/>
-              <a:pPr rtl="0"/>
-              <a:t>4</a:t>
-            </a:fld>
-            <a:endParaRPr lang="fr-FR" noProof="0" dirty="0"/>
-          </a:p>
-        </p:txBody>
-      </p:sp>
-      <p:sp>
-        <p:nvSpPr>
-          <p:cNvPr id="2" name="Rectangle 1"/>
-          <p:cNvSpPr/>
-          <p:nvPr/>
-        </p:nvSpPr>
-        <p:spPr>
-          <a:xfrm>
-            <a:off x="1842951" y="5069038"/>
-            <a:ext cx="5458097" cy="369332"/>
-          </a:xfrm>
-          <a:prstGeom prst="rect">
-            <a:avLst/>
-          </a:prstGeom>
-        </p:spPr>
-        <p:txBody>
-          <a:bodyPr wrap="none">
-            <a:spAutoFit/>
-          </a:bodyPr>
-          <a:lstStyle/>
-          <a:p>
-            <a:r>
-              <a:rPr lang="fr-FR" dirty="0" smtClean="0"/>
-              <a:t>À noter :  Visual </a:t>
-            </a:r>
-            <a:r>
-              <a:rPr lang="fr-FR" dirty="0"/>
-              <a:t>peut précompiler les headers et les </a:t>
-            </a:r>
-            <a:r>
-              <a:rPr lang="fr-FR" dirty="0" err="1"/>
-              <a:t>cpp</a:t>
-            </a:r>
-            <a:r>
-              <a:rPr lang="fr-FR" dirty="0"/>
-              <a:t>.</a:t>
-            </a:r>
-          </a:p>
-        </p:txBody>
-      </p:sp>
-    </p:spTree>
-    <p:extLst>
-      <p:ext uri="{BB962C8B-B14F-4D97-AF65-F5344CB8AC3E}">
-        <p14:creationId xmlns:p14="http://schemas.microsoft.com/office/powerpoint/2010/main" val="2794617608"/>
-      </p:ext>
-    </p:extLst>
-  </p:cSld>
-  <p:clrMapOvr>
-    <a:masterClrMapping/>
-  </p:clrMapOvr>
-</p:sld>
-</file>
-
-<file path=ppt/slides/slide5.xml><?xml version="1.0" encoding="utf-8"?>
-<p:sld xmlns:a="http://schemas.openxmlformats.org/drawingml/2006/main" xmlns:r="http://schemas.openxmlformats.org/officeDocument/2006/relationships" xmlns:p="http://schemas.openxmlformats.org/presentationml/2006/main">
-  <p:cSld>
-    <p:spTree>
-      <p:nvGrpSpPr>
-        <p:cNvPr id="1" name=""/>
-        <p:cNvGrpSpPr/>
-        <p:nvPr/>
-      </p:nvGrpSpPr>
-      <p:grpSpPr>
-        <a:xfrm>
-          <a:off x="0" y="0"/>
-          <a:ext cx="0" cy="0"/>
-          <a:chOff x="0" y="0"/>
-          <a:chExt cx="0" cy="0"/>
-        </a:xfrm>
-      </p:grpSpPr>
-      <p:sp>
-        <p:nvSpPr>
-          <p:cNvPr id="5" name="Titre 4"/>
-          <p:cNvSpPr>
-            <a:spLocks noGrp="1"/>
-          </p:cNvSpPr>
-          <p:nvPr>
-            <p:ph type="title"/>
-          </p:nvPr>
-        </p:nvSpPr>
-        <p:spPr/>
-        <p:txBody>
-          <a:bodyPr/>
-          <a:lstStyle/>
-          <a:p>
-            <a:r>
-              <a:rPr lang="fr-FR" dirty="0" smtClean="0"/>
-              <a:t>Exemple depuis la ligne de commande</a:t>
-            </a:r>
-            <a:endParaRPr lang="fr-FR" dirty="0"/>
-          </a:p>
-        </p:txBody>
-      </p:sp>
-      <p:sp>
-        <p:nvSpPr>
-          <p:cNvPr id="6" name="Espace réservé du contenu 5"/>
-          <p:cNvSpPr>
-            <a:spLocks noGrp="1"/>
-          </p:cNvSpPr>
-          <p:nvPr>
-            <p:ph idx="1"/>
-          </p:nvPr>
-        </p:nvSpPr>
-        <p:spPr>
-          <a:xfrm>
-            <a:off x="435895" y="1364896"/>
-            <a:ext cx="8272211" cy="634820"/>
-          </a:xfrm>
-        </p:spPr>
-        <p:txBody>
-          <a:bodyPr/>
-          <a:lstStyle/>
-          <a:p>
-            <a:r>
-              <a:rPr lang="fr-FR" dirty="0" smtClean="0"/>
-              <a:t>Exemple de </a:t>
-            </a:r>
-            <a:r>
-              <a:rPr lang="fr-FR" dirty="0" err="1" smtClean="0"/>
-              <a:t>makefile</a:t>
-            </a:r>
-            <a:r>
-              <a:rPr lang="fr-FR" dirty="0" smtClean="0"/>
-              <a:t> venu de </a:t>
-            </a:r>
-            <a:r>
-              <a:rPr lang="fr-FR" dirty="0"/>
-              <a:t>M</a:t>
-            </a:r>
-            <a:r>
-              <a:rPr lang="fr-FR" dirty="0" smtClean="0"/>
-              <a:t>icrosoft</a:t>
-            </a:r>
-            <a:endParaRPr lang="fr-FR" dirty="0" smtClean="0"/>
-          </a:p>
-        </p:txBody>
-      </p:sp>
-      <p:sp>
-        <p:nvSpPr>
-          <p:cNvPr id="4" name="Espace réservé du numéro de diapositive 3"/>
-          <p:cNvSpPr>
-            <a:spLocks noGrp="1"/>
-          </p:cNvSpPr>
-          <p:nvPr>
-            <p:ph type="sldNum" sz="quarter" idx="12"/>
-          </p:nvPr>
-        </p:nvSpPr>
-        <p:spPr/>
-        <p:txBody>
-          <a:bodyPr/>
-          <a:lstStyle/>
-          <a:p>
-            <a:pPr rtl="0"/>
-            <a:fld id="{D57F1E4F-1CFF-5643-939E-217C01CDF565}" type="slidenum">
-              <a:rPr lang="fr-FR" noProof="0" smtClean="0"/>
-              <a:pPr rtl="0"/>
-              <a:t>5</a:t>
-            </a:fld>
-            <a:endParaRPr lang="fr-FR" noProof="0" dirty="0"/>
-          </a:p>
-        </p:txBody>
-      </p:sp>
-      <p:pic>
-        <p:nvPicPr>
-          <p:cNvPr id="2" name="Image 1"/>
-          <p:cNvPicPr>
-            <a:picLocks noChangeAspect="1"/>
-          </p:cNvPicPr>
-          <p:nvPr/>
-        </p:nvPicPr>
-        <p:blipFill>
-          <a:blip r:embed="rId3"/>
-          <a:stretch>
-            <a:fillRect/>
-          </a:stretch>
-        </p:blipFill>
-        <p:spPr>
-          <a:xfrm>
-            <a:off x="727729" y="2042845"/>
-            <a:ext cx="5069627" cy="3364797"/>
-          </a:xfrm>
-          <a:prstGeom prst="rect">
-            <a:avLst/>
-          </a:prstGeom>
-        </p:spPr>
-      </p:pic>
-      <p:sp>
-        <p:nvSpPr>
-          <p:cNvPr id="7" name="Espace réservé du contenu 5"/>
-          <p:cNvSpPr txBox="1">
-            <a:spLocks/>
-          </p:cNvSpPr>
-          <p:nvPr/>
-        </p:nvSpPr>
-        <p:spPr>
-          <a:xfrm>
-            <a:off x="5878143" y="2042844"/>
-            <a:ext cx="3173498" cy="2631705"/>
+            <a:off x="756694" y="1584377"/>
+            <a:ext cx="3815306" cy="446671"/>
           </a:xfrm>
           <a:prstGeom prst="rect">
             <a:avLst/>
@@ -19277,6 +17864,2193 @@
           <a:p>
             <a:r>
               <a:rPr lang="fr-FR" dirty="0" smtClean="0"/>
+              <a:t>De nouvelles « politiques d’exécution »</a:t>
+            </a:r>
+            <a:endParaRPr lang="fr-FR" dirty="0"/>
+          </a:p>
+        </p:txBody>
+      </p:sp>
+      <p:pic>
+        <p:nvPicPr>
+          <p:cNvPr id="11" name="Image 10"/>
+          <p:cNvPicPr>
+            <a:picLocks noChangeAspect="1"/>
+          </p:cNvPicPr>
+          <p:nvPr/>
+        </p:nvPicPr>
+        <p:blipFill>
+          <a:blip r:embed="rId7"/>
+          <a:stretch>
+            <a:fillRect/>
+          </a:stretch>
+        </p:blipFill>
+        <p:spPr>
+          <a:xfrm>
+            <a:off x="435894" y="2138530"/>
+            <a:ext cx="4578066" cy="1183040"/>
+          </a:xfrm>
+          <a:prstGeom prst="rect">
+            <a:avLst/>
+          </a:prstGeom>
+        </p:spPr>
+      </p:pic>
+    </p:spTree>
+    <p:extLst>
+      <p:ext uri="{BB962C8B-B14F-4D97-AF65-F5344CB8AC3E}">
+        <p14:creationId xmlns:p14="http://schemas.microsoft.com/office/powerpoint/2010/main" val="2674095754"/>
+      </p:ext>
+    </p:extLst>
+  </p:cSld>
+  <p:clrMapOvr>
+    <a:masterClrMapping/>
+  </p:clrMapOvr>
+  <p:timing>
+    <p:tnLst>
+      <p:par>
+        <p:cTn id="1" dur="indefinite" restart="never" nodeType="tmRoot"/>
+      </p:par>
+    </p:tnLst>
+  </p:timing>
+</p:sld>
+</file>
+
+<file path=ppt/slides/slide24.xml><?xml version="1.0" encoding="utf-8"?>
+<p:sld xmlns:a="http://schemas.openxmlformats.org/drawingml/2006/main" xmlns:r="http://schemas.openxmlformats.org/officeDocument/2006/relationships" xmlns:p="http://schemas.openxmlformats.org/presentationml/2006/main">
+  <p:cSld>
+    <p:spTree>
+      <p:nvGrpSpPr>
+        <p:cNvPr id="1" name=""/>
+        <p:cNvGrpSpPr/>
+        <p:nvPr/>
+      </p:nvGrpSpPr>
+      <p:grpSpPr>
+        <a:xfrm>
+          <a:off x="0" y="0"/>
+          <a:ext cx="0" cy="0"/>
+          <a:chOff x="0" y="0"/>
+          <a:chExt cx="0" cy="0"/>
+        </a:xfrm>
+      </p:grpSpPr>
+      <p:sp>
+        <p:nvSpPr>
+          <p:cNvPr id="2" name="Titre 1"/>
+          <p:cNvSpPr>
+            <a:spLocks noGrp="1"/>
+          </p:cNvSpPr>
+          <p:nvPr>
+            <p:ph type="title"/>
+          </p:nvPr>
+        </p:nvSpPr>
+        <p:spPr/>
+        <p:txBody>
+          <a:bodyPr/>
+          <a:lstStyle/>
+          <a:p>
+            <a:r>
+              <a:rPr lang="fr-FR" dirty="0" smtClean="0"/>
+              <a:t>Limitations…</a:t>
+            </a:r>
+            <a:endParaRPr lang="fr-FR" dirty="0"/>
+          </a:p>
+        </p:txBody>
+      </p:sp>
+      <p:sp>
+        <p:nvSpPr>
+          <p:cNvPr id="3" name="Espace réservé du contenu 2"/>
+          <p:cNvSpPr>
+            <a:spLocks noGrp="1"/>
+          </p:cNvSpPr>
+          <p:nvPr>
+            <p:ph idx="1"/>
+          </p:nvPr>
+        </p:nvSpPr>
+        <p:spPr/>
+        <p:txBody>
+          <a:bodyPr/>
+          <a:lstStyle/>
+          <a:p>
+            <a:r>
+              <a:rPr lang="fr-FR" dirty="0" smtClean="0"/>
+              <a:t>Certains algorithmes ne sont pas implémentés en version parallèle par les compilateurs.</a:t>
+            </a:r>
+          </a:p>
+          <a:p>
+            <a:r>
+              <a:rPr lang="fr-FR" dirty="0" smtClean="0"/>
+              <a:t>Chez Microsoft, des implémentation parallèle plus lentes que les versions séquentielles ont été retirées :</a:t>
+            </a:r>
+            <a:br>
+              <a:rPr lang="fr-FR" dirty="0" smtClean="0"/>
+            </a:br>
+            <a:r>
+              <a:rPr lang="en-US" dirty="0"/>
+              <a:t>(</a:t>
+            </a:r>
+            <a:r>
+              <a:rPr lang="en-US" dirty="0" smtClean="0"/>
+              <a:t>copy</a:t>
+            </a:r>
+            <a:r>
+              <a:rPr lang="en-US" dirty="0"/>
+              <a:t>, </a:t>
+            </a:r>
+            <a:r>
+              <a:rPr lang="en-US" dirty="0" err="1"/>
+              <a:t>copy_n</a:t>
+            </a:r>
+            <a:r>
+              <a:rPr lang="en-US" dirty="0"/>
+              <a:t>, fill, </a:t>
+            </a:r>
+            <a:r>
+              <a:rPr lang="en-US" dirty="0" err="1"/>
+              <a:t>fill_n</a:t>
+            </a:r>
+            <a:r>
+              <a:rPr lang="en-US" dirty="0"/>
+              <a:t>, move, reverse, </a:t>
+            </a:r>
+            <a:r>
+              <a:rPr lang="en-US" dirty="0" err="1"/>
+              <a:t>reverse_copy</a:t>
+            </a:r>
+            <a:r>
+              <a:rPr lang="en-US" dirty="0"/>
+              <a:t>, rotate, </a:t>
+            </a:r>
+            <a:r>
+              <a:rPr lang="en-US" dirty="0" err="1"/>
+              <a:t>rotate_copy</a:t>
+            </a:r>
+            <a:r>
+              <a:rPr lang="en-US" dirty="0"/>
+              <a:t>, </a:t>
+            </a:r>
+            <a:r>
+              <a:rPr lang="en-US" dirty="0" err="1" smtClean="0"/>
+              <a:t>swap_ranges</a:t>
+            </a:r>
+            <a:r>
+              <a:rPr lang="en-US" dirty="0" smtClean="0"/>
+              <a:t>)</a:t>
+            </a:r>
+            <a:br>
+              <a:rPr lang="en-US" dirty="0" smtClean="0"/>
+            </a:br>
+            <a:endParaRPr lang="en-US" dirty="0" smtClean="0"/>
+          </a:p>
+          <a:p>
+            <a:endParaRPr lang="en-US" dirty="0" smtClean="0"/>
+          </a:p>
+          <a:p>
+            <a:endParaRPr lang="en-US" dirty="0"/>
+          </a:p>
+          <a:p>
+            <a:endParaRPr lang="en-US" dirty="0" smtClean="0"/>
+          </a:p>
+          <a:p>
+            <a:endParaRPr lang="en-US" dirty="0"/>
+          </a:p>
+          <a:p>
+            <a:r>
+              <a:rPr lang="en-US" dirty="0" smtClean="0"/>
+              <a:t>Ce </a:t>
+            </a:r>
+            <a:r>
+              <a:rPr lang="en-US" dirty="0" err="1" smtClean="0"/>
+              <a:t>n’est</a:t>
+            </a:r>
+            <a:r>
+              <a:rPr lang="en-US" dirty="0" smtClean="0"/>
+              <a:t> pas </a:t>
+            </a:r>
+            <a:r>
+              <a:rPr lang="en-US" dirty="0" err="1" smtClean="0"/>
+              <a:t>uniquement</a:t>
+            </a:r>
+            <a:r>
+              <a:rPr lang="en-US" dirty="0" smtClean="0"/>
+              <a:t> de </a:t>
+            </a:r>
+            <a:r>
+              <a:rPr lang="en-US" dirty="0" err="1" smtClean="0"/>
+              <a:t>leur</a:t>
+            </a:r>
+            <a:r>
+              <a:rPr lang="en-US" dirty="0" smtClean="0"/>
+              <a:t> </a:t>
+            </a:r>
+            <a:r>
+              <a:rPr lang="en-US" dirty="0" err="1" smtClean="0"/>
+              <a:t>faute</a:t>
+            </a:r>
+            <a:r>
+              <a:rPr lang="en-US" dirty="0" smtClean="0"/>
+              <a:t>, les </a:t>
+            </a:r>
+            <a:r>
+              <a:rPr lang="en-US" dirty="0" err="1" smtClean="0"/>
+              <a:t>algo</a:t>
+            </a:r>
+            <a:r>
+              <a:rPr lang="en-US" dirty="0" smtClean="0"/>
+              <a:t> de la </a:t>
+            </a:r>
+            <a:r>
+              <a:rPr lang="en-US" dirty="0" err="1" smtClean="0"/>
+              <a:t>std</a:t>
+            </a:r>
+            <a:r>
+              <a:rPr lang="en-US" dirty="0" smtClean="0"/>
+              <a:t> </a:t>
+            </a:r>
+            <a:r>
+              <a:rPr lang="en-US" dirty="0" err="1" smtClean="0"/>
+              <a:t>sont</a:t>
+            </a:r>
+            <a:r>
+              <a:rPr lang="en-US" dirty="0" smtClean="0"/>
+              <a:t> </a:t>
+            </a:r>
+            <a:r>
+              <a:rPr lang="en-US" dirty="0" err="1" smtClean="0"/>
+              <a:t>difficilement</a:t>
+            </a:r>
+            <a:r>
+              <a:rPr lang="en-US" dirty="0" smtClean="0"/>
+              <a:t> </a:t>
+            </a:r>
+            <a:r>
+              <a:rPr lang="en-US" dirty="0" err="1" smtClean="0"/>
+              <a:t>optimisables</a:t>
+            </a:r>
+            <a:r>
+              <a:rPr lang="en-US" dirty="0"/>
+              <a:t> </a:t>
+            </a:r>
+            <a:r>
+              <a:rPr lang="en-US" dirty="0" smtClean="0"/>
+              <a:t>car </a:t>
+            </a:r>
+            <a:r>
+              <a:rPr lang="en-US" dirty="0" err="1" smtClean="0"/>
+              <a:t>limités</a:t>
+            </a:r>
+            <a:r>
+              <a:rPr lang="en-US" dirty="0" smtClean="0"/>
+              <a:t> par la </a:t>
+            </a:r>
+            <a:r>
+              <a:rPr lang="en-US" b="1" dirty="0" err="1" smtClean="0"/>
+              <a:t>bandes</a:t>
+            </a:r>
+            <a:r>
+              <a:rPr lang="en-US" b="1" dirty="0" smtClean="0"/>
+              <a:t> </a:t>
+            </a:r>
+            <a:r>
+              <a:rPr lang="en-US" b="1" dirty="0" err="1" smtClean="0"/>
+              <a:t>passantes</a:t>
+            </a:r>
+            <a:r>
+              <a:rPr lang="en-US" b="1" dirty="0" smtClean="0"/>
+              <a:t> </a:t>
+            </a:r>
+            <a:r>
+              <a:rPr lang="en-US" dirty="0" smtClean="0"/>
+              <a:t>entre les </a:t>
+            </a:r>
+            <a:r>
+              <a:rPr lang="en-US" dirty="0" err="1" smtClean="0"/>
+              <a:t>différentes</a:t>
+            </a:r>
+            <a:r>
+              <a:rPr lang="en-US" dirty="0" smtClean="0"/>
+              <a:t> </a:t>
+            </a:r>
+            <a:r>
+              <a:rPr lang="en-US" dirty="0" err="1" smtClean="0"/>
+              <a:t>mémoires</a:t>
+            </a:r>
+            <a:r>
+              <a:rPr lang="en-US" dirty="0" smtClean="0"/>
+              <a:t>…</a:t>
+            </a:r>
+            <a:endParaRPr lang="fr-FR" dirty="0" smtClean="0"/>
+          </a:p>
+        </p:txBody>
+      </p:sp>
+      <p:sp>
+        <p:nvSpPr>
+          <p:cNvPr id="4" name="Espace réservé du numéro de diapositive 3"/>
+          <p:cNvSpPr>
+            <a:spLocks noGrp="1"/>
+          </p:cNvSpPr>
+          <p:nvPr>
+            <p:ph type="sldNum" sz="quarter" idx="12"/>
+          </p:nvPr>
+        </p:nvSpPr>
+        <p:spPr/>
+        <p:txBody>
+          <a:bodyPr/>
+          <a:lstStyle/>
+          <a:p>
+            <a:fld id="{D57F1E4F-1CFF-5643-939E-217C01CDF565}" type="slidenum">
+              <a:rPr lang="fr-FR" smtClean="0"/>
+              <a:pPr/>
+              <a:t>24</a:t>
+            </a:fld>
+            <a:endParaRPr lang="fr-FR" dirty="0"/>
+          </a:p>
+        </p:txBody>
+      </p:sp>
+      <p:pic>
+        <p:nvPicPr>
+          <p:cNvPr id="5" name="Image 4"/>
+          <p:cNvPicPr>
+            <a:picLocks noChangeAspect="1"/>
+          </p:cNvPicPr>
+          <p:nvPr/>
+        </p:nvPicPr>
+        <p:blipFill>
+          <a:blip r:embed="rId2"/>
+          <a:stretch>
+            <a:fillRect/>
+          </a:stretch>
+        </p:blipFill>
+        <p:spPr>
+          <a:xfrm>
+            <a:off x="1421130" y="2862548"/>
+            <a:ext cx="6073140" cy="1143543"/>
+          </a:xfrm>
+          <a:prstGeom prst="rect">
+            <a:avLst/>
+          </a:prstGeom>
+        </p:spPr>
+      </p:pic>
+    </p:spTree>
+    <p:extLst>
+      <p:ext uri="{BB962C8B-B14F-4D97-AF65-F5344CB8AC3E}">
+        <p14:creationId xmlns:p14="http://schemas.microsoft.com/office/powerpoint/2010/main" val="3973832201"/>
+      </p:ext>
+    </p:extLst>
+  </p:cSld>
+  <p:clrMapOvr>
+    <a:masterClrMapping/>
+  </p:clrMapOvr>
+  <p:timing>
+    <p:tnLst>
+      <p:par>
+        <p:cTn id="1" dur="indefinite" restart="never" nodeType="tmRoot"/>
+      </p:par>
+    </p:tnLst>
+  </p:timing>
+</p:sld>
+</file>
+
+<file path=ppt/slides/slide25.xml><?xml version="1.0" encoding="utf-8"?>
+<p:sld xmlns:a="http://schemas.openxmlformats.org/drawingml/2006/main" xmlns:r="http://schemas.openxmlformats.org/officeDocument/2006/relationships" xmlns:p="http://schemas.openxmlformats.org/presentationml/2006/main">
+  <p:cSld>
+    <p:spTree>
+      <p:nvGrpSpPr>
+        <p:cNvPr id="1" name=""/>
+        <p:cNvGrpSpPr/>
+        <p:nvPr/>
+      </p:nvGrpSpPr>
+      <p:grpSpPr>
+        <a:xfrm>
+          <a:off x="0" y="0"/>
+          <a:ext cx="0" cy="0"/>
+          <a:chOff x="0" y="0"/>
+          <a:chExt cx="0" cy="0"/>
+        </a:xfrm>
+      </p:grpSpPr>
+      <p:sp>
+        <p:nvSpPr>
+          <p:cNvPr id="2" name="Titre 1"/>
+          <p:cNvSpPr>
+            <a:spLocks noGrp="1"/>
+          </p:cNvSpPr>
+          <p:nvPr>
+            <p:ph type="title"/>
+          </p:nvPr>
+        </p:nvSpPr>
+        <p:spPr/>
+        <p:txBody>
+          <a:bodyPr/>
+          <a:lstStyle/>
+          <a:p>
+            <a:r>
+              <a:rPr lang="fr-FR" dirty="0" smtClean="0"/>
+              <a:t>Conclusion sur la « </a:t>
+            </a:r>
+            <a:r>
+              <a:rPr lang="fr-FR" dirty="0" err="1" smtClean="0"/>
+              <a:t>Parallel</a:t>
+            </a:r>
+            <a:r>
+              <a:rPr lang="fr-FR" dirty="0" smtClean="0"/>
+              <a:t> STL »</a:t>
+            </a:r>
+            <a:endParaRPr lang="fr-FR" dirty="0"/>
+          </a:p>
+        </p:txBody>
+      </p:sp>
+      <p:sp>
+        <p:nvSpPr>
+          <p:cNvPr id="3" name="Espace réservé du contenu 2"/>
+          <p:cNvSpPr>
+            <a:spLocks noGrp="1"/>
+          </p:cNvSpPr>
+          <p:nvPr>
+            <p:ph idx="1"/>
+          </p:nvPr>
+        </p:nvSpPr>
+        <p:spPr/>
+        <p:txBody>
+          <a:bodyPr>
+            <a:normAutofit/>
+          </a:bodyPr>
+          <a:lstStyle/>
+          <a:p>
+            <a:r>
+              <a:rPr lang="fr-FR" sz="1800" dirty="0" smtClean="0"/>
+              <a:t>À utiliser lorsque :</a:t>
+            </a:r>
+          </a:p>
+          <a:p>
+            <a:pPr lvl="1"/>
+            <a:r>
+              <a:rPr lang="fr-FR" sz="1800" dirty="0"/>
+              <a:t>O</a:t>
+            </a:r>
+            <a:r>
+              <a:rPr lang="fr-FR" sz="1800" dirty="0" smtClean="0"/>
+              <a:t>n </a:t>
+            </a:r>
+            <a:r>
+              <a:rPr lang="fr-FR" sz="1800" dirty="0"/>
+              <a:t>travaille sur d</a:t>
+            </a:r>
+            <a:r>
+              <a:rPr lang="fr-FR" sz="1800" dirty="0" smtClean="0"/>
+              <a:t>es données de (très) grande dimension</a:t>
+            </a:r>
+          </a:p>
+          <a:p>
+            <a:pPr lvl="1"/>
+            <a:r>
+              <a:rPr lang="fr-FR" sz="1800" dirty="0" smtClean="0"/>
+              <a:t>Les calculs sont conséquents par rapport aux transferts mémoire</a:t>
+            </a:r>
+          </a:p>
+          <a:p>
+            <a:pPr lvl="1"/>
+            <a:r>
+              <a:rPr lang="fr-FR" sz="1800" dirty="0" smtClean="0"/>
+              <a:t>On n’a pas le temps et on veut juste faire en sorte que ça aille (un peu) plus vite</a:t>
+            </a:r>
+          </a:p>
+        </p:txBody>
+      </p:sp>
+      <p:sp>
+        <p:nvSpPr>
+          <p:cNvPr id="4" name="Espace réservé du numéro de diapositive 3"/>
+          <p:cNvSpPr>
+            <a:spLocks noGrp="1"/>
+          </p:cNvSpPr>
+          <p:nvPr>
+            <p:ph type="sldNum" sz="quarter" idx="12"/>
+          </p:nvPr>
+        </p:nvSpPr>
+        <p:spPr/>
+        <p:txBody>
+          <a:bodyPr/>
+          <a:lstStyle/>
+          <a:p>
+            <a:fld id="{D57F1E4F-1CFF-5643-939E-217C01CDF565}" type="slidenum">
+              <a:rPr lang="fr-FR" smtClean="0"/>
+              <a:pPr/>
+              <a:t>25</a:t>
+            </a:fld>
+            <a:endParaRPr lang="fr-FR" dirty="0"/>
+          </a:p>
+        </p:txBody>
+      </p:sp>
+    </p:spTree>
+    <p:extLst>
+      <p:ext uri="{BB962C8B-B14F-4D97-AF65-F5344CB8AC3E}">
+        <p14:creationId xmlns:p14="http://schemas.microsoft.com/office/powerpoint/2010/main" val="3729147520"/>
+      </p:ext>
+    </p:extLst>
+  </p:cSld>
+  <p:clrMapOvr>
+    <a:masterClrMapping/>
+  </p:clrMapOvr>
+  <p:timing>
+    <p:tnLst>
+      <p:par>
+        <p:cTn id="1" dur="indefinite" restart="never" nodeType="tmRoot"/>
+      </p:par>
+    </p:tnLst>
+  </p:timing>
+</p:sld>
+</file>
+
+<file path=ppt/slides/slide26.xml><?xml version="1.0" encoding="utf-8"?>
+<p:sld xmlns:a="http://schemas.openxmlformats.org/drawingml/2006/main" xmlns:r="http://schemas.openxmlformats.org/officeDocument/2006/relationships" xmlns:p="http://schemas.openxmlformats.org/presentationml/2006/main">
+  <p:cSld>
+    <p:spTree>
+      <p:nvGrpSpPr>
+        <p:cNvPr id="1" name=""/>
+        <p:cNvGrpSpPr/>
+        <p:nvPr/>
+      </p:nvGrpSpPr>
+      <p:grpSpPr>
+        <a:xfrm>
+          <a:off x="0" y="0"/>
+          <a:ext cx="0" cy="0"/>
+          <a:chOff x="0" y="0"/>
+          <a:chExt cx="0" cy="0"/>
+        </a:xfrm>
+      </p:grpSpPr>
+      <p:sp>
+        <p:nvSpPr>
+          <p:cNvPr id="2" name="Titre 1"/>
+          <p:cNvSpPr>
+            <a:spLocks noGrp="1"/>
+          </p:cNvSpPr>
+          <p:nvPr>
+            <p:ph type="title"/>
+          </p:nvPr>
+        </p:nvSpPr>
+        <p:spPr/>
+        <p:txBody>
+          <a:bodyPr/>
+          <a:lstStyle/>
+          <a:p>
+            <a:r>
+              <a:rPr lang="fr-FR" dirty="0" smtClean="0"/>
+              <a:t>Des outils en ligne</a:t>
+            </a:r>
+            <a:endParaRPr lang="fr-FR" dirty="0"/>
+          </a:p>
+        </p:txBody>
+      </p:sp>
+      <p:sp>
+        <p:nvSpPr>
+          <p:cNvPr id="3" name="Espace réservé du texte 2"/>
+          <p:cNvSpPr>
+            <a:spLocks noGrp="1"/>
+          </p:cNvSpPr>
+          <p:nvPr>
+            <p:ph type="body" idx="1"/>
+          </p:nvPr>
+        </p:nvSpPr>
+        <p:spPr/>
+        <p:txBody>
+          <a:bodyPr/>
+          <a:lstStyle/>
+          <a:p>
+            <a:r>
+              <a:rPr lang="fr-FR" dirty="0" smtClean="0"/>
+              <a:t>Tester les compilateurs C++</a:t>
+            </a:r>
+            <a:endParaRPr lang="fr-FR" dirty="0"/>
+          </a:p>
+        </p:txBody>
+      </p:sp>
+      <p:sp>
+        <p:nvSpPr>
+          <p:cNvPr id="4" name="Espace réservé du contenu 3"/>
+          <p:cNvSpPr>
+            <a:spLocks noGrp="1"/>
+          </p:cNvSpPr>
+          <p:nvPr>
+            <p:ph sz="half" idx="2"/>
+          </p:nvPr>
+        </p:nvSpPr>
+        <p:spPr/>
+        <p:txBody>
+          <a:bodyPr/>
+          <a:lstStyle/>
+          <a:p>
+            <a:r>
+              <a:rPr lang="fr-FR" dirty="0" smtClean="0"/>
+              <a:t>Voir le code compilé :</a:t>
+            </a:r>
+            <a:br>
+              <a:rPr lang="fr-FR" dirty="0" smtClean="0"/>
+            </a:br>
+            <a:r>
+              <a:rPr lang="fr-FR" dirty="0">
+                <a:hlinkClick r:id="rId2"/>
+              </a:rPr>
+              <a:t>https://</a:t>
+            </a:r>
+            <a:r>
+              <a:rPr lang="fr-FR" dirty="0" smtClean="0">
+                <a:hlinkClick r:id="rId2"/>
+              </a:rPr>
+              <a:t>godbolt.org/z/179e9s</a:t>
+            </a:r>
+            <a:endParaRPr lang="fr-FR" dirty="0" smtClean="0"/>
+          </a:p>
+          <a:p>
+            <a:r>
+              <a:rPr lang="fr-FR" dirty="0" smtClean="0"/>
+              <a:t>Exécuter du code </a:t>
+            </a:r>
+            <a:r>
+              <a:rPr lang="fr-FR" dirty="0"/>
+              <a:t>compilé avec GCC/CLANG :</a:t>
+            </a:r>
+            <a:br>
+              <a:rPr lang="fr-FR" dirty="0"/>
+            </a:br>
+            <a:r>
+              <a:rPr lang="fr-FR" dirty="0">
+                <a:hlinkClick r:id="rId3"/>
+              </a:rPr>
+              <a:t>https://wandbox.org</a:t>
+            </a:r>
+            <a:r>
+              <a:rPr lang="fr-FR" dirty="0" smtClean="0">
+                <a:hlinkClick r:id="rId3"/>
+              </a:rPr>
+              <a:t>/</a:t>
+            </a:r>
+            <a:endParaRPr lang="fr-FR" dirty="0" smtClean="0"/>
+          </a:p>
+          <a:p>
+            <a:endParaRPr lang="fr-FR" dirty="0"/>
+          </a:p>
+        </p:txBody>
+      </p:sp>
+      <p:sp>
+        <p:nvSpPr>
+          <p:cNvPr id="5" name="Espace réservé du texte 4"/>
+          <p:cNvSpPr>
+            <a:spLocks noGrp="1"/>
+          </p:cNvSpPr>
+          <p:nvPr>
+            <p:ph type="body" sz="quarter" idx="3"/>
+          </p:nvPr>
+        </p:nvSpPr>
+        <p:spPr/>
+        <p:txBody>
+          <a:bodyPr/>
+          <a:lstStyle/>
+          <a:p>
+            <a:r>
+              <a:rPr lang="fr-FR" dirty="0" smtClean="0"/>
+              <a:t>Tester des langages</a:t>
+            </a:r>
+            <a:endParaRPr lang="fr-FR" dirty="0"/>
+          </a:p>
+        </p:txBody>
+      </p:sp>
+      <p:sp>
+        <p:nvSpPr>
+          <p:cNvPr id="6" name="Espace réservé du contenu 5"/>
+          <p:cNvSpPr>
+            <a:spLocks noGrp="1"/>
+          </p:cNvSpPr>
+          <p:nvPr>
+            <p:ph sz="quarter" idx="4"/>
+          </p:nvPr>
+        </p:nvSpPr>
+        <p:spPr/>
+        <p:txBody>
+          <a:bodyPr/>
+          <a:lstStyle/>
+          <a:p>
+            <a:r>
+              <a:rPr lang="fr-FR" dirty="0" smtClean="0"/>
+              <a:t>Exécuter </a:t>
+            </a:r>
+            <a:r>
+              <a:rPr lang="fr-FR" dirty="0"/>
+              <a:t>du code :</a:t>
+            </a:r>
+            <a:br>
+              <a:rPr lang="fr-FR" dirty="0"/>
+            </a:br>
+            <a:r>
+              <a:rPr lang="fr-FR" dirty="0">
+                <a:hlinkClick r:id="rId4"/>
+              </a:rPr>
+              <a:t>https://</a:t>
+            </a:r>
+            <a:r>
+              <a:rPr lang="fr-FR" dirty="0" smtClean="0">
+                <a:hlinkClick r:id="rId4"/>
+              </a:rPr>
+              <a:t>repl.it/languages/cpp</a:t>
+            </a:r>
+            <a:endParaRPr lang="fr-FR" dirty="0" smtClean="0"/>
+          </a:p>
+          <a:p>
+            <a:endParaRPr lang="fr-FR" dirty="0"/>
+          </a:p>
+        </p:txBody>
+      </p:sp>
+      <p:sp>
+        <p:nvSpPr>
+          <p:cNvPr id="7" name="Espace réservé du numéro de diapositive 6"/>
+          <p:cNvSpPr>
+            <a:spLocks noGrp="1"/>
+          </p:cNvSpPr>
+          <p:nvPr>
+            <p:ph type="sldNum" sz="quarter" idx="12"/>
+          </p:nvPr>
+        </p:nvSpPr>
+        <p:spPr/>
+        <p:txBody>
+          <a:bodyPr/>
+          <a:lstStyle/>
+          <a:p>
+            <a:fld id="{D57F1E4F-1CFF-5643-939E-217C01CDF565}" type="slidenum">
+              <a:rPr lang="fr-FR" smtClean="0"/>
+              <a:pPr/>
+              <a:t>26</a:t>
+            </a:fld>
+            <a:endParaRPr lang="fr-FR"/>
+          </a:p>
+        </p:txBody>
+      </p:sp>
+    </p:spTree>
+    <p:extLst>
+      <p:ext uri="{BB962C8B-B14F-4D97-AF65-F5344CB8AC3E}">
+        <p14:creationId xmlns:p14="http://schemas.microsoft.com/office/powerpoint/2010/main" val="1795622742"/>
+      </p:ext>
+    </p:extLst>
+  </p:cSld>
+  <p:clrMapOvr>
+    <a:masterClrMapping/>
+  </p:clrMapOvr>
+  <p:timing>
+    <p:tnLst>
+      <p:par>
+        <p:cTn id="1" dur="indefinite" restart="never" nodeType="tmRoot"/>
+      </p:par>
+    </p:tnLst>
+  </p:timing>
+</p:sld>
+</file>
+
+<file path=ppt/slides/slide27.xml><?xml version="1.0" encoding="utf-8"?>
+<p:sld xmlns:a="http://schemas.openxmlformats.org/drawingml/2006/main" xmlns:r="http://schemas.openxmlformats.org/officeDocument/2006/relationships" xmlns:p="http://schemas.openxmlformats.org/presentationml/2006/main">
+  <p:cSld>
+    <p:spTree>
+      <p:nvGrpSpPr>
+        <p:cNvPr id="1" name=""/>
+        <p:cNvGrpSpPr/>
+        <p:nvPr/>
+      </p:nvGrpSpPr>
+      <p:grpSpPr>
+        <a:xfrm>
+          <a:off x="0" y="0"/>
+          <a:ext cx="0" cy="0"/>
+          <a:chOff x="0" y="0"/>
+          <a:chExt cx="0" cy="0"/>
+        </a:xfrm>
+      </p:grpSpPr>
+      <p:sp>
+        <p:nvSpPr>
+          <p:cNvPr id="2" name="Titre 1"/>
+          <p:cNvSpPr>
+            <a:spLocks noGrp="1"/>
+          </p:cNvSpPr>
+          <p:nvPr>
+            <p:ph type="title"/>
+          </p:nvPr>
+        </p:nvSpPr>
+        <p:spPr/>
+        <p:txBody>
+          <a:bodyPr/>
+          <a:lstStyle/>
+          <a:p>
+            <a:r>
+              <a:rPr lang="fr-FR" dirty="0" smtClean="0"/>
+              <a:t>Sources</a:t>
+            </a:r>
+            <a:endParaRPr lang="fr-FR" dirty="0"/>
+          </a:p>
+        </p:txBody>
+      </p:sp>
+      <p:sp>
+        <p:nvSpPr>
+          <p:cNvPr id="3" name="Espace réservé du contenu 2"/>
+          <p:cNvSpPr>
+            <a:spLocks noGrp="1"/>
+          </p:cNvSpPr>
+          <p:nvPr>
+            <p:ph idx="1"/>
+          </p:nvPr>
+        </p:nvSpPr>
+        <p:spPr>
+          <a:xfrm>
+            <a:off x="819151" y="1921123"/>
+            <a:ext cx="7888955" cy="2758727"/>
+          </a:xfrm>
+        </p:spPr>
+        <p:txBody>
+          <a:bodyPr>
+            <a:normAutofit fontScale="55000" lnSpcReduction="20000"/>
+          </a:bodyPr>
+          <a:lstStyle/>
+          <a:p>
+            <a:r>
+              <a:rPr lang="fr-FR" sz="2400" dirty="0"/>
+              <a:t>Wikipédia </a:t>
+            </a:r>
+            <a:r>
+              <a:rPr lang="fr-FR" sz="2400" dirty="0" smtClean="0"/>
+              <a:t/>
+            </a:r>
+            <a:br>
+              <a:rPr lang="fr-FR" sz="2400" dirty="0" smtClean="0"/>
+            </a:br>
+            <a:r>
+              <a:rPr lang="fr-FR" sz="2400" dirty="0" smtClean="0">
+                <a:hlinkClick r:id="rId3"/>
+              </a:rPr>
+              <a:t>https</a:t>
+            </a:r>
+            <a:r>
+              <a:rPr lang="fr-FR" sz="2400" dirty="0">
+                <a:hlinkClick r:id="rId3"/>
+              </a:rPr>
+              <a:t>://</a:t>
+            </a:r>
+            <a:r>
+              <a:rPr lang="fr-FR" sz="2400" dirty="0" smtClean="0">
+                <a:hlinkClick r:id="rId3"/>
+              </a:rPr>
+              <a:t>fr.wikipedia.org/wiki/C%2B%2B</a:t>
+            </a:r>
+            <a:r>
+              <a:rPr lang="fr-FR" sz="2400" dirty="0"/>
+              <a:t/>
+            </a:r>
+            <a:br>
+              <a:rPr lang="fr-FR" sz="2400" dirty="0"/>
+            </a:br>
+            <a:endParaRPr lang="fr-FR" sz="2400" dirty="0" smtClean="0"/>
+          </a:p>
+          <a:p>
+            <a:r>
+              <a:rPr lang="fr-FR" sz="2400" dirty="0" err="1" smtClean="0">
+                <a:hlinkClick r:id="rId4"/>
+              </a:rPr>
+              <a:t>Toolchain</a:t>
+            </a:r>
+            <a:r>
+              <a:rPr lang="fr-FR" sz="2400" dirty="0" smtClean="0">
+                <a:hlinkClick r:id="rId4"/>
+              </a:rPr>
+              <a:t> : https</a:t>
+            </a:r>
+            <a:r>
+              <a:rPr lang="fr-FR" sz="2400" dirty="0">
+                <a:hlinkClick r:id="rId4"/>
+              </a:rPr>
+              <a:t>://</a:t>
+            </a:r>
+            <a:r>
+              <a:rPr lang="fr-FR" sz="2400" dirty="0" smtClean="0">
+                <a:hlinkClick r:id="rId4"/>
+              </a:rPr>
+              <a:t>www.cprogramming.com/tutorial/shared-libraries-linux-gcc.html</a:t>
+            </a:r>
+            <a:r>
+              <a:rPr lang="fr-FR" sz="2400" dirty="0"/>
+              <a:t/>
+            </a:r>
+            <a:br>
+              <a:rPr lang="fr-FR" sz="2400" dirty="0"/>
+            </a:br>
+            <a:r>
+              <a:rPr lang="fr-FR" sz="2400" dirty="0">
+                <a:hlinkClick r:id="rId5"/>
+              </a:rPr>
+              <a:t>https://</a:t>
+            </a:r>
+            <a:r>
+              <a:rPr lang="fr-FR" sz="2400" dirty="0" smtClean="0">
+                <a:hlinkClick r:id="rId5"/>
+              </a:rPr>
+              <a:t>imagecomputing.net/damien.rohmer/data/previous_website/documents/teaching/14_0fall_cpe/3eti_software_development_c/cours/cours4.pdf</a:t>
+            </a:r>
+            <a:r>
+              <a:rPr lang="fr-FR" sz="2400" dirty="0" smtClean="0"/>
+              <a:t/>
+            </a:r>
+            <a:br>
+              <a:rPr lang="fr-FR" sz="2400" dirty="0" smtClean="0"/>
+            </a:br>
+            <a:endParaRPr lang="fr-FR" sz="2400" dirty="0" smtClean="0"/>
+          </a:p>
+          <a:p>
+            <a:r>
+              <a:rPr lang="fr-FR" sz="2400" dirty="0">
+                <a:hlinkClick r:id="rId6"/>
+              </a:rPr>
+              <a:t>https://</a:t>
+            </a:r>
+            <a:r>
+              <a:rPr lang="fr-FR" sz="2400" dirty="0" smtClean="0">
+                <a:hlinkClick r:id="rId6"/>
+              </a:rPr>
+              <a:t>docs.microsoft.com/fr-fr/cpp/build/walkthrough-compiling-a-native-cpp-program-on-the-command-line?view=msvc-160</a:t>
+            </a:r>
+            <a:endParaRPr lang="fr-FR" sz="2400" dirty="0" smtClean="0"/>
+          </a:p>
+          <a:p>
+            <a:endParaRPr lang="fr-FR" sz="2400" dirty="0"/>
+          </a:p>
+          <a:p>
+            <a:r>
+              <a:rPr lang="fr-FR" sz="2400" dirty="0" smtClean="0"/>
+              <a:t>Options de compilation</a:t>
+            </a:r>
+          </a:p>
+          <a:p>
+            <a:pPr lvl="1"/>
+            <a:r>
+              <a:rPr lang="fr-FR" sz="2250" dirty="0"/>
+              <a:t>https://docs.microsoft.com/fr-fr/cpp/build/reference/compiler-options-listed-by-category?view=msvc-160</a:t>
+            </a:r>
+          </a:p>
+          <a:p>
+            <a:endParaRPr lang="fr-FR" sz="2400" dirty="0"/>
+          </a:p>
+        </p:txBody>
+      </p:sp>
+      <p:sp>
+        <p:nvSpPr>
+          <p:cNvPr id="4" name="Espace réservé du numéro de diapositive 3"/>
+          <p:cNvSpPr>
+            <a:spLocks noGrp="1"/>
+          </p:cNvSpPr>
+          <p:nvPr>
+            <p:ph type="sldNum" sz="quarter" idx="12"/>
+          </p:nvPr>
+        </p:nvSpPr>
+        <p:spPr/>
+        <p:txBody>
+          <a:bodyPr/>
+          <a:lstStyle/>
+          <a:p>
+            <a:pPr rtl="0"/>
+            <a:fld id="{D57F1E4F-1CFF-5643-939E-217C01CDF565}" type="slidenum">
+              <a:rPr lang="fr-FR" noProof="0" smtClean="0"/>
+              <a:pPr rtl="0"/>
+              <a:t>27</a:t>
+            </a:fld>
+            <a:endParaRPr lang="fr-FR" noProof="0" dirty="0"/>
+          </a:p>
+        </p:txBody>
+      </p:sp>
+    </p:spTree>
+    <p:extLst>
+      <p:ext uri="{BB962C8B-B14F-4D97-AF65-F5344CB8AC3E}">
+        <p14:creationId xmlns:p14="http://schemas.microsoft.com/office/powerpoint/2010/main" val="115280481"/>
+      </p:ext>
+    </p:extLst>
+  </p:cSld>
+  <p:clrMapOvr>
+    <a:masterClrMapping/>
+  </p:clrMapOvr>
+  <p:timing>
+    <p:tnLst>
+      <p:par>
+        <p:cTn id="1" dur="indefinite" restart="never" nodeType="tmRoot"/>
+      </p:par>
+    </p:tnLst>
+  </p:timing>
+</p:sld>
+</file>
+
+<file path=ppt/slides/slide28.xml><?xml version="1.0" encoding="utf-8"?>
+<p:sld xmlns:a="http://schemas.openxmlformats.org/drawingml/2006/main" xmlns:r="http://schemas.openxmlformats.org/officeDocument/2006/relationships" xmlns:p="http://schemas.openxmlformats.org/presentationml/2006/main">
+  <p:cSld>
+    <p:spTree>
+      <p:nvGrpSpPr>
+        <p:cNvPr id="1" name=""/>
+        <p:cNvGrpSpPr/>
+        <p:nvPr/>
+      </p:nvGrpSpPr>
+      <p:grpSpPr>
+        <a:xfrm>
+          <a:off x="0" y="0"/>
+          <a:ext cx="0" cy="0"/>
+          <a:chOff x="0" y="0"/>
+          <a:chExt cx="0" cy="0"/>
+        </a:xfrm>
+      </p:grpSpPr>
+      <p:pic>
+        <p:nvPicPr>
+          <p:cNvPr id="6" name="Image 5"/>
+          <p:cNvPicPr>
+            <a:picLocks noChangeAspect="1"/>
+          </p:cNvPicPr>
+          <p:nvPr/>
+        </p:nvPicPr>
+        <p:blipFill>
+          <a:blip r:embed="rId3">
+            <a:extLst>
+              <a:ext uri="{28A0092B-C50C-407E-A947-70E740481C1C}">
+                <a14:useLocalDpi xmlns:a14="http://schemas.microsoft.com/office/drawing/2010/main" val="0"/>
+              </a:ext>
+            </a:extLst>
+          </a:blip>
+          <a:stretch>
+            <a:fillRect/>
+          </a:stretch>
+        </p:blipFill>
+        <p:spPr>
+          <a:xfrm>
+            <a:off x="0" y="0"/>
+            <a:ext cx="9144000" cy="5715000"/>
+          </a:xfrm>
+          <a:prstGeom prst="rect">
+            <a:avLst/>
+          </a:prstGeom>
+        </p:spPr>
+      </p:pic>
+      <p:sp>
+        <p:nvSpPr>
+          <p:cNvPr id="4" name="Rectangle 3"/>
+          <p:cNvSpPr/>
+          <p:nvPr/>
+        </p:nvSpPr>
+        <p:spPr>
+          <a:xfrm>
+            <a:off x="435893" y="3689975"/>
+            <a:ext cx="8392798" cy="1166649"/>
+          </a:xfrm>
+          <a:prstGeom prst="rect">
+            <a:avLst/>
+          </a:prstGeom>
+        </p:spPr>
+        <p:style>
+          <a:lnRef idx="2">
+            <a:schemeClr val="accent1">
+              <a:shade val="50000"/>
+            </a:schemeClr>
+          </a:lnRef>
+          <a:fillRef idx="1">
+            <a:schemeClr val="accent1"/>
+          </a:fillRef>
+          <a:effectRef idx="0">
+            <a:schemeClr val="accent1"/>
+          </a:effectRef>
+          <a:fontRef idx="minor">
+            <a:schemeClr val="lt1"/>
+          </a:fontRef>
+        </p:style>
+        <p:txBody>
+          <a:bodyPr rtlCol="0" anchor="ctr"/>
+          <a:lstStyle/>
+          <a:p>
+            <a:pPr algn="ctr"/>
+            <a:endParaRPr lang="fr-FR" dirty="0"/>
+          </a:p>
+        </p:txBody>
+      </p:sp>
+      <p:sp>
+        <p:nvSpPr>
+          <p:cNvPr id="2" name="Titre 1">
+            <a:extLst>
+              <a:ext uri="{FF2B5EF4-FFF2-40B4-BE49-F238E27FC236}">
+                <a16:creationId xmlns:a16="http://schemas.microsoft.com/office/drawing/2014/main" id="{C02C5318-1A1E-49D0-B2E2-A4B0FA9E8A40}"/>
+              </a:ext>
+            </a:extLst>
+          </p:cNvPr>
+          <p:cNvSpPr>
+            <a:spLocks noGrp="1"/>
+          </p:cNvSpPr>
+          <p:nvPr>
+            <p:ph type="ctrTitle"/>
+          </p:nvPr>
+        </p:nvSpPr>
+        <p:spPr>
+          <a:xfrm>
+            <a:off x="435894" y="3714750"/>
+            <a:ext cx="8245162" cy="671433"/>
+          </a:xfrm>
+        </p:spPr>
+        <p:txBody>
+          <a:bodyPr rtlCol="0">
+            <a:noAutofit/>
+          </a:bodyPr>
+          <a:lstStyle/>
+          <a:p>
+            <a:pPr algn="r" rtl="0"/>
+            <a:r>
+              <a:rPr lang="fr-FR" sz="3150" dirty="0" smtClean="0">
+                <a:solidFill>
+                  <a:schemeClr val="bg1"/>
+                </a:solidFill>
+              </a:rPr>
+              <a:t>À suivre</a:t>
+            </a:r>
+            <a:endParaRPr lang="fr-FR" sz="3150" dirty="0">
+              <a:solidFill>
+                <a:schemeClr val="bg1"/>
+              </a:solidFill>
+            </a:endParaRPr>
+          </a:p>
+        </p:txBody>
+      </p:sp>
+      <p:sp>
+        <p:nvSpPr>
+          <p:cNvPr id="3" name="Sous-titre 2">
+            <a:extLst>
+              <a:ext uri="{FF2B5EF4-FFF2-40B4-BE49-F238E27FC236}">
+                <a16:creationId xmlns:a16="http://schemas.microsoft.com/office/drawing/2014/main" id="{48B6CF59-4E5B-494D-A2F7-97ADD01E6497}"/>
+              </a:ext>
+            </a:extLst>
+          </p:cNvPr>
+          <p:cNvSpPr>
+            <a:spLocks noGrp="1"/>
+          </p:cNvSpPr>
+          <p:nvPr>
+            <p:ph type="subTitle" idx="1"/>
+          </p:nvPr>
+        </p:nvSpPr>
+        <p:spPr>
+          <a:xfrm>
+            <a:off x="435895" y="4386184"/>
+            <a:ext cx="8245160" cy="363617"/>
+          </a:xfrm>
+        </p:spPr>
+        <p:txBody>
+          <a:bodyPr rtlCol="0">
+            <a:normAutofit/>
+          </a:bodyPr>
+          <a:lstStyle/>
+          <a:p>
+            <a:pPr algn="r" rtl="0"/>
+            <a:r>
+              <a:rPr lang="fr-FR" dirty="0" smtClean="0">
+                <a:solidFill>
+                  <a:srgbClr val="7CEBFF"/>
+                </a:solidFill>
+              </a:rPr>
+              <a:t>Formation </a:t>
+            </a:r>
+            <a:r>
+              <a:rPr lang="fr-FR" smtClean="0">
+                <a:solidFill>
+                  <a:srgbClr val="7CEBFF"/>
+                </a:solidFill>
+              </a:rPr>
+              <a:t>interne scalian</a:t>
+            </a:r>
+            <a:endParaRPr lang="fr-FR" dirty="0">
+              <a:solidFill>
+                <a:srgbClr val="7CEBFF"/>
+              </a:solidFill>
+            </a:endParaRPr>
+          </a:p>
+        </p:txBody>
+      </p:sp>
+      <p:sp>
+        <p:nvSpPr>
+          <p:cNvPr id="5" name="Espace réservé du numéro de diapositive 4"/>
+          <p:cNvSpPr>
+            <a:spLocks noGrp="1"/>
+          </p:cNvSpPr>
+          <p:nvPr>
+            <p:ph type="sldNum" sz="quarter" idx="12"/>
+          </p:nvPr>
+        </p:nvSpPr>
+        <p:spPr/>
+        <p:txBody>
+          <a:bodyPr/>
+          <a:lstStyle/>
+          <a:p>
+            <a:pPr rtl="0"/>
+            <a:fld id="{D57F1E4F-1CFF-5643-939E-217C01CDF565}" type="slidenum">
+              <a:rPr lang="fr-FR" noProof="0" smtClean="0"/>
+              <a:pPr rtl="0"/>
+              <a:t>28</a:t>
+            </a:fld>
+            <a:endParaRPr lang="fr-FR" noProof="0" dirty="0"/>
+          </a:p>
+        </p:txBody>
+      </p:sp>
+    </p:spTree>
+    <p:extLst>
+      <p:ext uri="{BB962C8B-B14F-4D97-AF65-F5344CB8AC3E}">
+        <p14:creationId xmlns:p14="http://schemas.microsoft.com/office/powerpoint/2010/main" val="2265540439"/>
+      </p:ext>
+    </p:extLst>
+  </p:cSld>
+  <p:clrMapOvr>
+    <a:masterClrMapping/>
+  </p:clrMapOvr>
+  <p:timing>
+    <p:tnLst>
+      <p:par>
+        <p:cTn id="1" dur="indefinite" restart="never" nodeType="tmRoot"/>
+      </p:par>
+    </p:tnLst>
+  </p:timing>
+</p:sld>
+</file>
+
+<file path=ppt/slides/slide3.xml><?xml version="1.0" encoding="utf-8"?>
+<p:sld xmlns:a="http://schemas.openxmlformats.org/drawingml/2006/main" xmlns:r="http://schemas.openxmlformats.org/officeDocument/2006/relationships" xmlns:p="http://schemas.openxmlformats.org/presentationml/2006/main">
+  <p:cSld>
+    <p:spTree>
+      <p:nvGrpSpPr>
+        <p:cNvPr id="1" name=""/>
+        <p:cNvGrpSpPr/>
+        <p:nvPr/>
+      </p:nvGrpSpPr>
+      <p:grpSpPr>
+        <a:xfrm>
+          <a:off x="0" y="0"/>
+          <a:ext cx="0" cy="0"/>
+          <a:chOff x="0" y="0"/>
+          <a:chExt cx="0" cy="0"/>
+        </a:xfrm>
+      </p:grpSpPr>
+      <p:sp>
+        <p:nvSpPr>
+          <p:cNvPr id="5" name="Titre 4"/>
+          <p:cNvSpPr>
+            <a:spLocks noGrp="1"/>
+          </p:cNvSpPr>
+          <p:nvPr>
+            <p:ph type="title"/>
+          </p:nvPr>
+        </p:nvSpPr>
+        <p:spPr/>
+        <p:txBody>
+          <a:bodyPr/>
+          <a:lstStyle/>
+          <a:p>
+            <a:r>
+              <a:rPr lang="fr-FR" dirty="0"/>
+              <a:t>Entêtes </a:t>
+            </a:r>
+            <a:r>
+              <a:rPr lang="fr-FR" dirty="0" smtClean="0"/>
+              <a:t>précompilées - </a:t>
+            </a:r>
+            <a:r>
+              <a:rPr lang="fr-FR" dirty="0" err="1" smtClean="0"/>
+              <a:t>Precompiled</a:t>
+            </a:r>
+            <a:r>
+              <a:rPr lang="fr-FR" dirty="0" smtClean="0"/>
+              <a:t> </a:t>
+            </a:r>
+            <a:r>
+              <a:rPr lang="fr-FR" dirty="0"/>
+              <a:t>header</a:t>
+            </a:r>
+          </a:p>
+        </p:txBody>
+      </p:sp>
+      <p:sp>
+        <p:nvSpPr>
+          <p:cNvPr id="6" name="Espace réservé du contenu 5"/>
+          <p:cNvSpPr>
+            <a:spLocks noGrp="1"/>
+          </p:cNvSpPr>
+          <p:nvPr>
+            <p:ph idx="1"/>
+          </p:nvPr>
+        </p:nvSpPr>
+        <p:spPr>
+          <a:xfrm>
+            <a:off x="692269" y="2843982"/>
+            <a:ext cx="8272211" cy="2202992"/>
+          </a:xfrm>
+        </p:spPr>
+        <p:txBody>
+          <a:bodyPr>
+            <a:normAutofit/>
+          </a:bodyPr>
+          <a:lstStyle/>
+          <a:p>
+            <a:r>
+              <a:rPr lang="fr-FR" sz="1800" dirty="0" smtClean="0"/>
+              <a:t>Pour </a:t>
+            </a:r>
+            <a:r>
+              <a:rPr lang="fr-FR" sz="1800" dirty="0"/>
+              <a:t>qui ? GCC &gt;= 3.4 et VS &gt;= </a:t>
+            </a:r>
+            <a:r>
+              <a:rPr lang="fr-FR" sz="1800" dirty="0" smtClean="0"/>
+              <a:t>2008. Fichiers stables et statiques (lib, </a:t>
+            </a:r>
+            <a:r>
+              <a:rPr lang="fr-FR" sz="1800" dirty="0" err="1" smtClean="0"/>
+              <a:t>stl</a:t>
+            </a:r>
+            <a:r>
+              <a:rPr lang="fr-FR" sz="1800" dirty="0" smtClean="0"/>
+              <a:t>, box…).</a:t>
+            </a:r>
+          </a:p>
+          <a:p>
+            <a:r>
+              <a:rPr lang="fr-FR" sz="1800" dirty="0" smtClean="0"/>
+              <a:t>Pourquoi : pendant le </a:t>
+            </a:r>
+            <a:r>
+              <a:rPr lang="fr-FR" sz="1800" dirty="0" err="1" smtClean="0"/>
+              <a:t>dev</a:t>
+            </a:r>
+            <a:r>
+              <a:rPr lang="fr-FR" sz="1800" dirty="0" smtClean="0"/>
+              <a:t>, pour limiter les temps de compilation qui peuvent être très lourds en C++ (</a:t>
+            </a:r>
+            <a:r>
+              <a:rPr lang="fr-FR" sz="1800" dirty="0" err="1" smtClean="0"/>
+              <a:t>std</a:t>
+            </a:r>
+            <a:r>
+              <a:rPr lang="fr-FR" sz="1800" dirty="0" smtClean="0"/>
+              <a:t>::</a:t>
+            </a:r>
+            <a:r>
+              <a:rPr lang="fr-FR" sz="1800" dirty="0" err="1" smtClean="0"/>
+              <a:t>vector</a:t>
+            </a:r>
+            <a:r>
+              <a:rPr lang="fr-FR" sz="1800" dirty="0"/>
+              <a:t> </a:t>
+            </a:r>
+            <a:r>
+              <a:rPr lang="fr-FR" sz="1800" dirty="0" smtClean="0"/>
+              <a:t>par exemple) (et c’est de pire en pire avec la </a:t>
+            </a:r>
+            <a:r>
+              <a:rPr lang="fr-FR" sz="1800" dirty="0" err="1" smtClean="0"/>
+              <a:t>meta</a:t>
+            </a:r>
+            <a:r>
+              <a:rPr lang="fr-FR" sz="1800" dirty="0" smtClean="0"/>
+              <a:t>-programmation et les grosse bibliothèques (</a:t>
+            </a:r>
+            <a:r>
+              <a:rPr lang="fr-FR" sz="1800" dirty="0" err="1" smtClean="0"/>
+              <a:t>boost</a:t>
+            </a:r>
+            <a:r>
+              <a:rPr lang="fr-FR" sz="1800" dirty="0" smtClean="0"/>
+              <a:t>, </a:t>
+            </a:r>
+            <a:r>
+              <a:rPr lang="fr-FR" sz="1800" dirty="0" err="1" smtClean="0"/>
+              <a:t>eigen</a:t>
+            </a:r>
+            <a:r>
+              <a:rPr lang="fr-FR" sz="1800" dirty="0" smtClean="0"/>
+              <a:t>, etc.))</a:t>
+            </a:r>
+          </a:p>
+          <a:p>
+            <a:endParaRPr lang="fr-FR" sz="1800" dirty="0" smtClean="0"/>
+          </a:p>
+        </p:txBody>
+      </p:sp>
+      <p:sp>
+        <p:nvSpPr>
+          <p:cNvPr id="4" name="Espace réservé du numéro de diapositive 3"/>
+          <p:cNvSpPr>
+            <a:spLocks noGrp="1"/>
+          </p:cNvSpPr>
+          <p:nvPr>
+            <p:ph type="sldNum" sz="quarter" idx="12"/>
+          </p:nvPr>
+        </p:nvSpPr>
+        <p:spPr/>
+        <p:txBody>
+          <a:bodyPr/>
+          <a:lstStyle/>
+          <a:p>
+            <a:pPr rtl="0"/>
+            <a:fld id="{D57F1E4F-1CFF-5643-939E-217C01CDF565}" type="slidenum">
+              <a:rPr lang="fr-FR" noProof="0" smtClean="0"/>
+              <a:pPr rtl="0"/>
+              <a:t>3</a:t>
+            </a:fld>
+            <a:endParaRPr lang="fr-FR" noProof="0" dirty="0"/>
+          </a:p>
+        </p:txBody>
+      </p:sp>
+      <p:sp>
+        <p:nvSpPr>
+          <p:cNvPr id="2" name="Rectangle 1"/>
+          <p:cNvSpPr/>
+          <p:nvPr/>
+        </p:nvSpPr>
+        <p:spPr>
+          <a:xfrm>
+            <a:off x="918150" y="1713923"/>
+            <a:ext cx="7307700" cy="923330"/>
+          </a:xfrm>
+          <a:prstGeom prst="rect">
+            <a:avLst/>
+          </a:prstGeom>
+        </p:spPr>
+        <p:txBody>
+          <a:bodyPr wrap="square">
+            <a:spAutoFit/>
+          </a:bodyPr>
+          <a:lstStyle/>
+          <a:p>
+            <a:r>
+              <a:rPr lang="fr-FR" dirty="0"/>
+              <a:t>C’est un fichier header compilé dans une forme intermédiaire (</a:t>
+            </a:r>
+            <a:r>
+              <a:rPr lang="fr-FR" dirty="0" err="1"/>
+              <a:t>stdafx.h</a:t>
+            </a:r>
+            <a:r>
+              <a:rPr lang="fr-FR" dirty="0"/>
+              <a:t> pour </a:t>
+            </a:r>
+            <a:r>
+              <a:rPr lang="fr-FR" dirty="0" err="1"/>
+              <a:t>visual</a:t>
+            </a:r>
+            <a:r>
+              <a:rPr lang="fr-FR" dirty="0"/>
+              <a:t> &lt;=2017, </a:t>
+            </a:r>
+            <a:r>
+              <a:rPr lang="fr-FR" dirty="0" err="1"/>
+              <a:t>pch.h</a:t>
+            </a:r>
+            <a:r>
+              <a:rPr lang="fr-FR" dirty="0"/>
+              <a:t> pour </a:t>
+            </a:r>
+            <a:r>
+              <a:rPr lang="fr-FR" dirty="0" err="1"/>
+              <a:t>visual</a:t>
+            </a:r>
+            <a:r>
+              <a:rPr lang="fr-FR" dirty="0"/>
+              <a:t> 2019, </a:t>
+            </a:r>
+            <a:r>
+              <a:rPr lang="fr-FR" dirty="0" smtClean="0"/>
+              <a:t>)</a:t>
+            </a:r>
+          </a:p>
+          <a:p>
+            <a:r>
+              <a:rPr lang="fr-FR" dirty="0"/>
+              <a:t>C</a:t>
+            </a:r>
+            <a:r>
+              <a:rPr lang="fr-FR" dirty="0" smtClean="0"/>
+              <a:t>ompilé </a:t>
+            </a:r>
+            <a:r>
+              <a:rPr lang="fr-FR" dirty="0"/>
+              <a:t>en *.</a:t>
+            </a:r>
+            <a:r>
+              <a:rPr lang="fr-FR" dirty="0" err="1"/>
+              <a:t>pch</a:t>
+            </a:r>
+            <a:r>
+              <a:rPr lang="fr-FR" dirty="0"/>
+              <a:t> (</a:t>
+            </a:r>
+            <a:r>
+              <a:rPr lang="fr-FR" dirty="0" err="1"/>
+              <a:t>visual</a:t>
+            </a:r>
+            <a:r>
+              <a:rPr lang="fr-FR" dirty="0"/>
+              <a:t>) ou *.</a:t>
+            </a:r>
+            <a:r>
+              <a:rPr lang="fr-FR" dirty="0" err="1"/>
+              <a:t>gch</a:t>
+            </a:r>
+            <a:r>
+              <a:rPr lang="fr-FR" dirty="0"/>
+              <a:t> (GNU)</a:t>
+            </a:r>
+          </a:p>
+        </p:txBody>
+      </p:sp>
+    </p:spTree>
+    <p:extLst>
+      <p:ext uri="{BB962C8B-B14F-4D97-AF65-F5344CB8AC3E}">
+        <p14:creationId xmlns:p14="http://schemas.microsoft.com/office/powerpoint/2010/main" val="3833744031"/>
+      </p:ext>
+    </p:extLst>
+  </p:cSld>
+  <p:clrMapOvr>
+    <a:masterClrMapping/>
+  </p:clrMapOvr>
+</p:sld>
+</file>
+
+<file path=ppt/slides/slide4.xml><?xml version="1.0" encoding="utf-8"?>
+<p:sld xmlns:a="http://schemas.openxmlformats.org/drawingml/2006/main" xmlns:r="http://schemas.openxmlformats.org/officeDocument/2006/relationships" xmlns:p="http://schemas.openxmlformats.org/presentationml/2006/main">
+  <p:cSld>
+    <p:spTree>
+      <p:nvGrpSpPr>
+        <p:cNvPr id="1" name=""/>
+        <p:cNvGrpSpPr/>
+        <p:nvPr/>
+      </p:nvGrpSpPr>
+      <p:grpSpPr>
+        <a:xfrm>
+          <a:off x="0" y="0"/>
+          <a:ext cx="0" cy="0"/>
+          <a:chOff x="0" y="0"/>
+          <a:chExt cx="0" cy="0"/>
+        </a:xfrm>
+      </p:grpSpPr>
+      <p:sp>
+        <p:nvSpPr>
+          <p:cNvPr id="5" name="Titre 4"/>
+          <p:cNvSpPr>
+            <a:spLocks noGrp="1"/>
+          </p:cNvSpPr>
+          <p:nvPr>
+            <p:ph type="title"/>
+          </p:nvPr>
+        </p:nvSpPr>
+        <p:spPr/>
+        <p:txBody>
+          <a:bodyPr/>
+          <a:lstStyle/>
+          <a:p>
+            <a:r>
+              <a:rPr lang="fr-FR" dirty="0" smtClean="0"/>
+              <a:t>Exemple</a:t>
+            </a:r>
+            <a:endParaRPr lang="fr-FR" dirty="0"/>
+          </a:p>
+        </p:txBody>
+      </p:sp>
+      <p:sp>
+        <p:nvSpPr>
+          <p:cNvPr id="6" name="Espace réservé du contenu 5"/>
+          <p:cNvSpPr>
+            <a:spLocks noGrp="1"/>
+          </p:cNvSpPr>
+          <p:nvPr>
+            <p:ph idx="1"/>
+          </p:nvPr>
+        </p:nvSpPr>
+        <p:spPr>
+          <a:xfrm>
+            <a:off x="546990" y="1338944"/>
+            <a:ext cx="8272211" cy="3743666"/>
+          </a:xfrm>
+        </p:spPr>
+        <p:txBody>
+          <a:bodyPr/>
+          <a:lstStyle/>
+          <a:p>
+            <a:r>
+              <a:rPr lang="fr-FR" dirty="0" smtClean="0"/>
+              <a:t>main.cpp + </a:t>
+            </a:r>
+            <a:r>
+              <a:rPr lang="fr-FR" dirty="0" err="1" smtClean="0"/>
+              <a:t>header.h</a:t>
+            </a:r>
+            <a:r>
+              <a:rPr lang="fr-FR" dirty="0" smtClean="0"/>
+              <a:t> </a:t>
+            </a:r>
+            <a:r>
+              <a:rPr lang="fr-FR" dirty="0" smtClean="0">
+                <a:sym typeface="Wingdings" panose="05000000000000000000" pitchFamily="2" charset="2"/>
+              </a:rPr>
+              <a:t></a:t>
+            </a:r>
+            <a:r>
+              <a:rPr lang="fr-FR" dirty="0" smtClean="0"/>
+              <a:t> première compilation, on compile tout et on génère un header.pch</a:t>
+            </a:r>
+          </a:p>
+          <a:p>
+            <a:r>
+              <a:rPr lang="fr-FR" dirty="0" smtClean="0"/>
+              <a:t>À la prochaine compilation, si l’horodatage de </a:t>
+            </a:r>
+            <a:r>
+              <a:rPr lang="fr-FR" dirty="0" err="1" smtClean="0"/>
+              <a:t>header.h</a:t>
+            </a:r>
+            <a:r>
+              <a:rPr lang="fr-FR" dirty="0" smtClean="0"/>
+              <a:t> n’a pas changé, le compilateur ne recompile pas </a:t>
+            </a:r>
+            <a:r>
+              <a:rPr lang="fr-FR" dirty="0" err="1" smtClean="0"/>
+              <a:t>header.h</a:t>
+            </a:r>
+            <a:r>
+              <a:rPr lang="fr-FR" dirty="0" smtClean="0"/>
+              <a:t>, il utilise directement header.pch</a:t>
+            </a:r>
+          </a:p>
+          <a:p>
+            <a:r>
+              <a:rPr lang="fr-FR" dirty="0" smtClean="0"/>
+              <a:t>On peut de cette manière ne recompiler que le main s’il a changé.</a:t>
+            </a:r>
+            <a:endParaRPr lang="fr-FR" dirty="0"/>
+          </a:p>
+          <a:p>
+            <a:r>
+              <a:rPr lang="fr-FR" dirty="0" smtClean="0"/>
+              <a:t>Dans VS : option de compilation /Y*. </a:t>
+            </a:r>
+          </a:p>
+          <a:p>
+            <a:pPr lvl="1"/>
+            <a:r>
+              <a:rPr lang="fr-FR" dirty="0" smtClean="0"/>
+              <a:t>/</a:t>
+            </a:r>
+            <a:r>
+              <a:rPr lang="fr-FR" dirty="0" err="1" smtClean="0"/>
+              <a:t>Yc</a:t>
+            </a:r>
+            <a:r>
+              <a:rPr lang="fr-FR" dirty="0" smtClean="0"/>
+              <a:t> pour activer les entêtes précompilées</a:t>
+            </a:r>
+          </a:p>
+          <a:p>
+            <a:pPr lvl="1"/>
+            <a:r>
+              <a:rPr lang="fr-FR" dirty="0"/>
+              <a:t>/</a:t>
+            </a:r>
+            <a:r>
+              <a:rPr lang="fr-FR" dirty="0" err="1" smtClean="0"/>
+              <a:t>Yu</a:t>
+            </a:r>
+            <a:r>
+              <a:rPr lang="fr-FR" dirty="0" smtClean="0"/>
+              <a:t> permet de renseigner un fichier déjà généré en amont</a:t>
+            </a:r>
+          </a:p>
+          <a:p>
+            <a:pPr lvl="1"/>
+            <a:r>
+              <a:rPr lang="fr-FR" dirty="0" smtClean="0"/>
+              <a:t>/FP permet de spécifier le nom de l’entête</a:t>
+            </a:r>
+          </a:p>
+          <a:p>
+            <a:r>
+              <a:rPr lang="fr-FR" dirty="0" smtClean="0"/>
+              <a:t>Règles : </a:t>
+            </a:r>
+          </a:p>
+          <a:p>
+            <a:pPr lvl="1"/>
+            <a:r>
+              <a:rPr lang="fr-FR" dirty="0"/>
+              <a:t>O</a:t>
+            </a:r>
+            <a:r>
+              <a:rPr lang="fr-FR" dirty="0" smtClean="0"/>
+              <a:t>n ne peut pas partager un *.</a:t>
+            </a:r>
+            <a:r>
+              <a:rPr lang="fr-FR" dirty="0" err="1" smtClean="0"/>
+              <a:t>pch</a:t>
+            </a:r>
+            <a:r>
+              <a:rPr lang="fr-FR" dirty="0" smtClean="0"/>
+              <a:t>. Il est dépendant de la machine sur laquelle il a été créé.</a:t>
+            </a:r>
+          </a:p>
+          <a:p>
+            <a:pPr lvl="1"/>
+            <a:r>
+              <a:rPr lang="fr-FR" dirty="0" smtClean="0"/>
+              <a:t>Bien que l’utilisation d’un </a:t>
+            </a:r>
+            <a:r>
+              <a:rPr lang="fr-FR" dirty="0" err="1" smtClean="0"/>
+              <a:t>pch</a:t>
+            </a:r>
+            <a:r>
+              <a:rPr lang="fr-FR" dirty="0" smtClean="0"/>
+              <a:t> ayant été créé avec une configuration différentes </a:t>
+            </a:r>
+            <a:r>
+              <a:rPr lang="fr-FR" dirty="0"/>
+              <a:t>est permise (options de compilation, </a:t>
+            </a:r>
+            <a:r>
+              <a:rPr lang="fr-FR" dirty="0" err="1"/>
+              <a:t>debug</a:t>
+            </a:r>
+            <a:r>
+              <a:rPr lang="fr-FR" dirty="0"/>
+              <a:t>, variables d’environnement etc</a:t>
+            </a:r>
+            <a:r>
+              <a:rPr lang="fr-FR" dirty="0" smtClean="0"/>
+              <a:t>.), des incohérences et des warnings peuvent apparaître.</a:t>
+            </a:r>
+          </a:p>
+        </p:txBody>
+      </p:sp>
+      <p:sp>
+        <p:nvSpPr>
+          <p:cNvPr id="4" name="Espace réservé du numéro de diapositive 3"/>
+          <p:cNvSpPr>
+            <a:spLocks noGrp="1"/>
+          </p:cNvSpPr>
+          <p:nvPr>
+            <p:ph type="sldNum" sz="quarter" idx="12"/>
+          </p:nvPr>
+        </p:nvSpPr>
+        <p:spPr/>
+        <p:txBody>
+          <a:bodyPr/>
+          <a:lstStyle/>
+          <a:p>
+            <a:pPr rtl="0"/>
+            <a:fld id="{D57F1E4F-1CFF-5643-939E-217C01CDF565}" type="slidenum">
+              <a:rPr lang="fr-FR" noProof="0" smtClean="0"/>
+              <a:pPr rtl="0"/>
+              <a:t>4</a:t>
+            </a:fld>
+            <a:endParaRPr lang="fr-FR" noProof="0" dirty="0"/>
+          </a:p>
+        </p:txBody>
+      </p:sp>
+      <p:sp>
+        <p:nvSpPr>
+          <p:cNvPr id="2" name="Rectangle 1"/>
+          <p:cNvSpPr/>
+          <p:nvPr/>
+        </p:nvSpPr>
+        <p:spPr>
+          <a:xfrm>
+            <a:off x="1842951" y="5069038"/>
+            <a:ext cx="5458097" cy="369332"/>
+          </a:xfrm>
+          <a:prstGeom prst="rect">
+            <a:avLst/>
+          </a:prstGeom>
+        </p:spPr>
+        <p:txBody>
+          <a:bodyPr wrap="none">
+            <a:spAutoFit/>
+          </a:bodyPr>
+          <a:lstStyle/>
+          <a:p>
+            <a:r>
+              <a:rPr lang="fr-FR" dirty="0" smtClean="0"/>
+              <a:t>À noter :  Visual </a:t>
+            </a:r>
+            <a:r>
+              <a:rPr lang="fr-FR" dirty="0"/>
+              <a:t>peut précompiler les headers et les </a:t>
+            </a:r>
+            <a:r>
+              <a:rPr lang="fr-FR" dirty="0" err="1"/>
+              <a:t>cpp</a:t>
+            </a:r>
+            <a:r>
+              <a:rPr lang="fr-FR" dirty="0"/>
+              <a:t>.</a:t>
+            </a:r>
+          </a:p>
+        </p:txBody>
+      </p:sp>
+    </p:spTree>
+    <p:extLst>
+      <p:ext uri="{BB962C8B-B14F-4D97-AF65-F5344CB8AC3E}">
+        <p14:creationId xmlns:p14="http://schemas.microsoft.com/office/powerpoint/2010/main" val="2794617608"/>
+      </p:ext>
+    </p:extLst>
+  </p:cSld>
+  <p:clrMapOvr>
+    <a:masterClrMapping/>
+  </p:clrMapOvr>
+</p:sld>
+</file>
+
+<file path=ppt/slides/slide5.xml><?xml version="1.0" encoding="utf-8"?>
+<p:sld xmlns:a="http://schemas.openxmlformats.org/drawingml/2006/main" xmlns:r="http://schemas.openxmlformats.org/officeDocument/2006/relationships" xmlns:p="http://schemas.openxmlformats.org/presentationml/2006/main">
+  <p:cSld>
+    <p:spTree>
+      <p:nvGrpSpPr>
+        <p:cNvPr id="1" name=""/>
+        <p:cNvGrpSpPr/>
+        <p:nvPr/>
+      </p:nvGrpSpPr>
+      <p:grpSpPr>
+        <a:xfrm>
+          <a:off x="0" y="0"/>
+          <a:ext cx="0" cy="0"/>
+          <a:chOff x="0" y="0"/>
+          <a:chExt cx="0" cy="0"/>
+        </a:xfrm>
+      </p:grpSpPr>
+      <p:sp>
+        <p:nvSpPr>
+          <p:cNvPr id="5" name="Titre 4"/>
+          <p:cNvSpPr>
+            <a:spLocks noGrp="1"/>
+          </p:cNvSpPr>
+          <p:nvPr>
+            <p:ph type="title"/>
+          </p:nvPr>
+        </p:nvSpPr>
+        <p:spPr/>
+        <p:txBody>
+          <a:bodyPr/>
+          <a:lstStyle/>
+          <a:p>
+            <a:r>
+              <a:rPr lang="fr-FR" dirty="0" smtClean="0"/>
+              <a:t>Exemple depuis la ligne de commande</a:t>
+            </a:r>
+            <a:endParaRPr lang="fr-FR" dirty="0"/>
+          </a:p>
+        </p:txBody>
+      </p:sp>
+      <p:sp>
+        <p:nvSpPr>
+          <p:cNvPr id="6" name="Espace réservé du contenu 5"/>
+          <p:cNvSpPr>
+            <a:spLocks noGrp="1"/>
+          </p:cNvSpPr>
+          <p:nvPr>
+            <p:ph idx="1"/>
+          </p:nvPr>
+        </p:nvSpPr>
+        <p:spPr>
+          <a:xfrm>
+            <a:off x="435895" y="1364896"/>
+            <a:ext cx="8272211" cy="634820"/>
+          </a:xfrm>
+        </p:spPr>
+        <p:txBody>
+          <a:bodyPr/>
+          <a:lstStyle/>
+          <a:p>
+            <a:r>
+              <a:rPr lang="fr-FR" dirty="0" smtClean="0"/>
+              <a:t>Exemple de </a:t>
+            </a:r>
+            <a:r>
+              <a:rPr lang="fr-FR" dirty="0" err="1" smtClean="0"/>
+              <a:t>makefile</a:t>
+            </a:r>
+            <a:r>
+              <a:rPr lang="fr-FR" dirty="0" smtClean="0"/>
+              <a:t> venu de </a:t>
+            </a:r>
+            <a:r>
+              <a:rPr lang="fr-FR" dirty="0"/>
+              <a:t>M</a:t>
+            </a:r>
+            <a:r>
+              <a:rPr lang="fr-FR" dirty="0" smtClean="0"/>
+              <a:t>icrosoft</a:t>
+            </a:r>
+          </a:p>
+        </p:txBody>
+      </p:sp>
+      <p:sp>
+        <p:nvSpPr>
+          <p:cNvPr id="4" name="Espace réservé du numéro de diapositive 3"/>
+          <p:cNvSpPr>
+            <a:spLocks noGrp="1"/>
+          </p:cNvSpPr>
+          <p:nvPr>
+            <p:ph type="sldNum" sz="quarter" idx="12"/>
+          </p:nvPr>
+        </p:nvSpPr>
+        <p:spPr/>
+        <p:txBody>
+          <a:bodyPr/>
+          <a:lstStyle/>
+          <a:p>
+            <a:pPr rtl="0"/>
+            <a:fld id="{D57F1E4F-1CFF-5643-939E-217C01CDF565}" type="slidenum">
+              <a:rPr lang="fr-FR" noProof="0" smtClean="0"/>
+              <a:pPr rtl="0"/>
+              <a:t>5</a:t>
+            </a:fld>
+            <a:endParaRPr lang="fr-FR" noProof="0" dirty="0"/>
+          </a:p>
+        </p:txBody>
+      </p:sp>
+      <p:pic>
+        <p:nvPicPr>
+          <p:cNvPr id="2" name="Image 1"/>
+          <p:cNvPicPr>
+            <a:picLocks noChangeAspect="1"/>
+          </p:cNvPicPr>
+          <p:nvPr/>
+        </p:nvPicPr>
+        <p:blipFill>
+          <a:blip r:embed="rId3"/>
+          <a:stretch>
+            <a:fillRect/>
+          </a:stretch>
+        </p:blipFill>
+        <p:spPr>
+          <a:xfrm>
+            <a:off x="727729" y="2042845"/>
+            <a:ext cx="5069627" cy="3364797"/>
+          </a:xfrm>
+          <a:prstGeom prst="rect">
+            <a:avLst/>
+          </a:prstGeom>
+        </p:spPr>
+      </p:pic>
+      <p:sp>
+        <p:nvSpPr>
+          <p:cNvPr id="7" name="Espace réservé du contenu 5"/>
+          <p:cNvSpPr txBox="1">
+            <a:spLocks/>
+          </p:cNvSpPr>
+          <p:nvPr/>
+        </p:nvSpPr>
+        <p:spPr>
+          <a:xfrm>
+            <a:off x="5878143" y="2042844"/>
+            <a:ext cx="3173498" cy="2631705"/>
+          </a:xfrm>
+          <a:prstGeom prst="rect">
+            <a:avLst/>
+          </a:prstGeom>
+        </p:spPr>
+        <p:txBody>
+          <a:bodyPr vert="horz" lIns="91440" tIns="45720" rIns="91440" bIns="45720" rtlCol="0" anchor="ctr">
+            <a:normAutofit/>
+          </a:bodyPr>
+          <a:lstStyle>
+            <a:lvl1pPr marL="229500" indent="-229500" algn="l" defTabSz="342900" rtl="0" eaLnBrk="1" latinLnBrk="0" hangingPunct="1">
+              <a:spcBef>
+                <a:spcPct val="20000"/>
+              </a:spcBef>
+              <a:spcAft>
+                <a:spcPts val="450"/>
+              </a:spcAft>
+              <a:buClr>
+                <a:schemeClr val="accent2"/>
+              </a:buClr>
+              <a:buSzPct val="92000"/>
+              <a:buFont typeface="Wingdings 2" panose="05020102010507070707" pitchFamily="18" charset="2"/>
+              <a:buChar char=""/>
+              <a:defRPr sz="1350" kern="1200">
+                <a:solidFill>
+                  <a:schemeClr val="tx2"/>
+                </a:solidFill>
+                <a:latin typeface="+mn-lt"/>
+                <a:ea typeface="+mn-ea"/>
+                <a:cs typeface="+mn-cs"/>
+              </a:defRPr>
+            </a:lvl1pPr>
+            <a:lvl2pPr marL="472500" indent="-229500" algn="l" defTabSz="342900" rtl="0" eaLnBrk="1" latinLnBrk="0" hangingPunct="1">
+              <a:spcBef>
+                <a:spcPct val="20000"/>
+              </a:spcBef>
+              <a:spcAft>
+                <a:spcPts val="450"/>
+              </a:spcAft>
+              <a:buClr>
+                <a:schemeClr val="accent2"/>
+              </a:buClr>
+              <a:buSzPct val="92000"/>
+              <a:buFont typeface="Wingdings 2" panose="05020102010507070707" pitchFamily="18" charset="2"/>
+              <a:buChar char=""/>
+              <a:defRPr sz="1200" kern="1200">
+                <a:solidFill>
+                  <a:schemeClr val="tx2"/>
+                </a:solidFill>
+                <a:latin typeface="+mn-lt"/>
+                <a:ea typeface="+mn-ea"/>
+                <a:cs typeface="+mn-cs"/>
+              </a:defRPr>
+            </a:lvl2pPr>
+            <a:lvl3pPr marL="675000" indent="-202500" algn="l" defTabSz="342900" rtl="0" eaLnBrk="1" latinLnBrk="0" hangingPunct="1">
+              <a:spcBef>
+                <a:spcPct val="20000"/>
+              </a:spcBef>
+              <a:spcAft>
+                <a:spcPts val="450"/>
+              </a:spcAft>
+              <a:buClr>
+                <a:schemeClr val="accent2"/>
+              </a:buClr>
+              <a:buSzPct val="92000"/>
+              <a:buFont typeface="Wingdings 2" panose="05020102010507070707" pitchFamily="18" charset="2"/>
+              <a:buChar char=""/>
+              <a:defRPr sz="1050" kern="1200">
+                <a:solidFill>
+                  <a:schemeClr val="tx2"/>
+                </a:solidFill>
+                <a:latin typeface="+mn-lt"/>
+                <a:ea typeface="+mn-ea"/>
+                <a:cs typeface="+mn-cs"/>
+              </a:defRPr>
+            </a:lvl3pPr>
+            <a:lvl4pPr marL="931500" indent="-175500" algn="l" defTabSz="342900" rtl="0" eaLnBrk="1" latinLnBrk="0" hangingPunct="1">
+              <a:spcBef>
+                <a:spcPct val="20000"/>
+              </a:spcBef>
+              <a:spcAft>
+                <a:spcPts val="450"/>
+              </a:spcAft>
+              <a:buClr>
+                <a:schemeClr val="accent2"/>
+              </a:buClr>
+              <a:buSzPct val="92000"/>
+              <a:buFont typeface="Wingdings 2" panose="05020102010507070707" pitchFamily="18" charset="2"/>
+              <a:buChar char=""/>
+              <a:defRPr sz="900" kern="1200">
+                <a:solidFill>
+                  <a:schemeClr val="tx2"/>
+                </a:solidFill>
+                <a:latin typeface="+mn-lt"/>
+                <a:ea typeface="+mn-ea"/>
+                <a:cs typeface="+mn-cs"/>
+              </a:defRPr>
+            </a:lvl4pPr>
+            <a:lvl5pPr marL="1201500" indent="-175500" algn="l" defTabSz="342900" rtl="0" eaLnBrk="1" latinLnBrk="0" hangingPunct="1">
+              <a:spcBef>
+                <a:spcPct val="20000"/>
+              </a:spcBef>
+              <a:spcAft>
+                <a:spcPts val="450"/>
+              </a:spcAft>
+              <a:buClr>
+                <a:schemeClr val="accent2"/>
+              </a:buClr>
+              <a:buSzPct val="92000"/>
+              <a:buFont typeface="Wingdings 2" panose="05020102010507070707" pitchFamily="18" charset="2"/>
+              <a:buChar char=""/>
+              <a:defRPr sz="900" kern="1200">
+                <a:solidFill>
+                  <a:schemeClr val="tx2"/>
+                </a:solidFill>
+                <a:latin typeface="+mn-lt"/>
+                <a:ea typeface="+mn-ea"/>
+                <a:cs typeface="+mn-cs"/>
+              </a:defRPr>
+            </a:lvl5pPr>
+            <a:lvl6pPr marL="1425000" indent="-171450" algn="l" defTabSz="342900" rtl="0" eaLnBrk="1" latinLnBrk="0" hangingPunct="1">
+              <a:spcBef>
+                <a:spcPct val="20000"/>
+              </a:spcBef>
+              <a:spcAft>
+                <a:spcPts val="450"/>
+              </a:spcAft>
+              <a:buClr>
+                <a:schemeClr val="accent2"/>
+              </a:buClr>
+              <a:buSzPct val="92000"/>
+              <a:buFont typeface="Wingdings 2" panose="05020102010507070707" pitchFamily="18" charset="2"/>
+              <a:buChar char=""/>
+              <a:defRPr sz="900" kern="1200">
+                <a:solidFill>
+                  <a:schemeClr val="tx2"/>
+                </a:solidFill>
+                <a:latin typeface="+mn-lt"/>
+                <a:ea typeface="+mn-ea"/>
+                <a:cs typeface="+mn-cs"/>
+              </a:defRPr>
+            </a:lvl6pPr>
+            <a:lvl7pPr marL="1650000" indent="-171450" algn="l" defTabSz="342900" rtl="0" eaLnBrk="1" latinLnBrk="0" hangingPunct="1">
+              <a:spcBef>
+                <a:spcPct val="20000"/>
+              </a:spcBef>
+              <a:spcAft>
+                <a:spcPts val="450"/>
+              </a:spcAft>
+              <a:buClr>
+                <a:schemeClr val="accent2"/>
+              </a:buClr>
+              <a:buSzPct val="92000"/>
+              <a:buFont typeface="Wingdings 2" panose="05020102010507070707" pitchFamily="18" charset="2"/>
+              <a:buChar char=""/>
+              <a:defRPr sz="900" kern="1200">
+                <a:solidFill>
+                  <a:schemeClr val="tx2"/>
+                </a:solidFill>
+                <a:latin typeface="+mn-lt"/>
+                <a:ea typeface="+mn-ea"/>
+                <a:cs typeface="+mn-cs"/>
+              </a:defRPr>
+            </a:lvl7pPr>
+            <a:lvl8pPr marL="1875000" indent="-171450" algn="l" defTabSz="342900" rtl="0" eaLnBrk="1" latinLnBrk="0" hangingPunct="1">
+              <a:spcBef>
+                <a:spcPct val="20000"/>
+              </a:spcBef>
+              <a:spcAft>
+                <a:spcPts val="450"/>
+              </a:spcAft>
+              <a:buClr>
+                <a:schemeClr val="accent2"/>
+              </a:buClr>
+              <a:buSzPct val="92000"/>
+              <a:buFont typeface="Wingdings 2" panose="05020102010507070707" pitchFamily="18" charset="2"/>
+              <a:buChar char=""/>
+              <a:defRPr sz="900" kern="1200">
+                <a:solidFill>
+                  <a:schemeClr val="tx2"/>
+                </a:solidFill>
+                <a:latin typeface="+mn-lt"/>
+                <a:ea typeface="+mn-ea"/>
+                <a:cs typeface="+mn-cs"/>
+              </a:defRPr>
+            </a:lvl8pPr>
+            <a:lvl9pPr marL="2100000" indent="-171450" algn="l" defTabSz="342900" rtl="0" eaLnBrk="1" latinLnBrk="0" hangingPunct="1">
+              <a:spcBef>
+                <a:spcPct val="20000"/>
+              </a:spcBef>
+              <a:spcAft>
+                <a:spcPts val="450"/>
+              </a:spcAft>
+              <a:buClr>
+                <a:schemeClr val="accent2"/>
+              </a:buClr>
+              <a:buSzPct val="92000"/>
+              <a:buFont typeface="Wingdings 2" panose="05020102010507070707" pitchFamily="18" charset="2"/>
+              <a:buChar char=""/>
+              <a:defRPr sz="900" kern="1200">
+                <a:solidFill>
+                  <a:schemeClr val="tx2"/>
+                </a:solidFill>
+                <a:latin typeface="+mn-lt"/>
+                <a:ea typeface="+mn-ea"/>
+                <a:cs typeface="+mn-cs"/>
+              </a:defRPr>
+            </a:lvl9pPr>
+          </a:lstStyle>
+          <a:p>
+            <a:r>
+              <a:rPr lang="fr-FR" dirty="0" smtClean="0"/>
               <a:t>Entête précompilée : stable.pch</a:t>
             </a:r>
           </a:p>
@@ -19522,13 +20296,7 @@
               <a:rPr lang="fr-FR" sz="1400" dirty="0" smtClean="0">
                 <a:sym typeface="Wingdings" panose="05000000000000000000" pitchFamily="2" charset="2"/>
               </a:rPr>
-              <a:t> </a:t>
-            </a:r>
-            <a:r>
-              <a:rPr lang="fr-FR" sz="1400" dirty="0" smtClean="0">
-                <a:sym typeface="Wingdings" panose="05000000000000000000" pitchFamily="2" charset="2"/>
-              </a:rPr>
-              <a:t>et noter le temps de compilation</a:t>
+              <a:t> et noter le temps de compilation</a:t>
             </a:r>
             <a:endParaRPr lang="fr-FR" sz="1400" dirty="0" smtClean="0"/>
           </a:p>
@@ -19783,11 +20551,7 @@
             </a:r>
             <a:r>
               <a:rPr lang="fr-FR" sz="1600" dirty="0" smtClean="0"/>
-              <a:t> ouvrez </a:t>
-            </a:r>
-            <a:r>
-              <a:rPr lang="fr-FR" sz="1600" dirty="0" smtClean="0"/>
-              <a:t>visual.pro</a:t>
+              <a:t> ouvrez visual.pro</a:t>
             </a:r>
           </a:p>
           <a:p>
@@ -19804,33 +20568,12 @@
               <a:rPr lang="fr-FR" sz="1450" dirty="0" smtClean="0"/>
               <a:t>PRECOMPILED_HEADER = …</a:t>
             </a:r>
-            <a:endParaRPr lang="fr-FR" sz="1450" dirty="0" smtClean="0"/>
           </a:p>
           <a:p>
             <a:pPr lvl="1"/>
             <a:r>
               <a:rPr lang="fr-FR" sz="1600" dirty="0" smtClean="0"/>
-              <a:t>Attention : l’entête </a:t>
-            </a:r>
-            <a:r>
-              <a:rPr lang="fr-FR" sz="1600" dirty="0" smtClean="0"/>
-              <a:t>précompilée </a:t>
-            </a:r>
-            <a:r>
-              <a:rPr lang="fr-FR" sz="1600" dirty="0" smtClean="0"/>
-              <a:t>ne doit </a:t>
-            </a:r>
-            <a:r>
-              <a:rPr lang="fr-FR" sz="1600" dirty="0" smtClean="0"/>
-              <a:t>pas </a:t>
-            </a:r>
-            <a:r>
-              <a:rPr lang="fr-FR" sz="1600" dirty="0" smtClean="0"/>
-              <a:t>être ajoutée </a:t>
-            </a:r>
-            <a:r>
-              <a:rPr lang="fr-FR" sz="1600" dirty="0" smtClean="0"/>
-              <a:t>aux headers !</a:t>
+              <a:t>Attention : l’entête précompilée ne doit pas être ajoutée aux headers !</a:t>
             </a:r>
           </a:p>
           <a:p>
@@ -19848,11 +20591,7 @@
           <a:p>
             <a:r>
               <a:rPr lang="fr-FR" sz="1600" dirty="0" smtClean="0"/>
-              <a:t>Relever les informations d’activation des entêtes précompilées affectées aux fichiers </a:t>
-            </a:r>
-            <a:r>
-              <a:rPr lang="fr-FR" sz="1600" dirty="0" smtClean="0"/>
-              <a:t>sources</a:t>
+              <a:t>Relever les informations d’activation des entêtes précompilées affectées aux fichiers sources</a:t>
             </a:r>
           </a:p>
           <a:p>
@@ -21300,6 +22039,15 @@
 </file>
 
 <file path=customXml/item1.xml><?xml version="1.0" encoding="utf-8"?>
+<?mso-contentType ?>
+<FormTemplates xmlns="http://schemas.microsoft.com/sharepoint/v3/contenttype/forms">
+  <Display>DocumentLibraryForm</Display>
+  <Edit>DocumentLibraryForm</Edit>
+  <New>DocumentLibraryForm</New>
+</FormTemplates>
+</file>
+
+<file path=customXml/item2.xml><?xml version="1.0" encoding="utf-8"?>
 <ct:contentTypeSchema xmlns:ct="http://schemas.microsoft.com/office/2006/metadata/contentType" xmlns:ma="http://schemas.microsoft.com/office/2006/metadata/properties/metaAttributes" ct:_="" ma:_="" ma:contentTypeName="Document" ma:contentTypeID="0x01010079F111ED35F8CC479449609E8A0923A6" ma:contentTypeVersion="11" ma:contentTypeDescription="Create a new document." ma:contentTypeScope="" ma:versionID="9677210f24a1be23c92c90fd886aa0aa">
   <xsd:schema xmlns:xsd="http://www.w3.org/2001/XMLSchema" xmlns:xs="http://www.w3.org/2001/XMLSchema" xmlns:p="http://schemas.microsoft.com/office/2006/metadata/properties" xmlns:ns2="71af3243-3dd4-4a8d-8c0d-dd76da1f02a5" xmlns:ns3="16c05727-aa75-4e4a-9b5f-8a80a1165891" targetNamespace="http://schemas.microsoft.com/office/2006/metadata/properties" ma:root="true" ma:fieldsID="60e05723c5c1908df1a1a4ebf11d344e" ns2:_="" ns3:_="">
     <xsd:import namespace="71af3243-3dd4-4a8d-8c0d-dd76da1f02a5"/>
@@ -21510,15 +22258,6 @@
 </ct:contentTypeSchema>
 </file>
 
-<file path=customXml/item2.xml><?xml version="1.0" encoding="utf-8"?>
-<?mso-contentType ?>
-<FormTemplates xmlns="http://schemas.microsoft.com/sharepoint/v3/contenttype/forms">
-  <Display>DocumentLibraryForm</Display>
-  <Edit>DocumentLibraryForm</Edit>
-  <New>DocumentLibraryForm</New>
-</FormTemplates>
-</file>
-
 <file path=customXml/item3.xml><?xml version="1.0" encoding="utf-8"?>
 <p:properties xmlns:p="http://schemas.microsoft.com/office/2006/metadata/properties" xmlns:xsi="http://www.w3.org/2001/XMLSchema-instance" xmlns:pc="http://schemas.microsoft.com/office/infopath/2007/PartnerControls">
   <documentManagement>
@@ -21528,6 +22267,14 @@
 </file>
 
 <file path=customXml/itemProps1.xml><?xml version="1.0" encoding="utf-8"?>
+<ds:datastoreItem xmlns:ds="http://schemas.openxmlformats.org/officeDocument/2006/customXml" ds:itemID="{2B21BF1A-59D3-4E19-9B95-2FD4309AC3AF}">
+  <ds:schemaRefs>
+    <ds:schemaRef ds:uri="http://schemas.microsoft.com/sharepoint/v3/contenttype/forms"/>
+  </ds:schemaRefs>
+</ds:datastoreItem>
+</file>
+
+<file path=customXml/itemProps2.xml><?xml version="1.0" encoding="utf-8"?>
 <ds:datastoreItem xmlns:ds="http://schemas.openxmlformats.org/officeDocument/2006/customXml" ds:itemID="{1EED214C-B51A-4B75-8B08-0E0DBD2305BE}">
   <ds:schemaRefs>
     <ds:schemaRef ds:uri="http://schemas.microsoft.com/office/2006/metadata/contentType"/>
@@ -21542,14 +22289,6 @@
     <ds:schemaRef ds:uri="http://purl.org/dc/elements/1.1/"/>
     <ds:schemaRef ds:uri="http://purl.org/dc/terms/"/>
     <ds:schemaRef ds:uri="http://schemas.microsoft.com/internal/obd"/>
-  </ds:schemaRefs>
-</ds:datastoreItem>
-</file>
-
-<file path=customXml/itemProps2.xml><?xml version="1.0" encoding="utf-8"?>
-<ds:datastoreItem xmlns:ds="http://schemas.openxmlformats.org/officeDocument/2006/customXml" ds:itemID="{2B21BF1A-59D3-4E19-9B95-2FD4309AC3AF}">
-  <ds:schemaRefs>
-    <ds:schemaRef ds:uri="http://schemas.microsoft.com/sharepoint/v3/contenttype/forms"/>
   </ds:schemaRefs>
 </ds:datastoreItem>
 </file>

--- a/diapos/CPP_aprem.pptx
+++ b/diapos/CPP_aprem.pptx
@@ -5771,6 +5771,59 @@
           </a:p>
           <a:p>
             <a:r>
+              <a:rPr lang="fr-FR" sz="936" kern="1200" dirty="0" smtClean="0">
+                <a:solidFill>
+                  <a:schemeClr val="tx1"/>
+                </a:solidFill>
+                <a:latin typeface="+mn-lt"/>
+                <a:ea typeface="+mn-ea"/>
+                <a:cs typeface="+mn-cs"/>
+              </a:rPr>
+              <a:t>X2</a:t>
+            </a:r>
+            <a:r>
+              <a:rPr lang="fr-FR" sz="936" kern="1200" baseline="0" dirty="0" smtClean="0">
+                <a:solidFill>
+                  <a:schemeClr val="tx1"/>
+                </a:solidFill>
+                <a:latin typeface="+mn-lt"/>
+                <a:ea typeface="+mn-ea"/>
+                <a:cs typeface="+mn-cs"/>
+              </a:rPr>
+              <a:t> sur l’</a:t>
+            </a:r>
+            <a:r>
+              <a:rPr lang="fr-FR" sz="936" kern="1200" baseline="0" dirty="0" err="1" smtClean="0">
+                <a:solidFill>
+                  <a:schemeClr val="tx1"/>
+                </a:solidFill>
+                <a:latin typeface="+mn-lt"/>
+                <a:ea typeface="+mn-ea"/>
+                <a:cs typeface="+mn-cs"/>
+              </a:rPr>
+              <a:t>exec</a:t>
+            </a:r>
+            <a:endParaRPr lang="fr-FR" sz="936" kern="1200" dirty="0" smtClean="0">
+              <a:solidFill>
+                <a:schemeClr val="tx1"/>
+              </a:solidFill>
+              <a:latin typeface="+mn-lt"/>
+              <a:ea typeface="+mn-ea"/>
+              <a:cs typeface="+mn-cs"/>
+            </a:endParaRPr>
+          </a:p>
+          <a:p>
+            <a:endParaRPr lang="fr-FR" sz="936" kern="1200" dirty="0" smtClean="0">
+              <a:solidFill>
+                <a:schemeClr val="tx1"/>
+              </a:solidFill>
+              <a:latin typeface="+mn-lt"/>
+              <a:ea typeface="+mn-ea"/>
+              <a:cs typeface="+mn-cs"/>
+            </a:endParaRPr>
+          </a:p>
+          <a:p>
+            <a:r>
               <a:rPr lang="nl-NL" sz="936" kern="1200" dirty="0" smtClean="0">
                 <a:solidFill>
                   <a:schemeClr val="tx1"/>
@@ -11968,6 +12021,13 @@
   <p:clrMapOvr>
     <a:masterClrMapping/>
   </p:clrMapOvr>
+  <p:timing>
+    <p:tnLst>
+      <p:par>
+        <p:cTn id="1" dur="indefinite" restart="never" nodeType="tmRoot"/>
+      </p:par>
+    </p:tnLst>
+  </p:timing>
 </p:sld>
 </file>
 
@@ -12360,6 +12420,13 @@
   <p:clrMapOvr>
     <a:masterClrMapping/>
   </p:clrMapOvr>
+  <p:timing>
+    <p:tnLst>
+      <p:par>
+        <p:cTn id="1" dur="indefinite" restart="never" nodeType="tmRoot"/>
+      </p:par>
+    </p:tnLst>
+  </p:timing>
 </p:sld>
 </file>
 
@@ -13441,6 +13508,13 @@
   <p:clrMapOvr>
     <a:masterClrMapping/>
   </p:clrMapOvr>
+  <p:timing>
+    <p:tnLst>
+      <p:par>
+        <p:cTn id="1" dur="indefinite" restart="never" nodeType="tmRoot"/>
+      </p:par>
+    </p:tnLst>
+  </p:timing>
 </p:sld>
 </file>
 
@@ -13882,6 +13956,13 @@
   <p:clrMapOvr>
     <a:masterClrMapping/>
   </p:clrMapOvr>
+  <p:timing>
+    <p:tnLst>
+      <p:par>
+        <p:cTn id="1" dur="indefinite" restart="never" nodeType="tmRoot"/>
+      </p:par>
+    </p:tnLst>
+  </p:timing>
 </p:sld>
 </file>
 
@@ -15493,6 +15574,13 @@
   <p:clrMapOvr>
     <a:masterClrMapping/>
   </p:clrMapOvr>
+  <p:timing>
+    <p:tnLst>
+      <p:par>
+        <p:cTn id="1" dur="indefinite" restart="never" nodeType="tmRoot"/>
+      </p:par>
+    </p:tnLst>
+  </p:timing>
 </p:sld>
 </file>
 
@@ -16660,7 +16748,6 @@
               <a:rPr lang="fr-FR" dirty="0" smtClean="0"/>
               <a:t>Mettre en place un projet « parfait »</a:t>
             </a:r>
-            <a:endParaRPr lang="fr-FR" dirty="0" smtClean="0"/>
           </a:p>
           <a:p>
             <a:r>
@@ -16690,7 +16777,6 @@
               <a:rPr lang="fr-FR" dirty="0" smtClean="0"/>
               <a:t>Option de compilation /W4</a:t>
             </a:r>
-            <a:endParaRPr lang="fr-FR" dirty="0" smtClean="0"/>
           </a:p>
           <a:p>
             <a:endParaRPr lang="fr-FR" dirty="0" smtClean="0"/>
@@ -16776,22 +16862,31 @@
           <a:p>
             <a:r>
               <a:rPr lang="fr-FR" dirty="0" smtClean="0"/>
-              <a:t>Tout ce qu’on a vu</a:t>
-            </a:r>
+              <a:t>Tout ce qu’on a </a:t>
+            </a:r>
+            <a:r>
+              <a:rPr lang="fr-FR" dirty="0" smtClean="0"/>
+              <a:t>vu</a:t>
+            </a:r>
+          </a:p>
+          <a:p>
+            <a:r>
+              <a:rPr lang="fr-FR" dirty="0" smtClean="0"/>
+              <a:t>Mettez sur papier votre projet</a:t>
+            </a:r>
+            <a:endParaRPr lang="fr-FR" dirty="0" smtClean="0"/>
           </a:p>
           <a:p>
             <a:r>
               <a:rPr lang="fr-FR" dirty="0" smtClean="0"/>
               <a:t>CMAKE / QMAKE ou directement Visual Studio</a:t>
             </a:r>
-            <a:endParaRPr lang="fr-FR" dirty="0" smtClean="0"/>
           </a:p>
           <a:p>
             <a:r>
               <a:rPr lang="fr-FR" dirty="0" smtClean="0"/>
               <a:t>Sujet libre</a:t>
             </a:r>
-            <a:endParaRPr lang="fr-FR" dirty="0" smtClean="0"/>
           </a:p>
           <a:p>
             <a:endParaRPr lang="fr-FR" dirty="0" smtClean="0"/>
@@ -19401,6 +19496,13 @@
   <p:clrMapOvr>
     <a:masterClrMapping/>
   </p:clrMapOvr>
+  <p:timing>
+    <p:tnLst>
+      <p:par>
+        <p:cTn id="1" dur="indefinite" restart="never" nodeType="tmRoot"/>
+      </p:par>
+    </p:tnLst>
+  </p:timing>
 </p:sld>
 </file>
 
@@ -19692,6 +19794,13 @@
   <p:clrMapOvr>
     <a:masterClrMapping/>
   </p:clrMapOvr>
+  <p:timing>
+    <p:tnLst>
+      <p:par>
+        <p:cTn id="1" dur="indefinite" restart="never" nodeType="tmRoot"/>
+      </p:par>
+    </p:tnLst>
+  </p:timing>
 </p:sld>
 </file>
 
@@ -20088,6 +20197,13 @@
   <p:clrMapOvr>
     <a:masterClrMapping/>
   </p:clrMapOvr>
+  <p:timing>
+    <p:tnLst>
+      <p:par>
+        <p:cTn id="1" dur="indefinite" restart="never" nodeType="tmRoot"/>
+      </p:par>
+    </p:tnLst>
+  </p:timing>
 </p:sld>
 </file>
 
@@ -20456,6 +20572,13 @@
   <p:clrMapOvr>
     <a:masterClrMapping/>
   </p:clrMapOvr>
+  <p:timing>
+    <p:tnLst>
+      <p:par>
+        <p:cTn id="1" dur="indefinite" restart="never" nodeType="tmRoot"/>
+      </p:par>
+    </p:tnLst>
+  </p:timing>
 </p:sld>
 </file>
 
@@ -20652,6 +20775,13 @@
   <p:clrMapOvr>
     <a:masterClrMapping/>
   </p:clrMapOvr>
+  <p:timing>
+    <p:tnLst>
+      <p:par>
+        <p:cTn id="1" dur="indefinite" restart="never" nodeType="tmRoot"/>
+      </p:par>
+    </p:tnLst>
+  </p:timing>
 </p:sld>
 </file>
 
@@ -21063,6 +21193,13 @@
   <p:clrMapOvr>
     <a:masterClrMapping/>
   </p:clrMapOvr>
+  <p:timing>
+    <p:tnLst>
+      <p:par>
+        <p:cTn id="1" dur="indefinite" restart="never" nodeType="tmRoot"/>
+      </p:par>
+    </p:tnLst>
+  </p:timing>
 </p:sld>
 </file>
 
@@ -21176,6 +21313,13 @@
   <p:clrMapOvr>
     <a:masterClrMapping/>
   </p:clrMapOvr>
+  <p:timing>
+    <p:tnLst>
+      <p:par>
+        <p:cTn id="1" dur="indefinite" restart="never" nodeType="tmRoot"/>
+      </p:par>
+    </p:tnLst>
+  </p:timing>
 </p:sld>
 </file>
 
@@ -22039,15 +22183,6 @@
 </file>
 
 <file path=customXml/item1.xml><?xml version="1.0" encoding="utf-8"?>
-<?mso-contentType ?>
-<FormTemplates xmlns="http://schemas.microsoft.com/sharepoint/v3/contenttype/forms">
-  <Display>DocumentLibraryForm</Display>
-  <Edit>DocumentLibraryForm</Edit>
-  <New>DocumentLibraryForm</New>
-</FormTemplates>
-</file>
-
-<file path=customXml/item2.xml><?xml version="1.0" encoding="utf-8"?>
 <ct:contentTypeSchema xmlns:ct="http://schemas.microsoft.com/office/2006/metadata/contentType" xmlns:ma="http://schemas.microsoft.com/office/2006/metadata/properties/metaAttributes" ct:_="" ma:_="" ma:contentTypeName="Document" ma:contentTypeID="0x01010079F111ED35F8CC479449609E8A0923A6" ma:contentTypeVersion="11" ma:contentTypeDescription="Create a new document." ma:contentTypeScope="" ma:versionID="9677210f24a1be23c92c90fd886aa0aa">
   <xsd:schema xmlns:xsd="http://www.w3.org/2001/XMLSchema" xmlns:xs="http://www.w3.org/2001/XMLSchema" xmlns:p="http://schemas.microsoft.com/office/2006/metadata/properties" xmlns:ns2="71af3243-3dd4-4a8d-8c0d-dd76da1f02a5" xmlns:ns3="16c05727-aa75-4e4a-9b5f-8a80a1165891" targetNamespace="http://schemas.microsoft.com/office/2006/metadata/properties" ma:root="true" ma:fieldsID="60e05723c5c1908df1a1a4ebf11d344e" ns2:_="" ns3:_="">
     <xsd:import namespace="71af3243-3dd4-4a8d-8c0d-dd76da1f02a5"/>
@@ -22258,6 +22393,15 @@
 </ct:contentTypeSchema>
 </file>
 
+<file path=customXml/item2.xml><?xml version="1.0" encoding="utf-8"?>
+<?mso-contentType ?>
+<FormTemplates xmlns="http://schemas.microsoft.com/sharepoint/v3/contenttype/forms">
+  <Display>DocumentLibraryForm</Display>
+  <Edit>DocumentLibraryForm</Edit>
+  <New>DocumentLibraryForm</New>
+</FormTemplates>
+</file>
+
 <file path=customXml/item3.xml><?xml version="1.0" encoding="utf-8"?>
 <p:properties xmlns:p="http://schemas.microsoft.com/office/2006/metadata/properties" xmlns:xsi="http://www.w3.org/2001/XMLSchema-instance" xmlns:pc="http://schemas.microsoft.com/office/infopath/2007/PartnerControls">
   <documentManagement>
@@ -22267,14 +22411,6 @@
 </file>
 
 <file path=customXml/itemProps1.xml><?xml version="1.0" encoding="utf-8"?>
-<ds:datastoreItem xmlns:ds="http://schemas.openxmlformats.org/officeDocument/2006/customXml" ds:itemID="{2B21BF1A-59D3-4E19-9B95-2FD4309AC3AF}">
-  <ds:schemaRefs>
-    <ds:schemaRef ds:uri="http://schemas.microsoft.com/sharepoint/v3/contenttype/forms"/>
-  </ds:schemaRefs>
-</ds:datastoreItem>
-</file>
-
-<file path=customXml/itemProps2.xml><?xml version="1.0" encoding="utf-8"?>
 <ds:datastoreItem xmlns:ds="http://schemas.openxmlformats.org/officeDocument/2006/customXml" ds:itemID="{1EED214C-B51A-4B75-8B08-0E0DBD2305BE}">
   <ds:schemaRefs>
     <ds:schemaRef ds:uri="http://schemas.microsoft.com/office/2006/metadata/contentType"/>
@@ -22289,6 +22425,14 @@
     <ds:schemaRef ds:uri="http://purl.org/dc/elements/1.1/"/>
     <ds:schemaRef ds:uri="http://purl.org/dc/terms/"/>
     <ds:schemaRef ds:uri="http://schemas.microsoft.com/internal/obd"/>
+  </ds:schemaRefs>
+</ds:datastoreItem>
+</file>
+
+<file path=customXml/itemProps2.xml><?xml version="1.0" encoding="utf-8"?>
+<ds:datastoreItem xmlns:ds="http://schemas.openxmlformats.org/officeDocument/2006/customXml" ds:itemID="{2B21BF1A-59D3-4E19-9B95-2FD4309AC3AF}">
+  <ds:schemaRefs>
+    <ds:schemaRef ds:uri="http://schemas.microsoft.com/sharepoint/v3/contenttype/forms"/>
   </ds:schemaRefs>
 </ds:datastoreItem>
 </file>
